--- a/UnitOfWork.pptx
+++ b/UnitOfWork.pptx
@@ -872,14 +872,95 @@
 </file>
 
 <file path=ppt/diagrams/colors10.xml><?xml version="1.0" encoding="utf-8"?>
-<dgm:colorsDef xmlns:dgm="http://schemas.openxmlformats.org/drawingml/2006/diagram" xmlns:a="http://schemas.openxmlformats.org/drawingml/2006/main" uniqueId="urn:microsoft.com/office/officeart/2005/8/colors/accent1_2">
+<dgm:colorsDef xmlns:dgm="http://schemas.openxmlformats.org/drawingml/2006/diagram" xmlns:a="http://schemas.openxmlformats.org/drawingml/2006/main" uniqueId="urn:microsoft.com/office/officeart/2005/8/colors/colorful5">
   <dgm:title val=""/>
   <dgm:desc val=""/>
   <dgm:catLst>
-    <dgm:cat type="accent1" pri="11200"/>
+    <dgm:cat type="colorful" pri="10500"/>
   </dgm:catLst>
   <dgm:styleLbl name="node0">
     <dgm:fillClrLst meth="repeat">
+      <a:schemeClr val="accent4"/>
+    </dgm:fillClrLst>
+    <dgm:linClrLst meth="repeat">
+      <a:schemeClr val="lt1"/>
+    </dgm:linClrLst>
+    <dgm:effectClrLst/>
+    <dgm:txLinClrLst/>
+    <dgm:txFillClrLst/>
+    <dgm:txEffectClrLst/>
+  </dgm:styleLbl>
+  <dgm:styleLbl name="node1">
+    <dgm:fillClrLst>
+      <a:schemeClr val="accent5"/>
+      <a:schemeClr val="accent6"/>
+    </dgm:fillClrLst>
+    <dgm:linClrLst meth="repeat">
+      <a:schemeClr val="lt1"/>
+    </dgm:linClrLst>
+    <dgm:effectClrLst/>
+    <dgm:txLinClrLst/>
+    <dgm:txFillClrLst/>
+    <dgm:txEffectClrLst/>
+  </dgm:styleLbl>
+  <dgm:styleLbl name="alignNode1">
+    <dgm:fillClrLst>
+      <a:schemeClr val="accent5"/>
+      <a:schemeClr val="accent6"/>
+    </dgm:fillClrLst>
+    <dgm:linClrLst>
+      <a:schemeClr val="accent5"/>
+      <a:schemeClr val="accent6"/>
+    </dgm:linClrLst>
+    <dgm:effectClrLst/>
+    <dgm:txLinClrLst/>
+    <dgm:txFillClrLst/>
+    <dgm:txEffectClrLst/>
+  </dgm:styleLbl>
+  <dgm:styleLbl name="lnNode1">
+    <dgm:fillClrLst>
+      <a:schemeClr val="accent5"/>
+      <a:schemeClr val="accent6"/>
+    </dgm:fillClrLst>
+    <dgm:linClrLst meth="repeat">
+      <a:schemeClr val="lt1"/>
+    </dgm:linClrLst>
+    <dgm:effectClrLst/>
+    <dgm:txLinClrLst/>
+    <dgm:txFillClrLst/>
+    <dgm:txEffectClrLst/>
+  </dgm:styleLbl>
+  <dgm:styleLbl name="vennNode1">
+    <dgm:fillClrLst>
+      <a:schemeClr val="accent5">
+        <a:alpha val="50000"/>
+      </a:schemeClr>
+      <a:schemeClr val="accent6">
+        <a:alpha val="50000"/>
+      </a:schemeClr>
+    </dgm:fillClrLst>
+    <dgm:linClrLst meth="repeat">
+      <a:schemeClr val="lt1"/>
+    </dgm:linClrLst>
+    <dgm:effectClrLst/>
+    <dgm:txLinClrLst/>
+    <dgm:txFillClrLst/>
+    <dgm:txEffectClrLst/>
+  </dgm:styleLbl>
+  <dgm:styleLbl name="node2">
+    <dgm:fillClrLst>
+      <a:schemeClr val="accent6"/>
+    </dgm:fillClrLst>
+    <dgm:linClrLst meth="repeat">
+      <a:schemeClr val="lt1"/>
+    </dgm:linClrLst>
+    <dgm:effectClrLst/>
+    <dgm:txLinClrLst/>
+    <dgm:txFillClrLst/>
+    <dgm:txEffectClrLst/>
+  </dgm:styleLbl>
+  <dgm:styleLbl name="node3">
+    <dgm:fillClrLst>
       <a:schemeClr val="accent1"/>
     </dgm:fillClrLst>
     <dgm:linClrLst meth="repeat">
@@ -890,394 +971,317 @@
     <dgm:txFillClrLst/>
     <dgm:txEffectClrLst/>
   </dgm:styleLbl>
-  <dgm:styleLbl name="alignNode1">
-    <dgm:fillClrLst meth="repeat">
+  <dgm:styleLbl name="node4">
+    <dgm:fillClrLst>
+      <a:schemeClr val="accent2"/>
+    </dgm:fillClrLst>
+    <dgm:linClrLst meth="repeat">
+      <a:schemeClr val="lt1"/>
+    </dgm:linClrLst>
+    <dgm:effectClrLst/>
+    <dgm:txLinClrLst/>
+    <dgm:txFillClrLst/>
+    <dgm:txEffectClrLst/>
+  </dgm:styleLbl>
+  <dgm:styleLbl name="fgImgPlace1">
+    <dgm:fillClrLst>
+      <a:schemeClr val="accent5">
+        <a:tint val="50000"/>
+      </a:schemeClr>
+      <a:schemeClr val="accent6">
+        <a:tint val="50000"/>
+      </a:schemeClr>
+    </dgm:fillClrLst>
+    <dgm:linClrLst meth="repeat">
+      <a:schemeClr val="lt1"/>
+    </dgm:linClrLst>
+    <dgm:effectClrLst/>
+    <dgm:txLinClrLst/>
+    <dgm:txFillClrLst meth="repeat">
+      <a:schemeClr val="lt1"/>
+    </dgm:txFillClrLst>
+    <dgm:txEffectClrLst/>
+  </dgm:styleLbl>
+  <dgm:styleLbl name="alignImgPlace1">
+    <dgm:fillClrLst>
+      <a:schemeClr val="accent5">
+        <a:tint val="50000"/>
+      </a:schemeClr>
+      <a:schemeClr val="accent6">
+        <a:tint val="20000"/>
+      </a:schemeClr>
+    </dgm:fillClrLst>
+    <dgm:linClrLst meth="repeat">
+      <a:schemeClr val="lt1"/>
+    </dgm:linClrLst>
+    <dgm:effectClrLst/>
+    <dgm:txLinClrLst/>
+    <dgm:txFillClrLst meth="repeat">
+      <a:schemeClr val="lt1"/>
+    </dgm:txFillClrLst>
+    <dgm:txEffectClrLst/>
+  </dgm:styleLbl>
+  <dgm:styleLbl name="bgImgPlace1">
+    <dgm:fillClrLst>
+      <a:schemeClr val="accent5">
+        <a:tint val="50000"/>
+      </a:schemeClr>
+      <a:schemeClr val="accent6">
+        <a:tint val="20000"/>
+      </a:schemeClr>
+    </dgm:fillClrLst>
+    <dgm:linClrLst meth="repeat">
+      <a:schemeClr val="lt1"/>
+    </dgm:linClrLst>
+    <dgm:effectClrLst/>
+    <dgm:txLinClrLst/>
+    <dgm:txFillClrLst meth="repeat">
+      <a:schemeClr val="lt1"/>
+    </dgm:txFillClrLst>
+    <dgm:txEffectClrLst/>
+  </dgm:styleLbl>
+  <dgm:styleLbl name="sibTrans2D1">
+    <dgm:fillClrLst>
+      <a:schemeClr val="accent5"/>
+      <a:schemeClr val="accent6"/>
+    </dgm:fillClrLst>
+    <dgm:linClrLst meth="repeat">
+      <a:schemeClr val="lt1"/>
+    </dgm:linClrLst>
+    <dgm:effectClrLst/>
+    <dgm:txLinClrLst/>
+    <dgm:txFillClrLst/>
+    <dgm:txEffectClrLst/>
+  </dgm:styleLbl>
+  <dgm:styleLbl name="fgSibTrans2D1">
+    <dgm:fillClrLst>
+      <a:schemeClr val="accent5"/>
+      <a:schemeClr val="accent6"/>
+    </dgm:fillClrLst>
+    <dgm:linClrLst meth="repeat">
+      <a:schemeClr val="lt1"/>
+    </dgm:linClrLst>
+    <dgm:effectClrLst/>
+    <dgm:txLinClrLst/>
+    <dgm:txFillClrLst meth="repeat">
+      <a:schemeClr val="lt1"/>
+    </dgm:txFillClrLst>
+    <dgm:txEffectClrLst/>
+  </dgm:styleLbl>
+  <dgm:styleLbl name="bgSibTrans2D1">
+    <dgm:fillClrLst>
+      <a:schemeClr val="accent5"/>
+      <a:schemeClr val="accent6"/>
+    </dgm:fillClrLst>
+    <dgm:linClrLst meth="repeat">
+      <a:schemeClr val="lt1"/>
+    </dgm:linClrLst>
+    <dgm:effectClrLst/>
+    <dgm:txLinClrLst/>
+    <dgm:txFillClrLst meth="repeat">
+      <a:schemeClr val="lt1"/>
+    </dgm:txFillClrLst>
+    <dgm:txEffectClrLst/>
+  </dgm:styleLbl>
+  <dgm:styleLbl name="sibTrans1D1">
+    <dgm:fillClrLst/>
+    <dgm:linClrLst>
+      <a:schemeClr val="accent5"/>
+      <a:schemeClr val="accent6"/>
+    </dgm:linClrLst>
+    <dgm:effectClrLst/>
+    <dgm:txLinClrLst/>
+    <dgm:txFillClrLst meth="repeat">
+      <a:schemeClr val="tx1"/>
+    </dgm:txFillClrLst>
+    <dgm:txEffectClrLst/>
+  </dgm:styleLbl>
+  <dgm:styleLbl name="callout">
+    <dgm:fillClrLst meth="repeat">
+      <a:schemeClr val="accent5"/>
+    </dgm:fillClrLst>
+    <dgm:linClrLst meth="repeat">
+      <a:schemeClr val="accent5">
+        <a:tint val="50000"/>
+      </a:schemeClr>
+    </dgm:linClrLst>
+    <dgm:effectClrLst/>
+    <dgm:txLinClrLst/>
+    <dgm:txFillClrLst meth="repeat">
+      <a:schemeClr val="tx1"/>
+    </dgm:txFillClrLst>
+    <dgm:txEffectClrLst/>
+  </dgm:styleLbl>
+  <dgm:styleLbl name="asst0">
+    <dgm:fillClrLst meth="repeat">
+      <a:schemeClr val="accent5"/>
+    </dgm:fillClrLst>
+    <dgm:linClrLst meth="repeat">
+      <a:schemeClr val="lt1">
+        <a:shade val="80000"/>
+      </a:schemeClr>
+    </dgm:linClrLst>
+    <dgm:effectClrLst/>
+    <dgm:txLinClrLst/>
+    <dgm:txFillClrLst/>
+    <dgm:txEffectClrLst/>
+  </dgm:styleLbl>
+  <dgm:styleLbl name="asst1">
+    <dgm:fillClrLst meth="repeat">
+      <a:schemeClr val="accent6"/>
+    </dgm:fillClrLst>
+    <dgm:linClrLst meth="repeat">
+      <a:schemeClr val="lt1">
+        <a:shade val="80000"/>
+      </a:schemeClr>
+    </dgm:linClrLst>
+    <dgm:effectClrLst/>
+    <dgm:txLinClrLst/>
+    <dgm:txFillClrLst/>
+    <dgm:txEffectClrLst/>
+  </dgm:styleLbl>
+  <dgm:styleLbl name="asst2">
+    <dgm:fillClrLst>
       <a:schemeClr val="accent1"/>
     </dgm:fillClrLst>
     <dgm:linClrLst meth="repeat">
+      <a:schemeClr val="lt1"/>
+    </dgm:linClrLst>
+    <dgm:effectClrLst/>
+    <dgm:txLinClrLst/>
+    <dgm:txFillClrLst/>
+    <dgm:txEffectClrLst/>
+  </dgm:styleLbl>
+  <dgm:styleLbl name="asst3">
+    <dgm:fillClrLst>
+      <a:schemeClr val="accent2"/>
+    </dgm:fillClrLst>
+    <dgm:linClrLst meth="repeat">
+      <a:schemeClr val="lt1"/>
+    </dgm:linClrLst>
+    <dgm:effectClrLst/>
+    <dgm:txLinClrLst/>
+    <dgm:txFillClrLst/>
+    <dgm:txEffectClrLst/>
+  </dgm:styleLbl>
+  <dgm:styleLbl name="asst4">
+    <dgm:fillClrLst>
+      <a:schemeClr val="accent3"/>
+    </dgm:fillClrLst>
+    <dgm:linClrLst meth="repeat">
+      <a:schemeClr val="lt1"/>
+    </dgm:linClrLst>
+    <dgm:effectClrLst/>
+    <dgm:txLinClrLst/>
+    <dgm:txFillClrLst/>
+    <dgm:txEffectClrLst/>
+  </dgm:styleLbl>
+  <dgm:styleLbl name="parChTrans2D1">
+    <dgm:fillClrLst meth="repeat">
+      <a:schemeClr val="accent5"/>
+    </dgm:fillClrLst>
+    <dgm:linClrLst meth="repeat">
+      <a:schemeClr val="lt1"/>
+    </dgm:linClrLst>
+    <dgm:effectClrLst/>
+    <dgm:txLinClrLst/>
+    <dgm:txFillClrLst meth="repeat">
+      <a:schemeClr val="lt1"/>
+    </dgm:txFillClrLst>
+    <dgm:txEffectClrLst/>
+  </dgm:styleLbl>
+  <dgm:styleLbl name="parChTrans2D2">
+    <dgm:fillClrLst meth="repeat">
+      <a:schemeClr val="accent6"/>
+    </dgm:fillClrLst>
+    <dgm:linClrLst meth="repeat">
+      <a:schemeClr val="lt1"/>
+    </dgm:linClrLst>
+    <dgm:effectClrLst/>
+    <dgm:txLinClrLst/>
+    <dgm:txFillClrLst/>
+    <dgm:txEffectClrLst/>
+  </dgm:styleLbl>
+  <dgm:styleLbl name="parChTrans2D3">
+    <dgm:fillClrLst meth="repeat">
+      <a:schemeClr val="accent6"/>
+    </dgm:fillClrLst>
+    <dgm:linClrLst meth="repeat">
+      <a:schemeClr val="lt1"/>
+    </dgm:linClrLst>
+    <dgm:effectClrLst/>
+    <dgm:txLinClrLst/>
+    <dgm:txFillClrLst/>
+    <dgm:txEffectClrLst/>
+  </dgm:styleLbl>
+  <dgm:styleLbl name="parChTrans2D4">
+    <dgm:fillClrLst meth="repeat">
       <a:schemeClr val="accent1"/>
-    </dgm:linClrLst>
-    <dgm:effectClrLst/>
-    <dgm:txLinClrLst/>
-    <dgm:txFillClrLst/>
-    <dgm:txEffectClrLst/>
-  </dgm:styleLbl>
-  <dgm:styleLbl name="node1">
-    <dgm:fillClrLst meth="repeat">
+    </dgm:fillClrLst>
+    <dgm:linClrLst meth="repeat">
+      <a:schemeClr val="lt1"/>
+    </dgm:linClrLst>
+    <dgm:effectClrLst/>
+    <dgm:txLinClrLst/>
+    <dgm:txFillClrLst meth="repeat">
+      <a:schemeClr val="lt1"/>
+    </dgm:txFillClrLst>
+    <dgm:txEffectClrLst/>
+  </dgm:styleLbl>
+  <dgm:styleLbl name="parChTrans1D1">
+    <dgm:fillClrLst meth="repeat">
+      <a:schemeClr val="accent5"/>
+    </dgm:fillClrLst>
+    <dgm:linClrLst meth="repeat">
+      <a:schemeClr val="accent5"/>
+    </dgm:linClrLst>
+    <dgm:effectClrLst/>
+    <dgm:txLinClrLst/>
+    <dgm:txFillClrLst meth="repeat">
+      <a:schemeClr val="tx1"/>
+    </dgm:txFillClrLst>
+    <dgm:txEffectClrLst/>
+  </dgm:styleLbl>
+  <dgm:styleLbl name="parChTrans1D2">
+    <dgm:fillClrLst meth="repeat">
+      <a:schemeClr val="accent6">
+        <a:tint val="90000"/>
+      </a:schemeClr>
+    </dgm:fillClrLst>
+    <dgm:linClrLst meth="repeat">
+      <a:schemeClr val="accent6"/>
+    </dgm:linClrLst>
+    <dgm:effectClrLst/>
+    <dgm:txLinClrLst/>
+    <dgm:txFillClrLst meth="repeat">
+      <a:schemeClr val="tx1"/>
+    </dgm:txFillClrLst>
+    <dgm:txEffectClrLst/>
+  </dgm:styleLbl>
+  <dgm:styleLbl name="parChTrans1D3">
+    <dgm:fillClrLst meth="repeat">
+      <a:schemeClr val="accent6">
+        <a:tint val="70000"/>
+      </a:schemeClr>
+    </dgm:fillClrLst>
+    <dgm:linClrLst meth="repeat">
       <a:schemeClr val="accent1"/>
-    </dgm:fillClrLst>
-    <dgm:linClrLst meth="repeat">
-      <a:schemeClr val="lt1"/>
-    </dgm:linClrLst>
-    <dgm:effectClrLst/>
-    <dgm:txLinClrLst/>
-    <dgm:txFillClrLst/>
-    <dgm:txEffectClrLst/>
-  </dgm:styleLbl>
-  <dgm:styleLbl name="lnNode1">
-    <dgm:fillClrLst meth="repeat">
-      <a:schemeClr val="accent1"/>
-    </dgm:fillClrLst>
-    <dgm:linClrLst meth="repeat">
-      <a:schemeClr val="lt1"/>
-    </dgm:linClrLst>
-    <dgm:effectClrLst/>
-    <dgm:txLinClrLst/>
-    <dgm:txFillClrLst/>
-    <dgm:txEffectClrLst/>
-  </dgm:styleLbl>
-  <dgm:styleLbl name="vennNode1">
-    <dgm:fillClrLst meth="repeat">
-      <a:schemeClr val="accent1">
-        <a:alpha val="50000"/>
-      </a:schemeClr>
-    </dgm:fillClrLst>
-    <dgm:linClrLst meth="repeat">
-      <a:schemeClr val="lt1"/>
-    </dgm:linClrLst>
-    <dgm:effectClrLst/>
-    <dgm:txLinClrLst/>
-    <dgm:txFillClrLst/>
-    <dgm:txEffectClrLst/>
-  </dgm:styleLbl>
-  <dgm:styleLbl name="node2">
-    <dgm:fillClrLst meth="repeat">
-      <a:schemeClr val="accent1"/>
-    </dgm:fillClrLst>
-    <dgm:linClrLst meth="repeat">
-      <a:schemeClr val="lt1"/>
-    </dgm:linClrLst>
-    <dgm:effectClrLst/>
-    <dgm:txLinClrLst/>
-    <dgm:txFillClrLst/>
-    <dgm:txEffectClrLst/>
-  </dgm:styleLbl>
-  <dgm:styleLbl name="node3">
-    <dgm:fillClrLst meth="repeat">
-      <a:schemeClr val="accent1"/>
-    </dgm:fillClrLst>
-    <dgm:linClrLst meth="repeat">
-      <a:schemeClr val="lt1"/>
-    </dgm:linClrLst>
-    <dgm:effectClrLst/>
-    <dgm:txLinClrLst/>
-    <dgm:txFillClrLst/>
-    <dgm:txEffectClrLst/>
-  </dgm:styleLbl>
-  <dgm:styleLbl name="node4">
-    <dgm:fillClrLst meth="repeat">
-      <a:schemeClr val="accent1"/>
-    </dgm:fillClrLst>
-    <dgm:linClrLst meth="repeat">
-      <a:schemeClr val="lt1"/>
-    </dgm:linClrLst>
-    <dgm:effectClrLst/>
-    <dgm:txLinClrLst/>
-    <dgm:txFillClrLst/>
-    <dgm:txEffectClrLst/>
-  </dgm:styleLbl>
-  <dgm:styleLbl name="fgImgPlace1">
-    <dgm:fillClrLst meth="repeat">
-      <a:schemeClr val="accent1">
+    </dgm:linClrLst>
+    <dgm:effectClrLst/>
+    <dgm:txLinClrLst/>
+    <dgm:txFillClrLst meth="repeat">
+      <a:schemeClr val="tx1"/>
+    </dgm:txFillClrLst>
+    <dgm:txEffectClrLst/>
+  </dgm:styleLbl>
+  <dgm:styleLbl name="parChTrans1D4">
+    <dgm:fillClrLst meth="repeat">
+      <a:schemeClr val="accent6">
         <a:tint val="50000"/>
       </a:schemeClr>
     </dgm:fillClrLst>
     <dgm:linClrLst meth="repeat">
-      <a:schemeClr val="lt1"/>
-    </dgm:linClrLst>
-    <dgm:effectClrLst/>
-    <dgm:txLinClrLst/>
-    <dgm:txFillClrLst meth="repeat">
-      <a:schemeClr val="lt1"/>
-    </dgm:txFillClrLst>
-    <dgm:txEffectClrLst/>
-  </dgm:styleLbl>
-  <dgm:styleLbl name="alignImgPlace1">
-    <dgm:fillClrLst meth="repeat">
-      <a:schemeClr val="accent1">
-        <a:tint val="50000"/>
-      </a:schemeClr>
-    </dgm:fillClrLst>
-    <dgm:linClrLst meth="repeat">
-      <a:schemeClr val="lt1"/>
-    </dgm:linClrLst>
-    <dgm:effectClrLst/>
-    <dgm:txLinClrLst/>
-    <dgm:txFillClrLst meth="repeat">
-      <a:schemeClr val="lt1"/>
-    </dgm:txFillClrLst>
-    <dgm:txEffectClrLst/>
-  </dgm:styleLbl>
-  <dgm:styleLbl name="bgImgPlace1">
-    <dgm:fillClrLst meth="repeat">
-      <a:schemeClr val="accent1">
-        <a:tint val="50000"/>
-      </a:schemeClr>
-    </dgm:fillClrLst>
-    <dgm:linClrLst meth="repeat">
-      <a:schemeClr val="lt1"/>
-    </dgm:linClrLst>
-    <dgm:effectClrLst/>
-    <dgm:txLinClrLst/>
-    <dgm:txFillClrLst meth="repeat">
-      <a:schemeClr val="lt1"/>
-    </dgm:txFillClrLst>
-    <dgm:txEffectClrLst/>
-  </dgm:styleLbl>
-  <dgm:styleLbl name="sibTrans2D1">
-    <dgm:fillClrLst meth="repeat">
-      <a:schemeClr val="accent1">
-        <a:tint val="60000"/>
-      </a:schemeClr>
-    </dgm:fillClrLst>
-    <dgm:linClrLst meth="repeat">
-      <a:schemeClr val="accent1">
-        <a:tint val="60000"/>
-      </a:schemeClr>
-    </dgm:linClrLst>
-    <dgm:effectClrLst/>
-    <dgm:txLinClrLst/>
-    <dgm:txFillClrLst/>
-    <dgm:txEffectClrLst/>
-  </dgm:styleLbl>
-  <dgm:styleLbl name="fgSibTrans2D1">
-    <dgm:fillClrLst meth="repeat">
-      <a:schemeClr val="accent1">
-        <a:tint val="60000"/>
-      </a:schemeClr>
-    </dgm:fillClrLst>
-    <dgm:linClrLst meth="repeat">
-      <a:schemeClr val="accent1">
-        <a:tint val="60000"/>
-      </a:schemeClr>
-    </dgm:linClrLst>
-    <dgm:effectClrLst/>
-    <dgm:txLinClrLst/>
-    <dgm:txFillClrLst/>
-    <dgm:txEffectClrLst/>
-  </dgm:styleLbl>
-  <dgm:styleLbl name="bgSibTrans2D1">
-    <dgm:fillClrLst meth="repeat">
-      <a:schemeClr val="accent1">
-        <a:tint val="60000"/>
-      </a:schemeClr>
-    </dgm:fillClrLst>
-    <dgm:linClrLst meth="repeat">
-      <a:schemeClr val="accent1">
-        <a:tint val="60000"/>
-      </a:schemeClr>
-    </dgm:linClrLst>
-    <dgm:effectClrLst/>
-    <dgm:txLinClrLst/>
-    <dgm:txFillClrLst/>
-    <dgm:txEffectClrLst/>
-  </dgm:styleLbl>
-  <dgm:styleLbl name="sibTrans1D1">
-    <dgm:fillClrLst meth="repeat">
-      <a:schemeClr val="accent1"/>
-    </dgm:fillClrLst>
-    <dgm:linClrLst meth="repeat">
-      <a:schemeClr val="accent1"/>
-    </dgm:linClrLst>
-    <dgm:effectClrLst/>
-    <dgm:txLinClrLst/>
-    <dgm:txFillClrLst meth="repeat">
-      <a:schemeClr val="tx1"/>
-    </dgm:txFillClrLst>
-    <dgm:txEffectClrLst/>
-  </dgm:styleLbl>
-  <dgm:styleLbl name="callout">
-    <dgm:fillClrLst meth="repeat">
-      <a:schemeClr val="accent1"/>
-    </dgm:fillClrLst>
-    <dgm:linClrLst meth="repeat">
-      <a:schemeClr val="accent1">
-        <a:tint val="50000"/>
-      </a:schemeClr>
-    </dgm:linClrLst>
-    <dgm:effectClrLst/>
-    <dgm:txLinClrLst/>
-    <dgm:txFillClrLst meth="repeat">
-      <a:schemeClr val="tx1"/>
-    </dgm:txFillClrLst>
-    <dgm:txEffectClrLst/>
-  </dgm:styleLbl>
-  <dgm:styleLbl name="asst0">
-    <dgm:fillClrLst meth="repeat">
-      <a:schemeClr val="accent1"/>
-    </dgm:fillClrLst>
-    <dgm:linClrLst meth="repeat">
-      <a:schemeClr val="lt1"/>
-    </dgm:linClrLst>
-    <dgm:effectClrLst/>
-    <dgm:txLinClrLst/>
-    <dgm:txFillClrLst/>
-    <dgm:txEffectClrLst/>
-  </dgm:styleLbl>
-  <dgm:styleLbl name="asst1">
-    <dgm:fillClrLst meth="repeat">
-      <a:schemeClr val="accent1"/>
-    </dgm:fillClrLst>
-    <dgm:linClrLst meth="repeat">
-      <a:schemeClr val="lt1"/>
-    </dgm:linClrLst>
-    <dgm:effectClrLst/>
-    <dgm:txLinClrLst/>
-    <dgm:txFillClrLst/>
-    <dgm:txEffectClrLst/>
-  </dgm:styleLbl>
-  <dgm:styleLbl name="asst2">
-    <dgm:fillClrLst meth="repeat">
-      <a:schemeClr val="accent1"/>
-    </dgm:fillClrLst>
-    <dgm:linClrLst meth="repeat">
-      <a:schemeClr val="lt1"/>
-    </dgm:linClrLst>
-    <dgm:effectClrLst/>
-    <dgm:txLinClrLst/>
-    <dgm:txFillClrLst/>
-    <dgm:txEffectClrLst/>
-  </dgm:styleLbl>
-  <dgm:styleLbl name="asst3">
-    <dgm:fillClrLst meth="repeat">
-      <a:schemeClr val="accent1"/>
-    </dgm:fillClrLst>
-    <dgm:linClrLst meth="repeat">
-      <a:schemeClr val="lt1"/>
-    </dgm:linClrLst>
-    <dgm:effectClrLst/>
-    <dgm:txLinClrLst/>
-    <dgm:txFillClrLst/>
-    <dgm:txEffectClrLst/>
-  </dgm:styleLbl>
-  <dgm:styleLbl name="asst4">
-    <dgm:fillClrLst meth="repeat">
-      <a:schemeClr val="accent1"/>
-    </dgm:fillClrLst>
-    <dgm:linClrLst meth="repeat">
-      <a:schemeClr val="lt1"/>
-    </dgm:linClrLst>
-    <dgm:effectClrLst/>
-    <dgm:txLinClrLst/>
-    <dgm:txFillClrLst/>
-    <dgm:txEffectClrLst/>
-  </dgm:styleLbl>
-  <dgm:styleLbl name="parChTrans2D1">
-    <dgm:fillClrLst meth="repeat">
-      <a:schemeClr val="accent1">
-        <a:tint val="60000"/>
-      </a:schemeClr>
-    </dgm:fillClrLst>
-    <dgm:linClrLst meth="repeat">
-      <a:schemeClr val="accent1">
-        <a:tint val="60000"/>
-      </a:schemeClr>
-    </dgm:linClrLst>
-    <dgm:effectClrLst/>
-    <dgm:txLinClrLst/>
-    <dgm:txFillClrLst meth="repeat">
-      <a:schemeClr val="lt1"/>
-    </dgm:txFillClrLst>
-    <dgm:txEffectClrLst/>
-  </dgm:styleLbl>
-  <dgm:styleLbl name="parChTrans2D2">
-    <dgm:fillClrLst meth="repeat">
-      <a:schemeClr val="accent1"/>
-    </dgm:fillClrLst>
-    <dgm:linClrLst meth="repeat">
-      <a:schemeClr val="accent1"/>
-    </dgm:linClrLst>
-    <dgm:effectClrLst/>
-    <dgm:txLinClrLst/>
-    <dgm:txFillClrLst meth="repeat">
-      <a:schemeClr val="lt1"/>
-    </dgm:txFillClrLst>
-    <dgm:txEffectClrLst/>
-  </dgm:styleLbl>
-  <dgm:styleLbl name="parChTrans2D3">
-    <dgm:fillClrLst meth="repeat">
-      <a:schemeClr val="accent1"/>
-    </dgm:fillClrLst>
-    <dgm:linClrLst meth="repeat">
-      <a:schemeClr val="accent1"/>
-    </dgm:linClrLst>
-    <dgm:effectClrLst/>
-    <dgm:txLinClrLst/>
-    <dgm:txFillClrLst meth="repeat">
-      <a:schemeClr val="lt1"/>
-    </dgm:txFillClrLst>
-    <dgm:txEffectClrLst/>
-  </dgm:styleLbl>
-  <dgm:styleLbl name="parChTrans2D4">
-    <dgm:fillClrLst meth="repeat">
-      <a:schemeClr val="accent1"/>
-    </dgm:fillClrLst>
-    <dgm:linClrLst meth="repeat">
-      <a:schemeClr val="accent1"/>
-    </dgm:linClrLst>
-    <dgm:effectClrLst/>
-    <dgm:txLinClrLst/>
-    <dgm:txFillClrLst meth="repeat">
-      <a:schemeClr val="lt1"/>
-    </dgm:txFillClrLst>
-    <dgm:txEffectClrLst/>
-  </dgm:styleLbl>
-  <dgm:styleLbl name="parChTrans1D1">
-    <dgm:fillClrLst meth="repeat">
-      <a:schemeClr val="accent1"/>
-    </dgm:fillClrLst>
-    <dgm:linClrLst meth="repeat">
-      <a:schemeClr val="accent1">
-        <a:shade val="60000"/>
-      </a:schemeClr>
-    </dgm:linClrLst>
-    <dgm:effectClrLst/>
-    <dgm:txLinClrLst/>
-    <dgm:txFillClrLst meth="repeat">
-      <a:schemeClr val="tx1"/>
-    </dgm:txFillClrLst>
-    <dgm:txEffectClrLst/>
-  </dgm:styleLbl>
-  <dgm:styleLbl name="parChTrans1D2">
-    <dgm:fillClrLst meth="repeat">
-      <a:schemeClr val="accent1"/>
-    </dgm:fillClrLst>
-    <dgm:linClrLst meth="repeat">
-      <a:schemeClr val="accent1">
-        <a:shade val="60000"/>
-      </a:schemeClr>
-    </dgm:linClrLst>
-    <dgm:effectClrLst/>
-    <dgm:txLinClrLst/>
-    <dgm:txFillClrLst meth="repeat">
-      <a:schemeClr val="tx1"/>
-    </dgm:txFillClrLst>
-    <dgm:txEffectClrLst/>
-  </dgm:styleLbl>
-  <dgm:styleLbl name="parChTrans1D3">
-    <dgm:fillClrLst meth="repeat">
-      <a:schemeClr val="accent1"/>
-    </dgm:fillClrLst>
-    <dgm:linClrLst meth="repeat">
-      <a:schemeClr val="accent1">
-        <a:shade val="80000"/>
-      </a:schemeClr>
-    </dgm:linClrLst>
-    <dgm:effectClrLst/>
-    <dgm:txLinClrLst/>
-    <dgm:txFillClrLst meth="repeat">
-      <a:schemeClr val="tx1"/>
-    </dgm:txFillClrLst>
-    <dgm:txEffectClrLst/>
-  </dgm:styleLbl>
-  <dgm:styleLbl name="parChTrans1D4">
-    <dgm:fillClrLst meth="repeat">
-      <a:schemeClr val="accent1"/>
-    </dgm:fillClrLst>
-    <dgm:linClrLst meth="repeat">
-      <a:schemeClr val="accent1">
-        <a:shade val="80000"/>
-      </a:schemeClr>
+      <a:schemeClr val="accent2"/>
     </dgm:linClrLst>
     <dgm:effectClrLst/>
     <dgm:txLinClrLst/>
@@ -1292,8 +1296,9 @@
         <a:alpha val="90000"/>
       </a:schemeClr>
     </dgm:fillClrLst>
-    <dgm:linClrLst meth="repeat">
-      <a:schemeClr val="accent1"/>
+    <dgm:linClrLst>
+      <a:schemeClr val="accent5"/>
+      <a:schemeClr val="accent6"/>
     </dgm:linClrLst>
     <dgm:effectClrLst/>
     <dgm:txLinClrLst/>
@@ -1308,8 +1313,9 @@
         <a:alpha val="90000"/>
       </a:schemeClr>
     </dgm:fillClrLst>
-    <dgm:linClrLst meth="repeat">
-      <a:schemeClr val="accent1"/>
+    <dgm:linClrLst>
+      <a:schemeClr val="accent5"/>
+      <a:schemeClr val="accent6"/>
     </dgm:linClrLst>
     <dgm:effectClrLst/>
     <dgm:txLinClrLst/>
@@ -1324,8 +1330,9 @@
         <a:alpha val="90000"/>
       </a:schemeClr>
     </dgm:fillClrLst>
-    <dgm:linClrLst meth="repeat">
-      <a:schemeClr val="accent1"/>
+    <dgm:linClrLst>
+      <a:schemeClr val="accent5"/>
+      <a:schemeClr val="accent6"/>
     </dgm:linClrLst>
     <dgm:effectClrLst/>
     <dgm:txLinClrLst/>
@@ -1341,7 +1348,7 @@
       </a:schemeClr>
     </dgm:fillClrLst>
     <dgm:linClrLst meth="repeat">
-      <a:schemeClr val="accent1"/>
+      <a:schemeClr val="accent5"/>
     </dgm:linClrLst>
     <dgm:effectClrLst/>
     <dgm:txLinClrLst/>
@@ -1356,8 +1363,9 @@
         <a:alpha val="90000"/>
       </a:schemeClr>
     </dgm:fillClrLst>
-    <dgm:linClrLst meth="repeat">
-      <a:schemeClr val="accent1"/>
+    <dgm:linClrLst>
+      <a:schemeClr val="accent5"/>
+      <a:schemeClr val="accent6"/>
     </dgm:linClrLst>
     <dgm:effectClrLst/>
     <dgm:txLinClrLst/>
@@ -1370,8 +1378,9 @@
     <dgm:fillClrLst meth="repeat">
       <a:schemeClr val="lt1"/>
     </dgm:fillClrLst>
-    <dgm:linClrLst meth="repeat">
-      <a:schemeClr val="accent1"/>
+    <dgm:linClrLst>
+      <a:schemeClr val="accent5"/>
+      <a:schemeClr val="accent6"/>
     </dgm:linClrLst>
     <dgm:effectClrLst/>
     <dgm:txLinClrLst/>
@@ -1384,8 +1393,9 @@
     <dgm:fillClrLst meth="repeat">
       <a:schemeClr val="lt1"/>
     </dgm:fillClrLst>
-    <dgm:linClrLst meth="repeat">
-      <a:schemeClr val="accent1"/>
+    <dgm:linClrLst>
+      <a:schemeClr val="accent5"/>
+      <a:schemeClr val="accent6"/>
     </dgm:linClrLst>
     <dgm:effectClrLst/>
     <dgm:txLinClrLst/>
@@ -1398,8 +1408,9 @@
     <dgm:fillClrLst meth="repeat">
       <a:schemeClr val="lt1"/>
     </dgm:fillClrLst>
-    <dgm:linClrLst meth="repeat">
-      <a:schemeClr val="accent1"/>
+    <dgm:linClrLst>
+      <a:schemeClr val="accent5"/>
+      <a:schemeClr val="accent6"/>
     </dgm:linClrLst>
     <dgm:effectClrLst/>
     <dgm:txLinClrLst/>
@@ -1409,16 +1420,24 @@
     <dgm:txEffectClrLst/>
   </dgm:styleLbl>
   <dgm:styleLbl name="fgAccFollowNode1">
-    <dgm:fillClrLst meth="repeat">
-      <a:schemeClr val="accent1">
+    <dgm:fillClrLst>
+      <a:schemeClr val="accent5">
+        <a:tint val="40000"/>
         <a:alpha val="90000"/>
+      </a:schemeClr>
+      <a:schemeClr val="accent6">
         <a:tint val="40000"/>
-      </a:schemeClr>
-    </dgm:fillClrLst>
-    <dgm:linClrLst meth="repeat">
-      <a:schemeClr val="accent1">
         <a:alpha val="90000"/>
+      </a:schemeClr>
+    </dgm:fillClrLst>
+    <dgm:linClrLst>
+      <a:schemeClr val="accent5">
         <a:tint val="40000"/>
+        <a:alpha val="90000"/>
+      </a:schemeClr>
+      <a:schemeClr val="accent5">
+        <a:tint val="40000"/>
+        <a:alpha val="90000"/>
       </a:schemeClr>
     </dgm:linClrLst>
     <dgm:effectClrLst/>
@@ -1429,16 +1448,24 @@
     <dgm:txEffectClrLst/>
   </dgm:styleLbl>
   <dgm:styleLbl name="alignAccFollowNode1">
-    <dgm:fillClrLst meth="repeat">
-      <a:schemeClr val="accent1">
+    <dgm:fillClrLst>
+      <a:schemeClr val="accent5">
+        <a:tint val="40000"/>
         <a:alpha val="90000"/>
+      </a:schemeClr>
+      <a:schemeClr val="accent6">
         <a:tint val="40000"/>
-      </a:schemeClr>
-    </dgm:fillClrLst>
-    <dgm:linClrLst meth="repeat">
-      <a:schemeClr val="accent1">
         <a:alpha val="90000"/>
+      </a:schemeClr>
+    </dgm:fillClrLst>
+    <dgm:linClrLst>
+      <a:schemeClr val="accent5">
         <a:tint val="40000"/>
+        <a:alpha val="90000"/>
+      </a:schemeClr>
+      <a:schemeClr val="accent6">
+        <a:tint val="40000"/>
+        <a:alpha val="90000"/>
       </a:schemeClr>
     </dgm:linClrLst>
     <dgm:effectClrLst/>
@@ -1449,16 +1476,24 @@
     <dgm:txEffectClrLst/>
   </dgm:styleLbl>
   <dgm:styleLbl name="bgAccFollowNode1">
-    <dgm:fillClrLst meth="repeat">
-      <a:schemeClr val="accent1">
+    <dgm:fillClrLst>
+      <a:schemeClr val="accent5">
+        <a:tint val="40000"/>
         <a:alpha val="90000"/>
+      </a:schemeClr>
+      <a:schemeClr val="accent6">
         <a:tint val="40000"/>
-      </a:schemeClr>
-    </dgm:fillClrLst>
-    <dgm:linClrLst meth="repeat">
-      <a:schemeClr val="accent1">
         <a:alpha val="90000"/>
+      </a:schemeClr>
+    </dgm:fillClrLst>
+    <dgm:linClrLst>
+      <a:schemeClr val="accent5">
         <a:tint val="40000"/>
+        <a:alpha val="90000"/>
+      </a:schemeClr>
+      <a:schemeClr val="accent6">
+        <a:tint val="40000"/>
+        <a:alpha val="90000"/>
       </a:schemeClr>
     </dgm:linClrLst>
     <dgm:effectClrLst/>
@@ -1474,8 +1509,8 @@
         <a:alpha val="90000"/>
       </a:schemeClr>
     </dgm:fillClrLst>
-    <dgm:linClrLst meth="repeat">
-      <a:schemeClr val="accent1"/>
+    <dgm:linClrLst>
+      <a:schemeClr val="accent4"/>
     </dgm:linClrLst>
     <dgm:effectClrLst/>
     <dgm:txLinClrLst/>
@@ -1490,8 +1525,8 @@
         <a:alpha val="90000"/>
       </a:schemeClr>
     </dgm:fillClrLst>
-    <dgm:linClrLst meth="repeat">
-      <a:schemeClr val="accent1"/>
+    <dgm:linClrLst>
+      <a:schemeClr val="accent6"/>
     </dgm:linClrLst>
     <dgm:effectClrLst/>
     <dgm:txLinClrLst/>
@@ -1506,7 +1541,7 @@
         <a:alpha val="90000"/>
       </a:schemeClr>
     </dgm:fillClrLst>
-    <dgm:linClrLst meth="repeat">
+    <dgm:linClrLst>
       <a:schemeClr val="accent1"/>
     </dgm:linClrLst>
     <dgm:effectClrLst/>
@@ -1522,8 +1557,8 @@
         <a:alpha val="90000"/>
       </a:schemeClr>
     </dgm:fillClrLst>
-    <dgm:linClrLst meth="repeat">
-      <a:schemeClr val="accent1"/>
+    <dgm:linClrLst>
+      <a:schemeClr val="accent2"/>
     </dgm:linClrLst>
     <dgm:effectClrLst/>
     <dgm:txLinClrLst/>
@@ -1534,28 +1569,28 @@
   </dgm:styleLbl>
   <dgm:styleLbl name="bgShp">
     <dgm:fillClrLst meth="repeat">
-      <a:schemeClr val="accent1">
+      <a:schemeClr val="accent5">
         <a:tint val="40000"/>
       </a:schemeClr>
     </dgm:fillClrLst>
     <dgm:linClrLst meth="repeat">
-      <a:schemeClr val="accent1"/>
-    </dgm:linClrLst>
-    <dgm:effectClrLst/>
-    <dgm:txLinClrLst/>
-    <dgm:txFillClrLst meth="repeat">
       <a:schemeClr val="dk1"/>
+    </dgm:linClrLst>
+    <dgm:effectClrLst/>
+    <dgm:txLinClrLst/>
+    <dgm:txFillClrLst meth="repeat">
+      <a:schemeClr val="dk1"/>
     </dgm:txFillClrLst>
     <dgm:txEffectClrLst/>
   </dgm:styleLbl>
   <dgm:styleLbl name="dkBgShp">
     <dgm:fillClrLst meth="repeat">
-      <a:schemeClr val="accent1">
-        <a:shade val="80000"/>
-      </a:schemeClr>
-    </dgm:fillClrLst>
-    <dgm:linClrLst meth="repeat">
-      <a:schemeClr val="accent1"/>
+      <a:schemeClr val="accent5">
+        <a:shade val="90000"/>
+      </a:schemeClr>
+    </dgm:fillClrLst>
+    <dgm:linClrLst meth="repeat">
+      <a:schemeClr val="dk1"/>
     </dgm:linClrLst>
     <dgm:effectClrLst/>
     <dgm:txLinClrLst/>
@@ -1566,13 +1601,13 @@
   </dgm:styleLbl>
   <dgm:styleLbl name="trBgShp">
     <dgm:fillClrLst meth="repeat">
-      <a:schemeClr val="accent1">
+      <a:schemeClr val="accent5">
         <a:tint val="50000"/>
         <a:alpha val="40000"/>
       </a:schemeClr>
     </dgm:fillClrLst>
     <dgm:linClrLst meth="repeat">
-      <a:schemeClr val="accent1"/>
+      <a:schemeClr val="accent5"/>
     </dgm:linClrLst>
     <dgm:effectClrLst/>
     <dgm:txLinClrLst/>
@@ -1583,8 +1618,8 @@
   </dgm:styleLbl>
   <dgm:styleLbl name="fgShp">
     <dgm:fillClrLst meth="repeat">
-      <a:schemeClr val="accent1">
-        <a:tint val="60000"/>
+      <a:schemeClr val="accent5">
+        <a:tint val="40000"/>
       </a:schemeClr>
     </dgm:fillClrLst>
     <dgm:linClrLst meth="repeat">
@@ -1619,14 +1654,107 @@
 </file>
 
 <file path=ppt/diagrams/colors11.xml><?xml version="1.0" encoding="utf-8"?>
-<dgm:colorsDef xmlns:dgm="http://schemas.openxmlformats.org/drawingml/2006/diagram" xmlns:a="http://schemas.openxmlformats.org/drawingml/2006/main" uniqueId="urn:microsoft.com/office/officeart/2005/8/colors/accent1_2">
+<dgm:colorsDef xmlns:dgm="http://schemas.openxmlformats.org/drawingml/2006/diagram" xmlns:a="http://schemas.openxmlformats.org/drawingml/2006/main" uniqueId="urn:microsoft.com/office/officeart/2005/8/colors/colorful4">
   <dgm:title val=""/>
   <dgm:desc val=""/>
   <dgm:catLst>
-    <dgm:cat type="accent1" pri="11200"/>
+    <dgm:cat type="colorful" pri="10400"/>
   </dgm:catLst>
   <dgm:styleLbl name="node0">
     <dgm:fillClrLst meth="repeat">
+      <a:schemeClr val="accent3"/>
+    </dgm:fillClrLst>
+    <dgm:linClrLst meth="repeat">
+      <a:schemeClr val="lt1"/>
+    </dgm:linClrLst>
+    <dgm:effectClrLst/>
+    <dgm:txLinClrLst/>
+    <dgm:txFillClrLst/>
+    <dgm:txEffectClrLst/>
+  </dgm:styleLbl>
+  <dgm:styleLbl name="node1">
+    <dgm:fillClrLst>
+      <a:schemeClr val="accent4"/>
+      <a:schemeClr val="accent5"/>
+    </dgm:fillClrLst>
+    <dgm:linClrLst meth="repeat">
+      <a:schemeClr val="lt1"/>
+    </dgm:linClrLst>
+    <dgm:effectClrLst/>
+    <dgm:txLinClrLst/>
+    <dgm:txFillClrLst/>
+    <dgm:txEffectClrLst/>
+  </dgm:styleLbl>
+  <dgm:styleLbl name="alignNode1">
+    <dgm:fillClrLst>
+      <a:schemeClr val="accent4"/>
+      <a:schemeClr val="accent5"/>
+    </dgm:fillClrLst>
+    <dgm:linClrLst>
+      <a:schemeClr val="accent4"/>
+      <a:schemeClr val="accent5"/>
+    </dgm:linClrLst>
+    <dgm:effectClrLst/>
+    <dgm:txLinClrLst/>
+    <dgm:txFillClrLst/>
+    <dgm:txEffectClrLst/>
+  </dgm:styleLbl>
+  <dgm:styleLbl name="lnNode1">
+    <dgm:fillClrLst>
+      <a:schemeClr val="accent4"/>
+      <a:schemeClr val="accent5"/>
+    </dgm:fillClrLst>
+    <dgm:linClrLst meth="repeat">
+      <a:schemeClr val="lt1"/>
+    </dgm:linClrLst>
+    <dgm:effectClrLst/>
+    <dgm:txLinClrLst/>
+    <dgm:txFillClrLst/>
+    <dgm:txEffectClrLst/>
+  </dgm:styleLbl>
+  <dgm:styleLbl name="vennNode1">
+    <dgm:fillClrLst>
+      <a:schemeClr val="accent4">
+        <a:alpha val="50000"/>
+      </a:schemeClr>
+      <a:schemeClr val="accent5">
+        <a:alpha val="50000"/>
+      </a:schemeClr>
+    </dgm:fillClrLst>
+    <dgm:linClrLst meth="repeat">
+      <a:schemeClr val="lt1"/>
+    </dgm:linClrLst>
+    <dgm:effectClrLst/>
+    <dgm:txLinClrLst/>
+    <dgm:txFillClrLst/>
+    <dgm:txEffectClrLst/>
+  </dgm:styleLbl>
+  <dgm:styleLbl name="node2">
+    <dgm:fillClrLst>
+      <a:schemeClr val="accent5"/>
+    </dgm:fillClrLst>
+    <dgm:linClrLst meth="repeat">
+      <a:schemeClr val="lt1"/>
+    </dgm:linClrLst>
+    <dgm:effectClrLst/>
+    <dgm:txLinClrLst/>
+    <dgm:txFillClrLst/>
+    <dgm:txEffectClrLst/>
+  </dgm:styleLbl>
+  <dgm:styleLbl name="node3">
+    <dgm:fillClrLst>
+      <a:schemeClr val="accent6"/>
+    </dgm:fillClrLst>
+    <dgm:linClrLst meth="repeat">
+      <a:schemeClr val="lt1"/>
+    </dgm:linClrLst>
+    <dgm:effectClrLst/>
+    <dgm:txLinClrLst/>
+    <dgm:txFillClrLst/>
+    <dgm:txEffectClrLst/>
+  </dgm:styleLbl>
+  <dgm:styleLbl name="node4">
+    <dgm:fillClrLst>
       <a:schemeClr val="accent1"/>
     </dgm:fillClrLst>
     <dgm:linClrLst meth="repeat">
@@ -1637,394 +1765,305 @@
     <dgm:txFillClrLst/>
     <dgm:txEffectClrLst/>
   </dgm:styleLbl>
-  <dgm:styleLbl name="alignNode1">
-    <dgm:fillClrLst meth="repeat">
+  <dgm:styleLbl name="fgImgPlace1">
+    <dgm:fillClrLst>
+      <a:schemeClr val="accent4">
+        <a:tint val="50000"/>
+      </a:schemeClr>
+      <a:schemeClr val="accent5">
+        <a:tint val="50000"/>
+      </a:schemeClr>
+    </dgm:fillClrLst>
+    <dgm:linClrLst meth="repeat">
+      <a:schemeClr val="lt1"/>
+    </dgm:linClrLst>
+    <dgm:effectClrLst/>
+    <dgm:txLinClrLst/>
+    <dgm:txFillClrLst meth="repeat">
+      <a:schemeClr val="lt1"/>
+    </dgm:txFillClrLst>
+    <dgm:txEffectClrLst/>
+  </dgm:styleLbl>
+  <dgm:styleLbl name="alignImgPlace1">
+    <dgm:fillClrLst>
+      <a:schemeClr val="accent4">
+        <a:tint val="50000"/>
+      </a:schemeClr>
+      <a:schemeClr val="accent5">
+        <a:tint val="20000"/>
+      </a:schemeClr>
+    </dgm:fillClrLst>
+    <dgm:linClrLst meth="repeat">
+      <a:schemeClr val="lt1"/>
+    </dgm:linClrLst>
+    <dgm:effectClrLst/>
+    <dgm:txLinClrLst/>
+    <dgm:txFillClrLst meth="repeat">
+      <a:schemeClr val="lt1"/>
+    </dgm:txFillClrLst>
+    <dgm:txEffectClrLst/>
+  </dgm:styleLbl>
+  <dgm:styleLbl name="bgImgPlace1">
+    <dgm:fillClrLst>
+      <a:schemeClr val="accent4">
+        <a:tint val="50000"/>
+      </a:schemeClr>
+      <a:schemeClr val="accent5">
+        <a:tint val="20000"/>
+      </a:schemeClr>
+    </dgm:fillClrLst>
+    <dgm:linClrLst meth="repeat">
+      <a:schemeClr val="lt1"/>
+    </dgm:linClrLst>
+    <dgm:effectClrLst/>
+    <dgm:txLinClrLst/>
+    <dgm:txFillClrLst meth="repeat">
+      <a:schemeClr val="lt1"/>
+    </dgm:txFillClrLst>
+    <dgm:txEffectClrLst/>
+  </dgm:styleLbl>
+  <dgm:styleLbl name="sibTrans2D1">
+    <dgm:fillClrLst>
+      <a:schemeClr val="accent4"/>
+      <a:schemeClr val="accent5"/>
+    </dgm:fillClrLst>
+    <dgm:linClrLst meth="repeat">
+      <a:schemeClr val="lt1"/>
+    </dgm:linClrLst>
+    <dgm:effectClrLst/>
+    <dgm:txLinClrLst/>
+    <dgm:txFillClrLst/>
+    <dgm:txEffectClrLst/>
+  </dgm:styleLbl>
+  <dgm:styleLbl name="fgSibTrans2D1">
+    <dgm:fillClrLst>
+      <a:schemeClr val="accent4"/>
+      <a:schemeClr val="accent5"/>
+    </dgm:fillClrLst>
+    <dgm:linClrLst meth="repeat">
+      <a:schemeClr val="lt1"/>
+    </dgm:linClrLst>
+    <dgm:effectClrLst/>
+    <dgm:txLinClrLst/>
+    <dgm:txFillClrLst meth="repeat">
+      <a:schemeClr val="lt1"/>
+    </dgm:txFillClrLst>
+    <dgm:txEffectClrLst/>
+  </dgm:styleLbl>
+  <dgm:styleLbl name="bgSibTrans2D1">
+    <dgm:fillClrLst>
+      <a:schemeClr val="accent4"/>
+      <a:schemeClr val="accent5"/>
+    </dgm:fillClrLst>
+    <dgm:linClrLst meth="repeat">
+      <a:schemeClr val="lt1"/>
+    </dgm:linClrLst>
+    <dgm:effectClrLst/>
+    <dgm:txLinClrLst/>
+    <dgm:txFillClrLst meth="repeat">
+      <a:schemeClr val="lt1"/>
+    </dgm:txFillClrLst>
+    <dgm:txEffectClrLst/>
+  </dgm:styleLbl>
+  <dgm:styleLbl name="sibTrans1D1">
+    <dgm:fillClrLst/>
+    <dgm:linClrLst>
+      <a:schemeClr val="accent4"/>
+      <a:schemeClr val="accent5"/>
+    </dgm:linClrLst>
+    <dgm:effectClrLst/>
+    <dgm:txLinClrLst/>
+    <dgm:txFillClrLst meth="repeat">
+      <a:schemeClr val="tx1"/>
+    </dgm:txFillClrLst>
+    <dgm:txEffectClrLst/>
+  </dgm:styleLbl>
+  <dgm:styleLbl name="callout">
+    <dgm:fillClrLst meth="repeat">
+      <a:schemeClr val="accent4"/>
+    </dgm:fillClrLst>
+    <dgm:linClrLst meth="repeat">
+      <a:schemeClr val="accent4">
+        <a:tint val="50000"/>
+      </a:schemeClr>
+    </dgm:linClrLst>
+    <dgm:effectClrLst/>
+    <dgm:txLinClrLst/>
+    <dgm:txFillClrLst meth="repeat">
+      <a:schemeClr val="tx1"/>
+    </dgm:txFillClrLst>
+    <dgm:txEffectClrLst/>
+  </dgm:styleLbl>
+  <dgm:styleLbl name="asst0">
+    <dgm:fillClrLst meth="repeat">
+      <a:schemeClr val="accent4"/>
+    </dgm:fillClrLst>
+    <dgm:linClrLst meth="repeat">
+      <a:schemeClr val="lt1">
+        <a:shade val="80000"/>
+      </a:schemeClr>
+    </dgm:linClrLst>
+    <dgm:effectClrLst/>
+    <dgm:txLinClrLst/>
+    <dgm:txFillClrLst/>
+    <dgm:txEffectClrLst/>
+  </dgm:styleLbl>
+  <dgm:styleLbl name="asst1">
+    <dgm:fillClrLst meth="repeat">
+      <a:schemeClr val="accent5"/>
+    </dgm:fillClrLst>
+    <dgm:linClrLst meth="repeat">
+      <a:schemeClr val="lt1">
+        <a:shade val="80000"/>
+      </a:schemeClr>
+    </dgm:linClrLst>
+    <dgm:effectClrLst/>
+    <dgm:txLinClrLst/>
+    <dgm:txFillClrLst/>
+    <dgm:txEffectClrLst/>
+  </dgm:styleLbl>
+  <dgm:styleLbl name="asst2">
+    <dgm:fillClrLst>
+      <a:schemeClr val="accent6"/>
+    </dgm:fillClrLst>
+    <dgm:linClrLst meth="repeat">
+      <a:schemeClr val="lt1"/>
+    </dgm:linClrLst>
+    <dgm:effectClrLst/>
+    <dgm:txLinClrLst/>
+    <dgm:txFillClrLst/>
+    <dgm:txEffectClrLst/>
+  </dgm:styleLbl>
+  <dgm:styleLbl name="asst3">
+    <dgm:fillClrLst>
       <a:schemeClr val="accent1"/>
     </dgm:fillClrLst>
     <dgm:linClrLst meth="repeat">
+      <a:schemeClr val="lt1"/>
+    </dgm:linClrLst>
+    <dgm:effectClrLst/>
+    <dgm:txLinClrLst/>
+    <dgm:txFillClrLst/>
+    <dgm:txEffectClrLst/>
+  </dgm:styleLbl>
+  <dgm:styleLbl name="asst4">
+    <dgm:fillClrLst>
+      <a:schemeClr val="accent2"/>
+    </dgm:fillClrLst>
+    <dgm:linClrLst meth="repeat">
+      <a:schemeClr val="lt1"/>
+    </dgm:linClrLst>
+    <dgm:effectClrLst/>
+    <dgm:txLinClrLst/>
+    <dgm:txFillClrLst/>
+    <dgm:txEffectClrLst/>
+  </dgm:styleLbl>
+  <dgm:styleLbl name="parChTrans2D1">
+    <dgm:fillClrLst meth="repeat">
+      <a:schemeClr val="accent4"/>
+    </dgm:fillClrLst>
+    <dgm:linClrLst meth="repeat">
+      <a:schemeClr val="lt1"/>
+    </dgm:linClrLst>
+    <dgm:effectClrLst/>
+    <dgm:txLinClrLst/>
+    <dgm:txFillClrLst meth="repeat">
+      <a:schemeClr val="lt1"/>
+    </dgm:txFillClrLst>
+    <dgm:txEffectClrLst/>
+  </dgm:styleLbl>
+  <dgm:styleLbl name="parChTrans2D2">
+    <dgm:fillClrLst meth="repeat">
+      <a:schemeClr val="accent5"/>
+    </dgm:fillClrLst>
+    <dgm:linClrLst meth="repeat">
+      <a:schemeClr val="lt1"/>
+    </dgm:linClrLst>
+    <dgm:effectClrLst/>
+    <dgm:txLinClrLst/>
+    <dgm:txFillClrLst/>
+    <dgm:txEffectClrLst/>
+  </dgm:styleLbl>
+  <dgm:styleLbl name="parChTrans2D3">
+    <dgm:fillClrLst meth="repeat">
+      <a:schemeClr val="accent5"/>
+    </dgm:fillClrLst>
+    <dgm:linClrLst meth="repeat">
+      <a:schemeClr val="lt1"/>
+    </dgm:linClrLst>
+    <dgm:effectClrLst/>
+    <dgm:txLinClrLst/>
+    <dgm:txFillClrLst/>
+    <dgm:txEffectClrLst/>
+  </dgm:styleLbl>
+  <dgm:styleLbl name="parChTrans2D4">
+    <dgm:fillClrLst meth="repeat">
+      <a:schemeClr val="accent6"/>
+    </dgm:fillClrLst>
+    <dgm:linClrLst meth="repeat">
+      <a:schemeClr val="lt1"/>
+    </dgm:linClrLst>
+    <dgm:effectClrLst/>
+    <dgm:txLinClrLst/>
+    <dgm:txFillClrLst meth="repeat">
+      <a:schemeClr val="lt1"/>
+    </dgm:txFillClrLst>
+    <dgm:txEffectClrLst/>
+  </dgm:styleLbl>
+  <dgm:styleLbl name="parChTrans1D1">
+    <dgm:fillClrLst meth="repeat">
+      <a:schemeClr val="accent4"/>
+    </dgm:fillClrLst>
+    <dgm:linClrLst meth="repeat">
+      <a:schemeClr val="accent4"/>
+    </dgm:linClrLst>
+    <dgm:effectClrLst/>
+    <dgm:txLinClrLst/>
+    <dgm:txFillClrLst meth="repeat">
+      <a:schemeClr val="tx1"/>
+    </dgm:txFillClrLst>
+    <dgm:txEffectClrLst/>
+  </dgm:styleLbl>
+  <dgm:styleLbl name="parChTrans1D2">
+    <dgm:fillClrLst meth="repeat">
+      <a:schemeClr val="accent4">
+        <a:tint val="90000"/>
+      </a:schemeClr>
+    </dgm:fillClrLst>
+    <dgm:linClrLst meth="repeat">
+      <a:schemeClr val="accent5"/>
+    </dgm:linClrLst>
+    <dgm:effectClrLst/>
+    <dgm:txLinClrLst/>
+    <dgm:txFillClrLst meth="repeat">
+      <a:schemeClr val="tx1"/>
+    </dgm:txFillClrLst>
+    <dgm:txEffectClrLst/>
+  </dgm:styleLbl>
+  <dgm:styleLbl name="parChTrans1D3">
+    <dgm:fillClrLst meth="repeat">
+      <a:schemeClr val="accent4">
+        <a:tint val="70000"/>
+      </a:schemeClr>
+    </dgm:fillClrLst>
+    <dgm:linClrLst meth="repeat">
+      <a:schemeClr val="accent6"/>
+    </dgm:linClrLst>
+    <dgm:effectClrLst/>
+    <dgm:txLinClrLst/>
+    <dgm:txFillClrLst meth="repeat">
+      <a:schemeClr val="tx1"/>
+    </dgm:txFillClrLst>
+    <dgm:txEffectClrLst/>
+  </dgm:styleLbl>
+  <dgm:styleLbl name="parChTrans1D4">
+    <dgm:fillClrLst meth="repeat">
+      <a:schemeClr val="accent4">
+        <a:tint val="50000"/>
+      </a:schemeClr>
+    </dgm:fillClrLst>
+    <dgm:linClrLst meth="repeat">
       <a:schemeClr val="accent1"/>
-    </dgm:linClrLst>
-    <dgm:effectClrLst/>
-    <dgm:txLinClrLst/>
-    <dgm:txFillClrLst/>
-    <dgm:txEffectClrLst/>
-  </dgm:styleLbl>
-  <dgm:styleLbl name="node1">
-    <dgm:fillClrLst meth="repeat">
-      <a:schemeClr val="accent1"/>
-    </dgm:fillClrLst>
-    <dgm:linClrLst meth="repeat">
-      <a:schemeClr val="lt1"/>
-    </dgm:linClrLst>
-    <dgm:effectClrLst/>
-    <dgm:txLinClrLst/>
-    <dgm:txFillClrLst/>
-    <dgm:txEffectClrLst/>
-  </dgm:styleLbl>
-  <dgm:styleLbl name="lnNode1">
-    <dgm:fillClrLst meth="repeat">
-      <a:schemeClr val="accent1"/>
-    </dgm:fillClrLst>
-    <dgm:linClrLst meth="repeat">
-      <a:schemeClr val="lt1"/>
-    </dgm:linClrLst>
-    <dgm:effectClrLst/>
-    <dgm:txLinClrLst/>
-    <dgm:txFillClrLst/>
-    <dgm:txEffectClrLst/>
-  </dgm:styleLbl>
-  <dgm:styleLbl name="vennNode1">
-    <dgm:fillClrLst meth="repeat">
-      <a:schemeClr val="accent1">
-        <a:alpha val="50000"/>
-      </a:schemeClr>
-    </dgm:fillClrLst>
-    <dgm:linClrLst meth="repeat">
-      <a:schemeClr val="lt1"/>
-    </dgm:linClrLst>
-    <dgm:effectClrLst/>
-    <dgm:txLinClrLst/>
-    <dgm:txFillClrLst/>
-    <dgm:txEffectClrLst/>
-  </dgm:styleLbl>
-  <dgm:styleLbl name="node2">
-    <dgm:fillClrLst meth="repeat">
-      <a:schemeClr val="accent1"/>
-    </dgm:fillClrLst>
-    <dgm:linClrLst meth="repeat">
-      <a:schemeClr val="lt1"/>
-    </dgm:linClrLst>
-    <dgm:effectClrLst/>
-    <dgm:txLinClrLst/>
-    <dgm:txFillClrLst/>
-    <dgm:txEffectClrLst/>
-  </dgm:styleLbl>
-  <dgm:styleLbl name="node3">
-    <dgm:fillClrLst meth="repeat">
-      <a:schemeClr val="accent1"/>
-    </dgm:fillClrLst>
-    <dgm:linClrLst meth="repeat">
-      <a:schemeClr val="lt1"/>
-    </dgm:linClrLst>
-    <dgm:effectClrLst/>
-    <dgm:txLinClrLst/>
-    <dgm:txFillClrLst/>
-    <dgm:txEffectClrLst/>
-  </dgm:styleLbl>
-  <dgm:styleLbl name="node4">
-    <dgm:fillClrLst meth="repeat">
-      <a:schemeClr val="accent1"/>
-    </dgm:fillClrLst>
-    <dgm:linClrLst meth="repeat">
-      <a:schemeClr val="lt1"/>
-    </dgm:linClrLst>
-    <dgm:effectClrLst/>
-    <dgm:txLinClrLst/>
-    <dgm:txFillClrLst/>
-    <dgm:txEffectClrLst/>
-  </dgm:styleLbl>
-  <dgm:styleLbl name="fgImgPlace1">
-    <dgm:fillClrLst meth="repeat">
-      <a:schemeClr val="accent1">
-        <a:tint val="50000"/>
-      </a:schemeClr>
-    </dgm:fillClrLst>
-    <dgm:linClrLst meth="repeat">
-      <a:schemeClr val="lt1"/>
-    </dgm:linClrLst>
-    <dgm:effectClrLst/>
-    <dgm:txLinClrLst/>
-    <dgm:txFillClrLst meth="repeat">
-      <a:schemeClr val="lt1"/>
-    </dgm:txFillClrLst>
-    <dgm:txEffectClrLst/>
-  </dgm:styleLbl>
-  <dgm:styleLbl name="alignImgPlace1">
-    <dgm:fillClrLst meth="repeat">
-      <a:schemeClr val="accent1">
-        <a:tint val="50000"/>
-      </a:schemeClr>
-    </dgm:fillClrLst>
-    <dgm:linClrLst meth="repeat">
-      <a:schemeClr val="lt1"/>
-    </dgm:linClrLst>
-    <dgm:effectClrLst/>
-    <dgm:txLinClrLst/>
-    <dgm:txFillClrLst meth="repeat">
-      <a:schemeClr val="lt1"/>
-    </dgm:txFillClrLst>
-    <dgm:txEffectClrLst/>
-  </dgm:styleLbl>
-  <dgm:styleLbl name="bgImgPlace1">
-    <dgm:fillClrLst meth="repeat">
-      <a:schemeClr val="accent1">
-        <a:tint val="50000"/>
-      </a:schemeClr>
-    </dgm:fillClrLst>
-    <dgm:linClrLst meth="repeat">
-      <a:schemeClr val="lt1"/>
-    </dgm:linClrLst>
-    <dgm:effectClrLst/>
-    <dgm:txLinClrLst/>
-    <dgm:txFillClrLst meth="repeat">
-      <a:schemeClr val="lt1"/>
-    </dgm:txFillClrLst>
-    <dgm:txEffectClrLst/>
-  </dgm:styleLbl>
-  <dgm:styleLbl name="sibTrans2D1">
-    <dgm:fillClrLst meth="repeat">
-      <a:schemeClr val="accent1">
-        <a:tint val="60000"/>
-      </a:schemeClr>
-    </dgm:fillClrLst>
-    <dgm:linClrLst meth="repeat">
-      <a:schemeClr val="accent1">
-        <a:tint val="60000"/>
-      </a:schemeClr>
-    </dgm:linClrLst>
-    <dgm:effectClrLst/>
-    <dgm:txLinClrLst/>
-    <dgm:txFillClrLst/>
-    <dgm:txEffectClrLst/>
-  </dgm:styleLbl>
-  <dgm:styleLbl name="fgSibTrans2D1">
-    <dgm:fillClrLst meth="repeat">
-      <a:schemeClr val="accent1">
-        <a:tint val="60000"/>
-      </a:schemeClr>
-    </dgm:fillClrLst>
-    <dgm:linClrLst meth="repeat">
-      <a:schemeClr val="accent1">
-        <a:tint val="60000"/>
-      </a:schemeClr>
-    </dgm:linClrLst>
-    <dgm:effectClrLst/>
-    <dgm:txLinClrLst/>
-    <dgm:txFillClrLst/>
-    <dgm:txEffectClrLst/>
-  </dgm:styleLbl>
-  <dgm:styleLbl name="bgSibTrans2D1">
-    <dgm:fillClrLst meth="repeat">
-      <a:schemeClr val="accent1">
-        <a:tint val="60000"/>
-      </a:schemeClr>
-    </dgm:fillClrLst>
-    <dgm:linClrLst meth="repeat">
-      <a:schemeClr val="accent1">
-        <a:tint val="60000"/>
-      </a:schemeClr>
-    </dgm:linClrLst>
-    <dgm:effectClrLst/>
-    <dgm:txLinClrLst/>
-    <dgm:txFillClrLst/>
-    <dgm:txEffectClrLst/>
-  </dgm:styleLbl>
-  <dgm:styleLbl name="sibTrans1D1">
-    <dgm:fillClrLst meth="repeat">
-      <a:schemeClr val="accent1"/>
-    </dgm:fillClrLst>
-    <dgm:linClrLst meth="repeat">
-      <a:schemeClr val="accent1"/>
-    </dgm:linClrLst>
-    <dgm:effectClrLst/>
-    <dgm:txLinClrLst/>
-    <dgm:txFillClrLst meth="repeat">
-      <a:schemeClr val="tx1"/>
-    </dgm:txFillClrLst>
-    <dgm:txEffectClrLst/>
-  </dgm:styleLbl>
-  <dgm:styleLbl name="callout">
-    <dgm:fillClrLst meth="repeat">
-      <a:schemeClr val="accent1"/>
-    </dgm:fillClrLst>
-    <dgm:linClrLst meth="repeat">
-      <a:schemeClr val="accent1">
-        <a:tint val="50000"/>
-      </a:schemeClr>
-    </dgm:linClrLst>
-    <dgm:effectClrLst/>
-    <dgm:txLinClrLst/>
-    <dgm:txFillClrLst meth="repeat">
-      <a:schemeClr val="tx1"/>
-    </dgm:txFillClrLst>
-    <dgm:txEffectClrLst/>
-  </dgm:styleLbl>
-  <dgm:styleLbl name="asst0">
-    <dgm:fillClrLst meth="repeat">
-      <a:schemeClr val="accent1"/>
-    </dgm:fillClrLst>
-    <dgm:linClrLst meth="repeat">
-      <a:schemeClr val="lt1"/>
-    </dgm:linClrLst>
-    <dgm:effectClrLst/>
-    <dgm:txLinClrLst/>
-    <dgm:txFillClrLst/>
-    <dgm:txEffectClrLst/>
-  </dgm:styleLbl>
-  <dgm:styleLbl name="asst1">
-    <dgm:fillClrLst meth="repeat">
-      <a:schemeClr val="accent1"/>
-    </dgm:fillClrLst>
-    <dgm:linClrLst meth="repeat">
-      <a:schemeClr val="lt1"/>
-    </dgm:linClrLst>
-    <dgm:effectClrLst/>
-    <dgm:txLinClrLst/>
-    <dgm:txFillClrLst/>
-    <dgm:txEffectClrLst/>
-  </dgm:styleLbl>
-  <dgm:styleLbl name="asst2">
-    <dgm:fillClrLst meth="repeat">
-      <a:schemeClr val="accent1"/>
-    </dgm:fillClrLst>
-    <dgm:linClrLst meth="repeat">
-      <a:schemeClr val="lt1"/>
-    </dgm:linClrLst>
-    <dgm:effectClrLst/>
-    <dgm:txLinClrLst/>
-    <dgm:txFillClrLst/>
-    <dgm:txEffectClrLst/>
-  </dgm:styleLbl>
-  <dgm:styleLbl name="asst3">
-    <dgm:fillClrLst meth="repeat">
-      <a:schemeClr val="accent1"/>
-    </dgm:fillClrLst>
-    <dgm:linClrLst meth="repeat">
-      <a:schemeClr val="lt1"/>
-    </dgm:linClrLst>
-    <dgm:effectClrLst/>
-    <dgm:txLinClrLst/>
-    <dgm:txFillClrLst/>
-    <dgm:txEffectClrLst/>
-  </dgm:styleLbl>
-  <dgm:styleLbl name="asst4">
-    <dgm:fillClrLst meth="repeat">
-      <a:schemeClr val="accent1"/>
-    </dgm:fillClrLst>
-    <dgm:linClrLst meth="repeat">
-      <a:schemeClr val="lt1"/>
-    </dgm:linClrLst>
-    <dgm:effectClrLst/>
-    <dgm:txLinClrLst/>
-    <dgm:txFillClrLst/>
-    <dgm:txEffectClrLst/>
-  </dgm:styleLbl>
-  <dgm:styleLbl name="parChTrans2D1">
-    <dgm:fillClrLst meth="repeat">
-      <a:schemeClr val="accent1">
-        <a:tint val="60000"/>
-      </a:schemeClr>
-    </dgm:fillClrLst>
-    <dgm:linClrLst meth="repeat">
-      <a:schemeClr val="accent1">
-        <a:tint val="60000"/>
-      </a:schemeClr>
-    </dgm:linClrLst>
-    <dgm:effectClrLst/>
-    <dgm:txLinClrLst/>
-    <dgm:txFillClrLst meth="repeat">
-      <a:schemeClr val="lt1"/>
-    </dgm:txFillClrLst>
-    <dgm:txEffectClrLst/>
-  </dgm:styleLbl>
-  <dgm:styleLbl name="parChTrans2D2">
-    <dgm:fillClrLst meth="repeat">
-      <a:schemeClr val="accent1"/>
-    </dgm:fillClrLst>
-    <dgm:linClrLst meth="repeat">
-      <a:schemeClr val="accent1"/>
-    </dgm:linClrLst>
-    <dgm:effectClrLst/>
-    <dgm:txLinClrLst/>
-    <dgm:txFillClrLst meth="repeat">
-      <a:schemeClr val="lt1"/>
-    </dgm:txFillClrLst>
-    <dgm:txEffectClrLst/>
-  </dgm:styleLbl>
-  <dgm:styleLbl name="parChTrans2D3">
-    <dgm:fillClrLst meth="repeat">
-      <a:schemeClr val="accent1"/>
-    </dgm:fillClrLst>
-    <dgm:linClrLst meth="repeat">
-      <a:schemeClr val="accent1"/>
-    </dgm:linClrLst>
-    <dgm:effectClrLst/>
-    <dgm:txLinClrLst/>
-    <dgm:txFillClrLst meth="repeat">
-      <a:schemeClr val="lt1"/>
-    </dgm:txFillClrLst>
-    <dgm:txEffectClrLst/>
-  </dgm:styleLbl>
-  <dgm:styleLbl name="parChTrans2D4">
-    <dgm:fillClrLst meth="repeat">
-      <a:schemeClr val="accent1"/>
-    </dgm:fillClrLst>
-    <dgm:linClrLst meth="repeat">
-      <a:schemeClr val="accent1"/>
-    </dgm:linClrLst>
-    <dgm:effectClrLst/>
-    <dgm:txLinClrLst/>
-    <dgm:txFillClrLst meth="repeat">
-      <a:schemeClr val="lt1"/>
-    </dgm:txFillClrLst>
-    <dgm:txEffectClrLst/>
-  </dgm:styleLbl>
-  <dgm:styleLbl name="parChTrans1D1">
-    <dgm:fillClrLst meth="repeat">
-      <a:schemeClr val="accent1"/>
-    </dgm:fillClrLst>
-    <dgm:linClrLst meth="repeat">
-      <a:schemeClr val="accent1">
-        <a:shade val="60000"/>
-      </a:schemeClr>
-    </dgm:linClrLst>
-    <dgm:effectClrLst/>
-    <dgm:txLinClrLst/>
-    <dgm:txFillClrLst meth="repeat">
-      <a:schemeClr val="tx1"/>
-    </dgm:txFillClrLst>
-    <dgm:txEffectClrLst/>
-  </dgm:styleLbl>
-  <dgm:styleLbl name="parChTrans1D2">
-    <dgm:fillClrLst meth="repeat">
-      <a:schemeClr val="accent1"/>
-    </dgm:fillClrLst>
-    <dgm:linClrLst meth="repeat">
-      <a:schemeClr val="accent1">
-        <a:shade val="60000"/>
-      </a:schemeClr>
-    </dgm:linClrLst>
-    <dgm:effectClrLst/>
-    <dgm:txLinClrLst/>
-    <dgm:txFillClrLst meth="repeat">
-      <a:schemeClr val="tx1"/>
-    </dgm:txFillClrLst>
-    <dgm:txEffectClrLst/>
-  </dgm:styleLbl>
-  <dgm:styleLbl name="parChTrans1D3">
-    <dgm:fillClrLst meth="repeat">
-      <a:schemeClr val="accent1"/>
-    </dgm:fillClrLst>
-    <dgm:linClrLst meth="repeat">
-      <a:schemeClr val="accent1">
-        <a:shade val="80000"/>
-      </a:schemeClr>
-    </dgm:linClrLst>
-    <dgm:effectClrLst/>
-    <dgm:txLinClrLst/>
-    <dgm:txFillClrLst meth="repeat">
-      <a:schemeClr val="tx1"/>
-    </dgm:txFillClrLst>
-    <dgm:txEffectClrLst/>
-  </dgm:styleLbl>
-  <dgm:styleLbl name="parChTrans1D4">
-    <dgm:fillClrLst meth="repeat">
-      <a:schemeClr val="accent1"/>
-    </dgm:fillClrLst>
-    <dgm:linClrLst meth="repeat">
-      <a:schemeClr val="accent1">
-        <a:shade val="80000"/>
-      </a:schemeClr>
     </dgm:linClrLst>
     <dgm:effectClrLst/>
     <dgm:txLinClrLst/>
@@ -2039,8 +2078,9 @@
         <a:alpha val="90000"/>
       </a:schemeClr>
     </dgm:fillClrLst>
-    <dgm:linClrLst meth="repeat">
-      <a:schemeClr val="accent1"/>
+    <dgm:linClrLst>
+      <a:schemeClr val="accent4"/>
+      <a:schemeClr val="accent5"/>
     </dgm:linClrLst>
     <dgm:effectClrLst/>
     <dgm:txLinClrLst/>
@@ -2055,8 +2095,9 @@
         <a:alpha val="90000"/>
       </a:schemeClr>
     </dgm:fillClrLst>
-    <dgm:linClrLst meth="repeat">
-      <a:schemeClr val="accent1"/>
+    <dgm:linClrLst>
+      <a:schemeClr val="accent4"/>
+      <a:schemeClr val="accent5"/>
     </dgm:linClrLst>
     <dgm:effectClrLst/>
     <dgm:txLinClrLst/>
@@ -2071,8 +2112,9 @@
         <a:alpha val="90000"/>
       </a:schemeClr>
     </dgm:fillClrLst>
-    <dgm:linClrLst meth="repeat">
-      <a:schemeClr val="accent1"/>
+    <dgm:linClrLst>
+      <a:schemeClr val="accent4"/>
+      <a:schemeClr val="accent5"/>
     </dgm:linClrLst>
     <dgm:effectClrLst/>
     <dgm:txLinClrLst/>
@@ -2088,7 +2130,7 @@
       </a:schemeClr>
     </dgm:fillClrLst>
     <dgm:linClrLst meth="repeat">
-      <a:schemeClr val="accent1"/>
+      <a:schemeClr val="accent4"/>
     </dgm:linClrLst>
     <dgm:effectClrLst/>
     <dgm:txLinClrLst/>
@@ -2103,8 +2145,9 @@
         <a:alpha val="90000"/>
       </a:schemeClr>
     </dgm:fillClrLst>
-    <dgm:linClrLst meth="repeat">
-      <a:schemeClr val="accent1"/>
+    <dgm:linClrLst>
+      <a:schemeClr val="accent4"/>
+      <a:schemeClr val="accent5"/>
     </dgm:linClrLst>
     <dgm:effectClrLst/>
     <dgm:txLinClrLst/>
@@ -2117,8 +2160,9 @@
     <dgm:fillClrLst meth="repeat">
       <a:schemeClr val="lt1"/>
     </dgm:fillClrLst>
-    <dgm:linClrLst meth="repeat">
-      <a:schemeClr val="accent1"/>
+    <dgm:linClrLst>
+      <a:schemeClr val="accent4"/>
+      <a:schemeClr val="accent5"/>
     </dgm:linClrLst>
     <dgm:effectClrLst/>
     <dgm:txLinClrLst/>
@@ -2131,8 +2175,9 @@
     <dgm:fillClrLst meth="repeat">
       <a:schemeClr val="lt1"/>
     </dgm:fillClrLst>
-    <dgm:linClrLst meth="repeat">
-      <a:schemeClr val="accent1"/>
+    <dgm:linClrLst>
+      <a:schemeClr val="accent4"/>
+      <a:schemeClr val="accent5"/>
     </dgm:linClrLst>
     <dgm:effectClrLst/>
     <dgm:txLinClrLst/>
@@ -2145,8 +2190,9 @@
     <dgm:fillClrLst meth="repeat">
       <a:schemeClr val="lt1"/>
     </dgm:fillClrLst>
-    <dgm:linClrLst meth="repeat">
-      <a:schemeClr val="accent1"/>
+    <dgm:linClrLst>
+      <a:schemeClr val="accent4"/>
+      <a:schemeClr val="accent5"/>
     </dgm:linClrLst>
     <dgm:effectClrLst/>
     <dgm:txLinClrLst/>
@@ -2156,16 +2202,24 @@
     <dgm:txEffectClrLst/>
   </dgm:styleLbl>
   <dgm:styleLbl name="fgAccFollowNode1">
-    <dgm:fillClrLst meth="repeat">
-      <a:schemeClr val="accent1">
+    <dgm:fillClrLst>
+      <a:schemeClr val="accent4">
+        <a:tint val="40000"/>
         <a:alpha val="90000"/>
+      </a:schemeClr>
+      <a:schemeClr val="accent5">
         <a:tint val="40000"/>
-      </a:schemeClr>
-    </dgm:fillClrLst>
-    <dgm:linClrLst meth="repeat">
-      <a:schemeClr val="accent1">
         <a:alpha val="90000"/>
+      </a:schemeClr>
+    </dgm:fillClrLst>
+    <dgm:linClrLst>
+      <a:schemeClr val="accent4">
         <a:tint val="40000"/>
+        <a:alpha val="90000"/>
+      </a:schemeClr>
+      <a:schemeClr val="accent5">
+        <a:tint val="40000"/>
+        <a:alpha val="90000"/>
       </a:schemeClr>
     </dgm:linClrLst>
     <dgm:effectClrLst/>
@@ -2176,16 +2230,24 @@
     <dgm:txEffectClrLst/>
   </dgm:styleLbl>
   <dgm:styleLbl name="alignAccFollowNode1">
-    <dgm:fillClrLst meth="repeat">
-      <a:schemeClr val="accent1">
+    <dgm:fillClrLst>
+      <a:schemeClr val="accent4">
+        <a:tint val="40000"/>
         <a:alpha val="90000"/>
+      </a:schemeClr>
+      <a:schemeClr val="accent5">
         <a:tint val="40000"/>
-      </a:schemeClr>
-    </dgm:fillClrLst>
-    <dgm:linClrLst meth="repeat">
-      <a:schemeClr val="accent1">
         <a:alpha val="90000"/>
+      </a:schemeClr>
+    </dgm:fillClrLst>
+    <dgm:linClrLst>
+      <a:schemeClr val="accent4">
         <a:tint val="40000"/>
+        <a:alpha val="90000"/>
+      </a:schemeClr>
+      <a:schemeClr val="accent5">
+        <a:tint val="40000"/>
+        <a:alpha val="90000"/>
       </a:schemeClr>
     </dgm:linClrLst>
     <dgm:effectClrLst/>
@@ -2196,16 +2258,24 @@
     <dgm:txEffectClrLst/>
   </dgm:styleLbl>
   <dgm:styleLbl name="bgAccFollowNode1">
-    <dgm:fillClrLst meth="repeat">
-      <a:schemeClr val="accent1">
+    <dgm:fillClrLst>
+      <a:schemeClr val="accent4">
+        <a:tint val="40000"/>
         <a:alpha val="90000"/>
+      </a:schemeClr>
+      <a:schemeClr val="accent5">
         <a:tint val="40000"/>
-      </a:schemeClr>
-    </dgm:fillClrLst>
-    <dgm:linClrLst meth="repeat">
-      <a:schemeClr val="accent1">
         <a:alpha val="90000"/>
+      </a:schemeClr>
+    </dgm:fillClrLst>
+    <dgm:linClrLst>
+      <a:schemeClr val="accent4">
         <a:tint val="40000"/>
+        <a:alpha val="90000"/>
+      </a:schemeClr>
+      <a:schemeClr val="accent5">
+        <a:tint val="40000"/>
+        <a:alpha val="90000"/>
       </a:schemeClr>
     </dgm:linClrLst>
     <dgm:effectClrLst/>
@@ -2221,8 +2291,8 @@
         <a:alpha val="90000"/>
       </a:schemeClr>
     </dgm:fillClrLst>
-    <dgm:linClrLst meth="repeat">
-      <a:schemeClr val="accent1"/>
+    <dgm:linClrLst>
+      <a:schemeClr val="accent3"/>
     </dgm:linClrLst>
     <dgm:effectClrLst/>
     <dgm:txLinClrLst/>
@@ -2237,8 +2307,8 @@
         <a:alpha val="90000"/>
       </a:schemeClr>
     </dgm:fillClrLst>
-    <dgm:linClrLst meth="repeat">
-      <a:schemeClr val="accent1"/>
+    <dgm:linClrLst>
+      <a:schemeClr val="accent5"/>
     </dgm:linClrLst>
     <dgm:effectClrLst/>
     <dgm:txLinClrLst/>
@@ -2253,8 +2323,8 @@
         <a:alpha val="90000"/>
       </a:schemeClr>
     </dgm:fillClrLst>
-    <dgm:linClrLst meth="repeat">
-      <a:schemeClr val="accent1"/>
+    <dgm:linClrLst>
+      <a:schemeClr val="accent6"/>
     </dgm:linClrLst>
     <dgm:effectClrLst/>
     <dgm:txLinClrLst/>
@@ -2269,7 +2339,7 @@
         <a:alpha val="90000"/>
       </a:schemeClr>
     </dgm:fillClrLst>
-    <dgm:linClrLst meth="repeat">
+    <dgm:linClrLst>
       <a:schemeClr val="accent1"/>
     </dgm:linClrLst>
     <dgm:effectClrLst/>
@@ -2281,28 +2351,28 @@
   </dgm:styleLbl>
   <dgm:styleLbl name="bgShp">
     <dgm:fillClrLst meth="repeat">
-      <a:schemeClr val="accent1">
+      <a:schemeClr val="accent4">
         <a:tint val="40000"/>
       </a:schemeClr>
     </dgm:fillClrLst>
     <dgm:linClrLst meth="repeat">
-      <a:schemeClr val="accent1"/>
-    </dgm:linClrLst>
-    <dgm:effectClrLst/>
-    <dgm:txLinClrLst/>
-    <dgm:txFillClrLst meth="repeat">
       <a:schemeClr val="dk1"/>
+    </dgm:linClrLst>
+    <dgm:effectClrLst/>
+    <dgm:txLinClrLst/>
+    <dgm:txFillClrLst meth="repeat">
+      <a:schemeClr val="dk1"/>
     </dgm:txFillClrLst>
     <dgm:txEffectClrLst/>
   </dgm:styleLbl>
   <dgm:styleLbl name="dkBgShp">
     <dgm:fillClrLst meth="repeat">
-      <a:schemeClr val="accent1">
-        <a:shade val="80000"/>
-      </a:schemeClr>
-    </dgm:fillClrLst>
-    <dgm:linClrLst meth="repeat">
-      <a:schemeClr val="accent1"/>
+      <a:schemeClr val="accent4">
+        <a:shade val="90000"/>
+      </a:schemeClr>
+    </dgm:fillClrLst>
+    <dgm:linClrLst meth="repeat">
+      <a:schemeClr val="dk1"/>
     </dgm:linClrLst>
     <dgm:effectClrLst/>
     <dgm:txLinClrLst/>
@@ -2313,13 +2383,13 @@
   </dgm:styleLbl>
   <dgm:styleLbl name="trBgShp">
     <dgm:fillClrLst meth="repeat">
-      <a:schemeClr val="accent1">
+      <a:schemeClr val="accent4">
         <a:tint val="50000"/>
         <a:alpha val="40000"/>
       </a:schemeClr>
     </dgm:fillClrLst>
     <dgm:linClrLst meth="repeat">
-      <a:schemeClr val="accent1"/>
+      <a:schemeClr val="accent4"/>
     </dgm:linClrLst>
     <dgm:effectClrLst/>
     <dgm:txLinClrLst/>
@@ -2330,8 +2400,8 @@
   </dgm:styleLbl>
   <dgm:styleLbl name="fgShp">
     <dgm:fillClrLst meth="repeat">
-      <a:schemeClr val="accent1">
-        <a:tint val="60000"/>
+      <a:schemeClr val="accent4">
+        <a:tint val="40000"/>
       </a:schemeClr>
     </dgm:fillClrLst>
     <dgm:linClrLst meth="repeat">
@@ -2366,15 +2436,15 @@
 </file>
 
 <file path=ppt/diagrams/colors2.xml><?xml version="1.0" encoding="utf-8"?>
-<dgm:colorsDef xmlns:dgm="http://schemas.openxmlformats.org/drawingml/2006/diagram" xmlns:a="http://schemas.openxmlformats.org/drawingml/2006/main" uniqueId="urn:microsoft.com/office/officeart/2005/8/colors/accent1_2">
+<dgm:colorsDef xmlns:dgm="http://schemas.openxmlformats.org/drawingml/2006/diagram" xmlns:a="http://schemas.openxmlformats.org/drawingml/2006/main" uniqueId="urn:microsoft.com/office/officeart/2005/8/colors/accent3_2">
   <dgm:title val=""/>
   <dgm:desc val=""/>
   <dgm:catLst>
-    <dgm:cat type="accent1" pri="11200"/>
+    <dgm:cat type="accent3" pri="11200"/>
   </dgm:catLst>
   <dgm:styleLbl name="node0">
     <dgm:fillClrLst meth="repeat">
-      <a:schemeClr val="accent1"/>
+      <a:schemeClr val="accent3"/>
     </dgm:fillClrLst>
     <dgm:linClrLst meth="repeat">
       <a:schemeClr val="lt1"/>
@@ -2384,21 +2454,33 @@
     <dgm:txFillClrLst/>
     <dgm:txEffectClrLst/>
   </dgm:styleLbl>
+  <dgm:styleLbl name="node1">
+    <dgm:fillClrLst meth="repeat">
+      <a:schemeClr val="accent3"/>
+    </dgm:fillClrLst>
+    <dgm:linClrLst meth="repeat">
+      <a:schemeClr val="lt1"/>
+    </dgm:linClrLst>
+    <dgm:effectClrLst/>
+    <dgm:txLinClrLst/>
+    <dgm:txFillClrLst/>
+    <dgm:txEffectClrLst/>
+  </dgm:styleLbl>
   <dgm:styleLbl name="alignNode1">
     <dgm:fillClrLst meth="repeat">
-      <a:schemeClr val="accent1"/>
-    </dgm:fillClrLst>
-    <dgm:linClrLst meth="repeat">
-      <a:schemeClr val="accent1"/>
+      <a:schemeClr val="accent3"/>
+    </dgm:fillClrLst>
+    <dgm:linClrLst meth="repeat">
+      <a:schemeClr val="accent3"/>
     </dgm:linClrLst>
     <dgm:effectClrLst/>
     <dgm:txLinClrLst/>
     <dgm:txFillClrLst/>
     <dgm:txEffectClrLst/>
   </dgm:styleLbl>
-  <dgm:styleLbl name="node1">
-    <dgm:fillClrLst meth="repeat">
-      <a:schemeClr val="accent1"/>
+  <dgm:styleLbl name="lnNode1">
+    <dgm:fillClrLst meth="repeat">
+      <a:schemeClr val="accent3"/>
     </dgm:fillClrLst>
     <dgm:linClrLst meth="repeat">
       <a:schemeClr val="lt1"/>
@@ -2408,9 +2490,11 @@
     <dgm:txFillClrLst/>
     <dgm:txEffectClrLst/>
   </dgm:styleLbl>
-  <dgm:styleLbl name="lnNode1">
-    <dgm:fillClrLst meth="repeat">
-      <a:schemeClr val="accent1"/>
+  <dgm:styleLbl name="vennNode1">
+    <dgm:fillClrLst meth="repeat">
+      <a:schemeClr val="accent3">
+        <a:alpha val="50000"/>
+      </a:schemeClr>
     </dgm:fillClrLst>
     <dgm:linClrLst meth="repeat">
       <a:schemeClr val="lt1"/>
@@ -2420,11 +2504,9 @@
     <dgm:txFillClrLst/>
     <dgm:txEffectClrLst/>
   </dgm:styleLbl>
-  <dgm:styleLbl name="vennNode1">
-    <dgm:fillClrLst meth="repeat">
-      <a:schemeClr val="accent1">
-        <a:alpha val="50000"/>
-      </a:schemeClr>
+  <dgm:styleLbl name="node2">
+    <dgm:fillClrLst meth="repeat">
+      <a:schemeClr val="accent3"/>
     </dgm:fillClrLst>
     <dgm:linClrLst meth="repeat">
       <a:schemeClr val="lt1"/>
@@ -2434,9 +2516,9 @@
     <dgm:txFillClrLst/>
     <dgm:txEffectClrLst/>
   </dgm:styleLbl>
-  <dgm:styleLbl name="node2">
-    <dgm:fillClrLst meth="repeat">
-      <a:schemeClr val="accent1"/>
+  <dgm:styleLbl name="node3">
+    <dgm:fillClrLst meth="repeat">
+      <a:schemeClr val="accent3"/>
     </dgm:fillClrLst>
     <dgm:linClrLst meth="repeat">
       <a:schemeClr val="lt1"/>
@@ -2446,9 +2528,9 @@
     <dgm:txFillClrLst/>
     <dgm:txEffectClrLst/>
   </dgm:styleLbl>
-  <dgm:styleLbl name="node3">
-    <dgm:fillClrLst meth="repeat">
-      <a:schemeClr val="accent1"/>
+  <dgm:styleLbl name="node4">
+    <dgm:fillClrLst meth="repeat">
+      <a:schemeClr val="accent3"/>
     </dgm:fillClrLst>
     <dgm:linClrLst meth="repeat">
       <a:schemeClr val="lt1"/>
@@ -2458,120 +2540,260 @@
     <dgm:txFillClrLst/>
     <dgm:txEffectClrLst/>
   </dgm:styleLbl>
-  <dgm:styleLbl name="node4">
-    <dgm:fillClrLst meth="repeat">
-      <a:schemeClr val="accent1"/>
+  <dgm:styleLbl name="fgImgPlace1">
+    <dgm:fillClrLst meth="repeat">
+      <a:schemeClr val="accent3">
+        <a:tint val="50000"/>
+      </a:schemeClr>
     </dgm:fillClrLst>
     <dgm:linClrLst meth="repeat">
       <a:schemeClr val="lt1"/>
     </dgm:linClrLst>
     <dgm:effectClrLst/>
     <dgm:txLinClrLst/>
+    <dgm:txFillClrLst meth="repeat">
+      <a:schemeClr val="lt1"/>
+    </dgm:txFillClrLst>
+    <dgm:txEffectClrLst/>
+  </dgm:styleLbl>
+  <dgm:styleLbl name="alignImgPlace1">
+    <dgm:fillClrLst meth="repeat">
+      <a:schemeClr val="accent3">
+        <a:tint val="50000"/>
+      </a:schemeClr>
+    </dgm:fillClrLst>
+    <dgm:linClrLst meth="repeat">
+      <a:schemeClr val="lt1"/>
+    </dgm:linClrLst>
+    <dgm:effectClrLst/>
+    <dgm:txLinClrLst/>
+    <dgm:txFillClrLst meth="repeat">
+      <a:schemeClr val="lt1"/>
+    </dgm:txFillClrLst>
+    <dgm:txEffectClrLst/>
+  </dgm:styleLbl>
+  <dgm:styleLbl name="bgImgPlace1">
+    <dgm:fillClrLst meth="repeat">
+      <a:schemeClr val="accent3">
+        <a:tint val="50000"/>
+      </a:schemeClr>
+    </dgm:fillClrLst>
+    <dgm:linClrLst meth="repeat">
+      <a:schemeClr val="lt1"/>
+    </dgm:linClrLst>
+    <dgm:effectClrLst/>
+    <dgm:txLinClrLst/>
+    <dgm:txFillClrLst meth="repeat">
+      <a:schemeClr val="lt1"/>
+    </dgm:txFillClrLst>
+    <dgm:txEffectClrLst/>
+  </dgm:styleLbl>
+  <dgm:styleLbl name="sibTrans2D1">
+    <dgm:fillClrLst meth="repeat">
+      <a:schemeClr val="accent3">
+        <a:tint val="60000"/>
+      </a:schemeClr>
+    </dgm:fillClrLst>
+    <dgm:linClrLst meth="repeat">
+      <a:schemeClr val="accent3">
+        <a:tint val="60000"/>
+      </a:schemeClr>
+    </dgm:linClrLst>
+    <dgm:effectClrLst/>
+    <dgm:txLinClrLst/>
     <dgm:txFillClrLst/>
     <dgm:txEffectClrLst/>
   </dgm:styleLbl>
-  <dgm:styleLbl name="fgImgPlace1">
-    <dgm:fillClrLst meth="repeat">
-      <a:schemeClr val="accent1">
+  <dgm:styleLbl name="fgSibTrans2D1">
+    <dgm:fillClrLst meth="repeat">
+      <a:schemeClr val="accent3">
+        <a:tint val="60000"/>
+      </a:schemeClr>
+    </dgm:fillClrLst>
+    <dgm:linClrLst meth="repeat">
+      <a:schemeClr val="accent3">
+        <a:tint val="60000"/>
+      </a:schemeClr>
+    </dgm:linClrLst>
+    <dgm:effectClrLst/>
+    <dgm:txLinClrLst/>
+    <dgm:txFillClrLst/>
+    <dgm:txEffectClrLst/>
+  </dgm:styleLbl>
+  <dgm:styleLbl name="bgSibTrans2D1">
+    <dgm:fillClrLst meth="repeat">
+      <a:schemeClr val="accent3">
+        <a:tint val="60000"/>
+      </a:schemeClr>
+    </dgm:fillClrLst>
+    <dgm:linClrLst meth="repeat">
+      <a:schemeClr val="accent3">
+        <a:tint val="60000"/>
+      </a:schemeClr>
+    </dgm:linClrLst>
+    <dgm:effectClrLst/>
+    <dgm:txLinClrLst/>
+    <dgm:txFillClrLst/>
+    <dgm:txEffectClrLst/>
+  </dgm:styleLbl>
+  <dgm:styleLbl name="sibTrans1D1">
+    <dgm:fillClrLst meth="repeat">
+      <a:schemeClr val="accent3"/>
+    </dgm:fillClrLst>
+    <dgm:linClrLst meth="repeat">
+      <a:schemeClr val="accent3"/>
+    </dgm:linClrLst>
+    <dgm:effectClrLst/>
+    <dgm:txLinClrLst/>
+    <dgm:txFillClrLst meth="repeat">
+      <a:schemeClr val="tx1"/>
+    </dgm:txFillClrLst>
+    <dgm:txEffectClrLst/>
+  </dgm:styleLbl>
+  <dgm:styleLbl name="callout">
+    <dgm:fillClrLst meth="repeat">
+      <a:schemeClr val="accent3"/>
+    </dgm:fillClrLst>
+    <dgm:linClrLst meth="repeat">
+      <a:schemeClr val="accent3">
         <a:tint val="50000"/>
       </a:schemeClr>
+    </dgm:linClrLst>
+    <dgm:effectClrLst/>
+    <dgm:txLinClrLst/>
+    <dgm:txFillClrLst meth="repeat">
+      <a:schemeClr val="tx1"/>
+    </dgm:txFillClrLst>
+    <dgm:txEffectClrLst/>
+  </dgm:styleLbl>
+  <dgm:styleLbl name="asst0">
+    <dgm:fillClrLst meth="repeat">
+      <a:schemeClr val="accent3"/>
     </dgm:fillClrLst>
     <dgm:linClrLst meth="repeat">
       <a:schemeClr val="lt1"/>
     </dgm:linClrLst>
     <dgm:effectClrLst/>
     <dgm:txLinClrLst/>
-    <dgm:txFillClrLst meth="repeat">
+    <dgm:txFillClrLst/>
+    <dgm:txEffectClrLst/>
+  </dgm:styleLbl>
+  <dgm:styleLbl name="asst1">
+    <dgm:fillClrLst meth="repeat">
+      <a:schemeClr val="accent3"/>
+    </dgm:fillClrLst>
+    <dgm:linClrLst meth="repeat">
       <a:schemeClr val="lt1"/>
-    </dgm:txFillClrLst>
-    <dgm:txEffectClrLst/>
-  </dgm:styleLbl>
-  <dgm:styleLbl name="alignImgPlace1">
-    <dgm:fillClrLst meth="repeat">
-      <a:schemeClr val="accent1">
-        <a:tint val="50000"/>
-      </a:schemeClr>
+    </dgm:linClrLst>
+    <dgm:effectClrLst/>
+    <dgm:txLinClrLst/>
+    <dgm:txFillClrLst/>
+    <dgm:txEffectClrLst/>
+  </dgm:styleLbl>
+  <dgm:styleLbl name="asst2">
+    <dgm:fillClrLst meth="repeat">
+      <a:schemeClr val="accent3"/>
     </dgm:fillClrLst>
     <dgm:linClrLst meth="repeat">
       <a:schemeClr val="lt1"/>
     </dgm:linClrLst>
     <dgm:effectClrLst/>
     <dgm:txLinClrLst/>
-    <dgm:txFillClrLst meth="repeat">
+    <dgm:txFillClrLst/>
+    <dgm:txEffectClrLst/>
+  </dgm:styleLbl>
+  <dgm:styleLbl name="asst3">
+    <dgm:fillClrLst meth="repeat">
+      <a:schemeClr val="accent3"/>
+    </dgm:fillClrLst>
+    <dgm:linClrLst meth="repeat">
       <a:schemeClr val="lt1"/>
-    </dgm:txFillClrLst>
-    <dgm:txEffectClrLst/>
-  </dgm:styleLbl>
-  <dgm:styleLbl name="bgImgPlace1">
-    <dgm:fillClrLst meth="repeat">
-      <a:schemeClr val="accent1">
-        <a:tint val="50000"/>
-      </a:schemeClr>
+    </dgm:linClrLst>
+    <dgm:effectClrLst/>
+    <dgm:txLinClrLst/>
+    <dgm:txFillClrLst/>
+    <dgm:txEffectClrLst/>
+  </dgm:styleLbl>
+  <dgm:styleLbl name="asst4">
+    <dgm:fillClrLst meth="repeat">
+      <a:schemeClr val="accent3"/>
     </dgm:fillClrLst>
     <dgm:linClrLst meth="repeat">
       <a:schemeClr val="lt1"/>
     </dgm:linClrLst>
     <dgm:effectClrLst/>
     <dgm:txLinClrLst/>
+    <dgm:txFillClrLst/>
+    <dgm:txEffectClrLst/>
+  </dgm:styleLbl>
+  <dgm:styleLbl name="parChTrans2D1">
+    <dgm:fillClrLst meth="repeat">
+      <a:schemeClr val="accent3">
+        <a:tint val="60000"/>
+      </a:schemeClr>
+    </dgm:fillClrLst>
+    <dgm:linClrLst meth="repeat">
+      <a:schemeClr val="accent3">
+        <a:tint val="60000"/>
+      </a:schemeClr>
+    </dgm:linClrLst>
+    <dgm:effectClrLst/>
+    <dgm:txLinClrLst/>
     <dgm:txFillClrLst meth="repeat">
       <a:schemeClr val="lt1"/>
     </dgm:txFillClrLst>
     <dgm:txEffectClrLst/>
   </dgm:styleLbl>
-  <dgm:styleLbl name="sibTrans2D1">
-    <dgm:fillClrLst meth="repeat">
-      <a:schemeClr val="accent1">
-        <a:tint val="60000"/>
-      </a:schemeClr>
-    </dgm:fillClrLst>
-    <dgm:linClrLst meth="repeat">
-      <a:schemeClr val="accent1">
-        <a:tint val="60000"/>
-      </a:schemeClr>
-    </dgm:linClrLst>
-    <dgm:effectClrLst/>
-    <dgm:txLinClrLst/>
-    <dgm:txFillClrLst/>
-    <dgm:txEffectClrLst/>
-  </dgm:styleLbl>
-  <dgm:styleLbl name="fgSibTrans2D1">
-    <dgm:fillClrLst meth="repeat">
-      <a:schemeClr val="accent1">
-        <a:tint val="60000"/>
-      </a:schemeClr>
-    </dgm:fillClrLst>
-    <dgm:linClrLst meth="repeat">
-      <a:schemeClr val="accent1">
-        <a:tint val="60000"/>
-      </a:schemeClr>
-    </dgm:linClrLst>
-    <dgm:effectClrLst/>
-    <dgm:txLinClrLst/>
-    <dgm:txFillClrLst/>
-    <dgm:txEffectClrLst/>
-  </dgm:styleLbl>
-  <dgm:styleLbl name="bgSibTrans2D1">
-    <dgm:fillClrLst meth="repeat">
-      <a:schemeClr val="accent1">
-        <a:tint val="60000"/>
-      </a:schemeClr>
-    </dgm:fillClrLst>
-    <dgm:linClrLst meth="repeat">
-      <a:schemeClr val="accent1">
-        <a:tint val="60000"/>
-      </a:schemeClr>
-    </dgm:linClrLst>
-    <dgm:effectClrLst/>
-    <dgm:txLinClrLst/>
-    <dgm:txFillClrLst/>
-    <dgm:txEffectClrLst/>
-  </dgm:styleLbl>
-  <dgm:styleLbl name="sibTrans1D1">
-    <dgm:fillClrLst meth="repeat">
-      <a:schemeClr val="accent1"/>
-    </dgm:fillClrLst>
-    <dgm:linClrLst meth="repeat">
-      <a:schemeClr val="accent1"/>
+  <dgm:styleLbl name="parChTrans2D2">
+    <dgm:fillClrLst meth="repeat">
+      <a:schemeClr val="accent3"/>
+    </dgm:fillClrLst>
+    <dgm:linClrLst meth="repeat">
+      <a:schemeClr val="accent3"/>
+    </dgm:linClrLst>
+    <dgm:effectClrLst/>
+    <dgm:txLinClrLst/>
+    <dgm:txFillClrLst meth="repeat">
+      <a:schemeClr val="lt1"/>
+    </dgm:txFillClrLst>
+    <dgm:txEffectClrLst/>
+  </dgm:styleLbl>
+  <dgm:styleLbl name="parChTrans2D3">
+    <dgm:fillClrLst meth="repeat">
+      <a:schemeClr val="accent3"/>
+    </dgm:fillClrLst>
+    <dgm:linClrLst meth="repeat">
+      <a:schemeClr val="accent3"/>
+    </dgm:linClrLst>
+    <dgm:effectClrLst/>
+    <dgm:txLinClrLst/>
+    <dgm:txFillClrLst meth="repeat">
+      <a:schemeClr val="lt1"/>
+    </dgm:txFillClrLst>
+    <dgm:txEffectClrLst/>
+  </dgm:styleLbl>
+  <dgm:styleLbl name="parChTrans2D4">
+    <dgm:fillClrLst meth="repeat">
+      <a:schemeClr val="accent3"/>
+    </dgm:fillClrLst>
+    <dgm:linClrLst meth="repeat">
+      <a:schemeClr val="accent3"/>
+    </dgm:linClrLst>
+    <dgm:effectClrLst/>
+    <dgm:txLinClrLst/>
+    <dgm:txFillClrLst meth="repeat">
+      <a:schemeClr val="lt1"/>
+    </dgm:txFillClrLst>
+    <dgm:txEffectClrLst/>
+  </dgm:styleLbl>
+  <dgm:styleLbl name="parChTrans1D1">
+    <dgm:fillClrLst meth="repeat">
+      <a:schemeClr val="accent3"/>
+    </dgm:fillClrLst>
+    <dgm:linClrLst meth="repeat">
+      <a:schemeClr val="accent3">
+        <a:shade val="60000"/>
+      </a:schemeClr>
     </dgm:linClrLst>
     <dgm:effectClrLst/>
     <dgm:txLinClrLst/>
@@ -2580,13 +2802,13 @@
     </dgm:txFillClrLst>
     <dgm:txEffectClrLst/>
   </dgm:styleLbl>
-  <dgm:styleLbl name="callout">
-    <dgm:fillClrLst meth="repeat">
-      <a:schemeClr val="accent1"/>
-    </dgm:fillClrLst>
-    <dgm:linClrLst meth="repeat">
-      <a:schemeClr val="accent1">
-        <a:tint val="50000"/>
+  <dgm:styleLbl name="parChTrans1D2">
+    <dgm:fillClrLst meth="repeat">
+      <a:schemeClr val="accent3"/>
+    </dgm:fillClrLst>
+    <dgm:linClrLst meth="repeat">
+      <a:schemeClr val="accent3">
+        <a:shade val="60000"/>
       </a:schemeClr>
     </dgm:linClrLst>
     <dgm:effectClrLst/>
@@ -2596,133 +2818,13 @@
     </dgm:txFillClrLst>
     <dgm:txEffectClrLst/>
   </dgm:styleLbl>
-  <dgm:styleLbl name="asst0">
-    <dgm:fillClrLst meth="repeat">
-      <a:schemeClr val="accent1"/>
-    </dgm:fillClrLst>
-    <dgm:linClrLst meth="repeat">
-      <a:schemeClr val="lt1"/>
-    </dgm:linClrLst>
-    <dgm:effectClrLst/>
-    <dgm:txLinClrLst/>
-    <dgm:txFillClrLst/>
-    <dgm:txEffectClrLst/>
-  </dgm:styleLbl>
-  <dgm:styleLbl name="asst1">
-    <dgm:fillClrLst meth="repeat">
-      <a:schemeClr val="accent1"/>
-    </dgm:fillClrLst>
-    <dgm:linClrLst meth="repeat">
-      <a:schemeClr val="lt1"/>
-    </dgm:linClrLst>
-    <dgm:effectClrLst/>
-    <dgm:txLinClrLst/>
-    <dgm:txFillClrLst/>
-    <dgm:txEffectClrLst/>
-  </dgm:styleLbl>
-  <dgm:styleLbl name="asst2">
-    <dgm:fillClrLst meth="repeat">
-      <a:schemeClr val="accent1"/>
-    </dgm:fillClrLst>
-    <dgm:linClrLst meth="repeat">
-      <a:schemeClr val="lt1"/>
-    </dgm:linClrLst>
-    <dgm:effectClrLst/>
-    <dgm:txLinClrLst/>
-    <dgm:txFillClrLst/>
-    <dgm:txEffectClrLst/>
-  </dgm:styleLbl>
-  <dgm:styleLbl name="asst3">
-    <dgm:fillClrLst meth="repeat">
-      <a:schemeClr val="accent1"/>
-    </dgm:fillClrLst>
-    <dgm:linClrLst meth="repeat">
-      <a:schemeClr val="lt1"/>
-    </dgm:linClrLst>
-    <dgm:effectClrLst/>
-    <dgm:txLinClrLst/>
-    <dgm:txFillClrLst/>
-    <dgm:txEffectClrLst/>
-  </dgm:styleLbl>
-  <dgm:styleLbl name="asst4">
-    <dgm:fillClrLst meth="repeat">
-      <a:schemeClr val="accent1"/>
-    </dgm:fillClrLst>
-    <dgm:linClrLst meth="repeat">
-      <a:schemeClr val="lt1"/>
-    </dgm:linClrLst>
-    <dgm:effectClrLst/>
-    <dgm:txLinClrLst/>
-    <dgm:txFillClrLst/>
-    <dgm:txEffectClrLst/>
-  </dgm:styleLbl>
-  <dgm:styleLbl name="parChTrans2D1">
-    <dgm:fillClrLst meth="repeat">
-      <a:schemeClr val="accent1">
-        <a:tint val="60000"/>
-      </a:schemeClr>
-    </dgm:fillClrLst>
-    <dgm:linClrLst meth="repeat">
-      <a:schemeClr val="accent1">
-        <a:tint val="60000"/>
-      </a:schemeClr>
-    </dgm:linClrLst>
-    <dgm:effectClrLst/>
-    <dgm:txLinClrLst/>
-    <dgm:txFillClrLst meth="repeat">
-      <a:schemeClr val="lt1"/>
-    </dgm:txFillClrLst>
-    <dgm:txEffectClrLst/>
-  </dgm:styleLbl>
-  <dgm:styleLbl name="parChTrans2D2">
-    <dgm:fillClrLst meth="repeat">
-      <a:schemeClr val="accent1"/>
-    </dgm:fillClrLst>
-    <dgm:linClrLst meth="repeat">
-      <a:schemeClr val="accent1"/>
-    </dgm:linClrLst>
-    <dgm:effectClrLst/>
-    <dgm:txLinClrLst/>
-    <dgm:txFillClrLst meth="repeat">
-      <a:schemeClr val="lt1"/>
-    </dgm:txFillClrLst>
-    <dgm:txEffectClrLst/>
-  </dgm:styleLbl>
-  <dgm:styleLbl name="parChTrans2D3">
-    <dgm:fillClrLst meth="repeat">
-      <a:schemeClr val="accent1"/>
-    </dgm:fillClrLst>
-    <dgm:linClrLst meth="repeat">
-      <a:schemeClr val="accent1"/>
-    </dgm:linClrLst>
-    <dgm:effectClrLst/>
-    <dgm:txLinClrLst/>
-    <dgm:txFillClrLst meth="repeat">
-      <a:schemeClr val="lt1"/>
-    </dgm:txFillClrLst>
-    <dgm:txEffectClrLst/>
-  </dgm:styleLbl>
-  <dgm:styleLbl name="parChTrans2D4">
-    <dgm:fillClrLst meth="repeat">
-      <a:schemeClr val="accent1"/>
-    </dgm:fillClrLst>
-    <dgm:linClrLst meth="repeat">
-      <a:schemeClr val="accent1"/>
-    </dgm:linClrLst>
-    <dgm:effectClrLst/>
-    <dgm:txLinClrLst/>
-    <dgm:txFillClrLst meth="repeat">
-      <a:schemeClr val="lt1"/>
-    </dgm:txFillClrLst>
-    <dgm:txEffectClrLst/>
-  </dgm:styleLbl>
-  <dgm:styleLbl name="parChTrans1D1">
-    <dgm:fillClrLst meth="repeat">
-      <a:schemeClr val="accent1"/>
-    </dgm:fillClrLst>
-    <dgm:linClrLst meth="repeat">
-      <a:schemeClr val="accent1">
-        <a:shade val="60000"/>
+  <dgm:styleLbl name="parChTrans1D3">
+    <dgm:fillClrLst meth="repeat">
+      <a:schemeClr val="accent3"/>
+    </dgm:fillClrLst>
+    <dgm:linClrLst meth="repeat">
+      <a:schemeClr val="accent3">
+        <a:shade val="80000"/>
       </a:schemeClr>
     </dgm:linClrLst>
     <dgm:effectClrLst/>
@@ -2732,44 +2834,12 @@
     </dgm:txFillClrLst>
     <dgm:txEffectClrLst/>
   </dgm:styleLbl>
-  <dgm:styleLbl name="parChTrans1D2">
-    <dgm:fillClrLst meth="repeat">
-      <a:schemeClr val="accent1"/>
-    </dgm:fillClrLst>
-    <dgm:linClrLst meth="repeat">
-      <a:schemeClr val="accent1">
-        <a:shade val="60000"/>
-      </a:schemeClr>
-    </dgm:linClrLst>
-    <dgm:effectClrLst/>
-    <dgm:txLinClrLst/>
-    <dgm:txFillClrLst meth="repeat">
-      <a:schemeClr val="tx1"/>
-    </dgm:txFillClrLst>
-    <dgm:txEffectClrLst/>
-  </dgm:styleLbl>
-  <dgm:styleLbl name="parChTrans1D3">
-    <dgm:fillClrLst meth="repeat">
-      <a:schemeClr val="accent1"/>
-    </dgm:fillClrLst>
-    <dgm:linClrLst meth="repeat">
-      <a:schemeClr val="accent1">
-        <a:shade val="80000"/>
-      </a:schemeClr>
-    </dgm:linClrLst>
-    <dgm:effectClrLst/>
-    <dgm:txLinClrLst/>
-    <dgm:txFillClrLst meth="repeat">
-      <a:schemeClr val="tx1"/>
-    </dgm:txFillClrLst>
-    <dgm:txEffectClrLst/>
-  </dgm:styleLbl>
   <dgm:styleLbl name="parChTrans1D4">
     <dgm:fillClrLst meth="repeat">
-      <a:schemeClr val="accent1"/>
-    </dgm:fillClrLst>
-    <dgm:linClrLst meth="repeat">
-      <a:schemeClr val="accent1">
+      <a:schemeClr val="accent3"/>
+    </dgm:fillClrLst>
+    <dgm:linClrLst meth="repeat">
+      <a:schemeClr val="accent3">
         <a:shade val="80000"/>
       </a:schemeClr>
     </dgm:linClrLst>
@@ -2787,7 +2857,7 @@
       </a:schemeClr>
     </dgm:fillClrLst>
     <dgm:linClrLst meth="repeat">
-      <a:schemeClr val="accent1"/>
+      <a:schemeClr val="accent3"/>
     </dgm:linClrLst>
     <dgm:effectClrLst/>
     <dgm:txLinClrLst/>
@@ -2803,7 +2873,7 @@
       </a:schemeClr>
     </dgm:fillClrLst>
     <dgm:linClrLst meth="repeat">
-      <a:schemeClr val="accent1"/>
+      <a:schemeClr val="accent3"/>
     </dgm:linClrLst>
     <dgm:effectClrLst/>
     <dgm:txLinClrLst/>
@@ -2819,7 +2889,7 @@
       </a:schemeClr>
     </dgm:fillClrLst>
     <dgm:linClrLst meth="repeat">
-      <a:schemeClr val="accent1"/>
+      <a:schemeClr val="accent3"/>
     </dgm:linClrLst>
     <dgm:effectClrLst/>
     <dgm:txLinClrLst/>
@@ -2835,7 +2905,7 @@
       </a:schemeClr>
     </dgm:fillClrLst>
     <dgm:linClrLst meth="repeat">
-      <a:schemeClr val="accent1"/>
+      <a:schemeClr val="accent3"/>
     </dgm:linClrLst>
     <dgm:effectClrLst/>
     <dgm:txLinClrLst/>
@@ -2851,7 +2921,7 @@
       </a:schemeClr>
     </dgm:fillClrLst>
     <dgm:linClrLst meth="repeat">
-      <a:schemeClr val="accent1"/>
+      <a:schemeClr val="accent3"/>
     </dgm:linClrLst>
     <dgm:effectClrLst/>
     <dgm:txLinClrLst/>
@@ -2865,7 +2935,7 @@
       <a:schemeClr val="lt1"/>
     </dgm:fillClrLst>
     <dgm:linClrLst meth="repeat">
-      <a:schemeClr val="accent1"/>
+      <a:schemeClr val="accent3"/>
     </dgm:linClrLst>
     <dgm:effectClrLst/>
     <dgm:txLinClrLst/>
@@ -2879,7 +2949,7 @@
       <a:schemeClr val="lt1"/>
     </dgm:fillClrLst>
     <dgm:linClrLst meth="repeat">
-      <a:schemeClr val="accent1"/>
+      <a:schemeClr val="accent3"/>
     </dgm:linClrLst>
     <dgm:effectClrLst/>
     <dgm:txLinClrLst/>
@@ -2893,7 +2963,7 @@
       <a:schemeClr val="lt1"/>
     </dgm:fillClrLst>
     <dgm:linClrLst meth="repeat">
-      <a:schemeClr val="accent1"/>
+      <a:schemeClr val="accent3"/>
     </dgm:linClrLst>
     <dgm:effectClrLst/>
     <dgm:txLinClrLst/>
@@ -2904,13 +2974,13 @@
   </dgm:styleLbl>
   <dgm:styleLbl name="fgAccFollowNode1">
     <dgm:fillClrLst meth="repeat">
-      <a:schemeClr val="accent1">
+      <a:schemeClr val="accent3">
         <a:alpha val="90000"/>
         <a:tint val="40000"/>
       </a:schemeClr>
     </dgm:fillClrLst>
     <dgm:linClrLst meth="repeat">
-      <a:schemeClr val="accent1">
+      <a:schemeClr val="accent3">
         <a:alpha val="90000"/>
         <a:tint val="40000"/>
       </a:schemeClr>
@@ -2924,13 +2994,13 @@
   </dgm:styleLbl>
   <dgm:styleLbl name="alignAccFollowNode1">
     <dgm:fillClrLst meth="repeat">
-      <a:schemeClr val="accent1">
+      <a:schemeClr val="accent3">
         <a:alpha val="90000"/>
         <a:tint val="40000"/>
       </a:schemeClr>
     </dgm:fillClrLst>
     <dgm:linClrLst meth="repeat">
-      <a:schemeClr val="accent1">
+      <a:schemeClr val="accent3">
         <a:alpha val="90000"/>
         <a:tint val="40000"/>
       </a:schemeClr>
@@ -2944,13 +3014,13 @@
   </dgm:styleLbl>
   <dgm:styleLbl name="bgAccFollowNode1">
     <dgm:fillClrLst meth="repeat">
-      <a:schemeClr val="accent1">
+      <a:schemeClr val="accent3">
         <a:alpha val="90000"/>
         <a:tint val="40000"/>
       </a:schemeClr>
     </dgm:fillClrLst>
     <dgm:linClrLst meth="repeat">
-      <a:schemeClr val="accent1">
+      <a:schemeClr val="accent3">
         <a:alpha val="90000"/>
         <a:tint val="40000"/>
       </a:schemeClr>
@@ -2969,7 +3039,7 @@
       </a:schemeClr>
     </dgm:fillClrLst>
     <dgm:linClrLst meth="repeat">
-      <a:schemeClr val="accent1"/>
+      <a:schemeClr val="accent3"/>
     </dgm:linClrLst>
     <dgm:effectClrLst/>
     <dgm:txLinClrLst/>
@@ -2985,7 +3055,7 @@
       </a:schemeClr>
     </dgm:fillClrLst>
     <dgm:linClrLst meth="repeat">
-      <a:schemeClr val="accent1"/>
+      <a:schemeClr val="accent3"/>
     </dgm:linClrLst>
     <dgm:effectClrLst/>
     <dgm:txLinClrLst/>
@@ -3001,7 +3071,7 @@
       </a:schemeClr>
     </dgm:fillClrLst>
     <dgm:linClrLst meth="repeat">
-      <a:schemeClr val="accent1"/>
+      <a:schemeClr val="accent3"/>
     </dgm:linClrLst>
     <dgm:effectClrLst/>
     <dgm:txLinClrLst/>
@@ -3017,7 +3087,7 @@
       </a:schemeClr>
     </dgm:fillClrLst>
     <dgm:linClrLst meth="repeat">
-      <a:schemeClr val="accent1"/>
+      <a:schemeClr val="accent3"/>
     </dgm:linClrLst>
     <dgm:effectClrLst/>
     <dgm:txLinClrLst/>
@@ -3028,12 +3098,12 @@
   </dgm:styleLbl>
   <dgm:styleLbl name="bgShp">
     <dgm:fillClrLst meth="repeat">
-      <a:schemeClr val="accent1">
+      <a:schemeClr val="accent3">
         <a:tint val="40000"/>
       </a:schemeClr>
     </dgm:fillClrLst>
     <dgm:linClrLst meth="repeat">
-      <a:schemeClr val="accent1"/>
+      <a:schemeClr val="accent3"/>
     </dgm:linClrLst>
     <dgm:effectClrLst/>
     <dgm:txLinClrLst/>
@@ -3044,12 +3114,12 @@
   </dgm:styleLbl>
   <dgm:styleLbl name="dkBgShp">
     <dgm:fillClrLst meth="repeat">
-      <a:schemeClr val="accent1">
+      <a:schemeClr val="accent3">
         <a:shade val="80000"/>
       </a:schemeClr>
     </dgm:fillClrLst>
     <dgm:linClrLst meth="repeat">
-      <a:schemeClr val="accent1"/>
+      <a:schemeClr val="accent3"/>
     </dgm:linClrLst>
     <dgm:effectClrLst/>
     <dgm:txLinClrLst/>
@@ -3060,13 +3130,13 @@
   </dgm:styleLbl>
   <dgm:styleLbl name="trBgShp">
     <dgm:fillClrLst meth="repeat">
-      <a:schemeClr val="accent1">
+      <a:schemeClr val="accent3">
         <a:tint val="50000"/>
         <a:alpha val="40000"/>
       </a:schemeClr>
     </dgm:fillClrLst>
     <dgm:linClrLst meth="repeat">
-      <a:schemeClr val="accent1"/>
+      <a:schemeClr val="accent3"/>
     </dgm:linClrLst>
     <dgm:effectClrLst/>
     <dgm:txLinClrLst/>
@@ -3077,7 +3147,7 @@
   </dgm:styleLbl>
   <dgm:styleLbl name="fgShp">
     <dgm:fillClrLst meth="repeat">
-      <a:schemeClr val="accent1">
+      <a:schemeClr val="accent3">
         <a:tint val="60000"/>
       </a:schemeClr>
     </dgm:fillClrLst>
@@ -3113,15 +3183,15 @@
 </file>
 
 <file path=ppt/diagrams/colors3.xml><?xml version="1.0" encoding="utf-8"?>
-<dgm:colorsDef xmlns:dgm="http://schemas.openxmlformats.org/drawingml/2006/diagram" xmlns:a="http://schemas.openxmlformats.org/drawingml/2006/main" uniqueId="urn:microsoft.com/office/officeart/2005/8/colors/accent1_2">
+<dgm:colorsDef xmlns:dgm="http://schemas.openxmlformats.org/drawingml/2006/diagram" xmlns:a="http://schemas.openxmlformats.org/drawingml/2006/main" uniqueId="urn:microsoft.com/office/officeart/2005/8/colors/accent3_2">
   <dgm:title val=""/>
   <dgm:desc val=""/>
   <dgm:catLst>
-    <dgm:cat type="accent1" pri="11200"/>
+    <dgm:cat type="accent3" pri="11200"/>
   </dgm:catLst>
   <dgm:styleLbl name="node0">
     <dgm:fillClrLst meth="repeat">
-      <a:schemeClr val="accent1"/>
+      <a:schemeClr val="accent3"/>
     </dgm:fillClrLst>
     <dgm:linClrLst meth="repeat">
       <a:schemeClr val="lt1"/>
@@ -3131,21 +3201,33 @@
     <dgm:txFillClrLst/>
     <dgm:txEffectClrLst/>
   </dgm:styleLbl>
+  <dgm:styleLbl name="node1">
+    <dgm:fillClrLst meth="repeat">
+      <a:schemeClr val="accent3"/>
+    </dgm:fillClrLst>
+    <dgm:linClrLst meth="repeat">
+      <a:schemeClr val="lt1"/>
+    </dgm:linClrLst>
+    <dgm:effectClrLst/>
+    <dgm:txLinClrLst/>
+    <dgm:txFillClrLst/>
+    <dgm:txEffectClrLst/>
+  </dgm:styleLbl>
   <dgm:styleLbl name="alignNode1">
     <dgm:fillClrLst meth="repeat">
-      <a:schemeClr val="accent1"/>
-    </dgm:fillClrLst>
-    <dgm:linClrLst meth="repeat">
-      <a:schemeClr val="accent1"/>
+      <a:schemeClr val="accent3"/>
+    </dgm:fillClrLst>
+    <dgm:linClrLst meth="repeat">
+      <a:schemeClr val="accent3"/>
     </dgm:linClrLst>
     <dgm:effectClrLst/>
     <dgm:txLinClrLst/>
     <dgm:txFillClrLst/>
     <dgm:txEffectClrLst/>
   </dgm:styleLbl>
-  <dgm:styleLbl name="node1">
-    <dgm:fillClrLst meth="repeat">
-      <a:schemeClr val="accent1"/>
+  <dgm:styleLbl name="lnNode1">
+    <dgm:fillClrLst meth="repeat">
+      <a:schemeClr val="accent3"/>
     </dgm:fillClrLst>
     <dgm:linClrLst meth="repeat">
       <a:schemeClr val="lt1"/>
@@ -3155,9 +3237,11 @@
     <dgm:txFillClrLst/>
     <dgm:txEffectClrLst/>
   </dgm:styleLbl>
-  <dgm:styleLbl name="lnNode1">
-    <dgm:fillClrLst meth="repeat">
-      <a:schemeClr val="accent1"/>
+  <dgm:styleLbl name="vennNode1">
+    <dgm:fillClrLst meth="repeat">
+      <a:schemeClr val="accent3">
+        <a:alpha val="50000"/>
+      </a:schemeClr>
     </dgm:fillClrLst>
     <dgm:linClrLst meth="repeat">
       <a:schemeClr val="lt1"/>
@@ -3167,11 +3251,9 @@
     <dgm:txFillClrLst/>
     <dgm:txEffectClrLst/>
   </dgm:styleLbl>
-  <dgm:styleLbl name="vennNode1">
-    <dgm:fillClrLst meth="repeat">
-      <a:schemeClr val="accent1">
-        <a:alpha val="50000"/>
-      </a:schemeClr>
+  <dgm:styleLbl name="node2">
+    <dgm:fillClrLst meth="repeat">
+      <a:schemeClr val="accent3"/>
     </dgm:fillClrLst>
     <dgm:linClrLst meth="repeat">
       <a:schemeClr val="lt1"/>
@@ -3181,9 +3263,9 @@
     <dgm:txFillClrLst/>
     <dgm:txEffectClrLst/>
   </dgm:styleLbl>
-  <dgm:styleLbl name="node2">
-    <dgm:fillClrLst meth="repeat">
-      <a:schemeClr val="accent1"/>
+  <dgm:styleLbl name="node3">
+    <dgm:fillClrLst meth="repeat">
+      <a:schemeClr val="accent3"/>
     </dgm:fillClrLst>
     <dgm:linClrLst meth="repeat">
       <a:schemeClr val="lt1"/>
@@ -3193,9 +3275,9 @@
     <dgm:txFillClrLst/>
     <dgm:txEffectClrLst/>
   </dgm:styleLbl>
-  <dgm:styleLbl name="node3">
-    <dgm:fillClrLst meth="repeat">
-      <a:schemeClr val="accent1"/>
+  <dgm:styleLbl name="node4">
+    <dgm:fillClrLst meth="repeat">
+      <a:schemeClr val="accent3"/>
     </dgm:fillClrLst>
     <dgm:linClrLst meth="repeat">
       <a:schemeClr val="lt1"/>
@@ -3205,120 +3287,260 @@
     <dgm:txFillClrLst/>
     <dgm:txEffectClrLst/>
   </dgm:styleLbl>
-  <dgm:styleLbl name="node4">
-    <dgm:fillClrLst meth="repeat">
-      <a:schemeClr val="accent1"/>
+  <dgm:styleLbl name="fgImgPlace1">
+    <dgm:fillClrLst meth="repeat">
+      <a:schemeClr val="accent3">
+        <a:tint val="50000"/>
+      </a:schemeClr>
     </dgm:fillClrLst>
     <dgm:linClrLst meth="repeat">
       <a:schemeClr val="lt1"/>
     </dgm:linClrLst>
     <dgm:effectClrLst/>
     <dgm:txLinClrLst/>
+    <dgm:txFillClrLst meth="repeat">
+      <a:schemeClr val="lt1"/>
+    </dgm:txFillClrLst>
+    <dgm:txEffectClrLst/>
+  </dgm:styleLbl>
+  <dgm:styleLbl name="alignImgPlace1">
+    <dgm:fillClrLst meth="repeat">
+      <a:schemeClr val="accent3">
+        <a:tint val="50000"/>
+      </a:schemeClr>
+    </dgm:fillClrLst>
+    <dgm:linClrLst meth="repeat">
+      <a:schemeClr val="lt1"/>
+    </dgm:linClrLst>
+    <dgm:effectClrLst/>
+    <dgm:txLinClrLst/>
+    <dgm:txFillClrLst meth="repeat">
+      <a:schemeClr val="lt1"/>
+    </dgm:txFillClrLst>
+    <dgm:txEffectClrLst/>
+  </dgm:styleLbl>
+  <dgm:styleLbl name="bgImgPlace1">
+    <dgm:fillClrLst meth="repeat">
+      <a:schemeClr val="accent3">
+        <a:tint val="50000"/>
+      </a:schemeClr>
+    </dgm:fillClrLst>
+    <dgm:linClrLst meth="repeat">
+      <a:schemeClr val="lt1"/>
+    </dgm:linClrLst>
+    <dgm:effectClrLst/>
+    <dgm:txLinClrLst/>
+    <dgm:txFillClrLst meth="repeat">
+      <a:schemeClr val="lt1"/>
+    </dgm:txFillClrLst>
+    <dgm:txEffectClrLst/>
+  </dgm:styleLbl>
+  <dgm:styleLbl name="sibTrans2D1">
+    <dgm:fillClrLst meth="repeat">
+      <a:schemeClr val="accent3">
+        <a:tint val="60000"/>
+      </a:schemeClr>
+    </dgm:fillClrLst>
+    <dgm:linClrLst meth="repeat">
+      <a:schemeClr val="accent3">
+        <a:tint val="60000"/>
+      </a:schemeClr>
+    </dgm:linClrLst>
+    <dgm:effectClrLst/>
+    <dgm:txLinClrLst/>
     <dgm:txFillClrLst/>
     <dgm:txEffectClrLst/>
   </dgm:styleLbl>
-  <dgm:styleLbl name="fgImgPlace1">
-    <dgm:fillClrLst meth="repeat">
-      <a:schemeClr val="accent1">
+  <dgm:styleLbl name="fgSibTrans2D1">
+    <dgm:fillClrLst meth="repeat">
+      <a:schemeClr val="accent3">
+        <a:tint val="60000"/>
+      </a:schemeClr>
+    </dgm:fillClrLst>
+    <dgm:linClrLst meth="repeat">
+      <a:schemeClr val="accent3">
+        <a:tint val="60000"/>
+      </a:schemeClr>
+    </dgm:linClrLst>
+    <dgm:effectClrLst/>
+    <dgm:txLinClrLst/>
+    <dgm:txFillClrLst/>
+    <dgm:txEffectClrLst/>
+  </dgm:styleLbl>
+  <dgm:styleLbl name="bgSibTrans2D1">
+    <dgm:fillClrLst meth="repeat">
+      <a:schemeClr val="accent3">
+        <a:tint val="60000"/>
+      </a:schemeClr>
+    </dgm:fillClrLst>
+    <dgm:linClrLst meth="repeat">
+      <a:schemeClr val="accent3">
+        <a:tint val="60000"/>
+      </a:schemeClr>
+    </dgm:linClrLst>
+    <dgm:effectClrLst/>
+    <dgm:txLinClrLst/>
+    <dgm:txFillClrLst/>
+    <dgm:txEffectClrLst/>
+  </dgm:styleLbl>
+  <dgm:styleLbl name="sibTrans1D1">
+    <dgm:fillClrLst meth="repeat">
+      <a:schemeClr val="accent3"/>
+    </dgm:fillClrLst>
+    <dgm:linClrLst meth="repeat">
+      <a:schemeClr val="accent3"/>
+    </dgm:linClrLst>
+    <dgm:effectClrLst/>
+    <dgm:txLinClrLst/>
+    <dgm:txFillClrLst meth="repeat">
+      <a:schemeClr val="tx1"/>
+    </dgm:txFillClrLst>
+    <dgm:txEffectClrLst/>
+  </dgm:styleLbl>
+  <dgm:styleLbl name="callout">
+    <dgm:fillClrLst meth="repeat">
+      <a:schemeClr val="accent3"/>
+    </dgm:fillClrLst>
+    <dgm:linClrLst meth="repeat">
+      <a:schemeClr val="accent3">
         <a:tint val="50000"/>
       </a:schemeClr>
+    </dgm:linClrLst>
+    <dgm:effectClrLst/>
+    <dgm:txLinClrLst/>
+    <dgm:txFillClrLst meth="repeat">
+      <a:schemeClr val="tx1"/>
+    </dgm:txFillClrLst>
+    <dgm:txEffectClrLst/>
+  </dgm:styleLbl>
+  <dgm:styleLbl name="asst0">
+    <dgm:fillClrLst meth="repeat">
+      <a:schemeClr val="accent3"/>
     </dgm:fillClrLst>
     <dgm:linClrLst meth="repeat">
       <a:schemeClr val="lt1"/>
     </dgm:linClrLst>
     <dgm:effectClrLst/>
     <dgm:txLinClrLst/>
-    <dgm:txFillClrLst meth="repeat">
+    <dgm:txFillClrLst/>
+    <dgm:txEffectClrLst/>
+  </dgm:styleLbl>
+  <dgm:styleLbl name="asst1">
+    <dgm:fillClrLst meth="repeat">
+      <a:schemeClr val="accent3"/>
+    </dgm:fillClrLst>
+    <dgm:linClrLst meth="repeat">
       <a:schemeClr val="lt1"/>
-    </dgm:txFillClrLst>
-    <dgm:txEffectClrLst/>
-  </dgm:styleLbl>
-  <dgm:styleLbl name="alignImgPlace1">
-    <dgm:fillClrLst meth="repeat">
-      <a:schemeClr val="accent1">
-        <a:tint val="50000"/>
-      </a:schemeClr>
+    </dgm:linClrLst>
+    <dgm:effectClrLst/>
+    <dgm:txLinClrLst/>
+    <dgm:txFillClrLst/>
+    <dgm:txEffectClrLst/>
+  </dgm:styleLbl>
+  <dgm:styleLbl name="asst2">
+    <dgm:fillClrLst meth="repeat">
+      <a:schemeClr val="accent3"/>
     </dgm:fillClrLst>
     <dgm:linClrLst meth="repeat">
       <a:schemeClr val="lt1"/>
     </dgm:linClrLst>
     <dgm:effectClrLst/>
     <dgm:txLinClrLst/>
-    <dgm:txFillClrLst meth="repeat">
+    <dgm:txFillClrLst/>
+    <dgm:txEffectClrLst/>
+  </dgm:styleLbl>
+  <dgm:styleLbl name="asst3">
+    <dgm:fillClrLst meth="repeat">
+      <a:schemeClr val="accent3"/>
+    </dgm:fillClrLst>
+    <dgm:linClrLst meth="repeat">
       <a:schemeClr val="lt1"/>
-    </dgm:txFillClrLst>
-    <dgm:txEffectClrLst/>
-  </dgm:styleLbl>
-  <dgm:styleLbl name="bgImgPlace1">
-    <dgm:fillClrLst meth="repeat">
-      <a:schemeClr val="accent1">
-        <a:tint val="50000"/>
-      </a:schemeClr>
+    </dgm:linClrLst>
+    <dgm:effectClrLst/>
+    <dgm:txLinClrLst/>
+    <dgm:txFillClrLst/>
+    <dgm:txEffectClrLst/>
+  </dgm:styleLbl>
+  <dgm:styleLbl name="asst4">
+    <dgm:fillClrLst meth="repeat">
+      <a:schemeClr val="accent3"/>
     </dgm:fillClrLst>
     <dgm:linClrLst meth="repeat">
       <a:schemeClr val="lt1"/>
     </dgm:linClrLst>
     <dgm:effectClrLst/>
     <dgm:txLinClrLst/>
+    <dgm:txFillClrLst/>
+    <dgm:txEffectClrLst/>
+  </dgm:styleLbl>
+  <dgm:styleLbl name="parChTrans2D1">
+    <dgm:fillClrLst meth="repeat">
+      <a:schemeClr val="accent3">
+        <a:tint val="60000"/>
+      </a:schemeClr>
+    </dgm:fillClrLst>
+    <dgm:linClrLst meth="repeat">
+      <a:schemeClr val="accent3">
+        <a:tint val="60000"/>
+      </a:schemeClr>
+    </dgm:linClrLst>
+    <dgm:effectClrLst/>
+    <dgm:txLinClrLst/>
     <dgm:txFillClrLst meth="repeat">
       <a:schemeClr val="lt1"/>
     </dgm:txFillClrLst>
     <dgm:txEffectClrLst/>
   </dgm:styleLbl>
-  <dgm:styleLbl name="sibTrans2D1">
-    <dgm:fillClrLst meth="repeat">
-      <a:schemeClr val="accent1">
-        <a:tint val="60000"/>
-      </a:schemeClr>
-    </dgm:fillClrLst>
-    <dgm:linClrLst meth="repeat">
-      <a:schemeClr val="accent1">
-        <a:tint val="60000"/>
-      </a:schemeClr>
-    </dgm:linClrLst>
-    <dgm:effectClrLst/>
-    <dgm:txLinClrLst/>
-    <dgm:txFillClrLst/>
-    <dgm:txEffectClrLst/>
-  </dgm:styleLbl>
-  <dgm:styleLbl name="fgSibTrans2D1">
-    <dgm:fillClrLst meth="repeat">
-      <a:schemeClr val="accent1">
-        <a:tint val="60000"/>
-      </a:schemeClr>
-    </dgm:fillClrLst>
-    <dgm:linClrLst meth="repeat">
-      <a:schemeClr val="accent1">
-        <a:tint val="60000"/>
-      </a:schemeClr>
-    </dgm:linClrLst>
-    <dgm:effectClrLst/>
-    <dgm:txLinClrLst/>
-    <dgm:txFillClrLst/>
-    <dgm:txEffectClrLst/>
-  </dgm:styleLbl>
-  <dgm:styleLbl name="bgSibTrans2D1">
-    <dgm:fillClrLst meth="repeat">
-      <a:schemeClr val="accent1">
-        <a:tint val="60000"/>
-      </a:schemeClr>
-    </dgm:fillClrLst>
-    <dgm:linClrLst meth="repeat">
-      <a:schemeClr val="accent1">
-        <a:tint val="60000"/>
-      </a:schemeClr>
-    </dgm:linClrLst>
-    <dgm:effectClrLst/>
-    <dgm:txLinClrLst/>
-    <dgm:txFillClrLst/>
-    <dgm:txEffectClrLst/>
-  </dgm:styleLbl>
-  <dgm:styleLbl name="sibTrans1D1">
-    <dgm:fillClrLst meth="repeat">
-      <a:schemeClr val="accent1"/>
-    </dgm:fillClrLst>
-    <dgm:linClrLst meth="repeat">
-      <a:schemeClr val="accent1"/>
+  <dgm:styleLbl name="parChTrans2D2">
+    <dgm:fillClrLst meth="repeat">
+      <a:schemeClr val="accent3"/>
+    </dgm:fillClrLst>
+    <dgm:linClrLst meth="repeat">
+      <a:schemeClr val="accent3"/>
+    </dgm:linClrLst>
+    <dgm:effectClrLst/>
+    <dgm:txLinClrLst/>
+    <dgm:txFillClrLst meth="repeat">
+      <a:schemeClr val="lt1"/>
+    </dgm:txFillClrLst>
+    <dgm:txEffectClrLst/>
+  </dgm:styleLbl>
+  <dgm:styleLbl name="parChTrans2D3">
+    <dgm:fillClrLst meth="repeat">
+      <a:schemeClr val="accent3"/>
+    </dgm:fillClrLst>
+    <dgm:linClrLst meth="repeat">
+      <a:schemeClr val="accent3"/>
+    </dgm:linClrLst>
+    <dgm:effectClrLst/>
+    <dgm:txLinClrLst/>
+    <dgm:txFillClrLst meth="repeat">
+      <a:schemeClr val="lt1"/>
+    </dgm:txFillClrLst>
+    <dgm:txEffectClrLst/>
+  </dgm:styleLbl>
+  <dgm:styleLbl name="parChTrans2D4">
+    <dgm:fillClrLst meth="repeat">
+      <a:schemeClr val="accent3"/>
+    </dgm:fillClrLst>
+    <dgm:linClrLst meth="repeat">
+      <a:schemeClr val="accent3"/>
+    </dgm:linClrLst>
+    <dgm:effectClrLst/>
+    <dgm:txLinClrLst/>
+    <dgm:txFillClrLst meth="repeat">
+      <a:schemeClr val="lt1"/>
+    </dgm:txFillClrLst>
+    <dgm:txEffectClrLst/>
+  </dgm:styleLbl>
+  <dgm:styleLbl name="parChTrans1D1">
+    <dgm:fillClrLst meth="repeat">
+      <a:schemeClr val="accent3"/>
+    </dgm:fillClrLst>
+    <dgm:linClrLst meth="repeat">
+      <a:schemeClr val="accent3">
+        <a:shade val="60000"/>
+      </a:schemeClr>
     </dgm:linClrLst>
     <dgm:effectClrLst/>
     <dgm:txLinClrLst/>
@@ -3327,13 +3549,13 @@
     </dgm:txFillClrLst>
     <dgm:txEffectClrLst/>
   </dgm:styleLbl>
-  <dgm:styleLbl name="callout">
-    <dgm:fillClrLst meth="repeat">
-      <a:schemeClr val="accent1"/>
-    </dgm:fillClrLst>
-    <dgm:linClrLst meth="repeat">
-      <a:schemeClr val="accent1">
-        <a:tint val="50000"/>
+  <dgm:styleLbl name="parChTrans1D2">
+    <dgm:fillClrLst meth="repeat">
+      <a:schemeClr val="accent3"/>
+    </dgm:fillClrLst>
+    <dgm:linClrLst meth="repeat">
+      <a:schemeClr val="accent3">
+        <a:shade val="60000"/>
       </a:schemeClr>
     </dgm:linClrLst>
     <dgm:effectClrLst/>
@@ -3343,133 +3565,13 @@
     </dgm:txFillClrLst>
     <dgm:txEffectClrLst/>
   </dgm:styleLbl>
-  <dgm:styleLbl name="asst0">
-    <dgm:fillClrLst meth="repeat">
-      <a:schemeClr val="accent1"/>
-    </dgm:fillClrLst>
-    <dgm:linClrLst meth="repeat">
-      <a:schemeClr val="lt1"/>
-    </dgm:linClrLst>
-    <dgm:effectClrLst/>
-    <dgm:txLinClrLst/>
-    <dgm:txFillClrLst/>
-    <dgm:txEffectClrLst/>
-  </dgm:styleLbl>
-  <dgm:styleLbl name="asst1">
-    <dgm:fillClrLst meth="repeat">
-      <a:schemeClr val="accent1"/>
-    </dgm:fillClrLst>
-    <dgm:linClrLst meth="repeat">
-      <a:schemeClr val="lt1"/>
-    </dgm:linClrLst>
-    <dgm:effectClrLst/>
-    <dgm:txLinClrLst/>
-    <dgm:txFillClrLst/>
-    <dgm:txEffectClrLst/>
-  </dgm:styleLbl>
-  <dgm:styleLbl name="asst2">
-    <dgm:fillClrLst meth="repeat">
-      <a:schemeClr val="accent1"/>
-    </dgm:fillClrLst>
-    <dgm:linClrLst meth="repeat">
-      <a:schemeClr val="lt1"/>
-    </dgm:linClrLst>
-    <dgm:effectClrLst/>
-    <dgm:txLinClrLst/>
-    <dgm:txFillClrLst/>
-    <dgm:txEffectClrLst/>
-  </dgm:styleLbl>
-  <dgm:styleLbl name="asst3">
-    <dgm:fillClrLst meth="repeat">
-      <a:schemeClr val="accent1"/>
-    </dgm:fillClrLst>
-    <dgm:linClrLst meth="repeat">
-      <a:schemeClr val="lt1"/>
-    </dgm:linClrLst>
-    <dgm:effectClrLst/>
-    <dgm:txLinClrLst/>
-    <dgm:txFillClrLst/>
-    <dgm:txEffectClrLst/>
-  </dgm:styleLbl>
-  <dgm:styleLbl name="asst4">
-    <dgm:fillClrLst meth="repeat">
-      <a:schemeClr val="accent1"/>
-    </dgm:fillClrLst>
-    <dgm:linClrLst meth="repeat">
-      <a:schemeClr val="lt1"/>
-    </dgm:linClrLst>
-    <dgm:effectClrLst/>
-    <dgm:txLinClrLst/>
-    <dgm:txFillClrLst/>
-    <dgm:txEffectClrLst/>
-  </dgm:styleLbl>
-  <dgm:styleLbl name="parChTrans2D1">
-    <dgm:fillClrLst meth="repeat">
-      <a:schemeClr val="accent1">
-        <a:tint val="60000"/>
-      </a:schemeClr>
-    </dgm:fillClrLst>
-    <dgm:linClrLst meth="repeat">
-      <a:schemeClr val="accent1">
-        <a:tint val="60000"/>
-      </a:schemeClr>
-    </dgm:linClrLst>
-    <dgm:effectClrLst/>
-    <dgm:txLinClrLst/>
-    <dgm:txFillClrLst meth="repeat">
-      <a:schemeClr val="lt1"/>
-    </dgm:txFillClrLst>
-    <dgm:txEffectClrLst/>
-  </dgm:styleLbl>
-  <dgm:styleLbl name="parChTrans2D2">
-    <dgm:fillClrLst meth="repeat">
-      <a:schemeClr val="accent1"/>
-    </dgm:fillClrLst>
-    <dgm:linClrLst meth="repeat">
-      <a:schemeClr val="accent1"/>
-    </dgm:linClrLst>
-    <dgm:effectClrLst/>
-    <dgm:txLinClrLst/>
-    <dgm:txFillClrLst meth="repeat">
-      <a:schemeClr val="lt1"/>
-    </dgm:txFillClrLst>
-    <dgm:txEffectClrLst/>
-  </dgm:styleLbl>
-  <dgm:styleLbl name="parChTrans2D3">
-    <dgm:fillClrLst meth="repeat">
-      <a:schemeClr val="accent1"/>
-    </dgm:fillClrLst>
-    <dgm:linClrLst meth="repeat">
-      <a:schemeClr val="accent1"/>
-    </dgm:linClrLst>
-    <dgm:effectClrLst/>
-    <dgm:txLinClrLst/>
-    <dgm:txFillClrLst meth="repeat">
-      <a:schemeClr val="lt1"/>
-    </dgm:txFillClrLst>
-    <dgm:txEffectClrLst/>
-  </dgm:styleLbl>
-  <dgm:styleLbl name="parChTrans2D4">
-    <dgm:fillClrLst meth="repeat">
-      <a:schemeClr val="accent1"/>
-    </dgm:fillClrLst>
-    <dgm:linClrLst meth="repeat">
-      <a:schemeClr val="accent1"/>
-    </dgm:linClrLst>
-    <dgm:effectClrLst/>
-    <dgm:txLinClrLst/>
-    <dgm:txFillClrLst meth="repeat">
-      <a:schemeClr val="lt1"/>
-    </dgm:txFillClrLst>
-    <dgm:txEffectClrLst/>
-  </dgm:styleLbl>
-  <dgm:styleLbl name="parChTrans1D1">
-    <dgm:fillClrLst meth="repeat">
-      <a:schemeClr val="accent1"/>
-    </dgm:fillClrLst>
-    <dgm:linClrLst meth="repeat">
-      <a:schemeClr val="accent1">
-        <a:shade val="60000"/>
+  <dgm:styleLbl name="parChTrans1D3">
+    <dgm:fillClrLst meth="repeat">
+      <a:schemeClr val="accent3"/>
+    </dgm:fillClrLst>
+    <dgm:linClrLst meth="repeat">
+      <a:schemeClr val="accent3">
+        <a:shade val="80000"/>
       </a:schemeClr>
     </dgm:linClrLst>
     <dgm:effectClrLst/>
@@ -3479,44 +3581,12 @@
     </dgm:txFillClrLst>
     <dgm:txEffectClrLst/>
   </dgm:styleLbl>
-  <dgm:styleLbl name="parChTrans1D2">
-    <dgm:fillClrLst meth="repeat">
-      <a:schemeClr val="accent1"/>
-    </dgm:fillClrLst>
-    <dgm:linClrLst meth="repeat">
-      <a:schemeClr val="accent1">
-        <a:shade val="60000"/>
-      </a:schemeClr>
-    </dgm:linClrLst>
-    <dgm:effectClrLst/>
-    <dgm:txLinClrLst/>
-    <dgm:txFillClrLst meth="repeat">
-      <a:schemeClr val="tx1"/>
-    </dgm:txFillClrLst>
-    <dgm:txEffectClrLst/>
-  </dgm:styleLbl>
-  <dgm:styleLbl name="parChTrans1D3">
-    <dgm:fillClrLst meth="repeat">
-      <a:schemeClr val="accent1"/>
-    </dgm:fillClrLst>
-    <dgm:linClrLst meth="repeat">
-      <a:schemeClr val="accent1">
-        <a:shade val="80000"/>
-      </a:schemeClr>
-    </dgm:linClrLst>
-    <dgm:effectClrLst/>
-    <dgm:txLinClrLst/>
-    <dgm:txFillClrLst meth="repeat">
-      <a:schemeClr val="tx1"/>
-    </dgm:txFillClrLst>
-    <dgm:txEffectClrLst/>
-  </dgm:styleLbl>
   <dgm:styleLbl name="parChTrans1D4">
     <dgm:fillClrLst meth="repeat">
-      <a:schemeClr val="accent1"/>
-    </dgm:fillClrLst>
-    <dgm:linClrLst meth="repeat">
-      <a:schemeClr val="accent1">
+      <a:schemeClr val="accent3"/>
+    </dgm:fillClrLst>
+    <dgm:linClrLst meth="repeat">
+      <a:schemeClr val="accent3">
         <a:shade val="80000"/>
       </a:schemeClr>
     </dgm:linClrLst>
@@ -3534,7 +3604,7 @@
       </a:schemeClr>
     </dgm:fillClrLst>
     <dgm:linClrLst meth="repeat">
-      <a:schemeClr val="accent1"/>
+      <a:schemeClr val="accent3"/>
     </dgm:linClrLst>
     <dgm:effectClrLst/>
     <dgm:txLinClrLst/>
@@ -3550,7 +3620,7 @@
       </a:schemeClr>
     </dgm:fillClrLst>
     <dgm:linClrLst meth="repeat">
-      <a:schemeClr val="accent1"/>
+      <a:schemeClr val="accent3"/>
     </dgm:linClrLst>
     <dgm:effectClrLst/>
     <dgm:txLinClrLst/>
@@ -3566,7 +3636,7 @@
       </a:schemeClr>
     </dgm:fillClrLst>
     <dgm:linClrLst meth="repeat">
-      <a:schemeClr val="accent1"/>
+      <a:schemeClr val="accent3"/>
     </dgm:linClrLst>
     <dgm:effectClrLst/>
     <dgm:txLinClrLst/>
@@ -3582,7 +3652,7 @@
       </a:schemeClr>
     </dgm:fillClrLst>
     <dgm:linClrLst meth="repeat">
-      <a:schemeClr val="accent1"/>
+      <a:schemeClr val="accent3"/>
     </dgm:linClrLst>
     <dgm:effectClrLst/>
     <dgm:txLinClrLst/>
@@ -3598,7 +3668,7 @@
       </a:schemeClr>
     </dgm:fillClrLst>
     <dgm:linClrLst meth="repeat">
-      <a:schemeClr val="accent1"/>
+      <a:schemeClr val="accent3"/>
     </dgm:linClrLst>
     <dgm:effectClrLst/>
     <dgm:txLinClrLst/>
@@ -3612,7 +3682,7 @@
       <a:schemeClr val="lt1"/>
     </dgm:fillClrLst>
     <dgm:linClrLst meth="repeat">
-      <a:schemeClr val="accent1"/>
+      <a:schemeClr val="accent3"/>
     </dgm:linClrLst>
     <dgm:effectClrLst/>
     <dgm:txLinClrLst/>
@@ -3626,7 +3696,7 @@
       <a:schemeClr val="lt1"/>
     </dgm:fillClrLst>
     <dgm:linClrLst meth="repeat">
-      <a:schemeClr val="accent1"/>
+      <a:schemeClr val="accent3"/>
     </dgm:linClrLst>
     <dgm:effectClrLst/>
     <dgm:txLinClrLst/>
@@ -3640,7 +3710,7 @@
       <a:schemeClr val="lt1"/>
     </dgm:fillClrLst>
     <dgm:linClrLst meth="repeat">
-      <a:schemeClr val="accent1"/>
+      <a:schemeClr val="accent3"/>
     </dgm:linClrLst>
     <dgm:effectClrLst/>
     <dgm:txLinClrLst/>
@@ -3651,13 +3721,13 @@
   </dgm:styleLbl>
   <dgm:styleLbl name="fgAccFollowNode1">
     <dgm:fillClrLst meth="repeat">
-      <a:schemeClr val="accent1">
+      <a:schemeClr val="accent3">
         <a:alpha val="90000"/>
         <a:tint val="40000"/>
       </a:schemeClr>
     </dgm:fillClrLst>
     <dgm:linClrLst meth="repeat">
-      <a:schemeClr val="accent1">
+      <a:schemeClr val="accent3">
         <a:alpha val="90000"/>
         <a:tint val="40000"/>
       </a:schemeClr>
@@ -3671,13 +3741,13 @@
   </dgm:styleLbl>
   <dgm:styleLbl name="alignAccFollowNode1">
     <dgm:fillClrLst meth="repeat">
-      <a:schemeClr val="accent1">
+      <a:schemeClr val="accent3">
         <a:alpha val="90000"/>
         <a:tint val="40000"/>
       </a:schemeClr>
     </dgm:fillClrLst>
     <dgm:linClrLst meth="repeat">
-      <a:schemeClr val="accent1">
+      <a:schemeClr val="accent3">
         <a:alpha val="90000"/>
         <a:tint val="40000"/>
       </a:schemeClr>
@@ -3691,13 +3761,13 @@
   </dgm:styleLbl>
   <dgm:styleLbl name="bgAccFollowNode1">
     <dgm:fillClrLst meth="repeat">
-      <a:schemeClr val="accent1">
+      <a:schemeClr val="accent3">
         <a:alpha val="90000"/>
         <a:tint val="40000"/>
       </a:schemeClr>
     </dgm:fillClrLst>
     <dgm:linClrLst meth="repeat">
-      <a:schemeClr val="accent1">
+      <a:schemeClr val="accent3">
         <a:alpha val="90000"/>
         <a:tint val="40000"/>
       </a:schemeClr>
@@ -3716,7 +3786,7 @@
       </a:schemeClr>
     </dgm:fillClrLst>
     <dgm:linClrLst meth="repeat">
-      <a:schemeClr val="accent1"/>
+      <a:schemeClr val="accent3"/>
     </dgm:linClrLst>
     <dgm:effectClrLst/>
     <dgm:txLinClrLst/>
@@ -3732,7 +3802,7 @@
       </a:schemeClr>
     </dgm:fillClrLst>
     <dgm:linClrLst meth="repeat">
-      <a:schemeClr val="accent1"/>
+      <a:schemeClr val="accent3"/>
     </dgm:linClrLst>
     <dgm:effectClrLst/>
     <dgm:txLinClrLst/>
@@ -3748,7 +3818,7 @@
       </a:schemeClr>
     </dgm:fillClrLst>
     <dgm:linClrLst meth="repeat">
-      <a:schemeClr val="accent1"/>
+      <a:schemeClr val="accent3"/>
     </dgm:linClrLst>
     <dgm:effectClrLst/>
     <dgm:txLinClrLst/>
@@ -3764,7 +3834,7 @@
       </a:schemeClr>
     </dgm:fillClrLst>
     <dgm:linClrLst meth="repeat">
-      <a:schemeClr val="accent1"/>
+      <a:schemeClr val="accent3"/>
     </dgm:linClrLst>
     <dgm:effectClrLst/>
     <dgm:txLinClrLst/>
@@ -3775,12 +3845,12 @@
   </dgm:styleLbl>
   <dgm:styleLbl name="bgShp">
     <dgm:fillClrLst meth="repeat">
-      <a:schemeClr val="accent1">
+      <a:schemeClr val="accent3">
         <a:tint val="40000"/>
       </a:schemeClr>
     </dgm:fillClrLst>
     <dgm:linClrLst meth="repeat">
-      <a:schemeClr val="accent1"/>
+      <a:schemeClr val="accent3"/>
     </dgm:linClrLst>
     <dgm:effectClrLst/>
     <dgm:txLinClrLst/>
@@ -3791,12 +3861,12 @@
   </dgm:styleLbl>
   <dgm:styleLbl name="dkBgShp">
     <dgm:fillClrLst meth="repeat">
-      <a:schemeClr val="accent1">
+      <a:schemeClr val="accent3">
         <a:shade val="80000"/>
       </a:schemeClr>
     </dgm:fillClrLst>
     <dgm:linClrLst meth="repeat">
-      <a:schemeClr val="accent1"/>
+      <a:schemeClr val="accent3"/>
     </dgm:linClrLst>
     <dgm:effectClrLst/>
     <dgm:txLinClrLst/>
@@ -3807,13 +3877,13 @@
   </dgm:styleLbl>
   <dgm:styleLbl name="trBgShp">
     <dgm:fillClrLst meth="repeat">
-      <a:schemeClr val="accent1">
+      <a:schemeClr val="accent3">
         <a:tint val="50000"/>
         <a:alpha val="40000"/>
       </a:schemeClr>
     </dgm:fillClrLst>
     <dgm:linClrLst meth="repeat">
-      <a:schemeClr val="accent1"/>
+      <a:schemeClr val="accent3"/>
     </dgm:linClrLst>
     <dgm:effectClrLst/>
     <dgm:txLinClrLst/>
@@ -3824,7 +3894,7 @@
   </dgm:styleLbl>
   <dgm:styleLbl name="fgShp">
     <dgm:fillClrLst meth="repeat">
-      <a:schemeClr val="accent1">
+      <a:schemeClr val="accent3">
         <a:tint val="60000"/>
       </a:schemeClr>
     </dgm:fillClrLst>
@@ -3860,15 +3930,15 @@
 </file>
 
 <file path=ppt/diagrams/colors4.xml><?xml version="1.0" encoding="utf-8"?>
-<dgm:colorsDef xmlns:dgm="http://schemas.openxmlformats.org/drawingml/2006/diagram" xmlns:a="http://schemas.openxmlformats.org/drawingml/2006/main" uniqueId="urn:microsoft.com/office/officeart/2005/8/colors/accent1_2">
+<dgm:colorsDef xmlns:dgm="http://schemas.openxmlformats.org/drawingml/2006/diagram" xmlns:a="http://schemas.openxmlformats.org/drawingml/2006/main" uniqueId="urn:microsoft.com/office/officeart/2005/8/colors/accent3_2">
   <dgm:title val=""/>
   <dgm:desc val=""/>
   <dgm:catLst>
-    <dgm:cat type="accent1" pri="11200"/>
+    <dgm:cat type="accent3" pri="11200"/>
   </dgm:catLst>
   <dgm:styleLbl name="node0">
     <dgm:fillClrLst meth="repeat">
-      <a:schemeClr val="accent1"/>
+      <a:schemeClr val="accent3"/>
     </dgm:fillClrLst>
     <dgm:linClrLst meth="repeat">
       <a:schemeClr val="lt1"/>
@@ -3878,21 +3948,33 @@
     <dgm:txFillClrLst/>
     <dgm:txEffectClrLst/>
   </dgm:styleLbl>
+  <dgm:styleLbl name="node1">
+    <dgm:fillClrLst meth="repeat">
+      <a:schemeClr val="accent3"/>
+    </dgm:fillClrLst>
+    <dgm:linClrLst meth="repeat">
+      <a:schemeClr val="lt1"/>
+    </dgm:linClrLst>
+    <dgm:effectClrLst/>
+    <dgm:txLinClrLst/>
+    <dgm:txFillClrLst/>
+    <dgm:txEffectClrLst/>
+  </dgm:styleLbl>
   <dgm:styleLbl name="alignNode1">
     <dgm:fillClrLst meth="repeat">
-      <a:schemeClr val="accent1"/>
-    </dgm:fillClrLst>
-    <dgm:linClrLst meth="repeat">
-      <a:schemeClr val="accent1"/>
+      <a:schemeClr val="accent3"/>
+    </dgm:fillClrLst>
+    <dgm:linClrLst meth="repeat">
+      <a:schemeClr val="accent3"/>
     </dgm:linClrLst>
     <dgm:effectClrLst/>
     <dgm:txLinClrLst/>
     <dgm:txFillClrLst/>
     <dgm:txEffectClrLst/>
   </dgm:styleLbl>
-  <dgm:styleLbl name="node1">
-    <dgm:fillClrLst meth="repeat">
-      <a:schemeClr val="accent1"/>
+  <dgm:styleLbl name="lnNode1">
+    <dgm:fillClrLst meth="repeat">
+      <a:schemeClr val="accent3"/>
     </dgm:fillClrLst>
     <dgm:linClrLst meth="repeat">
       <a:schemeClr val="lt1"/>
@@ -3902,9 +3984,11 @@
     <dgm:txFillClrLst/>
     <dgm:txEffectClrLst/>
   </dgm:styleLbl>
-  <dgm:styleLbl name="lnNode1">
-    <dgm:fillClrLst meth="repeat">
-      <a:schemeClr val="accent1"/>
+  <dgm:styleLbl name="vennNode1">
+    <dgm:fillClrLst meth="repeat">
+      <a:schemeClr val="accent3">
+        <a:alpha val="50000"/>
+      </a:schemeClr>
     </dgm:fillClrLst>
     <dgm:linClrLst meth="repeat">
       <a:schemeClr val="lt1"/>
@@ -3914,11 +3998,9 @@
     <dgm:txFillClrLst/>
     <dgm:txEffectClrLst/>
   </dgm:styleLbl>
-  <dgm:styleLbl name="vennNode1">
-    <dgm:fillClrLst meth="repeat">
-      <a:schemeClr val="accent1">
-        <a:alpha val="50000"/>
-      </a:schemeClr>
+  <dgm:styleLbl name="node2">
+    <dgm:fillClrLst meth="repeat">
+      <a:schemeClr val="accent3"/>
     </dgm:fillClrLst>
     <dgm:linClrLst meth="repeat">
       <a:schemeClr val="lt1"/>
@@ -3928,9 +4010,9 @@
     <dgm:txFillClrLst/>
     <dgm:txEffectClrLst/>
   </dgm:styleLbl>
-  <dgm:styleLbl name="node2">
-    <dgm:fillClrLst meth="repeat">
-      <a:schemeClr val="accent1"/>
+  <dgm:styleLbl name="node3">
+    <dgm:fillClrLst meth="repeat">
+      <a:schemeClr val="accent3"/>
     </dgm:fillClrLst>
     <dgm:linClrLst meth="repeat">
       <a:schemeClr val="lt1"/>
@@ -3940,9 +4022,9 @@
     <dgm:txFillClrLst/>
     <dgm:txEffectClrLst/>
   </dgm:styleLbl>
-  <dgm:styleLbl name="node3">
-    <dgm:fillClrLst meth="repeat">
-      <a:schemeClr val="accent1"/>
+  <dgm:styleLbl name="node4">
+    <dgm:fillClrLst meth="repeat">
+      <a:schemeClr val="accent3"/>
     </dgm:fillClrLst>
     <dgm:linClrLst meth="repeat">
       <a:schemeClr val="lt1"/>
@@ -3952,120 +4034,260 @@
     <dgm:txFillClrLst/>
     <dgm:txEffectClrLst/>
   </dgm:styleLbl>
-  <dgm:styleLbl name="node4">
-    <dgm:fillClrLst meth="repeat">
-      <a:schemeClr val="accent1"/>
+  <dgm:styleLbl name="fgImgPlace1">
+    <dgm:fillClrLst meth="repeat">
+      <a:schemeClr val="accent3">
+        <a:tint val="50000"/>
+      </a:schemeClr>
     </dgm:fillClrLst>
     <dgm:linClrLst meth="repeat">
       <a:schemeClr val="lt1"/>
     </dgm:linClrLst>
     <dgm:effectClrLst/>
     <dgm:txLinClrLst/>
+    <dgm:txFillClrLst meth="repeat">
+      <a:schemeClr val="lt1"/>
+    </dgm:txFillClrLst>
+    <dgm:txEffectClrLst/>
+  </dgm:styleLbl>
+  <dgm:styleLbl name="alignImgPlace1">
+    <dgm:fillClrLst meth="repeat">
+      <a:schemeClr val="accent3">
+        <a:tint val="50000"/>
+      </a:schemeClr>
+    </dgm:fillClrLst>
+    <dgm:linClrLst meth="repeat">
+      <a:schemeClr val="lt1"/>
+    </dgm:linClrLst>
+    <dgm:effectClrLst/>
+    <dgm:txLinClrLst/>
+    <dgm:txFillClrLst meth="repeat">
+      <a:schemeClr val="lt1"/>
+    </dgm:txFillClrLst>
+    <dgm:txEffectClrLst/>
+  </dgm:styleLbl>
+  <dgm:styleLbl name="bgImgPlace1">
+    <dgm:fillClrLst meth="repeat">
+      <a:schemeClr val="accent3">
+        <a:tint val="50000"/>
+      </a:schemeClr>
+    </dgm:fillClrLst>
+    <dgm:linClrLst meth="repeat">
+      <a:schemeClr val="lt1"/>
+    </dgm:linClrLst>
+    <dgm:effectClrLst/>
+    <dgm:txLinClrLst/>
+    <dgm:txFillClrLst meth="repeat">
+      <a:schemeClr val="lt1"/>
+    </dgm:txFillClrLst>
+    <dgm:txEffectClrLst/>
+  </dgm:styleLbl>
+  <dgm:styleLbl name="sibTrans2D1">
+    <dgm:fillClrLst meth="repeat">
+      <a:schemeClr val="accent3">
+        <a:tint val="60000"/>
+      </a:schemeClr>
+    </dgm:fillClrLst>
+    <dgm:linClrLst meth="repeat">
+      <a:schemeClr val="accent3">
+        <a:tint val="60000"/>
+      </a:schemeClr>
+    </dgm:linClrLst>
+    <dgm:effectClrLst/>
+    <dgm:txLinClrLst/>
     <dgm:txFillClrLst/>
     <dgm:txEffectClrLst/>
   </dgm:styleLbl>
-  <dgm:styleLbl name="fgImgPlace1">
-    <dgm:fillClrLst meth="repeat">
-      <a:schemeClr val="accent1">
+  <dgm:styleLbl name="fgSibTrans2D1">
+    <dgm:fillClrLst meth="repeat">
+      <a:schemeClr val="accent3">
+        <a:tint val="60000"/>
+      </a:schemeClr>
+    </dgm:fillClrLst>
+    <dgm:linClrLst meth="repeat">
+      <a:schemeClr val="accent3">
+        <a:tint val="60000"/>
+      </a:schemeClr>
+    </dgm:linClrLst>
+    <dgm:effectClrLst/>
+    <dgm:txLinClrLst/>
+    <dgm:txFillClrLst/>
+    <dgm:txEffectClrLst/>
+  </dgm:styleLbl>
+  <dgm:styleLbl name="bgSibTrans2D1">
+    <dgm:fillClrLst meth="repeat">
+      <a:schemeClr val="accent3">
+        <a:tint val="60000"/>
+      </a:schemeClr>
+    </dgm:fillClrLst>
+    <dgm:linClrLst meth="repeat">
+      <a:schemeClr val="accent3">
+        <a:tint val="60000"/>
+      </a:schemeClr>
+    </dgm:linClrLst>
+    <dgm:effectClrLst/>
+    <dgm:txLinClrLst/>
+    <dgm:txFillClrLst/>
+    <dgm:txEffectClrLst/>
+  </dgm:styleLbl>
+  <dgm:styleLbl name="sibTrans1D1">
+    <dgm:fillClrLst meth="repeat">
+      <a:schemeClr val="accent3"/>
+    </dgm:fillClrLst>
+    <dgm:linClrLst meth="repeat">
+      <a:schemeClr val="accent3"/>
+    </dgm:linClrLst>
+    <dgm:effectClrLst/>
+    <dgm:txLinClrLst/>
+    <dgm:txFillClrLst meth="repeat">
+      <a:schemeClr val="tx1"/>
+    </dgm:txFillClrLst>
+    <dgm:txEffectClrLst/>
+  </dgm:styleLbl>
+  <dgm:styleLbl name="callout">
+    <dgm:fillClrLst meth="repeat">
+      <a:schemeClr val="accent3"/>
+    </dgm:fillClrLst>
+    <dgm:linClrLst meth="repeat">
+      <a:schemeClr val="accent3">
         <a:tint val="50000"/>
       </a:schemeClr>
+    </dgm:linClrLst>
+    <dgm:effectClrLst/>
+    <dgm:txLinClrLst/>
+    <dgm:txFillClrLst meth="repeat">
+      <a:schemeClr val="tx1"/>
+    </dgm:txFillClrLst>
+    <dgm:txEffectClrLst/>
+  </dgm:styleLbl>
+  <dgm:styleLbl name="asst0">
+    <dgm:fillClrLst meth="repeat">
+      <a:schemeClr val="accent3"/>
     </dgm:fillClrLst>
     <dgm:linClrLst meth="repeat">
       <a:schemeClr val="lt1"/>
     </dgm:linClrLst>
     <dgm:effectClrLst/>
     <dgm:txLinClrLst/>
-    <dgm:txFillClrLst meth="repeat">
+    <dgm:txFillClrLst/>
+    <dgm:txEffectClrLst/>
+  </dgm:styleLbl>
+  <dgm:styleLbl name="asst1">
+    <dgm:fillClrLst meth="repeat">
+      <a:schemeClr val="accent3"/>
+    </dgm:fillClrLst>
+    <dgm:linClrLst meth="repeat">
       <a:schemeClr val="lt1"/>
-    </dgm:txFillClrLst>
-    <dgm:txEffectClrLst/>
-  </dgm:styleLbl>
-  <dgm:styleLbl name="alignImgPlace1">
-    <dgm:fillClrLst meth="repeat">
-      <a:schemeClr val="accent1">
-        <a:tint val="50000"/>
-      </a:schemeClr>
+    </dgm:linClrLst>
+    <dgm:effectClrLst/>
+    <dgm:txLinClrLst/>
+    <dgm:txFillClrLst/>
+    <dgm:txEffectClrLst/>
+  </dgm:styleLbl>
+  <dgm:styleLbl name="asst2">
+    <dgm:fillClrLst meth="repeat">
+      <a:schemeClr val="accent3"/>
     </dgm:fillClrLst>
     <dgm:linClrLst meth="repeat">
       <a:schemeClr val="lt1"/>
     </dgm:linClrLst>
     <dgm:effectClrLst/>
     <dgm:txLinClrLst/>
-    <dgm:txFillClrLst meth="repeat">
+    <dgm:txFillClrLst/>
+    <dgm:txEffectClrLst/>
+  </dgm:styleLbl>
+  <dgm:styleLbl name="asst3">
+    <dgm:fillClrLst meth="repeat">
+      <a:schemeClr val="accent3"/>
+    </dgm:fillClrLst>
+    <dgm:linClrLst meth="repeat">
       <a:schemeClr val="lt1"/>
-    </dgm:txFillClrLst>
-    <dgm:txEffectClrLst/>
-  </dgm:styleLbl>
-  <dgm:styleLbl name="bgImgPlace1">
-    <dgm:fillClrLst meth="repeat">
-      <a:schemeClr val="accent1">
-        <a:tint val="50000"/>
-      </a:schemeClr>
+    </dgm:linClrLst>
+    <dgm:effectClrLst/>
+    <dgm:txLinClrLst/>
+    <dgm:txFillClrLst/>
+    <dgm:txEffectClrLst/>
+  </dgm:styleLbl>
+  <dgm:styleLbl name="asst4">
+    <dgm:fillClrLst meth="repeat">
+      <a:schemeClr val="accent3"/>
     </dgm:fillClrLst>
     <dgm:linClrLst meth="repeat">
       <a:schemeClr val="lt1"/>
     </dgm:linClrLst>
     <dgm:effectClrLst/>
     <dgm:txLinClrLst/>
+    <dgm:txFillClrLst/>
+    <dgm:txEffectClrLst/>
+  </dgm:styleLbl>
+  <dgm:styleLbl name="parChTrans2D1">
+    <dgm:fillClrLst meth="repeat">
+      <a:schemeClr val="accent3">
+        <a:tint val="60000"/>
+      </a:schemeClr>
+    </dgm:fillClrLst>
+    <dgm:linClrLst meth="repeat">
+      <a:schemeClr val="accent3">
+        <a:tint val="60000"/>
+      </a:schemeClr>
+    </dgm:linClrLst>
+    <dgm:effectClrLst/>
+    <dgm:txLinClrLst/>
     <dgm:txFillClrLst meth="repeat">
       <a:schemeClr val="lt1"/>
     </dgm:txFillClrLst>
     <dgm:txEffectClrLst/>
   </dgm:styleLbl>
-  <dgm:styleLbl name="sibTrans2D1">
-    <dgm:fillClrLst meth="repeat">
-      <a:schemeClr val="accent1">
-        <a:tint val="60000"/>
-      </a:schemeClr>
-    </dgm:fillClrLst>
-    <dgm:linClrLst meth="repeat">
-      <a:schemeClr val="accent1">
-        <a:tint val="60000"/>
-      </a:schemeClr>
-    </dgm:linClrLst>
-    <dgm:effectClrLst/>
-    <dgm:txLinClrLst/>
-    <dgm:txFillClrLst/>
-    <dgm:txEffectClrLst/>
-  </dgm:styleLbl>
-  <dgm:styleLbl name="fgSibTrans2D1">
-    <dgm:fillClrLst meth="repeat">
-      <a:schemeClr val="accent1">
-        <a:tint val="60000"/>
-      </a:schemeClr>
-    </dgm:fillClrLst>
-    <dgm:linClrLst meth="repeat">
-      <a:schemeClr val="accent1">
-        <a:tint val="60000"/>
-      </a:schemeClr>
-    </dgm:linClrLst>
-    <dgm:effectClrLst/>
-    <dgm:txLinClrLst/>
-    <dgm:txFillClrLst/>
-    <dgm:txEffectClrLst/>
-  </dgm:styleLbl>
-  <dgm:styleLbl name="bgSibTrans2D1">
-    <dgm:fillClrLst meth="repeat">
-      <a:schemeClr val="accent1">
-        <a:tint val="60000"/>
-      </a:schemeClr>
-    </dgm:fillClrLst>
-    <dgm:linClrLst meth="repeat">
-      <a:schemeClr val="accent1">
-        <a:tint val="60000"/>
-      </a:schemeClr>
-    </dgm:linClrLst>
-    <dgm:effectClrLst/>
-    <dgm:txLinClrLst/>
-    <dgm:txFillClrLst/>
-    <dgm:txEffectClrLst/>
-  </dgm:styleLbl>
-  <dgm:styleLbl name="sibTrans1D1">
-    <dgm:fillClrLst meth="repeat">
-      <a:schemeClr val="accent1"/>
-    </dgm:fillClrLst>
-    <dgm:linClrLst meth="repeat">
-      <a:schemeClr val="accent1"/>
+  <dgm:styleLbl name="parChTrans2D2">
+    <dgm:fillClrLst meth="repeat">
+      <a:schemeClr val="accent3"/>
+    </dgm:fillClrLst>
+    <dgm:linClrLst meth="repeat">
+      <a:schemeClr val="accent3"/>
+    </dgm:linClrLst>
+    <dgm:effectClrLst/>
+    <dgm:txLinClrLst/>
+    <dgm:txFillClrLst meth="repeat">
+      <a:schemeClr val="lt1"/>
+    </dgm:txFillClrLst>
+    <dgm:txEffectClrLst/>
+  </dgm:styleLbl>
+  <dgm:styleLbl name="parChTrans2D3">
+    <dgm:fillClrLst meth="repeat">
+      <a:schemeClr val="accent3"/>
+    </dgm:fillClrLst>
+    <dgm:linClrLst meth="repeat">
+      <a:schemeClr val="accent3"/>
+    </dgm:linClrLst>
+    <dgm:effectClrLst/>
+    <dgm:txLinClrLst/>
+    <dgm:txFillClrLst meth="repeat">
+      <a:schemeClr val="lt1"/>
+    </dgm:txFillClrLst>
+    <dgm:txEffectClrLst/>
+  </dgm:styleLbl>
+  <dgm:styleLbl name="parChTrans2D4">
+    <dgm:fillClrLst meth="repeat">
+      <a:schemeClr val="accent3"/>
+    </dgm:fillClrLst>
+    <dgm:linClrLst meth="repeat">
+      <a:schemeClr val="accent3"/>
+    </dgm:linClrLst>
+    <dgm:effectClrLst/>
+    <dgm:txLinClrLst/>
+    <dgm:txFillClrLst meth="repeat">
+      <a:schemeClr val="lt1"/>
+    </dgm:txFillClrLst>
+    <dgm:txEffectClrLst/>
+  </dgm:styleLbl>
+  <dgm:styleLbl name="parChTrans1D1">
+    <dgm:fillClrLst meth="repeat">
+      <a:schemeClr val="accent3"/>
+    </dgm:fillClrLst>
+    <dgm:linClrLst meth="repeat">
+      <a:schemeClr val="accent3">
+        <a:shade val="60000"/>
+      </a:schemeClr>
     </dgm:linClrLst>
     <dgm:effectClrLst/>
     <dgm:txLinClrLst/>
@@ -4074,13 +4296,13 @@
     </dgm:txFillClrLst>
     <dgm:txEffectClrLst/>
   </dgm:styleLbl>
-  <dgm:styleLbl name="callout">
-    <dgm:fillClrLst meth="repeat">
-      <a:schemeClr val="accent1"/>
-    </dgm:fillClrLst>
-    <dgm:linClrLst meth="repeat">
-      <a:schemeClr val="accent1">
-        <a:tint val="50000"/>
+  <dgm:styleLbl name="parChTrans1D2">
+    <dgm:fillClrLst meth="repeat">
+      <a:schemeClr val="accent3"/>
+    </dgm:fillClrLst>
+    <dgm:linClrLst meth="repeat">
+      <a:schemeClr val="accent3">
+        <a:shade val="60000"/>
       </a:schemeClr>
     </dgm:linClrLst>
     <dgm:effectClrLst/>
@@ -4090,133 +4312,13 @@
     </dgm:txFillClrLst>
     <dgm:txEffectClrLst/>
   </dgm:styleLbl>
-  <dgm:styleLbl name="asst0">
-    <dgm:fillClrLst meth="repeat">
-      <a:schemeClr val="accent1"/>
-    </dgm:fillClrLst>
-    <dgm:linClrLst meth="repeat">
-      <a:schemeClr val="lt1"/>
-    </dgm:linClrLst>
-    <dgm:effectClrLst/>
-    <dgm:txLinClrLst/>
-    <dgm:txFillClrLst/>
-    <dgm:txEffectClrLst/>
-  </dgm:styleLbl>
-  <dgm:styleLbl name="asst1">
-    <dgm:fillClrLst meth="repeat">
-      <a:schemeClr val="accent1"/>
-    </dgm:fillClrLst>
-    <dgm:linClrLst meth="repeat">
-      <a:schemeClr val="lt1"/>
-    </dgm:linClrLst>
-    <dgm:effectClrLst/>
-    <dgm:txLinClrLst/>
-    <dgm:txFillClrLst/>
-    <dgm:txEffectClrLst/>
-  </dgm:styleLbl>
-  <dgm:styleLbl name="asst2">
-    <dgm:fillClrLst meth="repeat">
-      <a:schemeClr val="accent1"/>
-    </dgm:fillClrLst>
-    <dgm:linClrLst meth="repeat">
-      <a:schemeClr val="lt1"/>
-    </dgm:linClrLst>
-    <dgm:effectClrLst/>
-    <dgm:txLinClrLst/>
-    <dgm:txFillClrLst/>
-    <dgm:txEffectClrLst/>
-  </dgm:styleLbl>
-  <dgm:styleLbl name="asst3">
-    <dgm:fillClrLst meth="repeat">
-      <a:schemeClr val="accent1"/>
-    </dgm:fillClrLst>
-    <dgm:linClrLst meth="repeat">
-      <a:schemeClr val="lt1"/>
-    </dgm:linClrLst>
-    <dgm:effectClrLst/>
-    <dgm:txLinClrLst/>
-    <dgm:txFillClrLst/>
-    <dgm:txEffectClrLst/>
-  </dgm:styleLbl>
-  <dgm:styleLbl name="asst4">
-    <dgm:fillClrLst meth="repeat">
-      <a:schemeClr val="accent1"/>
-    </dgm:fillClrLst>
-    <dgm:linClrLst meth="repeat">
-      <a:schemeClr val="lt1"/>
-    </dgm:linClrLst>
-    <dgm:effectClrLst/>
-    <dgm:txLinClrLst/>
-    <dgm:txFillClrLst/>
-    <dgm:txEffectClrLst/>
-  </dgm:styleLbl>
-  <dgm:styleLbl name="parChTrans2D1">
-    <dgm:fillClrLst meth="repeat">
-      <a:schemeClr val="accent1">
-        <a:tint val="60000"/>
-      </a:schemeClr>
-    </dgm:fillClrLst>
-    <dgm:linClrLst meth="repeat">
-      <a:schemeClr val="accent1">
-        <a:tint val="60000"/>
-      </a:schemeClr>
-    </dgm:linClrLst>
-    <dgm:effectClrLst/>
-    <dgm:txLinClrLst/>
-    <dgm:txFillClrLst meth="repeat">
-      <a:schemeClr val="lt1"/>
-    </dgm:txFillClrLst>
-    <dgm:txEffectClrLst/>
-  </dgm:styleLbl>
-  <dgm:styleLbl name="parChTrans2D2">
-    <dgm:fillClrLst meth="repeat">
-      <a:schemeClr val="accent1"/>
-    </dgm:fillClrLst>
-    <dgm:linClrLst meth="repeat">
-      <a:schemeClr val="accent1"/>
-    </dgm:linClrLst>
-    <dgm:effectClrLst/>
-    <dgm:txLinClrLst/>
-    <dgm:txFillClrLst meth="repeat">
-      <a:schemeClr val="lt1"/>
-    </dgm:txFillClrLst>
-    <dgm:txEffectClrLst/>
-  </dgm:styleLbl>
-  <dgm:styleLbl name="parChTrans2D3">
-    <dgm:fillClrLst meth="repeat">
-      <a:schemeClr val="accent1"/>
-    </dgm:fillClrLst>
-    <dgm:linClrLst meth="repeat">
-      <a:schemeClr val="accent1"/>
-    </dgm:linClrLst>
-    <dgm:effectClrLst/>
-    <dgm:txLinClrLst/>
-    <dgm:txFillClrLst meth="repeat">
-      <a:schemeClr val="lt1"/>
-    </dgm:txFillClrLst>
-    <dgm:txEffectClrLst/>
-  </dgm:styleLbl>
-  <dgm:styleLbl name="parChTrans2D4">
-    <dgm:fillClrLst meth="repeat">
-      <a:schemeClr val="accent1"/>
-    </dgm:fillClrLst>
-    <dgm:linClrLst meth="repeat">
-      <a:schemeClr val="accent1"/>
-    </dgm:linClrLst>
-    <dgm:effectClrLst/>
-    <dgm:txLinClrLst/>
-    <dgm:txFillClrLst meth="repeat">
-      <a:schemeClr val="lt1"/>
-    </dgm:txFillClrLst>
-    <dgm:txEffectClrLst/>
-  </dgm:styleLbl>
-  <dgm:styleLbl name="parChTrans1D1">
-    <dgm:fillClrLst meth="repeat">
-      <a:schemeClr val="accent1"/>
-    </dgm:fillClrLst>
-    <dgm:linClrLst meth="repeat">
-      <a:schemeClr val="accent1">
-        <a:shade val="60000"/>
+  <dgm:styleLbl name="parChTrans1D3">
+    <dgm:fillClrLst meth="repeat">
+      <a:schemeClr val="accent3"/>
+    </dgm:fillClrLst>
+    <dgm:linClrLst meth="repeat">
+      <a:schemeClr val="accent3">
+        <a:shade val="80000"/>
       </a:schemeClr>
     </dgm:linClrLst>
     <dgm:effectClrLst/>
@@ -4226,44 +4328,12 @@
     </dgm:txFillClrLst>
     <dgm:txEffectClrLst/>
   </dgm:styleLbl>
-  <dgm:styleLbl name="parChTrans1D2">
-    <dgm:fillClrLst meth="repeat">
-      <a:schemeClr val="accent1"/>
-    </dgm:fillClrLst>
-    <dgm:linClrLst meth="repeat">
-      <a:schemeClr val="accent1">
-        <a:shade val="60000"/>
-      </a:schemeClr>
-    </dgm:linClrLst>
-    <dgm:effectClrLst/>
-    <dgm:txLinClrLst/>
-    <dgm:txFillClrLst meth="repeat">
-      <a:schemeClr val="tx1"/>
-    </dgm:txFillClrLst>
-    <dgm:txEffectClrLst/>
-  </dgm:styleLbl>
-  <dgm:styleLbl name="parChTrans1D3">
-    <dgm:fillClrLst meth="repeat">
-      <a:schemeClr val="accent1"/>
-    </dgm:fillClrLst>
-    <dgm:linClrLst meth="repeat">
-      <a:schemeClr val="accent1">
-        <a:shade val="80000"/>
-      </a:schemeClr>
-    </dgm:linClrLst>
-    <dgm:effectClrLst/>
-    <dgm:txLinClrLst/>
-    <dgm:txFillClrLst meth="repeat">
-      <a:schemeClr val="tx1"/>
-    </dgm:txFillClrLst>
-    <dgm:txEffectClrLst/>
-  </dgm:styleLbl>
   <dgm:styleLbl name="parChTrans1D4">
     <dgm:fillClrLst meth="repeat">
-      <a:schemeClr val="accent1"/>
-    </dgm:fillClrLst>
-    <dgm:linClrLst meth="repeat">
-      <a:schemeClr val="accent1">
+      <a:schemeClr val="accent3"/>
+    </dgm:fillClrLst>
+    <dgm:linClrLst meth="repeat">
+      <a:schemeClr val="accent3">
         <a:shade val="80000"/>
       </a:schemeClr>
     </dgm:linClrLst>
@@ -4281,7 +4351,7 @@
       </a:schemeClr>
     </dgm:fillClrLst>
     <dgm:linClrLst meth="repeat">
-      <a:schemeClr val="accent1"/>
+      <a:schemeClr val="accent3"/>
     </dgm:linClrLst>
     <dgm:effectClrLst/>
     <dgm:txLinClrLst/>
@@ -4297,7 +4367,7 @@
       </a:schemeClr>
     </dgm:fillClrLst>
     <dgm:linClrLst meth="repeat">
-      <a:schemeClr val="accent1"/>
+      <a:schemeClr val="accent3"/>
     </dgm:linClrLst>
     <dgm:effectClrLst/>
     <dgm:txLinClrLst/>
@@ -4313,7 +4383,7 @@
       </a:schemeClr>
     </dgm:fillClrLst>
     <dgm:linClrLst meth="repeat">
-      <a:schemeClr val="accent1"/>
+      <a:schemeClr val="accent3"/>
     </dgm:linClrLst>
     <dgm:effectClrLst/>
     <dgm:txLinClrLst/>
@@ -4329,7 +4399,7 @@
       </a:schemeClr>
     </dgm:fillClrLst>
     <dgm:linClrLst meth="repeat">
-      <a:schemeClr val="accent1"/>
+      <a:schemeClr val="accent3"/>
     </dgm:linClrLst>
     <dgm:effectClrLst/>
     <dgm:txLinClrLst/>
@@ -4345,7 +4415,7 @@
       </a:schemeClr>
     </dgm:fillClrLst>
     <dgm:linClrLst meth="repeat">
-      <a:schemeClr val="accent1"/>
+      <a:schemeClr val="accent3"/>
     </dgm:linClrLst>
     <dgm:effectClrLst/>
     <dgm:txLinClrLst/>
@@ -4359,7 +4429,7 @@
       <a:schemeClr val="lt1"/>
     </dgm:fillClrLst>
     <dgm:linClrLst meth="repeat">
-      <a:schemeClr val="accent1"/>
+      <a:schemeClr val="accent3"/>
     </dgm:linClrLst>
     <dgm:effectClrLst/>
     <dgm:txLinClrLst/>
@@ -4373,7 +4443,7 @@
       <a:schemeClr val="lt1"/>
     </dgm:fillClrLst>
     <dgm:linClrLst meth="repeat">
-      <a:schemeClr val="accent1"/>
+      <a:schemeClr val="accent3"/>
     </dgm:linClrLst>
     <dgm:effectClrLst/>
     <dgm:txLinClrLst/>
@@ -4387,7 +4457,7 @@
       <a:schemeClr val="lt1"/>
     </dgm:fillClrLst>
     <dgm:linClrLst meth="repeat">
-      <a:schemeClr val="accent1"/>
+      <a:schemeClr val="accent3"/>
     </dgm:linClrLst>
     <dgm:effectClrLst/>
     <dgm:txLinClrLst/>
@@ -4398,13 +4468,13 @@
   </dgm:styleLbl>
   <dgm:styleLbl name="fgAccFollowNode1">
     <dgm:fillClrLst meth="repeat">
-      <a:schemeClr val="accent1">
+      <a:schemeClr val="accent3">
         <a:alpha val="90000"/>
         <a:tint val="40000"/>
       </a:schemeClr>
     </dgm:fillClrLst>
     <dgm:linClrLst meth="repeat">
-      <a:schemeClr val="accent1">
+      <a:schemeClr val="accent3">
         <a:alpha val="90000"/>
         <a:tint val="40000"/>
       </a:schemeClr>
@@ -4418,13 +4488,13 @@
   </dgm:styleLbl>
   <dgm:styleLbl name="alignAccFollowNode1">
     <dgm:fillClrLst meth="repeat">
-      <a:schemeClr val="accent1">
+      <a:schemeClr val="accent3">
         <a:alpha val="90000"/>
         <a:tint val="40000"/>
       </a:schemeClr>
     </dgm:fillClrLst>
     <dgm:linClrLst meth="repeat">
-      <a:schemeClr val="accent1">
+      <a:schemeClr val="accent3">
         <a:alpha val="90000"/>
         <a:tint val="40000"/>
       </a:schemeClr>
@@ -4438,13 +4508,13 @@
   </dgm:styleLbl>
   <dgm:styleLbl name="bgAccFollowNode1">
     <dgm:fillClrLst meth="repeat">
-      <a:schemeClr val="accent1">
+      <a:schemeClr val="accent3">
         <a:alpha val="90000"/>
         <a:tint val="40000"/>
       </a:schemeClr>
     </dgm:fillClrLst>
     <dgm:linClrLst meth="repeat">
-      <a:schemeClr val="accent1">
+      <a:schemeClr val="accent3">
         <a:alpha val="90000"/>
         <a:tint val="40000"/>
       </a:schemeClr>
@@ -4463,7 +4533,7 @@
       </a:schemeClr>
     </dgm:fillClrLst>
     <dgm:linClrLst meth="repeat">
-      <a:schemeClr val="accent1"/>
+      <a:schemeClr val="accent3"/>
     </dgm:linClrLst>
     <dgm:effectClrLst/>
     <dgm:txLinClrLst/>
@@ -4479,7 +4549,7 @@
       </a:schemeClr>
     </dgm:fillClrLst>
     <dgm:linClrLst meth="repeat">
-      <a:schemeClr val="accent1"/>
+      <a:schemeClr val="accent3"/>
     </dgm:linClrLst>
     <dgm:effectClrLst/>
     <dgm:txLinClrLst/>
@@ -4495,7 +4565,7 @@
       </a:schemeClr>
     </dgm:fillClrLst>
     <dgm:linClrLst meth="repeat">
-      <a:schemeClr val="accent1"/>
+      <a:schemeClr val="accent3"/>
     </dgm:linClrLst>
     <dgm:effectClrLst/>
     <dgm:txLinClrLst/>
@@ -4511,7 +4581,7 @@
       </a:schemeClr>
     </dgm:fillClrLst>
     <dgm:linClrLst meth="repeat">
-      <a:schemeClr val="accent1"/>
+      <a:schemeClr val="accent3"/>
     </dgm:linClrLst>
     <dgm:effectClrLst/>
     <dgm:txLinClrLst/>
@@ -4522,12 +4592,12 @@
   </dgm:styleLbl>
   <dgm:styleLbl name="bgShp">
     <dgm:fillClrLst meth="repeat">
-      <a:schemeClr val="accent1">
+      <a:schemeClr val="accent3">
         <a:tint val="40000"/>
       </a:schemeClr>
     </dgm:fillClrLst>
     <dgm:linClrLst meth="repeat">
-      <a:schemeClr val="accent1"/>
+      <a:schemeClr val="accent3"/>
     </dgm:linClrLst>
     <dgm:effectClrLst/>
     <dgm:txLinClrLst/>
@@ -4538,12 +4608,12 @@
   </dgm:styleLbl>
   <dgm:styleLbl name="dkBgShp">
     <dgm:fillClrLst meth="repeat">
-      <a:schemeClr val="accent1">
+      <a:schemeClr val="accent3">
         <a:shade val="80000"/>
       </a:schemeClr>
     </dgm:fillClrLst>
     <dgm:linClrLst meth="repeat">
-      <a:schemeClr val="accent1"/>
+      <a:schemeClr val="accent3"/>
     </dgm:linClrLst>
     <dgm:effectClrLst/>
     <dgm:txLinClrLst/>
@@ -4554,13 +4624,13 @@
   </dgm:styleLbl>
   <dgm:styleLbl name="trBgShp">
     <dgm:fillClrLst meth="repeat">
-      <a:schemeClr val="accent1">
+      <a:schemeClr val="accent3">
         <a:tint val="50000"/>
         <a:alpha val="40000"/>
       </a:schemeClr>
     </dgm:fillClrLst>
     <dgm:linClrLst meth="repeat">
-      <a:schemeClr val="accent1"/>
+      <a:schemeClr val="accent3"/>
     </dgm:linClrLst>
     <dgm:effectClrLst/>
     <dgm:txLinClrLst/>
@@ -4571,7 +4641,7 @@
   </dgm:styleLbl>
   <dgm:styleLbl name="fgShp">
     <dgm:fillClrLst meth="repeat">
-      <a:schemeClr val="accent1">
+      <a:schemeClr val="accent3">
         <a:tint val="60000"/>
       </a:schemeClr>
     </dgm:fillClrLst>
@@ -5354,14 +5424,95 @@
 </file>
 
 <file path=ppt/diagrams/colors6.xml><?xml version="1.0" encoding="utf-8"?>
-<dgm:colorsDef xmlns:dgm="http://schemas.openxmlformats.org/drawingml/2006/diagram" xmlns:a="http://schemas.openxmlformats.org/drawingml/2006/main" uniqueId="urn:microsoft.com/office/officeart/2005/8/colors/accent1_2">
+<dgm:colorsDef xmlns:dgm="http://schemas.openxmlformats.org/drawingml/2006/diagram" xmlns:a="http://schemas.openxmlformats.org/drawingml/2006/main" uniqueId="urn:microsoft.com/office/officeart/2005/8/colors/colorful5">
   <dgm:title val=""/>
   <dgm:desc val=""/>
   <dgm:catLst>
-    <dgm:cat type="accent1" pri="11200"/>
+    <dgm:cat type="colorful" pri="10500"/>
   </dgm:catLst>
   <dgm:styleLbl name="node0">
     <dgm:fillClrLst meth="repeat">
+      <a:schemeClr val="accent4"/>
+    </dgm:fillClrLst>
+    <dgm:linClrLst meth="repeat">
+      <a:schemeClr val="lt1"/>
+    </dgm:linClrLst>
+    <dgm:effectClrLst/>
+    <dgm:txLinClrLst/>
+    <dgm:txFillClrLst/>
+    <dgm:txEffectClrLst/>
+  </dgm:styleLbl>
+  <dgm:styleLbl name="node1">
+    <dgm:fillClrLst>
+      <a:schemeClr val="accent5"/>
+      <a:schemeClr val="accent6"/>
+    </dgm:fillClrLst>
+    <dgm:linClrLst meth="repeat">
+      <a:schemeClr val="lt1"/>
+    </dgm:linClrLst>
+    <dgm:effectClrLst/>
+    <dgm:txLinClrLst/>
+    <dgm:txFillClrLst/>
+    <dgm:txEffectClrLst/>
+  </dgm:styleLbl>
+  <dgm:styleLbl name="alignNode1">
+    <dgm:fillClrLst>
+      <a:schemeClr val="accent5"/>
+      <a:schemeClr val="accent6"/>
+    </dgm:fillClrLst>
+    <dgm:linClrLst>
+      <a:schemeClr val="accent5"/>
+      <a:schemeClr val="accent6"/>
+    </dgm:linClrLst>
+    <dgm:effectClrLst/>
+    <dgm:txLinClrLst/>
+    <dgm:txFillClrLst/>
+    <dgm:txEffectClrLst/>
+  </dgm:styleLbl>
+  <dgm:styleLbl name="lnNode1">
+    <dgm:fillClrLst>
+      <a:schemeClr val="accent5"/>
+      <a:schemeClr val="accent6"/>
+    </dgm:fillClrLst>
+    <dgm:linClrLst meth="repeat">
+      <a:schemeClr val="lt1"/>
+    </dgm:linClrLst>
+    <dgm:effectClrLst/>
+    <dgm:txLinClrLst/>
+    <dgm:txFillClrLst/>
+    <dgm:txEffectClrLst/>
+  </dgm:styleLbl>
+  <dgm:styleLbl name="vennNode1">
+    <dgm:fillClrLst>
+      <a:schemeClr val="accent5">
+        <a:alpha val="50000"/>
+      </a:schemeClr>
+      <a:schemeClr val="accent6">
+        <a:alpha val="50000"/>
+      </a:schemeClr>
+    </dgm:fillClrLst>
+    <dgm:linClrLst meth="repeat">
+      <a:schemeClr val="lt1"/>
+    </dgm:linClrLst>
+    <dgm:effectClrLst/>
+    <dgm:txLinClrLst/>
+    <dgm:txFillClrLst/>
+    <dgm:txEffectClrLst/>
+  </dgm:styleLbl>
+  <dgm:styleLbl name="node2">
+    <dgm:fillClrLst>
+      <a:schemeClr val="accent6"/>
+    </dgm:fillClrLst>
+    <dgm:linClrLst meth="repeat">
+      <a:schemeClr val="lt1"/>
+    </dgm:linClrLst>
+    <dgm:effectClrLst/>
+    <dgm:txLinClrLst/>
+    <dgm:txFillClrLst/>
+    <dgm:txEffectClrLst/>
+  </dgm:styleLbl>
+  <dgm:styleLbl name="node3">
+    <dgm:fillClrLst>
       <a:schemeClr val="accent1"/>
     </dgm:fillClrLst>
     <dgm:linClrLst meth="repeat">
@@ -5372,394 +5523,317 @@
     <dgm:txFillClrLst/>
     <dgm:txEffectClrLst/>
   </dgm:styleLbl>
-  <dgm:styleLbl name="alignNode1">
-    <dgm:fillClrLst meth="repeat">
+  <dgm:styleLbl name="node4">
+    <dgm:fillClrLst>
+      <a:schemeClr val="accent2"/>
+    </dgm:fillClrLst>
+    <dgm:linClrLst meth="repeat">
+      <a:schemeClr val="lt1"/>
+    </dgm:linClrLst>
+    <dgm:effectClrLst/>
+    <dgm:txLinClrLst/>
+    <dgm:txFillClrLst/>
+    <dgm:txEffectClrLst/>
+  </dgm:styleLbl>
+  <dgm:styleLbl name="fgImgPlace1">
+    <dgm:fillClrLst>
+      <a:schemeClr val="accent5">
+        <a:tint val="50000"/>
+      </a:schemeClr>
+      <a:schemeClr val="accent6">
+        <a:tint val="50000"/>
+      </a:schemeClr>
+    </dgm:fillClrLst>
+    <dgm:linClrLst meth="repeat">
+      <a:schemeClr val="lt1"/>
+    </dgm:linClrLst>
+    <dgm:effectClrLst/>
+    <dgm:txLinClrLst/>
+    <dgm:txFillClrLst meth="repeat">
+      <a:schemeClr val="lt1"/>
+    </dgm:txFillClrLst>
+    <dgm:txEffectClrLst/>
+  </dgm:styleLbl>
+  <dgm:styleLbl name="alignImgPlace1">
+    <dgm:fillClrLst>
+      <a:schemeClr val="accent5">
+        <a:tint val="50000"/>
+      </a:schemeClr>
+      <a:schemeClr val="accent6">
+        <a:tint val="20000"/>
+      </a:schemeClr>
+    </dgm:fillClrLst>
+    <dgm:linClrLst meth="repeat">
+      <a:schemeClr val="lt1"/>
+    </dgm:linClrLst>
+    <dgm:effectClrLst/>
+    <dgm:txLinClrLst/>
+    <dgm:txFillClrLst meth="repeat">
+      <a:schemeClr val="lt1"/>
+    </dgm:txFillClrLst>
+    <dgm:txEffectClrLst/>
+  </dgm:styleLbl>
+  <dgm:styleLbl name="bgImgPlace1">
+    <dgm:fillClrLst>
+      <a:schemeClr val="accent5">
+        <a:tint val="50000"/>
+      </a:schemeClr>
+      <a:schemeClr val="accent6">
+        <a:tint val="20000"/>
+      </a:schemeClr>
+    </dgm:fillClrLst>
+    <dgm:linClrLst meth="repeat">
+      <a:schemeClr val="lt1"/>
+    </dgm:linClrLst>
+    <dgm:effectClrLst/>
+    <dgm:txLinClrLst/>
+    <dgm:txFillClrLst meth="repeat">
+      <a:schemeClr val="lt1"/>
+    </dgm:txFillClrLst>
+    <dgm:txEffectClrLst/>
+  </dgm:styleLbl>
+  <dgm:styleLbl name="sibTrans2D1">
+    <dgm:fillClrLst>
+      <a:schemeClr val="accent5"/>
+      <a:schemeClr val="accent6"/>
+    </dgm:fillClrLst>
+    <dgm:linClrLst meth="repeat">
+      <a:schemeClr val="lt1"/>
+    </dgm:linClrLst>
+    <dgm:effectClrLst/>
+    <dgm:txLinClrLst/>
+    <dgm:txFillClrLst/>
+    <dgm:txEffectClrLst/>
+  </dgm:styleLbl>
+  <dgm:styleLbl name="fgSibTrans2D1">
+    <dgm:fillClrLst>
+      <a:schemeClr val="accent5"/>
+      <a:schemeClr val="accent6"/>
+    </dgm:fillClrLst>
+    <dgm:linClrLst meth="repeat">
+      <a:schemeClr val="lt1"/>
+    </dgm:linClrLst>
+    <dgm:effectClrLst/>
+    <dgm:txLinClrLst/>
+    <dgm:txFillClrLst meth="repeat">
+      <a:schemeClr val="lt1"/>
+    </dgm:txFillClrLst>
+    <dgm:txEffectClrLst/>
+  </dgm:styleLbl>
+  <dgm:styleLbl name="bgSibTrans2D1">
+    <dgm:fillClrLst>
+      <a:schemeClr val="accent5"/>
+      <a:schemeClr val="accent6"/>
+    </dgm:fillClrLst>
+    <dgm:linClrLst meth="repeat">
+      <a:schemeClr val="lt1"/>
+    </dgm:linClrLst>
+    <dgm:effectClrLst/>
+    <dgm:txLinClrLst/>
+    <dgm:txFillClrLst meth="repeat">
+      <a:schemeClr val="lt1"/>
+    </dgm:txFillClrLst>
+    <dgm:txEffectClrLst/>
+  </dgm:styleLbl>
+  <dgm:styleLbl name="sibTrans1D1">
+    <dgm:fillClrLst/>
+    <dgm:linClrLst>
+      <a:schemeClr val="accent5"/>
+      <a:schemeClr val="accent6"/>
+    </dgm:linClrLst>
+    <dgm:effectClrLst/>
+    <dgm:txLinClrLst/>
+    <dgm:txFillClrLst meth="repeat">
+      <a:schemeClr val="tx1"/>
+    </dgm:txFillClrLst>
+    <dgm:txEffectClrLst/>
+  </dgm:styleLbl>
+  <dgm:styleLbl name="callout">
+    <dgm:fillClrLst meth="repeat">
+      <a:schemeClr val="accent5"/>
+    </dgm:fillClrLst>
+    <dgm:linClrLst meth="repeat">
+      <a:schemeClr val="accent5">
+        <a:tint val="50000"/>
+      </a:schemeClr>
+    </dgm:linClrLst>
+    <dgm:effectClrLst/>
+    <dgm:txLinClrLst/>
+    <dgm:txFillClrLst meth="repeat">
+      <a:schemeClr val="tx1"/>
+    </dgm:txFillClrLst>
+    <dgm:txEffectClrLst/>
+  </dgm:styleLbl>
+  <dgm:styleLbl name="asst0">
+    <dgm:fillClrLst meth="repeat">
+      <a:schemeClr val="accent5"/>
+    </dgm:fillClrLst>
+    <dgm:linClrLst meth="repeat">
+      <a:schemeClr val="lt1">
+        <a:shade val="80000"/>
+      </a:schemeClr>
+    </dgm:linClrLst>
+    <dgm:effectClrLst/>
+    <dgm:txLinClrLst/>
+    <dgm:txFillClrLst/>
+    <dgm:txEffectClrLst/>
+  </dgm:styleLbl>
+  <dgm:styleLbl name="asst1">
+    <dgm:fillClrLst meth="repeat">
+      <a:schemeClr val="accent6"/>
+    </dgm:fillClrLst>
+    <dgm:linClrLst meth="repeat">
+      <a:schemeClr val="lt1">
+        <a:shade val="80000"/>
+      </a:schemeClr>
+    </dgm:linClrLst>
+    <dgm:effectClrLst/>
+    <dgm:txLinClrLst/>
+    <dgm:txFillClrLst/>
+    <dgm:txEffectClrLst/>
+  </dgm:styleLbl>
+  <dgm:styleLbl name="asst2">
+    <dgm:fillClrLst>
       <a:schemeClr val="accent1"/>
     </dgm:fillClrLst>
     <dgm:linClrLst meth="repeat">
+      <a:schemeClr val="lt1"/>
+    </dgm:linClrLst>
+    <dgm:effectClrLst/>
+    <dgm:txLinClrLst/>
+    <dgm:txFillClrLst/>
+    <dgm:txEffectClrLst/>
+  </dgm:styleLbl>
+  <dgm:styleLbl name="asst3">
+    <dgm:fillClrLst>
+      <a:schemeClr val="accent2"/>
+    </dgm:fillClrLst>
+    <dgm:linClrLst meth="repeat">
+      <a:schemeClr val="lt1"/>
+    </dgm:linClrLst>
+    <dgm:effectClrLst/>
+    <dgm:txLinClrLst/>
+    <dgm:txFillClrLst/>
+    <dgm:txEffectClrLst/>
+  </dgm:styleLbl>
+  <dgm:styleLbl name="asst4">
+    <dgm:fillClrLst>
+      <a:schemeClr val="accent3"/>
+    </dgm:fillClrLst>
+    <dgm:linClrLst meth="repeat">
+      <a:schemeClr val="lt1"/>
+    </dgm:linClrLst>
+    <dgm:effectClrLst/>
+    <dgm:txLinClrLst/>
+    <dgm:txFillClrLst/>
+    <dgm:txEffectClrLst/>
+  </dgm:styleLbl>
+  <dgm:styleLbl name="parChTrans2D1">
+    <dgm:fillClrLst meth="repeat">
+      <a:schemeClr val="accent5"/>
+    </dgm:fillClrLst>
+    <dgm:linClrLst meth="repeat">
+      <a:schemeClr val="lt1"/>
+    </dgm:linClrLst>
+    <dgm:effectClrLst/>
+    <dgm:txLinClrLst/>
+    <dgm:txFillClrLst meth="repeat">
+      <a:schemeClr val="lt1"/>
+    </dgm:txFillClrLst>
+    <dgm:txEffectClrLst/>
+  </dgm:styleLbl>
+  <dgm:styleLbl name="parChTrans2D2">
+    <dgm:fillClrLst meth="repeat">
+      <a:schemeClr val="accent6"/>
+    </dgm:fillClrLst>
+    <dgm:linClrLst meth="repeat">
+      <a:schemeClr val="lt1"/>
+    </dgm:linClrLst>
+    <dgm:effectClrLst/>
+    <dgm:txLinClrLst/>
+    <dgm:txFillClrLst/>
+    <dgm:txEffectClrLst/>
+  </dgm:styleLbl>
+  <dgm:styleLbl name="parChTrans2D3">
+    <dgm:fillClrLst meth="repeat">
+      <a:schemeClr val="accent6"/>
+    </dgm:fillClrLst>
+    <dgm:linClrLst meth="repeat">
+      <a:schemeClr val="lt1"/>
+    </dgm:linClrLst>
+    <dgm:effectClrLst/>
+    <dgm:txLinClrLst/>
+    <dgm:txFillClrLst/>
+    <dgm:txEffectClrLst/>
+  </dgm:styleLbl>
+  <dgm:styleLbl name="parChTrans2D4">
+    <dgm:fillClrLst meth="repeat">
       <a:schemeClr val="accent1"/>
-    </dgm:linClrLst>
-    <dgm:effectClrLst/>
-    <dgm:txLinClrLst/>
-    <dgm:txFillClrLst/>
-    <dgm:txEffectClrLst/>
-  </dgm:styleLbl>
-  <dgm:styleLbl name="node1">
-    <dgm:fillClrLst meth="repeat">
+    </dgm:fillClrLst>
+    <dgm:linClrLst meth="repeat">
+      <a:schemeClr val="lt1"/>
+    </dgm:linClrLst>
+    <dgm:effectClrLst/>
+    <dgm:txLinClrLst/>
+    <dgm:txFillClrLst meth="repeat">
+      <a:schemeClr val="lt1"/>
+    </dgm:txFillClrLst>
+    <dgm:txEffectClrLst/>
+  </dgm:styleLbl>
+  <dgm:styleLbl name="parChTrans1D1">
+    <dgm:fillClrLst meth="repeat">
+      <a:schemeClr val="accent5"/>
+    </dgm:fillClrLst>
+    <dgm:linClrLst meth="repeat">
+      <a:schemeClr val="accent5"/>
+    </dgm:linClrLst>
+    <dgm:effectClrLst/>
+    <dgm:txLinClrLst/>
+    <dgm:txFillClrLst meth="repeat">
+      <a:schemeClr val="tx1"/>
+    </dgm:txFillClrLst>
+    <dgm:txEffectClrLst/>
+  </dgm:styleLbl>
+  <dgm:styleLbl name="parChTrans1D2">
+    <dgm:fillClrLst meth="repeat">
+      <a:schemeClr val="accent6">
+        <a:tint val="90000"/>
+      </a:schemeClr>
+    </dgm:fillClrLst>
+    <dgm:linClrLst meth="repeat">
+      <a:schemeClr val="accent6"/>
+    </dgm:linClrLst>
+    <dgm:effectClrLst/>
+    <dgm:txLinClrLst/>
+    <dgm:txFillClrLst meth="repeat">
+      <a:schemeClr val="tx1"/>
+    </dgm:txFillClrLst>
+    <dgm:txEffectClrLst/>
+  </dgm:styleLbl>
+  <dgm:styleLbl name="parChTrans1D3">
+    <dgm:fillClrLst meth="repeat">
+      <a:schemeClr val="accent6">
+        <a:tint val="70000"/>
+      </a:schemeClr>
+    </dgm:fillClrLst>
+    <dgm:linClrLst meth="repeat">
       <a:schemeClr val="accent1"/>
-    </dgm:fillClrLst>
-    <dgm:linClrLst meth="repeat">
-      <a:schemeClr val="lt1"/>
-    </dgm:linClrLst>
-    <dgm:effectClrLst/>
-    <dgm:txLinClrLst/>
-    <dgm:txFillClrLst/>
-    <dgm:txEffectClrLst/>
-  </dgm:styleLbl>
-  <dgm:styleLbl name="lnNode1">
-    <dgm:fillClrLst meth="repeat">
-      <a:schemeClr val="accent1"/>
-    </dgm:fillClrLst>
-    <dgm:linClrLst meth="repeat">
-      <a:schemeClr val="lt1"/>
-    </dgm:linClrLst>
-    <dgm:effectClrLst/>
-    <dgm:txLinClrLst/>
-    <dgm:txFillClrLst/>
-    <dgm:txEffectClrLst/>
-  </dgm:styleLbl>
-  <dgm:styleLbl name="vennNode1">
-    <dgm:fillClrLst meth="repeat">
-      <a:schemeClr val="accent1">
-        <a:alpha val="50000"/>
-      </a:schemeClr>
-    </dgm:fillClrLst>
-    <dgm:linClrLst meth="repeat">
-      <a:schemeClr val="lt1"/>
-    </dgm:linClrLst>
-    <dgm:effectClrLst/>
-    <dgm:txLinClrLst/>
-    <dgm:txFillClrLst/>
-    <dgm:txEffectClrLst/>
-  </dgm:styleLbl>
-  <dgm:styleLbl name="node2">
-    <dgm:fillClrLst meth="repeat">
-      <a:schemeClr val="accent1"/>
-    </dgm:fillClrLst>
-    <dgm:linClrLst meth="repeat">
-      <a:schemeClr val="lt1"/>
-    </dgm:linClrLst>
-    <dgm:effectClrLst/>
-    <dgm:txLinClrLst/>
-    <dgm:txFillClrLst/>
-    <dgm:txEffectClrLst/>
-  </dgm:styleLbl>
-  <dgm:styleLbl name="node3">
-    <dgm:fillClrLst meth="repeat">
-      <a:schemeClr val="accent1"/>
-    </dgm:fillClrLst>
-    <dgm:linClrLst meth="repeat">
-      <a:schemeClr val="lt1"/>
-    </dgm:linClrLst>
-    <dgm:effectClrLst/>
-    <dgm:txLinClrLst/>
-    <dgm:txFillClrLst/>
-    <dgm:txEffectClrLst/>
-  </dgm:styleLbl>
-  <dgm:styleLbl name="node4">
-    <dgm:fillClrLst meth="repeat">
-      <a:schemeClr val="accent1"/>
-    </dgm:fillClrLst>
-    <dgm:linClrLst meth="repeat">
-      <a:schemeClr val="lt1"/>
-    </dgm:linClrLst>
-    <dgm:effectClrLst/>
-    <dgm:txLinClrLst/>
-    <dgm:txFillClrLst/>
-    <dgm:txEffectClrLst/>
-  </dgm:styleLbl>
-  <dgm:styleLbl name="fgImgPlace1">
-    <dgm:fillClrLst meth="repeat">
-      <a:schemeClr val="accent1">
+    </dgm:linClrLst>
+    <dgm:effectClrLst/>
+    <dgm:txLinClrLst/>
+    <dgm:txFillClrLst meth="repeat">
+      <a:schemeClr val="tx1"/>
+    </dgm:txFillClrLst>
+    <dgm:txEffectClrLst/>
+  </dgm:styleLbl>
+  <dgm:styleLbl name="parChTrans1D4">
+    <dgm:fillClrLst meth="repeat">
+      <a:schemeClr val="accent6">
         <a:tint val="50000"/>
       </a:schemeClr>
     </dgm:fillClrLst>
     <dgm:linClrLst meth="repeat">
-      <a:schemeClr val="lt1"/>
-    </dgm:linClrLst>
-    <dgm:effectClrLst/>
-    <dgm:txLinClrLst/>
-    <dgm:txFillClrLst meth="repeat">
-      <a:schemeClr val="lt1"/>
-    </dgm:txFillClrLst>
-    <dgm:txEffectClrLst/>
-  </dgm:styleLbl>
-  <dgm:styleLbl name="alignImgPlace1">
-    <dgm:fillClrLst meth="repeat">
-      <a:schemeClr val="accent1">
-        <a:tint val="50000"/>
-      </a:schemeClr>
-    </dgm:fillClrLst>
-    <dgm:linClrLst meth="repeat">
-      <a:schemeClr val="lt1"/>
-    </dgm:linClrLst>
-    <dgm:effectClrLst/>
-    <dgm:txLinClrLst/>
-    <dgm:txFillClrLst meth="repeat">
-      <a:schemeClr val="lt1"/>
-    </dgm:txFillClrLst>
-    <dgm:txEffectClrLst/>
-  </dgm:styleLbl>
-  <dgm:styleLbl name="bgImgPlace1">
-    <dgm:fillClrLst meth="repeat">
-      <a:schemeClr val="accent1">
-        <a:tint val="50000"/>
-      </a:schemeClr>
-    </dgm:fillClrLst>
-    <dgm:linClrLst meth="repeat">
-      <a:schemeClr val="lt1"/>
-    </dgm:linClrLst>
-    <dgm:effectClrLst/>
-    <dgm:txLinClrLst/>
-    <dgm:txFillClrLst meth="repeat">
-      <a:schemeClr val="lt1"/>
-    </dgm:txFillClrLst>
-    <dgm:txEffectClrLst/>
-  </dgm:styleLbl>
-  <dgm:styleLbl name="sibTrans2D1">
-    <dgm:fillClrLst meth="repeat">
-      <a:schemeClr val="accent1">
-        <a:tint val="60000"/>
-      </a:schemeClr>
-    </dgm:fillClrLst>
-    <dgm:linClrLst meth="repeat">
-      <a:schemeClr val="accent1">
-        <a:tint val="60000"/>
-      </a:schemeClr>
-    </dgm:linClrLst>
-    <dgm:effectClrLst/>
-    <dgm:txLinClrLst/>
-    <dgm:txFillClrLst/>
-    <dgm:txEffectClrLst/>
-  </dgm:styleLbl>
-  <dgm:styleLbl name="fgSibTrans2D1">
-    <dgm:fillClrLst meth="repeat">
-      <a:schemeClr val="accent1">
-        <a:tint val="60000"/>
-      </a:schemeClr>
-    </dgm:fillClrLst>
-    <dgm:linClrLst meth="repeat">
-      <a:schemeClr val="accent1">
-        <a:tint val="60000"/>
-      </a:schemeClr>
-    </dgm:linClrLst>
-    <dgm:effectClrLst/>
-    <dgm:txLinClrLst/>
-    <dgm:txFillClrLst/>
-    <dgm:txEffectClrLst/>
-  </dgm:styleLbl>
-  <dgm:styleLbl name="bgSibTrans2D1">
-    <dgm:fillClrLst meth="repeat">
-      <a:schemeClr val="accent1">
-        <a:tint val="60000"/>
-      </a:schemeClr>
-    </dgm:fillClrLst>
-    <dgm:linClrLst meth="repeat">
-      <a:schemeClr val="accent1">
-        <a:tint val="60000"/>
-      </a:schemeClr>
-    </dgm:linClrLst>
-    <dgm:effectClrLst/>
-    <dgm:txLinClrLst/>
-    <dgm:txFillClrLst/>
-    <dgm:txEffectClrLst/>
-  </dgm:styleLbl>
-  <dgm:styleLbl name="sibTrans1D1">
-    <dgm:fillClrLst meth="repeat">
-      <a:schemeClr val="accent1"/>
-    </dgm:fillClrLst>
-    <dgm:linClrLst meth="repeat">
-      <a:schemeClr val="accent1"/>
-    </dgm:linClrLst>
-    <dgm:effectClrLst/>
-    <dgm:txLinClrLst/>
-    <dgm:txFillClrLst meth="repeat">
-      <a:schemeClr val="tx1"/>
-    </dgm:txFillClrLst>
-    <dgm:txEffectClrLst/>
-  </dgm:styleLbl>
-  <dgm:styleLbl name="callout">
-    <dgm:fillClrLst meth="repeat">
-      <a:schemeClr val="accent1"/>
-    </dgm:fillClrLst>
-    <dgm:linClrLst meth="repeat">
-      <a:schemeClr val="accent1">
-        <a:tint val="50000"/>
-      </a:schemeClr>
-    </dgm:linClrLst>
-    <dgm:effectClrLst/>
-    <dgm:txLinClrLst/>
-    <dgm:txFillClrLst meth="repeat">
-      <a:schemeClr val="tx1"/>
-    </dgm:txFillClrLst>
-    <dgm:txEffectClrLst/>
-  </dgm:styleLbl>
-  <dgm:styleLbl name="asst0">
-    <dgm:fillClrLst meth="repeat">
-      <a:schemeClr val="accent1"/>
-    </dgm:fillClrLst>
-    <dgm:linClrLst meth="repeat">
-      <a:schemeClr val="lt1"/>
-    </dgm:linClrLst>
-    <dgm:effectClrLst/>
-    <dgm:txLinClrLst/>
-    <dgm:txFillClrLst/>
-    <dgm:txEffectClrLst/>
-  </dgm:styleLbl>
-  <dgm:styleLbl name="asst1">
-    <dgm:fillClrLst meth="repeat">
-      <a:schemeClr val="accent1"/>
-    </dgm:fillClrLst>
-    <dgm:linClrLst meth="repeat">
-      <a:schemeClr val="lt1"/>
-    </dgm:linClrLst>
-    <dgm:effectClrLst/>
-    <dgm:txLinClrLst/>
-    <dgm:txFillClrLst/>
-    <dgm:txEffectClrLst/>
-  </dgm:styleLbl>
-  <dgm:styleLbl name="asst2">
-    <dgm:fillClrLst meth="repeat">
-      <a:schemeClr val="accent1"/>
-    </dgm:fillClrLst>
-    <dgm:linClrLst meth="repeat">
-      <a:schemeClr val="lt1"/>
-    </dgm:linClrLst>
-    <dgm:effectClrLst/>
-    <dgm:txLinClrLst/>
-    <dgm:txFillClrLst/>
-    <dgm:txEffectClrLst/>
-  </dgm:styleLbl>
-  <dgm:styleLbl name="asst3">
-    <dgm:fillClrLst meth="repeat">
-      <a:schemeClr val="accent1"/>
-    </dgm:fillClrLst>
-    <dgm:linClrLst meth="repeat">
-      <a:schemeClr val="lt1"/>
-    </dgm:linClrLst>
-    <dgm:effectClrLst/>
-    <dgm:txLinClrLst/>
-    <dgm:txFillClrLst/>
-    <dgm:txEffectClrLst/>
-  </dgm:styleLbl>
-  <dgm:styleLbl name="asst4">
-    <dgm:fillClrLst meth="repeat">
-      <a:schemeClr val="accent1"/>
-    </dgm:fillClrLst>
-    <dgm:linClrLst meth="repeat">
-      <a:schemeClr val="lt1"/>
-    </dgm:linClrLst>
-    <dgm:effectClrLst/>
-    <dgm:txLinClrLst/>
-    <dgm:txFillClrLst/>
-    <dgm:txEffectClrLst/>
-  </dgm:styleLbl>
-  <dgm:styleLbl name="parChTrans2D1">
-    <dgm:fillClrLst meth="repeat">
-      <a:schemeClr val="accent1">
-        <a:tint val="60000"/>
-      </a:schemeClr>
-    </dgm:fillClrLst>
-    <dgm:linClrLst meth="repeat">
-      <a:schemeClr val="accent1">
-        <a:tint val="60000"/>
-      </a:schemeClr>
-    </dgm:linClrLst>
-    <dgm:effectClrLst/>
-    <dgm:txLinClrLst/>
-    <dgm:txFillClrLst meth="repeat">
-      <a:schemeClr val="lt1"/>
-    </dgm:txFillClrLst>
-    <dgm:txEffectClrLst/>
-  </dgm:styleLbl>
-  <dgm:styleLbl name="parChTrans2D2">
-    <dgm:fillClrLst meth="repeat">
-      <a:schemeClr val="accent1"/>
-    </dgm:fillClrLst>
-    <dgm:linClrLst meth="repeat">
-      <a:schemeClr val="accent1"/>
-    </dgm:linClrLst>
-    <dgm:effectClrLst/>
-    <dgm:txLinClrLst/>
-    <dgm:txFillClrLst meth="repeat">
-      <a:schemeClr val="lt1"/>
-    </dgm:txFillClrLst>
-    <dgm:txEffectClrLst/>
-  </dgm:styleLbl>
-  <dgm:styleLbl name="parChTrans2D3">
-    <dgm:fillClrLst meth="repeat">
-      <a:schemeClr val="accent1"/>
-    </dgm:fillClrLst>
-    <dgm:linClrLst meth="repeat">
-      <a:schemeClr val="accent1"/>
-    </dgm:linClrLst>
-    <dgm:effectClrLst/>
-    <dgm:txLinClrLst/>
-    <dgm:txFillClrLst meth="repeat">
-      <a:schemeClr val="lt1"/>
-    </dgm:txFillClrLst>
-    <dgm:txEffectClrLst/>
-  </dgm:styleLbl>
-  <dgm:styleLbl name="parChTrans2D4">
-    <dgm:fillClrLst meth="repeat">
-      <a:schemeClr val="accent1"/>
-    </dgm:fillClrLst>
-    <dgm:linClrLst meth="repeat">
-      <a:schemeClr val="accent1"/>
-    </dgm:linClrLst>
-    <dgm:effectClrLst/>
-    <dgm:txLinClrLst/>
-    <dgm:txFillClrLst meth="repeat">
-      <a:schemeClr val="lt1"/>
-    </dgm:txFillClrLst>
-    <dgm:txEffectClrLst/>
-  </dgm:styleLbl>
-  <dgm:styleLbl name="parChTrans1D1">
-    <dgm:fillClrLst meth="repeat">
-      <a:schemeClr val="accent1"/>
-    </dgm:fillClrLst>
-    <dgm:linClrLst meth="repeat">
-      <a:schemeClr val="accent1">
-        <a:shade val="60000"/>
-      </a:schemeClr>
-    </dgm:linClrLst>
-    <dgm:effectClrLst/>
-    <dgm:txLinClrLst/>
-    <dgm:txFillClrLst meth="repeat">
-      <a:schemeClr val="tx1"/>
-    </dgm:txFillClrLst>
-    <dgm:txEffectClrLst/>
-  </dgm:styleLbl>
-  <dgm:styleLbl name="parChTrans1D2">
-    <dgm:fillClrLst meth="repeat">
-      <a:schemeClr val="accent1"/>
-    </dgm:fillClrLst>
-    <dgm:linClrLst meth="repeat">
-      <a:schemeClr val="accent1">
-        <a:shade val="60000"/>
-      </a:schemeClr>
-    </dgm:linClrLst>
-    <dgm:effectClrLst/>
-    <dgm:txLinClrLst/>
-    <dgm:txFillClrLst meth="repeat">
-      <a:schemeClr val="tx1"/>
-    </dgm:txFillClrLst>
-    <dgm:txEffectClrLst/>
-  </dgm:styleLbl>
-  <dgm:styleLbl name="parChTrans1D3">
-    <dgm:fillClrLst meth="repeat">
-      <a:schemeClr val="accent1"/>
-    </dgm:fillClrLst>
-    <dgm:linClrLst meth="repeat">
-      <a:schemeClr val="accent1">
-        <a:shade val="80000"/>
-      </a:schemeClr>
-    </dgm:linClrLst>
-    <dgm:effectClrLst/>
-    <dgm:txLinClrLst/>
-    <dgm:txFillClrLst meth="repeat">
-      <a:schemeClr val="tx1"/>
-    </dgm:txFillClrLst>
-    <dgm:txEffectClrLst/>
-  </dgm:styleLbl>
-  <dgm:styleLbl name="parChTrans1D4">
-    <dgm:fillClrLst meth="repeat">
-      <a:schemeClr val="accent1"/>
-    </dgm:fillClrLst>
-    <dgm:linClrLst meth="repeat">
-      <a:schemeClr val="accent1">
-        <a:shade val="80000"/>
-      </a:schemeClr>
+      <a:schemeClr val="accent2"/>
     </dgm:linClrLst>
     <dgm:effectClrLst/>
     <dgm:txLinClrLst/>
@@ -5774,8 +5848,9 @@
         <a:alpha val="90000"/>
       </a:schemeClr>
     </dgm:fillClrLst>
-    <dgm:linClrLst meth="repeat">
-      <a:schemeClr val="accent1"/>
+    <dgm:linClrLst>
+      <a:schemeClr val="accent5"/>
+      <a:schemeClr val="accent6"/>
     </dgm:linClrLst>
     <dgm:effectClrLst/>
     <dgm:txLinClrLst/>
@@ -5790,8 +5865,9 @@
         <a:alpha val="90000"/>
       </a:schemeClr>
     </dgm:fillClrLst>
-    <dgm:linClrLst meth="repeat">
-      <a:schemeClr val="accent1"/>
+    <dgm:linClrLst>
+      <a:schemeClr val="accent5"/>
+      <a:schemeClr val="accent6"/>
     </dgm:linClrLst>
     <dgm:effectClrLst/>
     <dgm:txLinClrLst/>
@@ -5806,8 +5882,9 @@
         <a:alpha val="90000"/>
       </a:schemeClr>
     </dgm:fillClrLst>
-    <dgm:linClrLst meth="repeat">
-      <a:schemeClr val="accent1"/>
+    <dgm:linClrLst>
+      <a:schemeClr val="accent5"/>
+      <a:schemeClr val="accent6"/>
     </dgm:linClrLst>
     <dgm:effectClrLst/>
     <dgm:txLinClrLst/>
@@ -5823,7 +5900,7 @@
       </a:schemeClr>
     </dgm:fillClrLst>
     <dgm:linClrLst meth="repeat">
-      <a:schemeClr val="accent1"/>
+      <a:schemeClr val="accent5"/>
     </dgm:linClrLst>
     <dgm:effectClrLst/>
     <dgm:txLinClrLst/>
@@ -5838,8 +5915,9 @@
         <a:alpha val="90000"/>
       </a:schemeClr>
     </dgm:fillClrLst>
-    <dgm:linClrLst meth="repeat">
-      <a:schemeClr val="accent1"/>
+    <dgm:linClrLst>
+      <a:schemeClr val="accent5"/>
+      <a:schemeClr val="accent6"/>
     </dgm:linClrLst>
     <dgm:effectClrLst/>
     <dgm:txLinClrLst/>
@@ -5852,8 +5930,9 @@
     <dgm:fillClrLst meth="repeat">
       <a:schemeClr val="lt1"/>
     </dgm:fillClrLst>
-    <dgm:linClrLst meth="repeat">
-      <a:schemeClr val="accent1"/>
+    <dgm:linClrLst>
+      <a:schemeClr val="accent5"/>
+      <a:schemeClr val="accent6"/>
     </dgm:linClrLst>
     <dgm:effectClrLst/>
     <dgm:txLinClrLst/>
@@ -5866,8 +5945,9 @@
     <dgm:fillClrLst meth="repeat">
       <a:schemeClr val="lt1"/>
     </dgm:fillClrLst>
-    <dgm:linClrLst meth="repeat">
-      <a:schemeClr val="accent1"/>
+    <dgm:linClrLst>
+      <a:schemeClr val="accent5"/>
+      <a:schemeClr val="accent6"/>
     </dgm:linClrLst>
     <dgm:effectClrLst/>
     <dgm:txLinClrLst/>
@@ -5880,8 +5960,9 @@
     <dgm:fillClrLst meth="repeat">
       <a:schemeClr val="lt1"/>
     </dgm:fillClrLst>
-    <dgm:linClrLst meth="repeat">
-      <a:schemeClr val="accent1"/>
+    <dgm:linClrLst>
+      <a:schemeClr val="accent5"/>
+      <a:schemeClr val="accent6"/>
     </dgm:linClrLst>
     <dgm:effectClrLst/>
     <dgm:txLinClrLst/>
@@ -5891,16 +5972,24 @@
     <dgm:txEffectClrLst/>
   </dgm:styleLbl>
   <dgm:styleLbl name="fgAccFollowNode1">
-    <dgm:fillClrLst meth="repeat">
-      <a:schemeClr val="accent1">
+    <dgm:fillClrLst>
+      <a:schemeClr val="accent5">
+        <a:tint val="40000"/>
         <a:alpha val="90000"/>
+      </a:schemeClr>
+      <a:schemeClr val="accent6">
         <a:tint val="40000"/>
-      </a:schemeClr>
-    </dgm:fillClrLst>
-    <dgm:linClrLst meth="repeat">
-      <a:schemeClr val="accent1">
         <a:alpha val="90000"/>
+      </a:schemeClr>
+    </dgm:fillClrLst>
+    <dgm:linClrLst>
+      <a:schemeClr val="accent5">
         <a:tint val="40000"/>
+        <a:alpha val="90000"/>
+      </a:schemeClr>
+      <a:schemeClr val="accent5">
+        <a:tint val="40000"/>
+        <a:alpha val="90000"/>
       </a:schemeClr>
     </dgm:linClrLst>
     <dgm:effectClrLst/>
@@ -5911,16 +6000,24 @@
     <dgm:txEffectClrLst/>
   </dgm:styleLbl>
   <dgm:styleLbl name="alignAccFollowNode1">
-    <dgm:fillClrLst meth="repeat">
-      <a:schemeClr val="accent1">
+    <dgm:fillClrLst>
+      <a:schemeClr val="accent5">
+        <a:tint val="40000"/>
         <a:alpha val="90000"/>
+      </a:schemeClr>
+      <a:schemeClr val="accent6">
         <a:tint val="40000"/>
-      </a:schemeClr>
-    </dgm:fillClrLst>
-    <dgm:linClrLst meth="repeat">
-      <a:schemeClr val="accent1">
         <a:alpha val="90000"/>
+      </a:schemeClr>
+    </dgm:fillClrLst>
+    <dgm:linClrLst>
+      <a:schemeClr val="accent5">
         <a:tint val="40000"/>
+        <a:alpha val="90000"/>
+      </a:schemeClr>
+      <a:schemeClr val="accent6">
+        <a:tint val="40000"/>
+        <a:alpha val="90000"/>
       </a:schemeClr>
     </dgm:linClrLst>
     <dgm:effectClrLst/>
@@ -5931,16 +6028,24 @@
     <dgm:txEffectClrLst/>
   </dgm:styleLbl>
   <dgm:styleLbl name="bgAccFollowNode1">
-    <dgm:fillClrLst meth="repeat">
-      <a:schemeClr val="accent1">
+    <dgm:fillClrLst>
+      <a:schemeClr val="accent5">
+        <a:tint val="40000"/>
         <a:alpha val="90000"/>
+      </a:schemeClr>
+      <a:schemeClr val="accent6">
         <a:tint val="40000"/>
-      </a:schemeClr>
-    </dgm:fillClrLst>
-    <dgm:linClrLst meth="repeat">
-      <a:schemeClr val="accent1">
         <a:alpha val="90000"/>
+      </a:schemeClr>
+    </dgm:fillClrLst>
+    <dgm:linClrLst>
+      <a:schemeClr val="accent5">
         <a:tint val="40000"/>
+        <a:alpha val="90000"/>
+      </a:schemeClr>
+      <a:schemeClr val="accent6">
+        <a:tint val="40000"/>
+        <a:alpha val="90000"/>
       </a:schemeClr>
     </dgm:linClrLst>
     <dgm:effectClrLst/>
@@ -5956,8 +6061,8 @@
         <a:alpha val="90000"/>
       </a:schemeClr>
     </dgm:fillClrLst>
-    <dgm:linClrLst meth="repeat">
-      <a:schemeClr val="accent1"/>
+    <dgm:linClrLst>
+      <a:schemeClr val="accent4"/>
     </dgm:linClrLst>
     <dgm:effectClrLst/>
     <dgm:txLinClrLst/>
@@ -5972,8 +6077,8 @@
         <a:alpha val="90000"/>
       </a:schemeClr>
     </dgm:fillClrLst>
-    <dgm:linClrLst meth="repeat">
-      <a:schemeClr val="accent1"/>
+    <dgm:linClrLst>
+      <a:schemeClr val="accent6"/>
     </dgm:linClrLst>
     <dgm:effectClrLst/>
     <dgm:txLinClrLst/>
@@ -5988,7 +6093,7 @@
         <a:alpha val="90000"/>
       </a:schemeClr>
     </dgm:fillClrLst>
-    <dgm:linClrLst meth="repeat">
+    <dgm:linClrLst>
       <a:schemeClr val="accent1"/>
     </dgm:linClrLst>
     <dgm:effectClrLst/>
@@ -6004,8 +6109,8 @@
         <a:alpha val="90000"/>
       </a:schemeClr>
     </dgm:fillClrLst>
-    <dgm:linClrLst meth="repeat">
-      <a:schemeClr val="accent1"/>
+    <dgm:linClrLst>
+      <a:schemeClr val="accent2"/>
     </dgm:linClrLst>
     <dgm:effectClrLst/>
     <dgm:txLinClrLst/>
@@ -6016,28 +6121,28 @@
   </dgm:styleLbl>
   <dgm:styleLbl name="bgShp">
     <dgm:fillClrLst meth="repeat">
-      <a:schemeClr val="accent1">
+      <a:schemeClr val="accent5">
         <a:tint val="40000"/>
       </a:schemeClr>
     </dgm:fillClrLst>
     <dgm:linClrLst meth="repeat">
-      <a:schemeClr val="accent1"/>
-    </dgm:linClrLst>
-    <dgm:effectClrLst/>
-    <dgm:txLinClrLst/>
-    <dgm:txFillClrLst meth="repeat">
       <a:schemeClr val="dk1"/>
+    </dgm:linClrLst>
+    <dgm:effectClrLst/>
+    <dgm:txLinClrLst/>
+    <dgm:txFillClrLst meth="repeat">
+      <a:schemeClr val="dk1"/>
     </dgm:txFillClrLst>
     <dgm:txEffectClrLst/>
   </dgm:styleLbl>
   <dgm:styleLbl name="dkBgShp">
     <dgm:fillClrLst meth="repeat">
-      <a:schemeClr val="accent1">
-        <a:shade val="80000"/>
-      </a:schemeClr>
-    </dgm:fillClrLst>
-    <dgm:linClrLst meth="repeat">
-      <a:schemeClr val="accent1"/>
+      <a:schemeClr val="accent5">
+        <a:shade val="90000"/>
+      </a:schemeClr>
+    </dgm:fillClrLst>
+    <dgm:linClrLst meth="repeat">
+      <a:schemeClr val="dk1"/>
     </dgm:linClrLst>
     <dgm:effectClrLst/>
     <dgm:txLinClrLst/>
@@ -6048,13 +6153,13 @@
   </dgm:styleLbl>
   <dgm:styleLbl name="trBgShp">
     <dgm:fillClrLst meth="repeat">
-      <a:schemeClr val="accent1">
+      <a:schemeClr val="accent5">
         <a:tint val="50000"/>
         <a:alpha val="40000"/>
       </a:schemeClr>
     </dgm:fillClrLst>
     <dgm:linClrLst meth="repeat">
-      <a:schemeClr val="accent1"/>
+      <a:schemeClr val="accent5"/>
     </dgm:linClrLst>
     <dgm:effectClrLst/>
     <dgm:txLinClrLst/>
@@ -6065,8 +6170,8 @@
   </dgm:styleLbl>
   <dgm:styleLbl name="fgShp">
     <dgm:fillClrLst meth="repeat">
-      <a:schemeClr val="accent1">
-        <a:tint val="60000"/>
+      <a:schemeClr val="accent5">
+        <a:tint val="40000"/>
       </a:schemeClr>
     </dgm:fillClrLst>
     <dgm:linClrLst meth="repeat">
@@ -6101,14 +6206,95 @@
 </file>
 
 <file path=ppt/diagrams/colors7.xml><?xml version="1.0" encoding="utf-8"?>
-<dgm:colorsDef xmlns:dgm="http://schemas.openxmlformats.org/drawingml/2006/diagram" xmlns:a="http://schemas.openxmlformats.org/drawingml/2006/main" uniqueId="urn:microsoft.com/office/officeart/2005/8/colors/accent1_2">
+<dgm:colorsDef xmlns:dgm="http://schemas.openxmlformats.org/drawingml/2006/diagram" xmlns:a="http://schemas.openxmlformats.org/drawingml/2006/main" uniqueId="urn:microsoft.com/office/officeart/2005/8/colors/colorful5">
   <dgm:title val=""/>
   <dgm:desc val=""/>
   <dgm:catLst>
-    <dgm:cat type="accent1" pri="11200"/>
+    <dgm:cat type="colorful" pri="10500"/>
   </dgm:catLst>
   <dgm:styleLbl name="node0">
     <dgm:fillClrLst meth="repeat">
+      <a:schemeClr val="accent4"/>
+    </dgm:fillClrLst>
+    <dgm:linClrLst meth="repeat">
+      <a:schemeClr val="lt1"/>
+    </dgm:linClrLst>
+    <dgm:effectClrLst/>
+    <dgm:txLinClrLst/>
+    <dgm:txFillClrLst/>
+    <dgm:txEffectClrLst/>
+  </dgm:styleLbl>
+  <dgm:styleLbl name="node1">
+    <dgm:fillClrLst>
+      <a:schemeClr val="accent5"/>
+      <a:schemeClr val="accent6"/>
+    </dgm:fillClrLst>
+    <dgm:linClrLst meth="repeat">
+      <a:schemeClr val="lt1"/>
+    </dgm:linClrLst>
+    <dgm:effectClrLst/>
+    <dgm:txLinClrLst/>
+    <dgm:txFillClrLst/>
+    <dgm:txEffectClrLst/>
+  </dgm:styleLbl>
+  <dgm:styleLbl name="alignNode1">
+    <dgm:fillClrLst>
+      <a:schemeClr val="accent5"/>
+      <a:schemeClr val="accent6"/>
+    </dgm:fillClrLst>
+    <dgm:linClrLst>
+      <a:schemeClr val="accent5"/>
+      <a:schemeClr val="accent6"/>
+    </dgm:linClrLst>
+    <dgm:effectClrLst/>
+    <dgm:txLinClrLst/>
+    <dgm:txFillClrLst/>
+    <dgm:txEffectClrLst/>
+  </dgm:styleLbl>
+  <dgm:styleLbl name="lnNode1">
+    <dgm:fillClrLst>
+      <a:schemeClr val="accent5"/>
+      <a:schemeClr val="accent6"/>
+    </dgm:fillClrLst>
+    <dgm:linClrLst meth="repeat">
+      <a:schemeClr val="lt1"/>
+    </dgm:linClrLst>
+    <dgm:effectClrLst/>
+    <dgm:txLinClrLst/>
+    <dgm:txFillClrLst/>
+    <dgm:txEffectClrLst/>
+  </dgm:styleLbl>
+  <dgm:styleLbl name="vennNode1">
+    <dgm:fillClrLst>
+      <a:schemeClr val="accent5">
+        <a:alpha val="50000"/>
+      </a:schemeClr>
+      <a:schemeClr val="accent6">
+        <a:alpha val="50000"/>
+      </a:schemeClr>
+    </dgm:fillClrLst>
+    <dgm:linClrLst meth="repeat">
+      <a:schemeClr val="lt1"/>
+    </dgm:linClrLst>
+    <dgm:effectClrLst/>
+    <dgm:txLinClrLst/>
+    <dgm:txFillClrLst/>
+    <dgm:txEffectClrLst/>
+  </dgm:styleLbl>
+  <dgm:styleLbl name="node2">
+    <dgm:fillClrLst>
+      <a:schemeClr val="accent6"/>
+    </dgm:fillClrLst>
+    <dgm:linClrLst meth="repeat">
+      <a:schemeClr val="lt1"/>
+    </dgm:linClrLst>
+    <dgm:effectClrLst/>
+    <dgm:txLinClrLst/>
+    <dgm:txFillClrLst/>
+    <dgm:txEffectClrLst/>
+  </dgm:styleLbl>
+  <dgm:styleLbl name="node3">
+    <dgm:fillClrLst>
       <a:schemeClr val="accent1"/>
     </dgm:fillClrLst>
     <dgm:linClrLst meth="repeat">
@@ -6119,394 +6305,317 @@
     <dgm:txFillClrLst/>
     <dgm:txEffectClrLst/>
   </dgm:styleLbl>
-  <dgm:styleLbl name="alignNode1">
-    <dgm:fillClrLst meth="repeat">
+  <dgm:styleLbl name="node4">
+    <dgm:fillClrLst>
+      <a:schemeClr val="accent2"/>
+    </dgm:fillClrLst>
+    <dgm:linClrLst meth="repeat">
+      <a:schemeClr val="lt1"/>
+    </dgm:linClrLst>
+    <dgm:effectClrLst/>
+    <dgm:txLinClrLst/>
+    <dgm:txFillClrLst/>
+    <dgm:txEffectClrLst/>
+  </dgm:styleLbl>
+  <dgm:styleLbl name="fgImgPlace1">
+    <dgm:fillClrLst>
+      <a:schemeClr val="accent5">
+        <a:tint val="50000"/>
+      </a:schemeClr>
+      <a:schemeClr val="accent6">
+        <a:tint val="50000"/>
+      </a:schemeClr>
+    </dgm:fillClrLst>
+    <dgm:linClrLst meth="repeat">
+      <a:schemeClr val="lt1"/>
+    </dgm:linClrLst>
+    <dgm:effectClrLst/>
+    <dgm:txLinClrLst/>
+    <dgm:txFillClrLst meth="repeat">
+      <a:schemeClr val="lt1"/>
+    </dgm:txFillClrLst>
+    <dgm:txEffectClrLst/>
+  </dgm:styleLbl>
+  <dgm:styleLbl name="alignImgPlace1">
+    <dgm:fillClrLst>
+      <a:schemeClr val="accent5">
+        <a:tint val="50000"/>
+      </a:schemeClr>
+      <a:schemeClr val="accent6">
+        <a:tint val="20000"/>
+      </a:schemeClr>
+    </dgm:fillClrLst>
+    <dgm:linClrLst meth="repeat">
+      <a:schemeClr val="lt1"/>
+    </dgm:linClrLst>
+    <dgm:effectClrLst/>
+    <dgm:txLinClrLst/>
+    <dgm:txFillClrLst meth="repeat">
+      <a:schemeClr val="lt1"/>
+    </dgm:txFillClrLst>
+    <dgm:txEffectClrLst/>
+  </dgm:styleLbl>
+  <dgm:styleLbl name="bgImgPlace1">
+    <dgm:fillClrLst>
+      <a:schemeClr val="accent5">
+        <a:tint val="50000"/>
+      </a:schemeClr>
+      <a:schemeClr val="accent6">
+        <a:tint val="20000"/>
+      </a:schemeClr>
+    </dgm:fillClrLst>
+    <dgm:linClrLst meth="repeat">
+      <a:schemeClr val="lt1"/>
+    </dgm:linClrLst>
+    <dgm:effectClrLst/>
+    <dgm:txLinClrLst/>
+    <dgm:txFillClrLst meth="repeat">
+      <a:schemeClr val="lt1"/>
+    </dgm:txFillClrLst>
+    <dgm:txEffectClrLst/>
+  </dgm:styleLbl>
+  <dgm:styleLbl name="sibTrans2D1">
+    <dgm:fillClrLst>
+      <a:schemeClr val="accent5"/>
+      <a:schemeClr val="accent6"/>
+    </dgm:fillClrLst>
+    <dgm:linClrLst meth="repeat">
+      <a:schemeClr val="lt1"/>
+    </dgm:linClrLst>
+    <dgm:effectClrLst/>
+    <dgm:txLinClrLst/>
+    <dgm:txFillClrLst/>
+    <dgm:txEffectClrLst/>
+  </dgm:styleLbl>
+  <dgm:styleLbl name="fgSibTrans2D1">
+    <dgm:fillClrLst>
+      <a:schemeClr val="accent5"/>
+      <a:schemeClr val="accent6"/>
+    </dgm:fillClrLst>
+    <dgm:linClrLst meth="repeat">
+      <a:schemeClr val="lt1"/>
+    </dgm:linClrLst>
+    <dgm:effectClrLst/>
+    <dgm:txLinClrLst/>
+    <dgm:txFillClrLst meth="repeat">
+      <a:schemeClr val="lt1"/>
+    </dgm:txFillClrLst>
+    <dgm:txEffectClrLst/>
+  </dgm:styleLbl>
+  <dgm:styleLbl name="bgSibTrans2D1">
+    <dgm:fillClrLst>
+      <a:schemeClr val="accent5"/>
+      <a:schemeClr val="accent6"/>
+    </dgm:fillClrLst>
+    <dgm:linClrLst meth="repeat">
+      <a:schemeClr val="lt1"/>
+    </dgm:linClrLst>
+    <dgm:effectClrLst/>
+    <dgm:txLinClrLst/>
+    <dgm:txFillClrLst meth="repeat">
+      <a:schemeClr val="lt1"/>
+    </dgm:txFillClrLst>
+    <dgm:txEffectClrLst/>
+  </dgm:styleLbl>
+  <dgm:styleLbl name="sibTrans1D1">
+    <dgm:fillClrLst/>
+    <dgm:linClrLst>
+      <a:schemeClr val="accent5"/>
+      <a:schemeClr val="accent6"/>
+    </dgm:linClrLst>
+    <dgm:effectClrLst/>
+    <dgm:txLinClrLst/>
+    <dgm:txFillClrLst meth="repeat">
+      <a:schemeClr val="tx1"/>
+    </dgm:txFillClrLst>
+    <dgm:txEffectClrLst/>
+  </dgm:styleLbl>
+  <dgm:styleLbl name="callout">
+    <dgm:fillClrLst meth="repeat">
+      <a:schemeClr val="accent5"/>
+    </dgm:fillClrLst>
+    <dgm:linClrLst meth="repeat">
+      <a:schemeClr val="accent5">
+        <a:tint val="50000"/>
+      </a:schemeClr>
+    </dgm:linClrLst>
+    <dgm:effectClrLst/>
+    <dgm:txLinClrLst/>
+    <dgm:txFillClrLst meth="repeat">
+      <a:schemeClr val="tx1"/>
+    </dgm:txFillClrLst>
+    <dgm:txEffectClrLst/>
+  </dgm:styleLbl>
+  <dgm:styleLbl name="asst0">
+    <dgm:fillClrLst meth="repeat">
+      <a:schemeClr val="accent5"/>
+    </dgm:fillClrLst>
+    <dgm:linClrLst meth="repeat">
+      <a:schemeClr val="lt1">
+        <a:shade val="80000"/>
+      </a:schemeClr>
+    </dgm:linClrLst>
+    <dgm:effectClrLst/>
+    <dgm:txLinClrLst/>
+    <dgm:txFillClrLst/>
+    <dgm:txEffectClrLst/>
+  </dgm:styleLbl>
+  <dgm:styleLbl name="asst1">
+    <dgm:fillClrLst meth="repeat">
+      <a:schemeClr val="accent6"/>
+    </dgm:fillClrLst>
+    <dgm:linClrLst meth="repeat">
+      <a:schemeClr val="lt1">
+        <a:shade val="80000"/>
+      </a:schemeClr>
+    </dgm:linClrLst>
+    <dgm:effectClrLst/>
+    <dgm:txLinClrLst/>
+    <dgm:txFillClrLst/>
+    <dgm:txEffectClrLst/>
+  </dgm:styleLbl>
+  <dgm:styleLbl name="asst2">
+    <dgm:fillClrLst>
       <a:schemeClr val="accent1"/>
     </dgm:fillClrLst>
     <dgm:linClrLst meth="repeat">
+      <a:schemeClr val="lt1"/>
+    </dgm:linClrLst>
+    <dgm:effectClrLst/>
+    <dgm:txLinClrLst/>
+    <dgm:txFillClrLst/>
+    <dgm:txEffectClrLst/>
+  </dgm:styleLbl>
+  <dgm:styleLbl name="asst3">
+    <dgm:fillClrLst>
+      <a:schemeClr val="accent2"/>
+    </dgm:fillClrLst>
+    <dgm:linClrLst meth="repeat">
+      <a:schemeClr val="lt1"/>
+    </dgm:linClrLst>
+    <dgm:effectClrLst/>
+    <dgm:txLinClrLst/>
+    <dgm:txFillClrLst/>
+    <dgm:txEffectClrLst/>
+  </dgm:styleLbl>
+  <dgm:styleLbl name="asst4">
+    <dgm:fillClrLst>
+      <a:schemeClr val="accent3"/>
+    </dgm:fillClrLst>
+    <dgm:linClrLst meth="repeat">
+      <a:schemeClr val="lt1"/>
+    </dgm:linClrLst>
+    <dgm:effectClrLst/>
+    <dgm:txLinClrLst/>
+    <dgm:txFillClrLst/>
+    <dgm:txEffectClrLst/>
+  </dgm:styleLbl>
+  <dgm:styleLbl name="parChTrans2D1">
+    <dgm:fillClrLst meth="repeat">
+      <a:schemeClr val="accent5"/>
+    </dgm:fillClrLst>
+    <dgm:linClrLst meth="repeat">
+      <a:schemeClr val="lt1"/>
+    </dgm:linClrLst>
+    <dgm:effectClrLst/>
+    <dgm:txLinClrLst/>
+    <dgm:txFillClrLst meth="repeat">
+      <a:schemeClr val="lt1"/>
+    </dgm:txFillClrLst>
+    <dgm:txEffectClrLst/>
+  </dgm:styleLbl>
+  <dgm:styleLbl name="parChTrans2D2">
+    <dgm:fillClrLst meth="repeat">
+      <a:schemeClr val="accent6"/>
+    </dgm:fillClrLst>
+    <dgm:linClrLst meth="repeat">
+      <a:schemeClr val="lt1"/>
+    </dgm:linClrLst>
+    <dgm:effectClrLst/>
+    <dgm:txLinClrLst/>
+    <dgm:txFillClrLst/>
+    <dgm:txEffectClrLst/>
+  </dgm:styleLbl>
+  <dgm:styleLbl name="parChTrans2D3">
+    <dgm:fillClrLst meth="repeat">
+      <a:schemeClr val="accent6"/>
+    </dgm:fillClrLst>
+    <dgm:linClrLst meth="repeat">
+      <a:schemeClr val="lt1"/>
+    </dgm:linClrLst>
+    <dgm:effectClrLst/>
+    <dgm:txLinClrLst/>
+    <dgm:txFillClrLst/>
+    <dgm:txEffectClrLst/>
+  </dgm:styleLbl>
+  <dgm:styleLbl name="parChTrans2D4">
+    <dgm:fillClrLst meth="repeat">
       <a:schemeClr val="accent1"/>
-    </dgm:linClrLst>
-    <dgm:effectClrLst/>
-    <dgm:txLinClrLst/>
-    <dgm:txFillClrLst/>
-    <dgm:txEffectClrLst/>
-  </dgm:styleLbl>
-  <dgm:styleLbl name="node1">
-    <dgm:fillClrLst meth="repeat">
+    </dgm:fillClrLst>
+    <dgm:linClrLst meth="repeat">
+      <a:schemeClr val="lt1"/>
+    </dgm:linClrLst>
+    <dgm:effectClrLst/>
+    <dgm:txLinClrLst/>
+    <dgm:txFillClrLst meth="repeat">
+      <a:schemeClr val="lt1"/>
+    </dgm:txFillClrLst>
+    <dgm:txEffectClrLst/>
+  </dgm:styleLbl>
+  <dgm:styleLbl name="parChTrans1D1">
+    <dgm:fillClrLst meth="repeat">
+      <a:schemeClr val="accent5"/>
+    </dgm:fillClrLst>
+    <dgm:linClrLst meth="repeat">
+      <a:schemeClr val="accent5"/>
+    </dgm:linClrLst>
+    <dgm:effectClrLst/>
+    <dgm:txLinClrLst/>
+    <dgm:txFillClrLst meth="repeat">
+      <a:schemeClr val="tx1"/>
+    </dgm:txFillClrLst>
+    <dgm:txEffectClrLst/>
+  </dgm:styleLbl>
+  <dgm:styleLbl name="parChTrans1D2">
+    <dgm:fillClrLst meth="repeat">
+      <a:schemeClr val="accent6">
+        <a:tint val="90000"/>
+      </a:schemeClr>
+    </dgm:fillClrLst>
+    <dgm:linClrLst meth="repeat">
+      <a:schemeClr val="accent6"/>
+    </dgm:linClrLst>
+    <dgm:effectClrLst/>
+    <dgm:txLinClrLst/>
+    <dgm:txFillClrLst meth="repeat">
+      <a:schemeClr val="tx1"/>
+    </dgm:txFillClrLst>
+    <dgm:txEffectClrLst/>
+  </dgm:styleLbl>
+  <dgm:styleLbl name="parChTrans1D3">
+    <dgm:fillClrLst meth="repeat">
+      <a:schemeClr val="accent6">
+        <a:tint val="70000"/>
+      </a:schemeClr>
+    </dgm:fillClrLst>
+    <dgm:linClrLst meth="repeat">
       <a:schemeClr val="accent1"/>
-    </dgm:fillClrLst>
-    <dgm:linClrLst meth="repeat">
-      <a:schemeClr val="lt1"/>
-    </dgm:linClrLst>
-    <dgm:effectClrLst/>
-    <dgm:txLinClrLst/>
-    <dgm:txFillClrLst/>
-    <dgm:txEffectClrLst/>
-  </dgm:styleLbl>
-  <dgm:styleLbl name="lnNode1">
-    <dgm:fillClrLst meth="repeat">
-      <a:schemeClr val="accent1"/>
-    </dgm:fillClrLst>
-    <dgm:linClrLst meth="repeat">
-      <a:schemeClr val="lt1"/>
-    </dgm:linClrLst>
-    <dgm:effectClrLst/>
-    <dgm:txLinClrLst/>
-    <dgm:txFillClrLst/>
-    <dgm:txEffectClrLst/>
-  </dgm:styleLbl>
-  <dgm:styleLbl name="vennNode1">
-    <dgm:fillClrLst meth="repeat">
-      <a:schemeClr val="accent1">
-        <a:alpha val="50000"/>
-      </a:schemeClr>
-    </dgm:fillClrLst>
-    <dgm:linClrLst meth="repeat">
-      <a:schemeClr val="lt1"/>
-    </dgm:linClrLst>
-    <dgm:effectClrLst/>
-    <dgm:txLinClrLst/>
-    <dgm:txFillClrLst/>
-    <dgm:txEffectClrLst/>
-  </dgm:styleLbl>
-  <dgm:styleLbl name="node2">
-    <dgm:fillClrLst meth="repeat">
-      <a:schemeClr val="accent1"/>
-    </dgm:fillClrLst>
-    <dgm:linClrLst meth="repeat">
-      <a:schemeClr val="lt1"/>
-    </dgm:linClrLst>
-    <dgm:effectClrLst/>
-    <dgm:txLinClrLst/>
-    <dgm:txFillClrLst/>
-    <dgm:txEffectClrLst/>
-  </dgm:styleLbl>
-  <dgm:styleLbl name="node3">
-    <dgm:fillClrLst meth="repeat">
-      <a:schemeClr val="accent1"/>
-    </dgm:fillClrLst>
-    <dgm:linClrLst meth="repeat">
-      <a:schemeClr val="lt1"/>
-    </dgm:linClrLst>
-    <dgm:effectClrLst/>
-    <dgm:txLinClrLst/>
-    <dgm:txFillClrLst/>
-    <dgm:txEffectClrLst/>
-  </dgm:styleLbl>
-  <dgm:styleLbl name="node4">
-    <dgm:fillClrLst meth="repeat">
-      <a:schemeClr val="accent1"/>
-    </dgm:fillClrLst>
-    <dgm:linClrLst meth="repeat">
-      <a:schemeClr val="lt1"/>
-    </dgm:linClrLst>
-    <dgm:effectClrLst/>
-    <dgm:txLinClrLst/>
-    <dgm:txFillClrLst/>
-    <dgm:txEffectClrLst/>
-  </dgm:styleLbl>
-  <dgm:styleLbl name="fgImgPlace1">
-    <dgm:fillClrLst meth="repeat">
-      <a:schemeClr val="accent1">
+    </dgm:linClrLst>
+    <dgm:effectClrLst/>
+    <dgm:txLinClrLst/>
+    <dgm:txFillClrLst meth="repeat">
+      <a:schemeClr val="tx1"/>
+    </dgm:txFillClrLst>
+    <dgm:txEffectClrLst/>
+  </dgm:styleLbl>
+  <dgm:styleLbl name="parChTrans1D4">
+    <dgm:fillClrLst meth="repeat">
+      <a:schemeClr val="accent6">
         <a:tint val="50000"/>
       </a:schemeClr>
     </dgm:fillClrLst>
     <dgm:linClrLst meth="repeat">
-      <a:schemeClr val="lt1"/>
-    </dgm:linClrLst>
-    <dgm:effectClrLst/>
-    <dgm:txLinClrLst/>
-    <dgm:txFillClrLst meth="repeat">
-      <a:schemeClr val="lt1"/>
-    </dgm:txFillClrLst>
-    <dgm:txEffectClrLst/>
-  </dgm:styleLbl>
-  <dgm:styleLbl name="alignImgPlace1">
-    <dgm:fillClrLst meth="repeat">
-      <a:schemeClr val="accent1">
-        <a:tint val="50000"/>
-      </a:schemeClr>
-    </dgm:fillClrLst>
-    <dgm:linClrLst meth="repeat">
-      <a:schemeClr val="lt1"/>
-    </dgm:linClrLst>
-    <dgm:effectClrLst/>
-    <dgm:txLinClrLst/>
-    <dgm:txFillClrLst meth="repeat">
-      <a:schemeClr val="lt1"/>
-    </dgm:txFillClrLst>
-    <dgm:txEffectClrLst/>
-  </dgm:styleLbl>
-  <dgm:styleLbl name="bgImgPlace1">
-    <dgm:fillClrLst meth="repeat">
-      <a:schemeClr val="accent1">
-        <a:tint val="50000"/>
-      </a:schemeClr>
-    </dgm:fillClrLst>
-    <dgm:linClrLst meth="repeat">
-      <a:schemeClr val="lt1"/>
-    </dgm:linClrLst>
-    <dgm:effectClrLst/>
-    <dgm:txLinClrLst/>
-    <dgm:txFillClrLst meth="repeat">
-      <a:schemeClr val="lt1"/>
-    </dgm:txFillClrLst>
-    <dgm:txEffectClrLst/>
-  </dgm:styleLbl>
-  <dgm:styleLbl name="sibTrans2D1">
-    <dgm:fillClrLst meth="repeat">
-      <a:schemeClr val="accent1">
-        <a:tint val="60000"/>
-      </a:schemeClr>
-    </dgm:fillClrLst>
-    <dgm:linClrLst meth="repeat">
-      <a:schemeClr val="accent1">
-        <a:tint val="60000"/>
-      </a:schemeClr>
-    </dgm:linClrLst>
-    <dgm:effectClrLst/>
-    <dgm:txLinClrLst/>
-    <dgm:txFillClrLst/>
-    <dgm:txEffectClrLst/>
-  </dgm:styleLbl>
-  <dgm:styleLbl name="fgSibTrans2D1">
-    <dgm:fillClrLst meth="repeat">
-      <a:schemeClr val="accent1">
-        <a:tint val="60000"/>
-      </a:schemeClr>
-    </dgm:fillClrLst>
-    <dgm:linClrLst meth="repeat">
-      <a:schemeClr val="accent1">
-        <a:tint val="60000"/>
-      </a:schemeClr>
-    </dgm:linClrLst>
-    <dgm:effectClrLst/>
-    <dgm:txLinClrLst/>
-    <dgm:txFillClrLst/>
-    <dgm:txEffectClrLst/>
-  </dgm:styleLbl>
-  <dgm:styleLbl name="bgSibTrans2D1">
-    <dgm:fillClrLst meth="repeat">
-      <a:schemeClr val="accent1">
-        <a:tint val="60000"/>
-      </a:schemeClr>
-    </dgm:fillClrLst>
-    <dgm:linClrLst meth="repeat">
-      <a:schemeClr val="accent1">
-        <a:tint val="60000"/>
-      </a:schemeClr>
-    </dgm:linClrLst>
-    <dgm:effectClrLst/>
-    <dgm:txLinClrLst/>
-    <dgm:txFillClrLst/>
-    <dgm:txEffectClrLst/>
-  </dgm:styleLbl>
-  <dgm:styleLbl name="sibTrans1D1">
-    <dgm:fillClrLst meth="repeat">
-      <a:schemeClr val="accent1"/>
-    </dgm:fillClrLst>
-    <dgm:linClrLst meth="repeat">
-      <a:schemeClr val="accent1"/>
-    </dgm:linClrLst>
-    <dgm:effectClrLst/>
-    <dgm:txLinClrLst/>
-    <dgm:txFillClrLst meth="repeat">
-      <a:schemeClr val="tx1"/>
-    </dgm:txFillClrLst>
-    <dgm:txEffectClrLst/>
-  </dgm:styleLbl>
-  <dgm:styleLbl name="callout">
-    <dgm:fillClrLst meth="repeat">
-      <a:schemeClr val="accent1"/>
-    </dgm:fillClrLst>
-    <dgm:linClrLst meth="repeat">
-      <a:schemeClr val="accent1">
-        <a:tint val="50000"/>
-      </a:schemeClr>
-    </dgm:linClrLst>
-    <dgm:effectClrLst/>
-    <dgm:txLinClrLst/>
-    <dgm:txFillClrLst meth="repeat">
-      <a:schemeClr val="tx1"/>
-    </dgm:txFillClrLst>
-    <dgm:txEffectClrLst/>
-  </dgm:styleLbl>
-  <dgm:styleLbl name="asst0">
-    <dgm:fillClrLst meth="repeat">
-      <a:schemeClr val="accent1"/>
-    </dgm:fillClrLst>
-    <dgm:linClrLst meth="repeat">
-      <a:schemeClr val="lt1"/>
-    </dgm:linClrLst>
-    <dgm:effectClrLst/>
-    <dgm:txLinClrLst/>
-    <dgm:txFillClrLst/>
-    <dgm:txEffectClrLst/>
-  </dgm:styleLbl>
-  <dgm:styleLbl name="asst1">
-    <dgm:fillClrLst meth="repeat">
-      <a:schemeClr val="accent1"/>
-    </dgm:fillClrLst>
-    <dgm:linClrLst meth="repeat">
-      <a:schemeClr val="lt1"/>
-    </dgm:linClrLst>
-    <dgm:effectClrLst/>
-    <dgm:txLinClrLst/>
-    <dgm:txFillClrLst/>
-    <dgm:txEffectClrLst/>
-  </dgm:styleLbl>
-  <dgm:styleLbl name="asst2">
-    <dgm:fillClrLst meth="repeat">
-      <a:schemeClr val="accent1"/>
-    </dgm:fillClrLst>
-    <dgm:linClrLst meth="repeat">
-      <a:schemeClr val="lt1"/>
-    </dgm:linClrLst>
-    <dgm:effectClrLst/>
-    <dgm:txLinClrLst/>
-    <dgm:txFillClrLst/>
-    <dgm:txEffectClrLst/>
-  </dgm:styleLbl>
-  <dgm:styleLbl name="asst3">
-    <dgm:fillClrLst meth="repeat">
-      <a:schemeClr val="accent1"/>
-    </dgm:fillClrLst>
-    <dgm:linClrLst meth="repeat">
-      <a:schemeClr val="lt1"/>
-    </dgm:linClrLst>
-    <dgm:effectClrLst/>
-    <dgm:txLinClrLst/>
-    <dgm:txFillClrLst/>
-    <dgm:txEffectClrLst/>
-  </dgm:styleLbl>
-  <dgm:styleLbl name="asst4">
-    <dgm:fillClrLst meth="repeat">
-      <a:schemeClr val="accent1"/>
-    </dgm:fillClrLst>
-    <dgm:linClrLst meth="repeat">
-      <a:schemeClr val="lt1"/>
-    </dgm:linClrLst>
-    <dgm:effectClrLst/>
-    <dgm:txLinClrLst/>
-    <dgm:txFillClrLst/>
-    <dgm:txEffectClrLst/>
-  </dgm:styleLbl>
-  <dgm:styleLbl name="parChTrans2D1">
-    <dgm:fillClrLst meth="repeat">
-      <a:schemeClr val="accent1">
-        <a:tint val="60000"/>
-      </a:schemeClr>
-    </dgm:fillClrLst>
-    <dgm:linClrLst meth="repeat">
-      <a:schemeClr val="accent1">
-        <a:tint val="60000"/>
-      </a:schemeClr>
-    </dgm:linClrLst>
-    <dgm:effectClrLst/>
-    <dgm:txLinClrLst/>
-    <dgm:txFillClrLst meth="repeat">
-      <a:schemeClr val="lt1"/>
-    </dgm:txFillClrLst>
-    <dgm:txEffectClrLst/>
-  </dgm:styleLbl>
-  <dgm:styleLbl name="parChTrans2D2">
-    <dgm:fillClrLst meth="repeat">
-      <a:schemeClr val="accent1"/>
-    </dgm:fillClrLst>
-    <dgm:linClrLst meth="repeat">
-      <a:schemeClr val="accent1"/>
-    </dgm:linClrLst>
-    <dgm:effectClrLst/>
-    <dgm:txLinClrLst/>
-    <dgm:txFillClrLst meth="repeat">
-      <a:schemeClr val="lt1"/>
-    </dgm:txFillClrLst>
-    <dgm:txEffectClrLst/>
-  </dgm:styleLbl>
-  <dgm:styleLbl name="parChTrans2D3">
-    <dgm:fillClrLst meth="repeat">
-      <a:schemeClr val="accent1"/>
-    </dgm:fillClrLst>
-    <dgm:linClrLst meth="repeat">
-      <a:schemeClr val="accent1"/>
-    </dgm:linClrLst>
-    <dgm:effectClrLst/>
-    <dgm:txLinClrLst/>
-    <dgm:txFillClrLst meth="repeat">
-      <a:schemeClr val="lt1"/>
-    </dgm:txFillClrLst>
-    <dgm:txEffectClrLst/>
-  </dgm:styleLbl>
-  <dgm:styleLbl name="parChTrans2D4">
-    <dgm:fillClrLst meth="repeat">
-      <a:schemeClr val="accent1"/>
-    </dgm:fillClrLst>
-    <dgm:linClrLst meth="repeat">
-      <a:schemeClr val="accent1"/>
-    </dgm:linClrLst>
-    <dgm:effectClrLst/>
-    <dgm:txLinClrLst/>
-    <dgm:txFillClrLst meth="repeat">
-      <a:schemeClr val="lt1"/>
-    </dgm:txFillClrLst>
-    <dgm:txEffectClrLst/>
-  </dgm:styleLbl>
-  <dgm:styleLbl name="parChTrans1D1">
-    <dgm:fillClrLst meth="repeat">
-      <a:schemeClr val="accent1"/>
-    </dgm:fillClrLst>
-    <dgm:linClrLst meth="repeat">
-      <a:schemeClr val="accent1">
-        <a:shade val="60000"/>
-      </a:schemeClr>
-    </dgm:linClrLst>
-    <dgm:effectClrLst/>
-    <dgm:txLinClrLst/>
-    <dgm:txFillClrLst meth="repeat">
-      <a:schemeClr val="tx1"/>
-    </dgm:txFillClrLst>
-    <dgm:txEffectClrLst/>
-  </dgm:styleLbl>
-  <dgm:styleLbl name="parChTrans1D2">
-    <dgm:fillClrLst meth="repeat">
-      <a:schemeClr val="accent1"/>
-    </dgm:fillClrLst>
-    <dgm:linClrLst meth="repeat">
-      <a:schemeClr val="accent1">
-        <a:shade val="60000"/>
-      </a:schemeClr>
-    </dgm:linClrLst>
-    <dgm:effectClrLst/>
-    <dgm:txLinClrLst/>
-    <dgm:txFillClrLst meth="repeat">
-      <a:schemeClr val="tx1"/>
-    </dgm:txFillClrLst>
-    <dgm:txEffectClrLst/>
-  </dgm:styleLbl>
-  <dgm:styleLbl name="parChTrans1D3">
-    <dgm:fillClrLst meth="repeat">
-      <a:schemeClr val="accent1"/>
-    </dgm:fillClrLst>
-    <dgm:linClrLst meth="repeat">
-      <a:schemeClr val="accent1">
-        <a:shade val="80000"/>
-      </a:schemeClr>
-    </dgm:linClrLst>
-    <dgm:effectClrLst/>
-    <dgm:txLinClrLst/>
-    <dgm:txFillClrLst meth="repeat">
-      <a:schemeClr val="tx1"/>
-    </dgm:txFillClrLst>
-    <dgm:txEffectClrLst/>
-  </dgm:styleLbl>
-  <dgm:styleLbl name="parChTrans1D4">
-    <dgm:fillClrLst meth="repeat">
-      <a:schemeClr val="accent1"/>
-    </dgm:fillClrLst>
-    <dgm:linClrLst meth="repeat">
-      <a:schemeClr val="accent1">
-        <a:shade val="80000"/>
-      </a:schemeClr>
+      <a:schemeClr val="accent2"/>
     </dgm:linClrLst>
     <dgm:effectClrLst/>
     <dgm:txLinClrLst/>
@@ -6521,8 +6630,9 @@
         <a:alpha val="90000"/>
       </a:schemeClr>
     </dgm:fillClrLst>
-    <dgm:linClrLst meth="repeat">
-      <a:schemeClr val="accent1"/>
+    <dgm:linClrLst>
+      <a:schemeClr val="accent5"/>
+      <a:schemeClr val="accent6"/>
     </dgm:linClrLst>
     <dgm:effectClrLst/>
     <dgm:txLinClrLst/>
@@ -6537,8 +6647,9 @@
         <a:alpha val="90000"/>
       </a:schemeClr>
     </dgm:fillClrLst>
-    <dgm:linClrLst meth="repeat">
-      <a:schemeClr val="accent1"/>
+    <dgm:linClrLst>
+      <a:schemeClr val="accent5"/>
+      <a:schemeClr val="accent6"/>
     </dgm:linClrLst>
     <dgm:effectClrLst/>
     <dgm:txLinClrLst/>
@@ -6553,8 +6664,9 @@
         <a:alpha val="90000"/>
       </a:schemeClr>
     </dgm:fillClrLst>
-    <dgm:linClrLst meth="repeat">
-      <a:schemeClr val="accent1"/>
+    <dgm:linClrLst>
+      <a:schemeClr val="accent5"/>
+      <a:schemeClr val="accent6"/>
     </dgm:linClrLst>
     <dgm:effectClrLst/>
     <dgm:txLinClrLst/>
@@ -6570,7 +6682,7 @@
       </a:schemeClr>
     </dgm:fillClrLst>
     <dgm:linClrLst meth="repeat">
-      <a:schemeClr val="accent1"/>
+      <a:schemeClr val="accent5"/>
     </dgm:linClrLst>
     <dgm:effectClrLst/>
     <dgm:txLinClrLst/>
@@ -6585,8 +6697,9 @@
         <a:alpha val="90000"/>
       </a:schemeClr>
     </dgm:fillClrLst>
-    <dgm:linClrLst meth="repeat">
-      <a:schemeClr val="accent1"/>
+    <dgm:linClrLst>
+      <a:schemeClr val="accent5"/>
+      <a:schemeClr val="accent6"/>
     </dgm:linClrLst>
     <dgm:effectClrLst/>
     <dgm:txLinClrLst/>
@@ -6599,8 +6712,9 @@
     <dgm:fillClrLst meth="repeat">
       <a:schemeClr val="lt1"/>
     </dgm:fillClrLst>
-    <dgm:linClrLst meth="repeat">
-      <a:schemeClr val="accent1"/>
+    <dgm:linClrLst>
+      <a:schemeClr val="accent5"/>
+      <a:schemeClr val="accent6"/>
     </dgm:linClrLst>
     <dgm:effectClrLst/>
     <dgm:txLinClrLst/>
@@ -6613,8 +6727,9 @@
     <dgm:fillClrLst meth="repeat">
       <a:schemeClr val="lt1"/>
     </dgm:fillClrLst>
-    <dgm:linClrLst meth="repeat">
-      <a:schemeClr val="accent1"/>
+    <dgm:linClrLst>
+      <a:schemeClr val="accent5"/>
+      <a:schemeClr val="accent6"/>
     </dgm:linClrLst>
     <dgm:effectClrLst/>
     <dgm:txLinClrLst/>
@@ -6627,8 +6742,9 @@
     <dgm:fillClrLst meth="repeat">
       <a:schemeClr val="lt1"/>
     </dgm:fillClrLst>
-    <dgm:linClrLst meth="repeat">
-      <a:schemeClr val="accent1"/>
+    <dgm:linClrLst>
+      <a:schemeClr val="accent5"/>
+      <a:schemeClr val="accent6"/>
     </dgm:linClrLst>
     <dgm:effectClrLst/>
     <dgm:txLinClrLst/>
@@ -6638,16 +6754,24 @@
     <dgm:txEffectClrLst/>
   </dgm:styleLbl>
   <dgm:styleLbl name="fgAccFollowNode1">
-    <dgm:fillClrLst meth="repeat">
-      <a:schemeClr val="accent1">
+    <dgm:fillClrLst>
+      <a:schemeClr val="accent5">
+        <a:tint val="40000"/>
         <a:alpha val="90000"/>
+      </a:schemeClr>
+      <a:schemeClr val="accent6">
         <a:tint val="40000"/>
-      </a:schemeClr>
-    </dgm:fillClrLst>
-    <dgm:linClrLst meth="repeat">
-      <a:schemeClr val="accent1">
         <a:alpha val="90000"/>
+      </a:schemeClr>
+    </dgm:fillClrLst>
+    <dgm:linClrLst>
+      <a:schemeClr val="accent5">
         <a:tint val="40000"/>
+        <a:alpha val="90000"/>
+      </a:schemeClr>
+      <a:schemeClr val="accent5">
+        <a:tint val="40000"/>
+        <a:alpha val="90000"/>
       </a:schemeClr>
     </dgm:linClrLst>
     <dgm:effectClrLst/>
@@ -6658,16 +6782,24 @@
     <dgm:txEffectClrLst/>
   </dgm:styleLbl>
   <dgm:styleLbl name="alignAccFollowNode1">
-    <dgm:fillClrLst meth="repeat">
-      <a:schemeClr val="accent1">
+    <dgm:fillClrLst>
+      <a:schemeClr val="accent5">
+        <a:tint val="40000"/>
         <a:alpha val="90000"/>
+      </a:schemeClr>
+      <a:schemeClr val="accent6">
         <a:tint val="40000"/>
-      </a:schemeClr>
-    </dgm:fillClrLst>
-    <dgm:linClrLst meth="repeat">
-      <a:schemeClr val="accent1">
         <a:alpha val="90000"/>
+      </a:schemeClr>
+    </dgm:fillClrLst>
+    <dgm:linClrLst>
+      <a:schemeClr val="accent5">
         <a:tint val="40000"/>
+        <a:alpha val="90000"/>
+      </a:schemeClr>
+      <a:schemeClr val="accent6">
+        <a:tint val="40000"/>
+        <a:alpha val="90000"/>
       </a:schemeClr>
     </dgm:linClrLst>
     <dgm:effectClrLst/>
@@ -6678,16 +6810,24 @@
     <dgm:txEffectClrLst/>
   </dgm:styleLbl>
   <dgm:styleLbl name="bgAccFollowNode1">
-    <dgm:fillClrLst meth="repeat">
-      <a:schemeClr val="accent1">
+    <dgm:fillClrLst>
+      <a:schemeClr val="accent5">
+        <a:tint val="40000"/>
         <a:alpha val="90000"/>
+      </a:schemeClr>
+      <a:schemeClr val="accent6">
         <a:tint val="40000"/>
-      </a:schemeClr>
-    </dgm:fillClrLst>
-    <dgm:linClrLst meth="repeat">
-      <a:schemeClr val="accent1">
         <a:alpha val="90000"/>
+      </a:schemeClr>
+    </dgm:fillClrLst>
+    <dgm:linClrLst>
+      <a:schemeClr val="accent5">
         <a:tint val="40000"/>
+        <a:alpha val="90000"/>
+      </a:schemeClr>
+      <a:schemeClr val="accent6">
+        <a:tint val="40000"/>
+        <a:alpha val="90000"/>
       </a:schemeClr>
     </dgm:linClrLst>
     <dgm:effectClrLst/>
@@ -6703,8 +6843,8 @@
         <a:alpha val="90000"/>
       </a:schemeClr>
     </dgm:fillClrLst>
-    <dgm:linClrLst meth="repeat">
-      <a:schemeClr val="accent1"/>
+    <dgm:linClrLst>
+      <a:schemeClr val="accent4"/>
     </dgm:linClrLst>
     <dgm:effectClrLst/>
     <dgm:txLinClrLst/>
@@ -6719,8 +6859,8 @@
         <a:alpha val="90000"/>
       </a:schemeClr>
     </dgm:fillClrLst>
-    <dgm:linClrLst meth="repeat">
-      <a:schemeClr val="accent1"/>
+    <dgm:linClrLst>
+      <a:schemeClr val="accent6"/>
     </dgm:linClrLst>
     <dgm:effectClrLst/>
     <dgm:txLinClrLst/>
@@ -6735,7 +6875,7 @@
         <a:alpha val="90000"/>
       </a:schemeClr>
     </dgm:fillClrLst>
-    <dgm:linClrLst meth="repeat">
+    <dgm:linClrLst>
       <a:schemeClr val="accent1"/>
     </dgm:linClrLst>
     <dgm:effectClrLst/>
@@ -6751,8 +6891,8 @@
         <a:alpha val="90000"/>
       </a:schemeClr>
     </dgm:fillClrLst>
-    <dgm:linClrLst meth="repeat">
-      <a:schemeClr val="accent1"/>
+    <dgm:linClrLst>
+      <a:schemeClr val="accent2"/>
     </dgm:linClrLst>
     <dgm:effectClrLst/>
     <dgm:txLinClrLst/>
@@ -6763,28 +6903,28 @@
   </dgm:styleLbl>
   <dgm:styleLbl name="bgShp">
     <dgm:fillClrLst meth="repeat">
-      <a:schemeClr val="accent1">
+      <a:schemeClr val="accent5">
         <a:tint val="40000"/>
       </a:schemeClr>
     </dgm:fillClrLst>
     <dgm:linClrLst meth="repeat">
-      <a:schemeClr val="accent1"/>
-    </dgm:linClrLst>
-    <dgm:effectClrLst/>
-    <dgm:txLinClrLst/>
-    <dgm:txFillClrLst meth="repeat">
       <a:schemeClr val="dk1"/>
+    </dgm:linClrLst>
+    <dgm:effectClrLst/>
+    <dgm:txLinClrLst/>
+    <dgm:txFillClrLst meth="repeat">
+      <a:schemeClr val="dk1"/>
     </dgm:txFillClrLst>
     <dgm:txEffectClrLst/>
   </dgm:styleLbl>
   <dgm:styleLbl name="dkBgShp">
     <dgm:fillClrLst meth="repeat">
-      <a:schemeClr val="accent1">
-        <a:shade val="80000"/>
-      </a:schemeClr>
-    </dgm:fillClrLst>
-    <dgm:linClrLst meth="repeat">
-      <a:schemeClr val="accent1"/>
+      <a:schemeClr val="accent5">
+        <a:shade val="90000"/>
+      </a:schemeClr>
+    </dgm:fillClrLst>
+    <dgm:linClrLst meth="repeat">
+      <a:schemeClr val="dk1"/>
     </dgm:linClrLst>
     <dgm:effectClrLst/>
     <dgm:txLinClrLst/>
@@ -6795,13 +6935,13 @@
   </dgm:styleLbl>
   <dgm:styleLbl name="trBgShp">
     <dgm:fillClrLst meth="repeat">
-      <a:schemeClr val="accent1">
+      <a:schemeClr val="accent5">
         <a:tint val="50000"/>
         <a:alpha val="40000"/>
       </a:schemeClr>
     </dgm:fillClrLst>
     <dgm:linClrLst meth="repeat">
-      <a:schemeClr val="accent1"/>
+      <a:schemeClr val="accent5"/>
     </dgm:linClrLst>
     <dgm:effectClrLst/>
     <dgm:txLinClrLst/>
@@ -6812,8 +6952,8 @@
   </dgm:styleLbl>
   <dgm:styleLbl name="fgShp">
     <dgm:fillClrLst meth="repeat">
-      <a:schemeClr val="accent1">
-        <a:tint val="60000"/>
+      <a:schemeClr val="accent5">
+        <a:tint val="40000"/>
       </a:schemeClr>
     </dgm:fillClrLst>
     <dgm:linClrLst meth="repeat">
@@ -8671,24 +8811,24 @@
   </dgm:ptLst>
   <dgm:cxnLst>
     <dgm:cxn modelId="{D8E88A57-57EB-40F2-8E6B-AD1BB900A9A5}" type="presOf" srcId="{86D7351C-9496-4F6E-82E5-4880C74815BC}" destId="{6448CAD7-4782-4290-890D-B7DEDA849010}" srcOrd="0" destOrd="0" presId="urn:microsoft.com/office/officeart/2005/8/layout/cycle5"/>
+    <dgm:cxn modelId="{52F55679-BA27-464B-8962-CF82BEA0D649}" type="presOf" srcId="{5E4E2995-D716-45DD-931D-64CDA1884FC5}" destId="{6B81C4CC-9B20-48D3-9F3C-846D1F85CF04}" srcOrd="0" destOrd="0" presId="urn:microsoft.com/office/officeart/2005/8/layout/cycle5"/>
+    <dgm:cxn modelId="{B5D174A0-546F-449C-85AC-630EA160EA98}" srcId="{806A22B0-B016-4607-A59A-A4BA62AE1D0E}" destId="{8FCFDBBF-7EF3-45EF-A54C-DE91463351F7}" srcOrd="0" destOrd="0" parTransId="{AD03FD8B-18E2-4F2E-BE6B-5BB65E061AA2}" sibTransId="{028D2DE6-7306-4EA3-A9B4-14EE96E3297A}"/>
+    <dgm:cxn modelId="{B5BACE82-BA77-4900-B0E7-6558473C12C0}" type="presOf" srcId="{73911C46-781A-4BB4-8746-1046DC2956B5}" destId="{456687A9-93D3-43B0-9F4E-C5A1FF7C95CE}" srcOrd="0" destOrd="0" presId="urn:microsoft.com/office/officeart/2005/8/layout/cycle5"/>
+    <dgm:cxn modelId="{CF7EADE5-3274-4050-9B1D-18F50EF298E3}" type="presOf" srcId="{FF60BBA4-0F6C-481A-97D5-89386E3ECB95}" destId="{7D56AD36-A879-4613-AF1A-91F1021A3318}" srcOrd="0" destOrd="0" presId="urn:microsoft.com/office/officeart/2005/8/layout/cycle5"/>
+    <dgm:cxn modelId="{9843530D-0C55-4BD8-9C84-B49198C15C1B}" type="presOf" srcId="{E0A6B8FE-FF5A-489E-A237-0B54138B187A}" destId="{54FF2898-1364-4240-8A1A-079119D217EA}" srcOrd="0" destOrd="0" presId="urn:microsoft.com/office/officeart/2005/8/layout/cycle5"/>
+    <dgm:cxn modelId="{F336333A-A42A-4FDC-AFEE-D6D523B12C4B}" srcId="{806A22B0-B016-4607-A59A-A4BA62AE1D0E}" destId="{64773B71-39D6-4D30-95B6-8EC7976AADA1}" srcOrd="3" destOrd="0" parTransId="{C38A02C2-7932-43F2-AE8F-ACFFBBBDF527}" sibTransId="{DF8AD275-FF05-40F9-BAE0-05C802BFA7C2}"/>
+    <dgm:cxn modelId="{0D9B7D79-4320-4E9C-89C8-F34E442B1A5C}" type="presOf" srcId="{FD9A80F7-631D-48B8-A9BB-DBCC9F7A9CBB}" destId="{CD7E5B57-BFA5-48CC-BC16-8A67D1C1B091}" srcOrd="0" destOrd="0" presId="urn:microsoft.com/office/officeart/2005/8/layout/cycle5"/>
+    <dgm:cxn modelId="{CE4A04C7-662D-45E9-9093-BA5240F17268}" srcId="{806A22B0-B016-4607-A59A-A4BA62AE1D0E}" destId="{5E4E2995-D716-45DD-931D-64CDA1884FC5}" srcOrd="1" destOrd="0" parTransId="{927159F5-F2D8-467E-BF4B-D72D61DAFD25}" sibTransId="{FD9A80F7-631D-48B8-A9BB-DBCC9F7A9CBB}"/>
+    <dgm:cxn modelId="{172628DB-027F-46F4-AC5B-05AC4CAAB165}" srcId="{806A22B0-B016-4607-A59A-A4BA62AE1D0E}" destId="{86D7351C-9496-4F6E-82E5-4880C74815BC}" srcOrd="4" destOrd="0" parTransId="{94485F9A-39BE-42DF-B1A5-23305CBE0C36}" sibTransId="{FF60BBA4-0F6C-481A-97D5-89386E3ECB95}"/>
+    <dgm:cxn modelId="{7EE6D621-B854-4CCD-B1F9-B58CB0AA9029}" type="presOf" srcId="{806A22B0-B016-4607-A59A-A4BA62AE1D0E}" destId="{61CB574D-1B12-458D-998A-F6A321547439}" srcOrd="0" destOrd="0" presId="urn:microsoft.com/office/officeart/2005/8/layout/cycle5"/>
+    <dgm:cxn modelId="{71F36BED-5EEE-49DC-ACF7-4AF4E205C23C}" type="presOf" srcId="{DF8AD275-FF05-40F9-BAE0-05C802BFA7C2}" destId="{DCA40F3F-47D1-476D-B178-94B51E32ACC5}" srcOrd="0" destOrd="0" presId="urn:microsoft.com/office/officeart/2005/8/layout/cycle5"/>
+    <dgm:cxn modelId="{F6CE13B7-A070-464E-8285-4C21322105E7}" type="presOf" srcId="{9B148A4F-3D18-44B2-A516-86EC0DCE0265}" destId="{D8ABEE11-3BC3-4D93-9B89-B7D24B5AA1B5}" srcOrd="0" destOrd="0" presId="urn:microsoft.com/office/officeart/2005/8/layout/cycle5"/>
+    <dgm:cxn modelId="{862F916F-A934-46A6-B057-AB84AC38E446}" srcId="{806A22B0-B016-4607-A59A-A4BA62AE1D0E}" destId="{9B148A4F-3D18-44B2-A516-86EC0DCE0265}" srcOrd="2" destOrd="0" parTransId="{D9FE38C4-7387-452A-9320-E140AF11A692}" sibTransId="{E0A6B8FE-FF5A-489E-A237-0B54138B187A}"/>
     <dgm:cxn modelId="{F5476950-5DB3-4C11-B1CF-7C4FAD186A41}" type="presOf" srcId="{028D2DE6-7306-4EA3-A9B4-14EE96E3297A}" destId="{BDE04A31-8F7A-445E-BDDE-6BD63B189F87}" srcOrd="0" destOrd="0" presId="urn:microsoft.com/office/officeart/2005/8/layout/cycle5"/>
-    <dgm:cxn modelId="{CE4A04C7-662D-45E9-9093-BA5240F17268}" srcId="{806A22B0-B016-4607-A59A-A4BA62AE1D0E}" destId="{5E4E2995-D716-45DD-931D-64CDA1884FC5}" srcOrd="1" destOrd="0" parTransId="{927159F5-F2D8-467E-BF4B-D72D61DAFD25}" sibTransId="{FD9A80F7-631D-48B8-A9BB-DBCC9F7A9CBB}"/>
-    <dgm:cxn modelId="{0D9B7D79-4320-4E9C-89C8-F34E442B1A5C}" type="presOf" srcId="{FD9A80F7-631D-48B8-A9BB-DBCC9F7A9CBB}" destId="{CD7E5B57-BFA5-48CC-BC16-8A67D1C1B091}" srcOrd="0" destOrd="0" presId="urn:microsoft.com/office/officeart/2005/8/layout/cycle5"/>
-    <dgm:cxn modelId="{B5BACE82-BA77-4900-B0E7-6558473C12C0}" type="presOf" srcId="{73911C46-781A-4BB4-8746-1046DC2956B5}" destId="{456687A9-93D3-43B0-9F4E-C5A1FF7C95CE}" srcOrd="0" destOrd="0" presId="urn:microsoft.com/office/officeart/2005/8/layout/cycle5"/>
+    <dgm:cxn modelId="{954B47D4-A339-4AA4-A7A4-337A5E736C5C}" type="presOf" srcId="{8FCFDBBF-7EF3-45EF-A54C-DE91463351F7}" destId="{C99C910A-D832-44A4-9C26-D1B081214B8A}" srcOrd="0" destOrd="0" presId="urn:microsoft.com/office/officeart/2005/8/layout/cycle5"/>
+    <dgm:cxn modelId="{B9DDD2E6-99AA-453E-BA93-BD40AC667DBF}" type="presOf" srcId="{64773B71-39D6-4D30-95B6-8EC7976AADA1}" destId="{D8E83618-0D77-4F95-94F9-0FE630C1D90F}" srcOrd="0" destOrd="0" presId="urn:microsoft.com/office/officeart/2005/8/layout/cycle5"/>
+    <dgm:cxn modelId="{2EA6F3E1-A472-4632-82CA-B2D610CE8E0A}" srcId="{806A22B0-B016-4607-A59A-A4BA62AE1D0E}" destId="{897F5AC6-48EF-45BD-B9DD-F72E25CD2855}" srcOrd="5" destOrd="0" parTransId="{4FA65F06-1BA1-4DD6-82E0-4C2C3B09341A}" sibTransId="{73911C46-781A-4BB4-8746-1046DC2956B5}"/>
     <dgm:cxn modelId="{C791D9CA-383A-413A-AE99-B33045892308}" type="presOf" srcId="{897F5AC6-48EF-45BD-B9DD-F72E25CD2855}" destId="{F4BBF0FD-6821-45AE-9DFA-46380BAD8519}" srcOrd="0" destOrd="0" presId="urn:microsoft.com/office/officeart/2005/8/layout/cycle5"/>
-    <dgm:cxn modelId="{B5D174A0-546F-449C-85AC-630EA160EA98}" srcId="{806A22B0-B016-4607-A59A-A4BA62AE1D0E}" destId="{8FCFDBBF-7EF3-45EF-A54C-DE91463351F7}" srcOrd="0" destOrd="0" parTransId="{AD03FD8B-18E2-4F2E-BE6B-5BB65E061AA2}" sibTransId="{028D2DE6-7306-4EA3-A9B4-14EE96E3297A}"/>
-    <dgm:cxn modelId="{71F36BED-5EEE-49DC-ACF7-4AF4E205C23C}" type="presOf" srcId="{DF8AD275-FF05-40F9-BAE0-05C802BFA7C2}" destId="{DCA40F3F-47D1-476D-B178-94B51E32ACC5}" srcOrd="0" destOrd="0" presId="urn:microsoft.com/office/officeart/2005/8/layout/cycle5"/>
-    <dgm:cxn modelId="{862F916F-A934-46A6-B057-AB84AC38E446}" srcId="{806A22B0-B016-4607-A59A-A4BA62AE1D0E}" destId="{9B148A4F-3D18-44B2-A516-86EC0DCE0265}" srcOrd="2" destOrd="0" parTransId="{D9FE38C4-7387-452A-9320-E140AF11A692}" sibTransId="{E0A6B8FE-FF5A-489E-A237-0B54138B187A}"/>
-    <dgm:cxn modelId="{52F55679-BA27-464B-8962-CF82BEA0D649}" type="presOf" srcId="{5E4E2995-D716-45DD-931D-64CDA1884FC5}" destId="{6B81C4CC-9B20-48D3-9F3C-846D1F85CF04}" srcOrd="0" destOrd="0" presId="urn:microsoft.com/office/officeart/2005/8/layout/cycle5"/>
-    <dgm:cxn modelId="{9843530D-0C55-4BD8-9C84-B49198C15C1B}" type="presOf" srcId="{E0A6B8FE-FF5A-489E-A237-0B54138B187A}" destId="{54FF2898-1364-4240-8A1A-079119D217EA}" srcOrd="0" destOrd="0" presId="urn:microsoft.com/office/officeart/2005/8/layout/cycle5"/>
-    <dgm:cxn modelId="{CF7EADE5-3274-4050-9B1D-18F50EF298E3}" type="presOf" srcId="{FF60BBA4-0F6C-481A-97D5-89386E3ECB95}" destId="{7D56AD36-A879-4613-AF1A-91F1021A3318}" srcOrd="0" destOrd="0" presId="urn:microsoft.com/office/officeart/2005/8/layout/cycle5"/>
-    <dgm:cxn modelId="{172628DB-027F-46F4-AC5B-05AC4CAAB165}" srcId="{806A22B0-B016-4607-A59A-A4BA62AE1D0E}" destId="{86D7351C-9496-4F6E-82E5-4880C74815BC}" srcOrd="4" destOrd="0" parTransId="{94485F9A-39BE-42DF-B1A5-23305CBE0C36}" sibTransId="{FF60BBA4-0F6C-481A-97D5-89386E3ECB95}"/>
-    <dgm:cxn modelId="{B9DDD2E6-99AA-453E-BA93-BD40AC667DBF}" type="presOf" srcId="{64773B71-39D6-4D30-95B6-8EC7976AADA1}" destId="{D8E83618-0D77-4F95-94F9-0FE630C1D90F}" srcOrd="0" destOrd="0" presId="urn:microsoft.com/office/officeart/2005/8/layout/cycle5"/>
-    <dgm:cxn modelId="{7EE6D621-B854-4CCD-B1F9-B58CB0AA9029}" type="presOf" srcId="{806A22B0-B016-4607-A59A-A4BA62AE1D0E}" destId="{61CB574D-1B12-458D-998A-F6A321547439}" srcOrd="0" destOrd="0" presId="urn:microsoft.com/office/officeart/2005/8/layout/cycle5"/>
-    <dgm:cxn modelId="{F6CE13B7-A070-464E-8285-4C21322105E7}" type="presOf" srcId="{9B148A4F-3D18-44B2-A516-86EC0DCE0265}" destId="{D8ABEE11-3BC3-4D93-9B89-B7D24B5AA1B5}" srcOrd="0" destOrd="0" presId="urn:microsoft.com/office/officeart/2005/8/layout/cycle5"/>
-    <dgm:cxn modelId="{F336333A-A42A-4FDC-AFEE-D6D523B12C4B}" srcId="{806A22B0-B016-4607-A59A-A4BA62AE1D0E}" destId="{64773B71-39D6-4D30-95B6-8EC7976AADA1}" srcOrd="3" destOrd="0" parTransId="{C38A02C2-7932-43F2-AE8F-ACFFBBBDF527}" sibTransId="{DF8AD275-FF05-40F9-BAE0-05C802BFA7C2}"/>
-    <dgm:cxn modelId="{2EA6F3E1-A472-4632-82CA-B2D610CE8E0A}" srcId="{806A22B0-B016-4607-A59A-A4BA62AE1D0E}" destId="{897F5AC6-48EF-45BD-B9DD-F72E25CD2855}" srcOrd="5" destOrd="0" parTransId="{4FA65F06-1BA1-4DD6-82E0-4C2C3B09341A}" sibTransId="{73911C46-781A-4BB4-8746-1046DC2956B5}"/>
-    <dgm:cxn modelId="{954B47D4-A339-4AA4-A7A4-337A5E736C5C}" type="presOf" srcId="{8FCFDBBF-7EF3-45EF-A54C-DE91463351F7}" destId="{C99C910A-D832-44A4-9C26-D1B081214B8A}" srcOrd="0" destOrd="0" presId="urn:microsoft.com/office/officeart/2005/8/layout/cycle5"/>
     <dgm:cxn modelId="{85EC24D2-21C8-46D0-81CA-00A10B6915D6}" type="presParOf" srcId="{61CB574D-1B12-458D-998A-F6A321547439}" destId="{C99C910A-D832-44A4-9C26-D1B081214B8A}" srcOrd="0" destOrd="0" presId="urn:microsoft.com/office/officeart/2005/8/layout/cycle5"/>
     <dgm:cxn modelId="{855E8A57-B7BB-4AC5-820C-2E13AD97871F}" type="presParOf" srcId="{61CB574D-1B12-458D-998A-F6A321547439}" destId="{A0BB4E07-FBCE-4B3D-BFF8-208665693F71}" srcOrd="1" destOrd="0" presId="urn:microsoft.com/office/officeart/2005/8/layout/cycle5"/>
     <dgm:cxn modelId="{08196D63-14DD-450A-AD88-A1CEA6CB703E}" type="presParOf" srcId="{61CB574D-1B12-458D-998A-F6A321547439}" destId="{BDE04A31-8F7A-445E-BDDE-6BD63B189F87}" srcOrd="2" destOrd="0" presId="urn:microsoft.com/office/officeart/2005/8/layout/cycle5"/>
@@ -8722,7 +8862,7 @@
 <dgm:dataModel xmlns:dgm="http://schemas.openxmlformats.org/drawingml/2006/diagram" xmlns:a="http://schemas.openxmlformats.org/drawingml/2006/main">
   <dgm:ptLst>
     <dgm:pt modelId="{DC6A8977-EC5E-4DEE-B1FA-4DB41BEAC8C6}" type="doc">
-      <dgm:prSet loTypeId="urn:microsoft.com/office/officeart/2005/8/layout/lProcess2" loCatId="list" qsTypeId="urn:microsoft.com/office/officeart/2005/8/quickstyle/simple1" qsCatId="simple" csTypeId="urn:microsoft.com/office/officeart/2005/8/colors/accent1_2" csCatId="accent1" phldr="1"/>
+      <dgm:prSet loTypeId="urn:microsoft.com/office/officeart/2005/8/layout/lProcess2" loCatId="list" qsTypeId="urn:microsoft.com/office/officeart/2005/8/quickstyle/simple1" qsCatId="simple" csTypeId="urn:microsoft.com/office/officeart/2005/8/colors/colorful5" csCatId="colorful" phldr="1"/>
       <dgm:spPr/>
       <dgm:t>
         <a:bodyPr/>
@@ -8854,11 +8994,7 @@
             <a:rPr lang="EN-US" b="1" dirty="0"/>
             <a:t>If Root is Closed</a:t>
           </a:r>
-          <a:endParaRPr lang="EN-US" b="1" dirty="0">
-            <a:solidFill>
-              <a:srgbClr val="010000"/>
-            </a:solidFill>
-          </a:endParaRPr>
+          <a:endParaRPr lang="EN-US" b="1" dirty="0"/>
         </a:p>
       </dgm:t>
     </dgm:pt>
@@ -8884,9 +9020,6 @@
             <a:t>Close Account</a:t>
           </a:r>
           <a:endParaRPr lang="EN-US" sz="3200" b="1" dirty="0">
-            <a:solidFill>
-              <a:srgbClr val="010000"/>
-            </a:solidFill>
             <a:latin typeface="Arial Black"/>
           </a:endParaRPr>
         </a:p>
@@ -8908,18 +9041,10 @@
         <a:lstStyle/>
         <a:p>
           <a:r>
-            <a:rPr lang="EN-US" sz="3400" b="1" dirty="0">
-              <a:solidFill>
-                <a:srgbClr val="FFFFFF"/>
-              </a:solidFill>
-            </a:rPr>
+            <a:rPr lang="EN-US" sz="3400" b="1" dirty="0"/>
             <a:t>Else</a:t>
           </a:r>
-          <a:endParaRPr lang="en-US" sz="3400" b="1" dirty="0">
-            <a:solidFill>
-              <a:srgbClr val="FFFFFF"/>
-            </a:solidFill>
-          </a:endParaRPr>
+          <a:endParaRPr lang="en-US" sz="3400" b="1" dirty="0"/>
         </a:p>
       </dgm:t>
     </dgm:pt>
@@ -8940,17 +9065,11 @@
         <a:p>
           <a:r>
             <a:rPr lang="EN-US" sz="2600" b="1" dirty="0">
-              <a:solidFill>
-                <a:srgbClr val="FFFFFF"/>
-              </a:solidFill>
               <a:latin typeface="Arial Black"/>
             </a:rPr>
             <a:t>Update Olympic</a:t>
           </a:r>
           <a:endParaRPr lang="en-US" sz="2600" b="1" dirty="0">
-            <a:solidFill>
-              <a:srgbClr val="FFFFFF"/>
-            </a:solidFill>
             <a:latin typeface="Arial Black"/>
           </a:endParaRPr>
         </a:p>
@@ -9083,7 +9202,7 @@
 <dgm:dataModel xmlns:dgm="http://schemas.openxmlformats.org/drawingml/2006/diagram" xmlns:a="http://schemas.openxmlformats.org/drawingml/2006/main">
   <dgm:ptLst>
     <dgm:pt modelId="{DC6A8977-EC5E-4DEE-B1FA-4DB41BEAC8C6}" type="doc">
-      <dgm:prSet loTypeId="urn:microsoft.com/office/officeart/2005/8/layout/lProcess2" loCatId="list" qsTypeId="urn:microsoft.com/office/officeart/2005/8/quickstyle/simple1" qsCatId="simple" csTypeId="urn:microsoft.com/office/officeart/2005/8/colors/accent1_2" csCatId="accent1" phldr="1"/>
+      <dgm:prSet loTypeId="urn:microsoft.com/office/officeart/2005/8/layout/lProcess2" loCatId="list" qsTypeId="urn:microsoft.com/office/officeart/2005/8/quickstyle/simple1" qsCatId="simple" csTypeId="urn:microsoft.com/office/officeart/2005/8/colors/colorful4" csCatId="colorful" phldr="1"/>
       <dgm:spPr/>
       <dgm:t>
         <a:bodyPr/>
@@ -9138,10 +9257,14 @@
         <a:lstStyle/>
         <a:p>
           <a:r>
-            <a:rPr lang="EN-US" dirty="0"/>
+            <a:rPr lang="EN-US" dirty="0">
+              <a:latin typeface="Arial Black"/>
+            </a:rPr>
             <a:t>Start</a:t>
           </a:r>
-          <a:endParaRPr lang="en-US" dirty="0"/>
+          <a:endParaRPr lang="en-US" dirty="0">
+            <a:latin typeface="Arial Black"/>
+          </a:endParaRPr>
         </a:p>
       </dgm:t>
     </dgm:pt>
@@ -9222,17 +9345,11 @@
           </a:br>
           <a:r>
             <a:rPr lang="EN-US" dirty="0">
-              <a:solidFill>
-                <a:srgbClr val="FFFFFF"/>
-              </a:solidFill>
               <a:latin typeface="Arial Black"/>
             </a:rPr>
             <a:t>balance</a:t>
           </a:r>
           <a:endParaRPr lang="EN-US" dirty="0">
-            <a:solidFill>
-              <a:srgbClr val="FFFFFF"/>
-            </a:solidFill>
             <a:latin typeface="Arial Black"/>
           </a:endParaRPr>
         </a:p>
@@ -9310,16 +9427,16 @@
     </dgm:pt>
   </dgm:ptLst>
   <dgm:cxnLst>
+    <dgm:cxn modelId="{76489588-F392-4E54-B38F-A6F04D55DAE7}" type="presOf" srcId="{DC6A8977-EC5E-4DEE-B1FA-4DB41BEAC8C6}" destId="{2E54E643-CB4A-4E8A-86E9-06C281F022C5}" srcOrd="0" destOrd="0" presId="urn:microsoft.com/office/officeart/2005/8/layout/lProcess2"/>
+    <dgm:cxn modelId="{2B3EF633-D66B-4F74-B9CC-35999FAED0A3}" srcId="{232C7383-C8BF-44A6-A139-A5F108E44D5D}" destId="{B8F18B98-BFB4-453E-9D45-669258C6A9DE}" srcOrd="2" destOrd="0" parTransId="{DEA64AE3-3534-4B87-9250-311511928301}" sibTransId="{B2250397-0911-4B8D-811F-B78B5E988754}"/>
+    <dgm:cxn modelId="{3D0D50FD-CB85-4E93-8E7F-14FD44F2B377}" srcId="{232C7383-C8BF-44A6-A139-A5F108E44D5D}" destId="{8AEE4EC3-5472-4262-BCBD-BA74CE608692}" srcOrd="1" destOrd="0" parTransId="{F19E20B1-B04F-4A41-A08A-15CF5D7436C9}" sibTransId="{A2F941BE-A356-4617-A50B-48430CEE8337}"/>
+    <dgm:cxn modelId="{5D19CA9D-7EFD-4D9E-B2E3-69D363419861}" type="presOf" srcId="{B8F18B98-BFB4-453E-9D45-669258C6A9DE}" destId="{F7267502-1F5B-4BF9-AE43-BD98533907E4}" srcOrd="0" destOrd="0" presId="urn:microsoft.com/office/officeart/2005/8/layout/lProcess2"/>
+    <dgm:cxn modelId="{763504EF-C9C9-48B6-AD20-CC4518E12673}" type="presOf" srcId="{232C7383-C8BF-44A6-A139-A5F108E44D5D}" destId="{CA659986-5E80-4667-BC8A-393ACE03541A}" srcOrd="1" destOrd="0" presId="urn:microsoft.com/office/officeart/2005/8/layout/lProcess2"/>
+    <dgm:cxn modelId="{24C064D0-0C0B-41F4-A090-4D9EB3A92B95}" srcId="{232C7383-C8BF-44A6-A139-A5F108E44D5D}" destId="{731D2CD7-2B2F-4848-8A52-CC59D59FA76B}" srcOrd="0" destOrd="0" parTransId="{3E4F99F0-6ACA-4F41-A785-0E58939D553C}" sibTransId="{A17F3791-42F7-40C4-B7AA-953D0252C93D}"/>
+    <dgm:cxn modelId="{F06A41F9-19C7-43BE-98F8-7BCAC8E7F2C6}" srcId="{DC6A8977-EC5E-4DEE-B1FA-4DB41BEAC8C6}" destId="{232C7383-C8BF-44A6-A139-A5F108E44D5D}" srcOrd="0" destOrd="0" parTransId="{BF7192DA-197A-4734-B9DF-BCE4D0F77EFD}" sibTransId="{03E3B508-DD3E-4472-BE59-A8E87A62B7A7}"/>
+    <dgm:cxn modelId="{DF04741E-0AB2-42C3-905B-ED6D02150EE4}" type="presOf" srcId="{731D2CD7-2B2F-4848-8A52-CC59D59FA76B}" destId="{409D837D-AB22-48B4-8DB5-6D27D5F85146}" srcOrd="0" destOrd="0" presId="urn:microsoft.com/office/officeart/2005/8/layout/lProcess2"/>
+    <dgm:cxn modelId="{DED932B5-A3EB-48B1-81E4-FF8E64AB9DC0}" type="presOf" srcId="{8AEE4EC3-5472-4262-BCBD-BA74CE608692}" destId="{94461944-9CF9-4562-B256-0367B70CE741}" srcOrd="0" destOrd="0" presId="urn:microsoft.com/office/officeart/2005/8/layout/lProcess2"/>
     <dgm:cxn modelId="{B4C92DD2-B3F5-4D96-AC0A-B76DB87D3999}" type="presOf" srcId="{232C7383-C8BF-44A6-A139-A5F108E44D5D}" destId="{009DDE65-203A-4765-A163-BB782AAC4187}" srcOrd="0" destOrd="0" presId="urn:microsoft.com/office/officeart/2005/8/layout/lProcess2"/>
-    <dgm:cxn modelId="{3D0D50FD-CB85-4E93-8E7F-14FD44F2B377}" srcId="{232C7383-C8BF-44A6-A139-A5F108E44D5D}" destId="{8AEE4EC3-5472-4262-BCBD-BA74CE608692}" srcOrd="1" destOrd="0" parTransId="{F19E20B1-B04F-4A41-A08A-15CF5D7436C9}" sibTransId="{A2F941BE-A356-4617-A50B-48430CEE8337}"/>
-    <dgm:cxn modelId="{DF04741E-0AB2-42C3-905B-ED6D02150EE4}" type="presOf" srcId="{731D2CD7-2B2F-4848-8A52-CC59D59FA76B}" destId="{409D837D-AB22-48B4-8DB5-6D27D5F85146}" srcOrd="0" destOrd="0" presId="urn:microsoft.com/office/officeart/2005/8/layout/lProcess2"/>
-    <dgm:cxn modelId="{5D19CA9D-7EFD-4D9E-B2E3-69D363419861}" type="presOf" srcId="{B8F18B98-BFB4-453E-9D45-669258C6A9DE}" destId="{F7267502-1F5B-4BF9-AE43-BD98533907E4}" srcOrd="0" destOrd="0" presId="urn:microsoft.com/office/officeart/2005/8/layout/lProcess2"/>
-    <dgm:cxn modelId="{24C064D0-0C0B-41F4-A090-4D9EB3A92B95}" srcId="{232C7383-C8BF-44A6-A139-A5F108E44D5D}" destId="{731D2CD7-2B2F-4848-8A52-CC59D59FA76B}" srcOrd="0" destOrd="0" parTransId="{3E4F99F0-6ACA-4F41-A785-0E58939D553C}" sibTransId="{A17F3791-42F7-40C4-B7AA-953D0252C93D}"/>
-    <dgm:cxn modelId="{763504EF-C9C9-48B6-AD20-CC4518E12673}" type="presOf" srcId="{232C7383-C8BF-44A6-A139-A5F108E44D5D}" destId="{CA659986-5E80-4667-BC8A-393ACE03541A}" srcOrd="1" destOrd="0" presId="urn:microsoft.com/office/officeart/2005/8/layout/lProcess2"/>
-    <dgm:cxn modelId="{2B3EF633-D66B-4F74-B9CC-35999FAED0A3}" srcId="{232C7383-C8BF-44A6-A139-A5F108E44D5D}" destId="{B8F18B98-BFB4-453E-9D45-669258C6A9DE}" srcOrd="2" destOrd="0" parTransId="{DEA64AE3-3534-4B87-9250-311511928301}" sibTransId="{B2250397-0911-4B8D-811F-B78B5E988754}"/>
-    <dgm:cxn modelId="{DED932B5-A3EB-48B1-81E4-FF8E64AB9DC0}" type="presOf" srcId="{8AEE4EC3-5472-4262-BCBD-BA74CE608692}" destId="{94461944-9CF9-4562-B256-0367B70CE741}" srcOrd="0" destOrd="0" presId="urn:microsoft.com/office/officeart/2005/8/layout/lProcess2"/>
-    <dgm:cxn modelId="{F06A41F9-19C7-43BE-98F8-7BCAC8E7F2C6}" srcId="{DC6A8977-EC5E-4DEE-B1FA-4DB41BEAC8C6}" destId="{232C7383-C8BF-44A6-A139-A5F108E44D5D}" srcOrd="0" destOrd="0" parTransId="{BF7192DA-197A-4734-B9DF-BCE4D0F77EFD}" sibTransId="{03E3B508-DD3E-4472-BE59-A8E87A62B7A7}"/>
-    <dgm:cxn modelId="{76489588-F392-4E54-B38F-A6F04D55DAE7}" type="presOf" srcId="{DC6A8977-EC5E-4DEE-B1FA-4DB41BEAC8C6}" destId="{2E54E643-CB4A-4E8A-86E9-06C281F022C5}" srcOrd="0" destOrd="0" presId="urn:microsoft.com/office/officeart/2005/8/layout/lProcess2"/>
     <dgm:cxn modelId="{C8D2F0D3-116B-446E-A8B4-FF07BE9D8C75}" type="presParOf" srcId="{2E54E643-CB4A-4E8A-86E9-06C281F022C5}" destId="{658E2232-D2E0-4350-B6D3-32C9C4055441}" srcOrd="0" destOrd="0" presId="urn:microsoft.com/office/officeart/2005/8/layout/lProcess2"/>
     <dgm:cxn modelId="{1E8A9E93-11D1-4236-B3F8-658696A74AA8}" type="presParOf" srcId="{658E2232-D2E0-4350-B6D3-32C9C4055441}" destId="{009DDE65-203A-4765-A163-BB782AAC4187}" srcOrd="0" destOrd="0" presId="urn:microsoft.com/office/officeart/2005/8/layout/lProcess2"/>
     <dgm:cxn modelId="{CF798D7D-9B14-4457-BFEE-B22EFC390354}" type="presParOf" srcId="{658E2232-D2E0-4350-B6D3-32C9C4055441}" destId="{CA659986-5E80-4667-BC8A-393ACE03541A}" srcOrd="1" destOrd="0" presId="urn:microsoft.com/office/officeart/2005/8/layout/lProcess2"/>
@@ -9345,7 +9462,7 @@
 <dgm:dataModel xmlns:dgm="http://schemas.openxmlformats.org/drawingml/2006/diagram" xmlns:a="http://schemas.openxmlformats.org/drawingml/2006/main">
   <dgm:ptLst>
     <dgm:pt modelId="{5560669E-5E21-432B-8DBE-69411A0F4D45}" type="doc">
-      <dgm:prSet loTypeId="urn:microsoft.com/office/officeart/2005/8/layout/process2" loCatId="process" qsTypeId="urn:microsoft.com/office/officeart/2005/8/quickstyle/simple1" qsCatId="simple" csTypeId="urn:microsoft.com/office/officeart/2005/8/colors/accent1_2" csCatId="accent1" phldr="1"/>
+      <dgm:prSet loTypeId="urn:microsoft.com/office/officeart/2005/8/layout/process2" loCatId="process" qsTypeId="urn:microsoft.com/office/officeart/2005/8/quickstyle/simple1" qsCatId="simple" csTypeId="urn:microsoft.com/office/officeart/2005/8/colors/accent3_2" csCatId="accent3" phldr="1"/>
       <dgm:spPr/>
     </dgm:pt>
     <dgm:pt modelId="{79B06009-3799-438B-811C-17E32C9638A3}">
@@ -9442,13 +9559,13 @@
     </dgm:pt>
   </dgm:ptLst>
   <dgm:cxnLst>
+    <dgm:cxn modelId="{B86D45E0-1644-44F5-9CAA-E459E8F5DDBF}" type="presOf" srcId="{08E303EA-D987-42EE-8132-5BD8D2B571A5}" destId="{F77A5C8C-87B3-427C-93D9-28EE617309B4}" srcOrd="0" destOrd="0" presId="urn:microsoft.com/office/officeart/2005/8/layout/process2"/>
+    <dgm:cxn modelId="{20ACE043-DE22-40D9-A4C7-FE912B07013F}" type="presOf" srcId="{5560669E-5E21-432B-8DBE-69411A0F4D45}" destId="{52EC9AC6-91B1-4361-B6B4-38A8D50BF155}" srcOrd="0" destOrd="0" presId="urn:microsoft.com/office/officeart/2005/8/layout/process2"/>
+    <dgm:cxn modelId="{03B9FABB-B498-4ACB-88DE-6CA772BE88E6}" srcId="{5560669E-5E21-432B-8DBE-69411A0F4D45}" destId="{79B06009-3799-438B-811C-17E32C9638A3}" srcOrd="0" destOrd="0" parTransId="{D49E82AE-2BEA-4C1E-A41F-0EC5F06E3DD8}" sibTransId="{08E303EA-D987-42EE-8132-5BD8D2B571A5}"/>
+    <dgm:cxn modelId="{8969FCA0-7C4D-422E-804F-9920932F2A87}" type="presOf" srcId="{79B06009-3799-438B-811C-17E32C9638A3}" destId="{2EB69A55-0FFF-4269-81CA-6D40CF1E330F}" srcOrd="0" destOrd="0" presId="urn:microsoft.com/office/officeart/2005/8/layout/process2"/>
+    <dgm:cxn modelId="{CDC9D200-FDEE-4796-A850-8D13B2913D3B}" type="presOf" srcId="{08E303EA-D987-42EE-8132-5BD8D2B571A5}" destId="{F5EA3ABB-3E5D-4E6F-AABD-66CA9B365666}" srcOrd="1" destOrd="0" presId="urn:microsoft.com/office/officeart/2005/8/layout/process2"/>
     <dgm:cxn modelId="{5C449FA6-C628-4314-8FAF-0590E3095B31}" type="presOf" srcId="{E964F815-6221-4EAE-923B-7A0E4E7B914E}" destId="{0A0085F2-0DA9-4A2A-8EA5-59F9C99D0E81}" srcOrd="0" destOrd="0" presId="urn:microsoft.com/office/officeart/2005/8/layout/process2"/>
-    <dgm:cxn modelId="{20ACE043-DE22-40D9-A4C7-FE912B07013F}" type="presOf" srcId="{5560669E-5E21-432B-8DBE-69411A0F4D45}" destId="{52EC9AC6-91B1-4361-B6B4-38A8D50BF155}" srcOrd="0" destOrd="0" presId="urn:microsoft.com/office/officeart/2005/8/layout/process2"/>
-    <dgm:cxn modelId="{8969FCA0-7C4D-422E-804F-9920932F2A87}" type="presOf" srcId="{79B06009-3799-438B-811C-17E32C9638A3}" destId="{2EB69A55-0FFF-4269-81CA-6D40CF1E330F}" srcOrd="0" destOrd="0" presId="urn:microsoft.com/office/officeart/2005/8/layout/process2"/>
     <dgm:cxn modelId="{92AECB00-67EF-49F8-8934-AC08E9220B4F}" srcId="{5560669E-5E21-432B-8DBE-69411A0F4D45}" destId="{E964F815-6221-4EAE-923B-7A0E4E7B914E}" srcOrd="1" destOrd="0" parTransId="{7794E98A-0C5E-49EE-861F-37E32DF29469}" sibTransId="{257DA029-0CCD-4300-9075-247FB1C4B982}"/>
-    <dgm:cxn modelId="{CDC9D200-FDEE-4796-A850-8D13B2913D3B}" type="presOf" srcId="{08E303EA-D987-42EE-8132-5BD8D2B571A5}" destId="{F5EA3ABB-3E5D-4E6F-AABD-66CA9B365666}" srcOrd="1" destOrd="0" presId="urn:microsoft.com/office/officeart/2005/8/layout/process2"/>
-    <dgm:cxn modelId="{B86D45E0-1644-44F5-9CAA-E459E8F5DDBF}" type="presOf" srcId="{08E303EA-D987-42EE-8132-5BD8D2B571A5}" destId="{F77A5C8C-87B3-427C-93D9-28EE617309B4}" srcOrd="0" destOrd="0" presId="urn:microsoft.com/office/officeart/2005/8/layout/process2"/>
-    <dgm:cxn modelId="{03B9FABB-B498-4ACB-88DE-6CA772BE88E6}" srcId="{5560669E-5E21-432B-8DBE-69411A0F4D45}" destId="{79B06009-3799-438B-811C-17E32C9638A3}" srcOrd="0" destOrd="0" parTransId="{D49E82AE-2BEA-4C1E-A41F-0EC5F06E3DD8}" sibTransId="{08E303EA-D987-42EE-8132-5BD8D2B571A5}"/>
     <dgm:cxn modelId="{7EC13264-3965-4A16-942F-78FB9140AE82}" type="presParOf" srcId="{52EC9AC6-91B1-4361-B6B4-38A8D50BF155}" destId="{2EB69A55-0FFF-4269-81CA-6D40CF1E330F}" srcOrd="0" destOrd="0" presId="urn:microsoft.com/office/officeart/2005/8/layout/process2"/>
     <dgm:cxn modelId="{63B7B5C2-AF73-4E24-875E-882ED7FB108E}" type="presParOf" srcId="{52EC9AC6-91B1-4361-B6B4-38A8D50BF155}" destId="{F77A5C8C-87B3-427C-93D9-28EE617309B4}" srcOrd="1" destOrd="0" presId="urn:microsoft.com/office/officeart/2005/8/layout/process2"/>
     <dgm:cxn modelId="{AEB6855A-718D-4054-B612-8EB43224FCB9}" type="presParOf" srcId="{F77A5C8C-87B3-427C-93D9-28EE617309B4}" destId="{F5EA3ABB-3E5D-4E6F-AABD-66CA9B365666}" srcOrd="0" destOrd="0" presId="urn:microsoft.com/office/officeart/2005/8/layout/process2"/>
@@ -9468,7 +9585,7 @@
 <dgm:dataModel xmlns:dgm="http://schemas.openxmlformats.org/drawingml/2006/diagram" xmlns:a="http://schemas.openxmlformats.org/drawingml/2006/main">
   <dgm:ptLst>
     <dgm:pt modelId="{DC6A8977-EC5E-4DEE-B1FA-4DB41BEAC8C6}" type="doc">
-      <dgm:prSet loTypeId="urn:microsoft.com/office/officeart/2005/8/layout/lProcess2" loCatId="list" qsTypeId="urn:microsoft.com/office/officeart/2005/8/quickstyle/simple1" qsCatId="simple" csTypeId="urn:microsoft.com/office/officeart/2005/8/colors/accent1_2" csCatId="accent1" phldr="1"/>
+      <dgm:prSet loTypeId="urn:microsoft.com/office/officeart/2005/8/layout/lProcess2" loCatId="list" qsTypeId="urn:microsoft.com/office/officeart/2005/8/quickstyle/simple1" qsCatId="simple" csTypeId="urn:microsoft.com/office/officeart/2005/8/colors/accent3_2" csCatId="accent3" phldr="1"/>
       <dgm:spPr/>
       <dgm:t>
         <a:bodyPr/>
@@ -9641,14 +9758,14 @@
     </dgm:pt>
   </dgm:ptLst>
   <dgm:cxnLst>
+    <dgm:cxn modelId="{76489588-F392-4E54-B38F-A6F04D55DAE7}" type="presOf" srcId="{DC6A8977-EC5E-4DEE-B1FA-4DB41BEAC8C6}" destId="{2E54E643-CB4A-4E8A-86E9-06C281F022C5}" srcOrd="0" destOrd="0" presId="urn:microsoft.com/office/officeart/2005/8/layout/lProcess2"/>
     <dgm:cxn modelId="{5D19CA9D-7EFD-4D9E-B2E3-69D363419861}" type="presOf" srcId="{B8F18B98-BFB4-453E-9D45-669258C6A9DE}" destId="{F7267502-1F5B-4BF9-AE43-BD98533907E4}" srcOrd="0" destOrd="0" presId="urn:microsoft.com/office/officeart/2005/8/layout/lProcess2"/>
+    <dgm:cxn modelId="{F06A41F9-19C7-43BE-98F8-7BCAC8E7F2C6}" srcId="{DC6A8977-EC5E-4DEE-B1FA-4DB41BEAC8C6}" destId="{232C7383-C8BF-44A6-A139-A5F108E44D5D}" srcOrd="0" destOrd="0" parTransId="{BF7192DA-197A-4734-B9DF-BCE4D0F77EFD}" sibTransId="{03E3B508-DD3E-4472-BE59-A8E87A62B7A7}"/>
+    <dgm:cxn modelId="{2B3EF633-D66B-4F74-B9CC-35999FAED0A3}" srcId="{232C7383-C8BF-44A6-A139-A5F108E44D5D}" destId="{B8F18B98-BFB4-453E-9D45-669258C6A9DE}" srcOrd="1" destOrd="0" parTransId="{DEA64AE3-3534-4B87-9250-311511928301}" sibTransId="{B2250397-0911-4B8D-811F-B78B5E988754}"/>
+    <dgm:cxn modelId="{B4C92DD2-B3F5-4D96-AC0A-B76DB87D3999}" type="presOf" srcId="{232C7383-C8BF-44A6-A139-A5F108E44D5D}" destId="{009DDE65-203A-4765-A163-BB782AAC4187}" srcOrd="0" destOrd="0" presId="urn:microsoft.com/office/officeart/2005/8/layout/lProcess2"/>
+    <dgm:cxn modelId="{DF04741E-0AB2-42C3-905B-ED6D02150EE4}" type="presOf" srcId="{731D2CD7-2B2F-4848-8A52-CC59D59FA76B}" destId="{409D837D-AB22-48B4-8DB5-6D27D5F85146}" srcOrd="0" destOrd="0" presId="urn:microsoft.com/office/officeart/2005/8/layout/lProcess2"/>
+    <dgm:cxn modelId="{763504EF-C9C9-48B6-AD20-CC4518E12673}" type="presOf" srcId="{232C7383-C8BF-44A6-A139-A5F108E44D5D}" destId="{CA659986-5E80-4667-BC8A-393ACE03541A}" srcOrd="1" destOrd="0" presId="urn:microsoft.com/office/officeart/2005/8/layout/lProcess2"/>
     <dgm:cxn modelId="{24C064D0-0C0B-41F4-A090-4D9EB3A92B95}" srcId="{232C7383-C8BF-44A6-A139-A5F108E44D5D}" destId="{731D2CD7-2B2F-4848-8A52-CC59D59FA76B}" srcOrd="0" destOrd="0" parTransId="{3E4F99F0-6ACA-4F41-A785-0E58939D553C}" sibTransId="{A17F3791-42F7-40C4-B7AA-953D0252C93D}"/>
-    <dgm:cxn modelId="{DF04741E-0AB2-42C3-905B-ED6D02150EE4}" type="presOf" srcId="{731D2CD7-2B2F-4848-8A52-CC59D59FA76B}" destId="{409D837D-AB22-48B4-8DB5-6D27D5F85146}" srcOrd="0" destOrd="0" presId="urn:microsoft.com/office/officeart/2005/8/layout/lProcess2"/>
-    <dgm:cxn modelId="{F06A41F9-19C7-43BE-98F8-7BCAC8E7F2C6}" srcId="{DC6A8977-EC5E-4DEE-B1FA-4DB41BEAC8C6}" destId="{232C7383-C8BF-44A6-A139-A5F108E44D5D}" srcOrd="0" destOrd="0" parTransId="{BF7192DA-197A-4734-B9DF-BCE4D0F77EFD}" sibTransId="{03E3B508-DD3E-4472-BE59-A8E87A62B7A7}"/>
-    <dgm:cxn modelId="{76489588-F392-4E54-B38F-A6F04D55DAE7}" type="presOf" srcId="{DC6A8977-EC5E-4DEE-B1FA-4DB41BEAC8C6}" destId="{2E54E643-CB4A-4E8A-86E9-06C281F022C5}" srcOrd="0" destOrd="0" presId="urn:microsoft.com/office/officeart/2005/8/layout/lProcess2"/>
-    <dgm:cxn modelId="{2B3EF633-D66B-4F74-B9CC-35999FAED0A3}" srcId="{232C7383-C8BF-44A6-A139-A5F108E44D5D}" destId="{B8F18B98-BFB4-453E-9D45-669258C6A9DE}" srcOrd="1" destOrd="0" parTransId="{DEA64AE3-3534-4B87-9250-311511928301}" sibTransId="{B2250397-0911-4B8D-811F-B78B5E988754}"/>
-    <dgm:cxn modelId="{763504EF-C9C9-48B6-AD20-CC4518E12673}" type="presOf" srcId="{232C7383-C8BF-44A6-A139-A5F108E44D5D}" destId="{CA659986-5E80-4667-BC8A-393ACE03541A}" srcOrd="1" destOrd="0" presId="urn:microsoft.com/office/officeart/2005/8/layout/lProcess2"/>
-    <dgm:cxn modelId="{B4C92DD2-B3F5-4D96-AC0A-B76DB87D3999}" type="presOf" srcId="{232C7383-C8BF-44A6-A139-A5F108E44D5D}" destId="{009DDE65-203A-4765-A163-BB782AAC4187}" srcOrd="0" destOrd="0" presId="urn:microsoft.com/office/officeart/2005/8/layout/lProcess2"/>
     <dgm:cxn modelId="{C8D2F0D3-116B-446E-A8B4-FF07BE9D8C75}" type="presParOf" srcId="{2E54E643-CB4A-4E8A-86E9-06C281F022C5}" destId="{658E2232-D2E0-4350-B6D3-32C9C4055441}" srcOrd="0" destOrd="0" presId="urn:microsoft.com/office/officeart/2005/8/layout/lProcess2"/>
     <dgm:cxn modelId="{1E8A9E93-11D1-4236-B3F8-658696A74AA8}" type="presParOf" srcId="{658E2232-D2E0-4350-B6D3-32C9C4055441}" destId="{009DDE65-203A-4765-A163-BB782AAC4187}" srcOrd="0" destOrd="0" presId="urn:microsoft.com/office/officeart/2005/8/layout/lProcess2"/>
     <dgm:cxn modelId="{CF798D7D-9B14-4457-BFEE-B22EFC390354}" type="presParOf" srcId="{658E2232-D2E0-4350-B6D3-32C9C4055441}" destId="{CA659986-5E80-4667-BC8A-393ACE03541A}" srcOrd="1" destOrd="0" presId="urn:microsoft.com/office/officeart/2005/8/layout/lProcess2"/>
@@ -9672,7 +9789,7 @@
 <dgm:dataModel xmlns:dgm="http://schemas.openxmlformats.org/drawingml/2006/diagram" xmlns:a="http://schemas.openxmlformats.org/drawingml/2006/main">
   <dgm:ptLst>
     <dgm:pt modelId="{DC6A8977-EC5E-4DEE-B1FA-4DB41BEAC8C6}" type="doc">
-      <dgm:prSet loTypeId="urn:microsoft.com/office/officeart/2005/8/layout/lProcess2" loCatId="list" qsTypeId="urn:microsoft.com/office/officeart/2005/8/quickstyle/simple1" qsCatId="simple" csTypeId="urn:microsoft.com/office/officeart/2005/8/colors/accent1_2" csCatId="accent1" phldr="1"/>
+      <dgm:prSet loTypeId="urn:microsoft.com/office/officeart/2005/8/layout/lProcess2" loCatId="list" qsTypeId="urn:microsoft.com/office/officeart/2005/8/quickstyle/simple1" qsCatId="simple" csTypeId="urn:microsoft.com/office/officeart/2005/8/colors/accent3_2" csCatId="accent3" phldr="1"/>
       <dgm:spPr/>
       <dgm:t>
         <a:bodyPr/>
@@ -10073,363 +10190,7 @@
 <dgm:dataModel xmlns:dgm="http://schemas.openxmlformats.org/drawingml/2006/diagram" xmlns:a="http://schemas.openxmlformats.org/drawingml/2006/main">
   <dgm:ptLst>
     <dgm:pt modelId="{DC6A8977-EC5E-4DEE-B1FA-4DB41BEAC8C6}" type="doc">
-      <dgm:prSet loTypeId="urn:microsoft.com/office/officeart/2005/8/layout/lProcess2" loCatId="list" qsTypeId="urn:microsoft.com/office/officeart/2005/8/quickstyle/simple1" qsCatId="simple" csTypeId="urn:microsoft.com/office/officeart/2005/8/colors/accent1_2" csCatId="accent1" phldr="1"/>
-      <dgm:spPr/>
-      <dgm:t>
-        <a:bodyPr/>
-        <a:lstStyle/>
-        <a:p>
-          <a:endParaRPr lang="en-US"/>
-        </a:p>
-      </dgm:t>
-    </dgm:pt>
-    <dgm:pt modelId="{232C7383-C8BF-44A6-A139-A5F108E44D5D}">
-      <dgm:prSet phldrT="[Text]"/>
-      <dgm:spPr/>
-      <dgm:t>
-        <a:bodyPr/>
-        <a:lstStyle/>
-        <a:p>
-          <a:r>
-            <a:rPr lang="EN-US" sz="1400" dirty="0"/>
-            <a:t>Missing IIS Link</a:t>
-          </a:r>
-          <a:endParaRPr lang="en-US" sz="1400"/>
-        </a:p>
-      </dgm:t>
-    </dgm:pt>
-    <dgm:pt modelId="{BF7192DA-197A-4734-B9DF-BCE4D0F77EFD}" type="parTrans" cxnId="{F06A41F9-19C7-43BE-98F8-7BCAC8E7F2C6}">
-      <dgm:prSet/>
-      <dgm:spPr/>
-      <dgm:t>
-        <a:bodyPr/>
-        <a:lstStyle/>
-        <a:p>
-          <a:endParaRPr lang="en-US"/>
-        </a:p>
-      </dgm:t>
-    </dgm:pt>
-    <dgm:pt modelId="{03E3B508-DD3E-4472-BE59-A8E87A62B7A7}" type="sibTrans" cxnId="{F06A41F9-19C7-43BE-98F8-7BCAC8E7F2C6}">
-      <dgm:prSet/>
-      <dgm:spPr/>
-      <dgm:t>
-        <a:bodyPr/>
-        <a:lstStyle/>
-        <a:p>
-          <a:endParaRPr lang="en-US"/>
-        </a:p>
-      </dgm:t>
-    </dgm:pt>
-    <dgm:pt modelId="{731D2CD7-2B2F-4848-8A52-CC59D59FA76B}">
-      <dgm:prSet phldrT="[Text]"/>
-      <dgm:spPr/>
-      <dgm:t>
-        <a:bodyPr/>
-        <a:lstStyle/>
-        <a:p>
-          <a:r>
-            <a:rPr lang="EN-US" dirty="0"/>
-            <a:t>Open</a:t>
-          </a:r>
-          <a:endParaRPr lang="en-US" dirty="0"/>
-        </a:p>
-      </dgm:t>
-    </dgm:pt>
-    <dgm:pt modelId="{3E4F99F0-6ACA-4F41-A785-0E58939D553C}" type="parTrans" cxnId="{24C064D0-0C0B-41F4-A090-4D9EB3A92B95}">
-      <dgm:prSet/>
-      <dgm:spPr/>
-      <dgm:t>
-        <a:bodyPr/>
-        <a:lstStyle/>
-        <a:p>
-          <a:endParaRPr lang="en-US"/>
-        </a:p>
-      </dgm:t>
-    </dgm:pt>
-    <dgm:pt modelId="{A17F3791-42F7-40C4-B7AA-953D0252C93D}" type="sibTrans" cxnId="{24C064D0-0C0B-41F4-A090-4D9EB3A92B95}">
-      <dgm:prSet/>
-      <dgm:spPr/>
-      <dgm:t>
-        <a:bodyPr/>
-        <a:lstStyle/>
-        <a:p>
-          <a:endParaRPr lang="en-US"/>
-        </a:p>
-      </dgm:t>
-    </dgm:pt>
-    <dgm:pt modelId="{B8F18B98-BFB4-453E-9D45-669258C6A9DE}">
-      <dgm:prSet phldrT="[Text]"/>
-      <dgm:spPr/>
-      <dgm:t>
-        <a:bodyPr/>
-        <a:lstStyle/>
-        <a:p>
-          <a:r>
-            <a:rPr lang="EN-US" dirty="0"/>
-            <a:t>Done</a:t>
-          </a:r>
-          <a:endParaRPr lang="en-US" dirty="0"/>
-        </a:p>
-      </dgm:t>
-    </dgm:pt>
-    <dgm:pt modelId="{DEA64AE3-3534-4B87-9250-311511928301}" type="parTrans" cxnId="{2B3EF633-D66B-4F74-B9CC-35999FAED0A3}">
-      <dgm:prSet/>
-      <dgm:spPr/>
-      <dgm:t>
-        <a:bodyPr/>
-        <a:lstStyle/>
-        <a:p>
-          <a:endParaRPr lang="en-US"/>
-        </a:p>
-      </dgm:t>
-    </dgm:pt>
-    <dgm:pt modelId="{B2250397-0911-4B8D-811F-B78B5E988754}" type="sibTrans" cxnId="{2B3EF633-D66B-4F74-B9CC-35999FAED0A3}">
-      <dgm:prSet/>
-      <dgm:spPr/>
-      <dgm:t>
-        <a:bodyPr/>
-        <a:lstStyle/>
-        <a:p>
-          <a:endParaRPr lang="en-US"/>
-        </a:p>
-      </dgm:t>
-    </dgm:pt>
-    <dgm:pt modelId="{BFE859A5-647C-4F91-A605-8AC8507E90AA}">
-      <dgm:prSet phldrT="[Text]"/>
-      <dgm:spPr/>
-      <dgm:t>
-        <a:bodyPr/>
-        <a:lstStyle/>
-        <a:p>
-          <a:r>
-            <a:rPr lang="EN-US" b="1" dirty="0"/>
-            <a:t>If Root is Closed</a:t>
-          </a:r>
-          <a:endParaRPr lang="EN-US" b="1" dirty="0">
-            <a:solidFill>
-              <a:srgbClr val="010000"/>
-            </a:solidFill>
-          </a:endParaRPr>
-        </a:p>
-      </dgm:t>
-    </dgm:pt>
-    <dgm:pt modelId="{CE56F083-372D-4F9B-813E-EC9EB13EF60A}" type="parTrans" cxnId="{BB48F946-09D4-48B0-BCDB-C8DBCCE9DCB2}">
-      <dgm:prSet/>
-      <dgm:spPr/>
-    </dgm:pt>
-    <dgm:pt modelId="{5A3569B6-2414-4EDA-A631-1290E6D841AE}" type="sibTrans" cxnId="{BB48F946-09D4-48B0-BCDB-C8DBCCE9DCB2}">
-      <dgm:prSet/>
-      <dgm:spPr/>
-    </dgm:pt>
-    <dgm:pt modelId="{9E6B51F9-018B-45EF-B4A7-34160B6959B1}">
-      <dgm:prSet phldrT="[Text]"/>
-      <dgm:spPr/>
-      <dgm:t>
-        <a:bodyPr/>
-        <a:lstStyle/>
-        <a:p>
-          <a:r>
-            <a:rPr lang="EN-US" b="1" dirty="0"/>
-            <a:t>Close Account</a:t>
-          </a:r>
-          <a:endParaRPr lang="EN-US" b="1" dirty="0">
-            <a:solidFill>
-              <a:srgbClr val="010000"/>
-            </a:solidFill>
-          </a:endParaRPr>
-        </a:p>
-      </dgm:t>
-    </dgm:pt>
-    <dgm:pt modelId="{6116A5B8-3BAA-4AA8-920D-D4271B1826D3}" type="parTrans" cxnId="{969AAB4D-4F5C-4556-BC7E-0F4745ACD1D4}">
-      <dgm:prSet/>
-      <dgm:spPr/>
-    </dgm:pt>
-    <dgm:pt modelId="{8A3CB726-C8F9-4D3F-8360-C3BD31214491}" type="sibTrans" cxnId="{969AAB4D-4F5C-4556-BC7E-0F4745ACD1D4}">
-      <dgm:prSet/>
-      <dgm:spPr/>
-    </dgm:pt>
-    <dgm:pt modelId="{F62D09AF-EACD-4A98-9F9D-4272DDF92E05}">
-      <dgm:prSet phldrT="[Text]"/>
-      <dgm:spPr/>
-      <dgm:t>
-        <a:bodyPr/>
-        <a:lstStyle/>
-        <a:p>
-          <a:r>
-            <a:rPr lang="EN-US" sz="3400" b="1" dirty="0">
-              <a:solidFill>
-                <a:srgbClr val="FFFFFF"/>
-              </a:solidFill>
-            </a:rPr>
-            <a:t>Else</a:t>
-          </a:r>
-          <a:endParaRPr lang="en-US" sz="3400" b="1" dirty="0">
-            <a:solidFill>
-              <a:srgbClr val="FFFFFF"/>
-            </a:solidFill>
-          </a:endParaRPr>
-        </a:p>
-      </dgm:t>
-    </dgm:pt>
-    <dgm:pt modelId="{A45181DE-B342-4347-9845-11F223D38D25}" type="parTrans" cxnId="{919DE7F0-AFA0-4BE5-8011-601F4C79ABFB}">
-      <dgm:prSet/>
-      <dgm:spPr/>
-    </dgm:pt>
-    <dgm:pt modelId="{7EF6A067-04B0-42C9-819A-07955C7488B8}" type="sibTrans" cxnId="{919DE7F0-AFA0-4BE5-8011-601F4C79ABFB}">
-      <dgm:prSet/>
-      <dgm:spPr/>
-    </dgm:pt>
-    <dgm:pt modelId="{BF0A1F48-0718-4EFB-8203-480DC38FF067}">
-      <dgm:prSet phldrT="[Text]"/>
-      <dgm:spPr/>
-      <dgm:t>
-        <a:bodyPr/>
-        <a:lstStyle/>
-        <a:p>
-          <a:r>
-            <a:rPr lang="EN-US" sz="2600" b="1" dirty="0">
-              <a:solidFill>
-                <a:srgbClr val="FFFFFF"/>
-              </a:solidFill>
-            </a:rPr>
-            <a:t>Update Olympic</a:t>
-          </a:r>
-          <a:endParaRPr lang="en-US" sz="2600" b="1" dirty="0">
-            <a:solidFill>
-              <a:srgbClr val="FFFFFF"/>
-            </a:solidFill>
-          </a:endParaRPr>
-        </a:p>
-      </dgm:t>
-    </dgm:pt>
-    <dgm:pt modelId="{A12A1B4C-2D42-4141-A355-237F32A728E0}" type="parTrans" cxnId="{55169C58-DC0C-41D1-A74D-8D7EF590FE22}">
-      <dgm:prSet/>
-      <dgm:spPr/>
-    </dgm:pt>
-    <dgm:pt modelId="{8A18C2E8-B1D3-442D-8E48-904029D3D2B1}" type="sibTrans" cxnId="{55169C58-DC0C-41D1-A74D-8D7EF590FE22}">
-      <dgm:prSet/>
-      <dgm:spPr/>
-    </dgm:pt>
-    <dgm:pt modelId="{2E54E643-CB4A-4E8A-86E9-06C281F022C5}" type="pres">
-      <dgm:prSet presAssocID="{DC6A8977-EC5E-4DEE-B1FA-4DB41BEAC8C6}" presName="theList" presStyleCnt="0">
-        <dgm:presLayoutVars>
-          <dgm:dir/>
-          <dgm:animLvl val="lvl"/>
-          <dgm:resizeHandles val="exact"/>
-        </dgm:presLayoutVars>
-      </dgm:prSet>
-      <dgm:spPr/>
-    </dgm:pt>
-    <dgm:pt modelId="{658E2232-D2E0-4350-B6D3-32C9C4055441}" type="pres">
-      <dgm:prSet presAssocID="{232C7383-C8BF-44A6-A139-A5F108E44D5D}" presName="compNode" presStyleCnt="0"/>
-      <dgm:spPr/>
-    </dgm:pt>
-    <dgm:pt modelId="{009DDE65-203A-4765-A163-BB782AAC4187}" type="pres">
-      <dgm:prSet presAssocID="{232C7383-C8BF-44A6-A139-A5F108E44D5D}" presName="aNode" presStyleLbl="bgShp" presStyleIdx="0" presStyleCnt="1"/>
-      <dgm:spPr/>
-    </dgm:pt>
-    <dgm:pt modelId="{CA659986-5E80-4667-BC8A-393ACE03541A}" type="pres">
-      <dgm:prSet presAssocID="{232C7383-C8BF-44A6-A139-A5F108E44D5D}" presName="textNode" presStyleLbl="bgShp" presStyleIdx="0" presStyleCnt="1"/>
-      <dgm:spPr/>
-    </dgm:pt>
-    <dgm:pt modelId="{68905212-54F8-4717-B55B-96DC88CA59FB}" type="pres">
-      <dgm:prSet presAssocID="{232C7383-C8BF-44A6-A139-A5F108E44D5D}" presName="compChildNode" presStyleCnt="0"/>
-      <dgm:spPr/>
-    </dgm:pt>
-    <dgm:pt modelId="{F18A9395-2637-4D5B-AFD6-3E655CDB6E5A}" type="pres">
-      <dgm:prSet presAssocID="{232C7383-C8BF-44A6-A139-A5F108E44D5D}" presName="theInnerList" presStyleCnt="0"/>
-      <dgm:spPr/>
-    </dgm:pt>
-    <dgm:pt modelId="{409D837D-AB22-48B4-8DB5-6D27D5F85146}" type="pres">
-      <dgm:prSet presAssocID="{731D2CD7-2B2F-4848-8A52-CC59D59FA76B}" presName="childNode" presStyleLbl="node1" presStyleIdx="0" presStyleCnt="4">
-        <dgm:presLayoutVars>
-          <dgm:bulletEnabled val="1"/>
-        </dgm:presLayoutVars>
-      </dgm:prSet>
-      <dgm:spPr/>
-    </dgm:pt>
-    <dgm:pt modelId="{DF4A5756-84AD-47D0-BE72-346545A0417B}" type="pres">
-      <dgm:prSet presAssocID="{731D2CD7-2B2F-4848-8A52-CC59D59FA76B}" presName="aSpace2" presStyleCnt="0"/>
-      <dgm:spPr/>
-    </dgm:pt>
-    <dgm:pt modelId="{FDCEDDED-35DC-4625-9416-ED8111D15B24}" type="pres">
-      <dgm:prSet presAssocID="{BFE859A5-647C-4F91-A605-8AC8507E90AA}" presName="childNode" presStyleLbl="node1" presStyleIdx="1" presStyleCnt="4">
-        <dgm:presLayoutVars>
-          <dgm:bulletEnabled val="1"/>
-        </dgm:presLayoutVars>
-      </dgm:prSet>
-      <dgm:spPr/>
-    </dgm:pt>
-    <dgm:pt modelId="{10C12377-40C7-4A1F-A428-A3A2282757C8}" type="pres">
-      <dgm:prSet presAssocID="{BFE859A5-647C-4F91-A605-8AC8507E90AA}" presName="aSpace2" presStyleCnt="0"/>
-      <dgm:spPr/>
-    </dgm:pt>
-    <dgm:pt modelId="{67268F5B-CA85-4F0E-A703-98A6EFA916F5}" type="pres">
-      <dgm:prSet presAssocID="{F62D09AF-EACD-4A98-9F9D-4272DDF92E05}" presName="childNode" presStyleLbl="node1" presStyleIdx="2" presStyleCnt="4">
-        <dgm:presLayoutVars>
-          <dgm:bulletEnabled val="1"/>
-        </dgm:presLayoutVars>
-      </dgm:prSet>
-      <dgm:spPr/>
-    </dgm:pt>
-    <dgm:pt modelId="{B287D41C-9042-4965-A930-05E9F3F48154}" type="pres">
-      <dgm:prSet presAssocID="{F62D09AF-EACD-4A98-9F9D-4272DDF92E05}" presName="aSpace2" presStyleCnt="0"/>
-      <dgm:spPr/>
-    </dgm:pt>
-    <dgm:pt modelId="{F7267502-1F5B-4BF9-AE43-BD98533907E4}" type="pres">
-      <dgm:prSet presAssocID="{B8F18B98-BFB4-453E-9D45-669258C6A9DE}" presName="childNode" presStyleLbl="node1" presStyleIdx="3" presStyleCnt="4">
-        <dgm:presLayoutVars>
-          <dgm:bulletEnabled val="1"/>
-        </dgm:presLayoutVars>
-      </dgm:prSet>
-      <dgm:spPr/>
-    </dgm:pt>
-  </dgm:ptLst>
-  <dgm:cxnLst>
-    <dgm:cxn modelId="{B4C92DD2-B3F5-4D96-AC0A-B76DB87D3999}" type="presOf" srcId="{232C7383-C8BF-44A6-A139-A5F108E44D5D}" destId="{009DDE65-203A-4765-A163-BB782AAC4187}" srcOrd="0" destOrd="0" presId="urn:microsoft.com/office/officeart/2005/8/layout/lProcess2"/>
-    <dgm:cxn modelId="{55169C58-DC0C-41D1-A74D-8D7EF590FE22}" srcId="{F62D09AF-EACD-4A98-9F9D-4272DDF92E05}" destId="{BF0A1F48-0718-4EFB-8203-480DC38FF067}" srcOrd="0" destOrd="0" parTransId="{A12A1B4C-2D42-4141-A355-237F32A728E0}" sibTransId="{8A18C2E8-B1D3-442D-8E48-904029D3D2B1}"/>
-    <dgm:cxn modelId="{3D05738C-43A9-4109-BC87-0C44888BF729}" type="presOf" srcId="{BF0A1F48-0718-4EFB-8203-480DC38FF067}" destId="{67268F5B-CA85-4F0E-A703-98A6EFA916F5}" srcOrd="0" destOrd="1" presId="urn:microsoft.com/office/officeart/2005/8/layout/lProcess2"/>
-    <dgm:cxn modelId="{DF04741E-0AB2-42C3-905B-ED6D02150EE4}" type="presOf" srcId="{731D2CD7-2B2F-4848-8A52-CC59D59FA76B}" destId="{409D837D-AB22-48B4-8DB5-6D27D5F85146}" srcOrd="0" destOrd="0" presId="urn:microsoft.com/office/officeart/2005/8/layout/lProcess2"/>
-    <dgm:cxn modelId="{969AAB4D-4F5C-4556-BC7E-0F4745ACD1D4}" srcId="{BFE859A5-647C-4F91-A605-8AC8507E90AA}" destId="{9E6B51F9-018B-45EF-B4A7-34160B6959B1}" srcOrd="0" destOrd="0" parTransId="{6116A5B8-3BAA-4AA8-920D-D4271B1826D3}" sibTransId="{8A3CB726-C8F9-4D3F-8360-C3BD31214491}"/>
-    <dgm:cxn modelId="{5D19CA9D-7EFD-4D9E-B2E3-69D363419861}" type="presOf" srcId="{B8F18B98-BFB4-453E-9D45-669258C6A9DE}" destId="{F7267502-1F5B-4BF9-AE43-BD98533907E4}" srcOrd="0" destOrd="0" presId="urn:microsoft.com/office/officeart/2005/8/layout/lProcess2"/>
-    <dgm:cxn modelId="{2D8FCDFF-9E69-4029-A35A-9B72629982DF}" type="presOf" srcId="{BFE859A5-647C-4F91-A605-8AC8507E90AA}" destId="{FDCEDDED-35DC-4625-9416-ED8111D15B24}" srcOrd="0" destOrd="0" presId="urn:microsoft.com/office/officeart/2005/8/layout/lProcess2"/>
-    <dgm:cxn modelId="{24C064D0-0C0B-41F4-A090-4D9EB3A92B95}" srcId="{232C7383-C8BF-44A6-A139-A5F108E44D5D}" destId="{731D2CD7-2B2F-4848-8A52-CC59D59FA76B}" srcOrd="0" destOrd="0" parTransId="{3E4F99F0-6ACA-4F41-A785-0E58939D553C}" sibTransId="{A17F3791-42F7-40C4-B7AA-953D0252C93D}"/>
-    <dgm:cxn modelId="{763504EF-C9C9-48B6-AD20-CC4518E12673}" type="presOf" srcId="{232C7383-C8BF-44A6-A139-A5F108E44D5D}" destId="{CA659986-5E80-4667-BC8A-393ACE03541A}" srcOrd="1" destOrd="0" presId="urn:microsoft.com/office/officeart/2005/8/layout/lProcess2"/>
-    <dgm:cxn modelId="{919DE7F0-AFA0-4BE5-8011-601F4C79ABFB}" srcId="{232C7383-C8BF-44A6-A139-A5F108E44D5D}" destId="{F62D09AF-EACD-4A98-9F9D-4272DDF92E05}" srcOrd="2" destOrd="0" parTransId="{A45181DE-B342-4347-9845-11F223D38D25}" sibTransId="{7EF6A067-04B0-42C9-819A-07955C7488B8}"/>
-    <dgm:cxn modelId="{2B3EF633-D66B-4F74-B9CC-35999FAED0A3}" srcId="{232C7383-C8BF-44A6-A139-A5F108E44D5D}" destId="{B8F18B98-BFB4-453E-9D45-669258C6A9DE}" srcOrd="3" destOrd="0" parTransId="{DEA64AE3-3534-4B87-9250-311511928301}" sibTransId="{B2250397-0911-4B8D-811F-B78B5E988754}"/>
-    <dgm:cxn modelId="{042650CA-2997-43A6-A74E-EAA9203EB804}" type="presOf" srcId="{9E6B51F9-018B-45EF-B4A7-34160B6959B1}" destId="{FDCEDDED-35DC-4625-9416-ED8111D15B24}" srcOrd="0" destOrd="1" presId="urn:microsoft.com/office/officeart/2005/8/layout/lProcess2"/>
-    <dgm:cxn modelId="{C553C4A5-5052-46B4-B9C1-FC6888782A8A}" type="presOf" srcId="{F62D09AF-EACD-4A98-9F9D-4272DDF92E05}" destId="{67268F5B-CA85-4F0E-A703-98A6EFA916F5}" srcOrd="0" destOrd="0" presId="urn:microsoft.com/office/officeart/2005/8/layout/lProcess2"/>
-    <dgm:cxn modelId="{BB48F946-09D4-48B0-BCDB-C8DBCCE9DCB2}" srcId="{232C7383-C8BF-44A6-A139-A5F108E44D5D}" destId="{BFE859A5-647C-4F91-A605-8AC8507E90AA}" srcOrd="1" destOrd="0" parTransId="{CE56F083-372D-4F9B-813E-EC9EB13EF60A}" sibTransId="{5A3569B6-2414-4EDA-A631-1290E6D841AE}"/>
-    <dgm:cxn modelId="{F06A41F9-19C7-43BE-98F8-7BCAC8E7F2C6}" srcId="{DC6A8977-EC5E-4DEE-B1FA-4DB41BEAC8C6}" destId="{232C7383-C8BF-44A6-A139-A5F108E44D5D}" srcOrd="0" destOrd="0" parTransId="{BF7192DA-197A-4734-B9DF-BCE4D0F77EFD}" sibTransId="{03E3B508-DD3E-4472-BE59-A8E87A62B7A7}"/>
-    <dgm:cxn modelId="{76489588-F392-4E54-B38F-A6F04D55DAE7}" type="presOf" srcId="{DC6A8977-EC5E-4DEE-B1FA-4DB41BEAC8C6}" destId="{2E54E643-CB4A-4E8A-86E9-06C281F022C5}" srcOrd="0" destOrd="0" presId="urn:microsoft.com/office/officeart/2005/8/layout/lProcess2"/>
-    <dgm:cxn modelId="{C8D2F0D3-116B-446E-A8B4-FF07BE9D8C75}" type="presParOf" srcId="{2E54E643-CB4A-4E8A-86E9-06C281F022C5}" destId="{658E2232-D2E0-4350-B6D3-32C9C4055441}" srcOrd="0" destOrd="0" presId="urn:microsoft.com/office/officeart/2005/8/layout/lProcess2"/>
-    <dgm:cxn modelId="{1E8A9E93-11D1-4236-B3F8-658696A74AA8}" type="presParOf" srcId="{658E2232-D2E0-4350-B6D3-32C9C4055441}" destId="{009DDE65-203A-4765-A163-BB782AAC4187}" srcOrd="0" destOrd="0" presId="urn:microsoft.com/office/officeart/2005/8/layout/lProcess2"/>
-    <dgm:cxn modelId="{CF798D7D-9B14-4457-BFEE-B22EFC390354}" type="presParOf" srcId="{658E2232-D2E0-4350-B6D3-32C9C4055441}" destId="{CA659986-5E80-4667-BC8A-393ACE03541A}" srcOrd="1" destOrd="0" presId="urn:microsoft.com/office/officeart/2005/8/layout/lProcess2"/>
-    <dgm:cxn modelId="{9E0284AF-E827-4F2E-ADC7-37B5CCCB918E}" type="presParOf" srcId="{658E2232-D2E0-4350-B6D3-32C9C4055441}" destId="{68905212-54F8-4717-B55B-96DC88CA59FB}" srcOrd="2" destOrd="0" presId="urn:microsoft.com/office/officeart/2005/8/layout/lProcess2"/>
-    <dgm:cxn modelId="{B05AC2D1-AA28-4FC7-A262-E36414DC8E1A}" type="presParOf" srcId="{68905212-54F8-4717-B55B-96DC88CA59FB}" destId="{F18A9395-2637-4D5B-AFD6-3E655CDB6E5A}" srcOrd="0" destOrd="0" presId="urn:microsoft.com/office/officeart/2005/8/layout/lProcess2"/>
-    <dgm:cxn modelId="{7BD89F62-A7A4-4FF2-B5C4-AFFA2A2E1089}" type="presParOf" srcId="{F18A9395-2637-4D5B-AFD6-3E655CDB6E5A}" destId="{409D837D-AB22-48B4-8DB5-6D27D5F85146}" srcOrd="0" destOrd="0" presId="urn:microsoft.com/office/officeart/2005/8/layout/lProcess2"/>
-    <dgm:cxn modelId="{3D8325E1-A9C9-43A3-936C-91B587E1F790}" type="presParOf" srcId="{F18A9395-2637-4D5B-AFD6-3E655CDB6E5A}" destId="{DF4A5756-84AD-47D0-BE72-346545A0417B}" srcOrd="1" destOrd="0" presId="urn:microsoft.com/office/officeart/2005/8/layout/lProcess2"/>
-    <dgm:cxn modelId="{95B199F6-80E4-4918-B652-3E4344BC8865}" type="presParOf" srcId="{F18A9395-2637-4D5B-AFD6-3E655CDB6E5A}" destId="{FDCEDDED-35DC-4625-9416-ED8111D15B24}" srcOrd="2" destOrd="0" presId="urn:microsoft.com/office/officeart/2005/8/layout/lProcess2"/>
-    <dgm:cxn modelId="{B2CE57E1-C5FE-4AB2-9ABD-F921230FF264}" type="presParOf" srcId="{F18A9395-2637-4D5B-AFD6-3E655CDB6E5A}" destId="{10C12377-40C7-4A1F-A428-A3A2282757C8}" srcOrd="3" destOrd="0" presId="urn:microsoft.com/office/officeart/2005/8/layout/lProcess2"/>
-    <dgm:cxn modelId="{86E5B714-1AF8-4CF5-A936-95203630B0F4}" type="presParOf" srcId="{F18A9395-2637-4D5B-AFD6-3E655CDB6E5A}" destId="{67268F5B-CA85-4F0E-A703-98A6EFA916F5}" srcOrd="4" destOrd="0" presId="urn:microsoft.com/office/officeart/2005/8/layout/lProcess2"/>
-    <dgm:cxn modelId="{6DCD47DD-E243-4F9E-A61D-8255A7F9C448}" type="presParOf" srcId="{F18A9395-2637-4D5B-AFD6-3E655CDB6E5A}" destId="{B287D41C-9042-4965-A930-05E9F3F48154}" srcOrd="5" destOrd="0" presId="urn:microsoft.com/office/officeart/2005/8/layout/lProcess2"/>
-    <dgm:cxn modelId="{2EB69F90-0228-4400-9BDF-9DDA5DE7216B}" type="presParOf" srcId="{F18A9395-2637-4D5B-AFD6-3E655CDB6E5A}" destId="{F7267502-1F5B-4BF9-AE43-BD98533907E4}" srcOrd="6" destOrd="0" presId="urn:microsoft.com/office/officeart/2005/8/layout/lProcess2"/>
-  </dgm:cxnLst>
-  <dgm:bg/>
-  <dgm:whole/>
-  <dgm:extLst>
-    <a:ext uri="http://schemas.microsoft.com/office/drawing/2008/diagram">
-      <dsp:dataModelExt xmlns:dsp="http://schemas.microsoft.com/office/drawing/2008/diagram" relId="rId7" minVer="http://schemas.openxmlformats.org/drawingml/2006/diagram"/>
-    </a:ext>
-  </dgm:extLst>
-</dgm:dataModel>
-</file>
-
-<file path=ppt/diagrams/data7.xml><?xml version="1.0" encoding="utf-8"?>
-<dgm:dataModel xmlns:dgm="http://schemas.openxmlformats.org/drawingml/2006/diagram" xmlns:a="http://schemas.openxmlformats.org/drawingml/2006/main">
-  <dgm:ptLst>
-    <dgm:pt modelId="{DC6A8977-EC5E-4DEE-B1FA-4DB41BEAC8C6}" type="doc">
-      <dgm:prSet loTypeId="urn:microsoft.com/office/officeart/2005/8/layout/lProcess2" loCatId="list" qsTypeId="urn:microsoft.com/office/officeart/2005/8/quickstyle/simple1" qsCatId="simple" csTypeId="urn:microsoft.com/office/officeart/2005/8/colors/accent1_2" csCatId="accent1" phldr="1"/>
+      <dgm:prSet loTypeId="urn:microsoft.com/office/officeart/2005/8/layout/lProcess2" loCatId="list" qsTypeId="urn:microsoft.com/office/officeart/2005/8/quickstyle/simple1" qsCatId="simple" csTypeId="urn:microsoft.com/office/officeart/2005/8/colors/colorful5" csCatId="colorful" phldr="1"/>
       <dgm:spPr/>
       <dgm:t>
         <a:bodyPr/>
@@ -10561,11 +10322,339 @@
             <a:rPr lang="EN-US" b="1" dirty="0"/>
             <a:t>If Root is Closed</a:t>
           </a:r>
-          <a:endParaRPr lang="EN-US" b="1" dirty="0">
-            <a:solidFill>
-              <a:srgbClr val="010000"/>
-            </a:solidFill>
-          </a:endParaRPr>
+          <a:endParaRPr lang="EN-US" b="1" dirty="0"/>
+        </a:p>
+      </dgm:t>
+    </dgm:pt>
+    <dgm:pt modelId="{CE56F083-372D-4F9B-813E-EC9EB13EF60A}" type="parTrans" cxnId="{BB48F946-09D4-48B0-BCDB-C8DBCCE9DCB2}">
+      <dgm:prSet/>
+      <dgm:spPr/>
+    </dgm:pt>
+    <dgm:pt modelId="{5A3569B6-2414-4EDA-A631-1290E6D841AE}" type="sibTrans" cxnId="{BB48F946-09D4-48B0-BCDB-C8DBCCE9DCB2}">
+      <dgm:prSet/>
+      <dgm:spPr/>
+    </dgm:pt>
+    <dgm:pt modelId="{9E6B51F9-018B-45EF-B4A7-34160B6959B1}">
+      <dgm:prSet phldrT="[Text]"/>
+      <dgm:spPr/>
+      <dgm:t>
+        <a:bodyPr/>
+        <a:lstStyle/>
+        <a:p>
+          <a:r>
+            <a:rPr lang="EN-US" b="1" dirty="0"/>
+            <a:t>Close Account</a:t>
+          </a:r>
+          <a:endParaRPr lang="EN-US" b="1" dirty="0"/>
+        </a:p>
+      </dgm:t>
+    </dgm:pt>
+    <dgm:pt modelId="{6116A5B8-3BAA-4AA8-920D-D4271B1826D3}" type="parTrans" cxnId="{969AAB4D-4F5C-4556-BC7E-0F4745ACD1D4}">
+      <dgm:prSet/>
+      <dgm:spPr/>
+    </dgm:pt>
+    <dgm:pt modelId="{8A3CB726-C8F9-4D3F-8360-C3BD31214491}" type="sibTrans" cxnId="{969AAB4D-4F5C-4556-BC7E-0F4745ACD1D4}">
+      <dgm:prSet/>
+      <dgm:spPr/>
+    </dgm:pt>
+    <dgm:pt modelId="{F62D09AF-EACD-4A98-9F9D-4272DDF92E05}">
+      <dgm:prSet phldrT="[Text]"/>
+      <dgm:spPr/>
+      <dgm:t>
+        <a:bodyPr/>
+        <a:lstStyle/>
+        <a:p>
+          <a:r>
+            <a:rPr lang="EN-US" sz="3400" b="1" dirty="0"/>
+            <a:t>Else</a:t>
+          </a:r>
+          <a:endParaRPr lang="en-US" sz="3400" b="1" dirty="0"/>
+        </a:p>
+      </dgm:t>
+    </dgm:pt>
+    <dgm:pt modelId="{A45181DE-B342-4347-9845-11F223D38D25}" type="parTrans" cxnId="{919DE7F0-AFA0-4BE5-8011-601F4C79ABFB}">
+      <dgm:prSet/>
+      <dgm:spPr/>
+    </dgm:pt>
+    <dgm:pt modelId="{7EF6A067-04B0-42C9-819A-07955C7488B8}" type="sibTrans" cxnId="{919DE7F0-AFA0-4BE5-8011-601F4C79ABFB}">
+      <dgm:prSet/>
+      <dgm:spPr/>
+    </dgm:pt>
+    <dgm:pt modelId="{BF0A1F48-0718-4EFB-8203-480DC38FF067}">
+      <dgm:prSet phldrT="[Text]"/>
+      <dgm:spPr/>
+      <dgm:t>
+        <a:bodyPr/>
+        <a:lstStyle/>
+        <a:p>
+          <a:r>
+            <a:rPr lang="EN-US" sz="2600" b="1" dirty="0"/>
+            <a:t>Update Olympic</a:t>
+          </a:r>
+          <a:endParaRPr lang="en-US" sz="2600" b="1" dirty="0"/>
+        </a:p>
+      </dgm:t>
+    </dgm:pt>
+    <dgm:pt modelId="{A12A1B4C-2D42-4141-A355-237F32A728E0}" type="parTrans" cxnId="{55169C58-DC0C-41D1-A74D-8D7EF590FE22}">
+      <dgm:prSet/>
+      <dgm:spPr/>
+    </dgm:pt>
+    <dgm:pt modelId="{8A18C2E8-B1D3-442D-8E48-904029D3D2B1}" type="sibTrans" cxnId="{55169C58-DC0C-41D1-A74D-8D7EF590FE22}">
+      <dgm:prSet/>
+      <dgm:spPr/>
+    </dgm:pt>
+    <dgm:pt modelId="{2E54E643-CB4A-4E8A-86E9-06C281F022C5}" type="pres">
+      <dgm:prSet presAssocID="{DC6A8977-EC5E-4DEE-B1FA-4DB41BEAC8C6}" presName="theList" presStyleCnt="0">
+        <dgm:presLayoutVars>
+          <dgm:dir/>
+          <dgm:animLvl val="lvl"/>
+          <dgm:resizeHandles val="exact"/>
+        </dgm:presLayoutVars>
+      </dgm:prSet>
+      <dgm:spPr/>
+    </dgm:pt>
+    <dgm:pt modelId="{658E2232-D2E0-4350-B6D3-32C9C4055441}" type="pres">
+      <dgm:prSet presAssocID="{232C7383-C8BF-44A6-A139-A5F108E44D5D}" presName="compNode" presStyleCnt="0"/>
+      <dgm:spPr/>
+    </dgm:pt>
+    <dgm:pt modelId="{009DDE65-203A-4765-A163-BB782AAC4187}" type="pres">
+      <dgm:prSet presAssocID="{232C7383-C8BF-44A6-A139-A5F108E44D5D}" presName="aNode" presStyleLbl="bgShp" presStyleIdx="0" presStyleCnt="1"/>
+      <dgm:spPr/>
+    </dgm:pt>
+    <dgm:pt modelId="{CA659986-5E80-4667-BC8A-393ACE03541A}" type="pres">
+      <dgm:prSet presAssocID="{232C7383-C8BF-44A6-A139-A5F108E44D5D}" presName="textNode" presStyleLbl="bgShp" presStyleIdx="0" presStyleCnt="1"/>
+      <dgm:spPr/>
+    </dgm:pt>
+    <dgm:pt modelId="{68905212-54F8-4717-B55B-96DC88CA59FB}" type="pres">
+      <dgm:prSet presAssocID="{232C7383-C8BF-44A6-A139-A5F108E44D5D}" presName="compChildNode" presStyleCnt="0"/>
+      <dgm:spPr/>
+    </dgm:pt>
+    <dgm:pt modelId="{F18A9395-2637-4D5B-AFD6-3E655CDB6E5A}" type="pres">
+      <dgm:prSet presAssocID="{232C7383-C8BF-44A6-A139-A5F108E44D5D}" presName="theInnerList" presStyleCnt="0"/>
+      <dgm:spPr/>
+    </dgm:pt>
+    <dgm:pt modelId="{409D837D-AB22-48B4-8DB5-6D27D5F85146}" type="pres">
+      <dgm:prSet presAssocID="{731D2CD7-2B2F-4848-8A52-CC59D59FA76B}" presName="childNode" presStyleLbl="node1" presStyleIdx="0" presStyleCnt="4">
+        <dgm:presLayoutVars>
+          <dgm:bulletEnabled val="1"/>
+        </dgm:presLayoutVars>
+      </dgm:prSet>
+      <dgm:spPr/>
+    </dgm:pt>
+    <dgm:pt modelId="{DF4A5756-84AD-47D0-BE72-346545A0417B}" type="pres">
+      <dgm:prSet presAssocID="{731D2CD7-2B2F-4848-8A52-CC59D59FA76B}" presName="aSpace2" presStyleCnt="0"/>
+      <dgm:spPr/>
+    </dgm:pt>
+    <dgm:pt modelId="{FDCEDDED-35DC-4625-9416-ED8111D15B24}" type="pres">
+      <dgm:prSet presAssocID="{BFE859A5-647C-4F91-A605-8AC8507E90AA}" presName="childNode" presStyleLbl="node1" presStyleIdx="1" presStyleCnt="4">
+        <dgm:presLayoutVars>
+          <dgm:bulletEnabled val="1"/>
+        </dgm:presLayoutVars>
+      </dgm:prSet>
+      <dgm:spPr/>
+    </dgm:pt>
+    <dgm:pt modelId="{10C12377-40C7-4A1F-A428-A3A2282757C8}" type="pres">
+      <dgm:prSet presAssocID="{BFE859A5-647C-4F91-A605-8AC8507E90AA}" presName="aSpace2" presStyleCnt="0"/>
+      <dgm:spPr/>
+    </dgm:pt>
+    <dgm:pt modelId="{67268F5B-CA85-4F0E-A703-98A6EFA916F5}" type="pres">
+      <dgm:prSet presAssocID="{F62D09AF-EACD-4A98-9F9D-4272DDF92E05}" presName="childNode" presStyleLbl="node1" presStyleIdx="2" presStyleCnt="4">
+        <dgm:presLayoutVars>
+          <dgm:bulletEnabled val="1"/>
+        </dgm:presLayoutVars>
+      </dgm:prSet>
+      <dgm:spPr/>
+    </dgm:pt>
+    <dgm:pt modelId="{B287D41C-9042-4965-A930-05E9F3F48154}" type="pres">
+      <dgm:prSet presAssocID="{F62D09AF-EACD-4A98-9F9D-4272DDF92E05}" presName="aSpace2" presStyleCnt="0"/>
+      <dgm:spPr/>
+    </dgm:pt>
+    <dgm:pt modelId="{F7267502-1F5B-4BF9-AE43-BD98533907E4}" type="pres">
+      <dgm:prSet presAssocID="{B8F18B98-BFB4-453E-9D45-669258C6A9DE}" presName="childNode" presStyleLbl="node1" presStyleIdx="3" presStyleCnt="4">
+        <dgm:presLayoutVars>
+          <dgm:bulletEnabled val="1"/>
+        </dgm:presLayoutVars>
+      </dgm:prSet>
+      <dgm:spPr/>
+    </dgm:pt>
+  </dgm:ptLst>
+  <dgm:cxnLst>
+    <dgm:cxn modelId="{C553C4A5-5052-46B4-B9C1-FC6888782A8A}" type="presOf" srcId="{F62D09AF-EACD-4A98-9F9D-4272DDF92E05}" destId="{67268F5B-CA85-4F0E-A703-98A6EFA916F5}" srcOrd="0" destOrd="0" presId="urn:microsoft.com/office/officeart/2005/8/layout/lProcess2"/>
+    <dgm:cxn modelId="{24C064D0-0C0B-41F4-A090-4D9EB3A92B95}" srcId="{232C7383-C8BF-44A6-A139-A5F108E44D5D}" destId="{731D2CD7-2B2F-4848-8A52-CC59D59FA76B}" srcOrd="0" destOrd="0" parTransId="{3E4F99F0-6ACA-4F41-A785-0E58939D553C}" sibTransId="{A17F3791-42F7-40C4-B7AA-953D0252C93D}"/>
+    <dgm:cxn modelId="{76489588-F392-4E54-B38F-A6F04D55DAE7}" type="presOf" srcId="{DC6A8977-EC5E-4DEE-B1FA-4DB41BEAC8C6}" destId="{2E54E643-CB4A-4E8A-86E9-06C281F022C5}" srcOrd="0" destOrd="0" presId="urn:microsoft.com/office/officeart/2005/8/layout/lProcess2"/>
+    <dgm:cxn modelId="{042650CA-2997-43A6-A74E-EAA9203EB804}" type="presOf" srcId="{9E6B51F9-018B-45EF-B4A7-34160B6959B1}" destId="{FDCEDDED-35DC-4625-9416-ED8111D15B24}" srcOrd="0" destOrd="1" presId="urn:microsoft.com/office/officeart/2005/8/layout/lProcess2"/>
+    <dgm:cxn modelId="{2B3EF633-D66B-4F74-B9CC-35999FAED0A3}" srcId="{232C7383-C8BF-44A6-A139-A5F108E44D5D}" destId="{B8F18B98-BFB4-453E-9D45-669258C6A9DE}" srcOrd="3" destOrd="0" parTransId="{DEA64AE3-3534-4B87-9250-311511928301}" sibTransId="{B2250397-0911-4B8D-811F-B78B5E988754}"/>
+    <dgm:cxn modelId="{F06A41F9-19C7-43BE-98F8-7BCAC8E7F2C6}" srcId="{DC6A8977-EC5E-4DEE-B1FA-4DB41BEAC8C6}" destId="{232C7383-C8BF-44A6-A139-A5F108E44D5D}" srcOrd="0" destOrd="0" parTransId="{BF7192DA-197A-4734-B9DF-BCE4D0F77EFD}" sibTransId="{03E3B508-DD3E-4472-BE59-A8E87A62B7A7}"/>
+    <dgm:cxn modelId="{969AAB4D-4F5C-4556-BC7E-0F4745ACD1D4}" srcId="{BFE859A5-647C-4F91-A605-8AC8507E90AA}" destId="{9E6B51F9-018B-45EF-B4A7-34160B6959B1}" srcOrd="0" destOrd="0" parTransId="{6116A5B8-3BAA-4AA8-920D-D4271B1826D3}" sibTransId="{8A3CB726-C8F9-4D3F-8360-C3BD31214491}"/>
+    <dgm:cxn modelId="{2D8FCDFF-9E69-4029-A35A-9B72629982DF}" type="presOf" srcId="{BFE859A5-647C-4F91-A605-8AC8507E90AA}" destId="{FDCEDDED-35DC-4625-9416-ED8111D15B24}" srcOrd="0" destOrd="0" presId="urn:microsoft.com/office/officeart/2005/8/layout/lProcess2"/>
+    <dgm:cxn modelId="{55169C58-DC0C-41D1-A74D-8D7EF590FE22}" srcId="{F62D09AF-EACD-4A98-9F9D-4272DDF92E05}" destId="{BF0A1F48-0718-4EFB-8203-480DC38FF067}" srcOrd="0" destOrd="0" parTransId="{A12A1B4C-2D42-4141-A355-237F32A728E0}" sibTransId="{8A18C2E8-B1D3-442D-8E48-904029D3D2B1}"/>
+    <dgm:cxn modelId="{B4C92DD2-B3F5-4D96-AC0A-B76DB87D3999}" type="presOf" srcId="{232C7383-C8BF-44A6-A139-A5F108E44D5D}" destId="{009DDE65-203A-4765-A163-BB782AAC4187}" srcOrd="0" destOrd="0" presId="urn:microsoft.com/office/officeart/2005/8/layout/lProcess2"/>
+    <dgm:cxn modelId="{5D19CA9D-7EFD-4D9E-B2E3-69D363419861}" type="presOf" srcId="{B8F18B98-BFB4-453E-9D45-669258C6A9DE}" destId="{F7267502-1F5B-4BF9-AE43-BD98533907E4}" srcOrd="0" destOrd="0" presId="urn:microsoft.com/office/officeart/2005/8/layout/lProcess2"/>
+    <dgm:cxn modelId="{DF04741E-0AB2-42C3-905B-ED6D02150EE4}" type="presOf" srcId="{731D2CD7-2B2F-4848-8A52-CC59D59FA76B}" destId="{409D837D-AB22-48B4-8DB5-6D27D5F85146}" srcOrd="0" destOrd="0" presId="urn:microsoft.com/office/officeart/2005/8/layout/lProcess2"/>
+    <dgm:cxn modelId="{3D05738C-43A9-4109-BC87-0C44888BF729}" type="presOf" srcId="{BF0A1F48-0718-4EFB-8203-480DC38FF067}" destId="{67268F5B-CA85-4F0E-A703-98A6EFA916F5}" srcOrd="0" destOrd="1" presId="urn:microsoft.com/office/officeart/2005/8/layout/lProcess2"/>
+    <dgm:cxn modelId="{763504EF-C9C9-48B6-AD20-CC4518E12673}" type="presOf" srcId="{232C7383-C8BF-44A6-A139-A5F108E44D5D}" destId="{CA659986-5E80-4667-BC8A-393ACE03541A}" srcOrd="1" destOrd="0" presId="urn:microsoft.com/office/officeart/2005/8/layout/lProcess2"/>
+    <dgm:cxn modelId="{919DE7F0-AFA0-4BE5-8011-601F4C79ABFB}" srcId="{232C7383-C8BF-44A6-A139-A5F108E44D5D}" destId="{F62D09AF-EACD-4A98-9F9D-4272DDF92E05}" srcOrd="2" destOrd="0" parTransId="{A45181DE-B342-4347-9845-11F223D38D25}" sibTransId="{7EF6A067-04B0-42C9-819A-07955C7488B8}"/>
+    <dgm:cxn modelId="{BB48F946-09D4-48B0-BCDB-C8DBCCE9DCB2}" srcId="{232C7383-C8BF-44A6-A139-A5F108E44D5D}" destId="{BFE859A5-647C-4F91-A605-8AC8507E90AA}" srcOrd="1" destOrd="0" parTransId="{CE56F083-372D-4F9B-813E-EC9EB13EF60A}" sibTransId="{5A3569B6-2414-4EDA-A631-1290E6D841AE}"/>
+    <dgm:cxn modelId="{C8D2F0D3-116B-446E-A8B4-FF07BE9D8C75}" type="presParOf" srcId="{2E54E643-CB4A-4E8A-86E9-06C281F022C5}" destId="{658E2232-D2E0-4350-B6D3-32C9C4055441}" srcOrd="0" destOrd="0" presId="urn:microsoft.com/office/officeart/2005/8/layout/lProcess2"/>
+    <dgm:cxn modelId="{1E8A9E93-11D1-4236-B3F8-658696A74AA8}" type="presParOf" srcId="{658E2232-D2E0-4350-B6D3-32C9C4055441}" destId="{009DDE65-203A-4765-A163-BB782AAC4187}" srcOrd="0" destOrd="0" presId="urn:microsoft.com/office/officeart/2005/8/layout/lProcess2"/>
+    <dgm:cxn modelId="{CF798D7D-9B14-4457-BFEE-B22EFC390354}" type="presParOf" srcId="{658E2232-D2E0-4350-B6D3-32C9C4055441}" destId="{CA659986-5E80-4667-BC8A-393ACE03541A}" srcOrd="1" destOrd="0" presId="urn:microsoft.com/office/officeart/2005/8/layout/lProcess2"/>
+    <dgm:cxn modelId="{9E0284AF-E827-4F2E-ADC7-37B5CCCB918E}" type="presParOf" srcId="{658E2232-D2E0-4350-B6D3-32C9C4055441}" destId="{68905212-54F8-4717-B55B-96DC88CA59FB}" srcOrd="2" destOrd="0" presId="urn:microsoft.com/office/officeart/2005/8/layout/lProcess2"/>
+    <dgm:cxn modelId="{B05AC2D1-AA28-4FC7-A262-E36414DC8E1A}" type="presParOf" srcId="{68905212-54F8-4717-B55B-96DC88CA59FB}" destId="{F18A9395-2637-4D5B-AFD6-3E655CDB6E5A}" srcOrd="0" destOrd="0" presId="urn:microsoft.com/office/officeart/2005/8/layout/lProcess2"/>
+    <dgm:cxn modelId="{7BD89F62-A7A4-4FF2-B5C4-AFFA2A2E1089}" type="presParOf" srcId="{F18A9395-2637-4D5B-AFD6-3E655CDB6E5A}" destId="{409D837D-AB22-48B4-8DB5-6D27D5F85146}" srcOrd="0" destOrd="0" presId="urn:microsoft.com/office/officeart/2005/8/layout/lProcess2"/>
+    <dgm:cxn modelId="{3D8325E1-A9C9-43A3-936C-91B587E1F790}" type="presParOf" srcId="{F18A9395-2637-4D5B-AFD6-3E655CDB6E5A}" destId="{DF4A5756-84AD-47D0-BE72-346545A0417B}" srcOrd="1" destOrd="0" presId="urn:microsoft.com/office/officeart/2005/8/layout/lProcess2"/>
+    <dgm:cxn modelId="{95B199F6-80E4-4918-B652-3E4344BC8865}" type="presParOf" srcId="{F18A9395-2637-4D5B-AFD6-3E655CDB6E5A}" destId="{FDCEDDED-35DC-4625-9416-ED8111D15B24}" srcOrd="2" destOrd="0" presId="urn:microsoft.com/office/officeart/2005/8/layout/lProcess2"/>
+    <dgm:cxn modelId="{B2CE57E1-C5FE-4AB2-9ABD-F921230FF264}" type="presParOf" srcId="{F18A9395-2637-4D5B-AFD6-3E655CDB6E5A}" destId="{10C12377-40C7-4A1F-A428-A3A2282757C8}" srcOrd="3" destOrd="0" presId="urn:microsoft.com/office/officeart/2005/8/layout/lProcess2"/>
+    <dgm:cxn modelId="{86E5B714-1AF8-4CF5-A936-95203630B0F4}" type="presParOf" srcId="{F18A9395-2637-4D5B-AFD6-3E655CDB6E5A}" destId="{67268F5B-CA85-4F0E-A703-98A6EFA916F5}" srcOrd="4" destOrd="0" presId="urn:microsoft.com/office/officeart/2005/8/layout/lProcess2"/>
+    <dgm:cxn modelId="{6DCD47DD-E243-4F9E-A61D-8255A7F9C448}" type="presParOf" srcId="{F18A9395-2637-4D5B-AFD6-3E655CDB6E5A}" destId="{B287D41C-9042-4965-A930-05E9F3F48154}" srcOrd="5" destOrd="0" presId="urn:microsoft.com/office/officeart/2005/8/layout/lProcess2"/>
+    <dgm:cxn modelId="{2EB69F90-0228-4400-9BDF-9DDA5DE7216B}" type="presParOf" srcId="{F18A9395-2637-4D5B-AFD6-3E655CDB6E5A}" destId="{F7267502-1F5B-4BF9-AE43-BD98533907E4}" srcOrd="6" destOrd="0" presId="urn:microsoft.com/office/officeart/2005/8/layout/lProcess2"/>
+  </dgm:cxnLst>
+  <dgm:bg/>
+  <dgm:whole/>
+  <dgm:extLst>
+    <a:ext uri="http://schemas.microsoft.com/office/drawing/2008/diagram">
+      <dsp:dataModelExt xmlns:dsp="http://schemas.microsoft.com/office/drawing/2008/diagram" relId="rId7" minVer="http://schemas.openxmlformats.org/drawingml/2006/diagram"/>
+    </a:ext>
+  </dgm:extLst>
+</dgm:dataModel>
+</file>
+
+<file path=ppt/diagrams/data7.xml><?xml version="1.0" encoding="utf-8"?>
+<dgm:dataModel xmlns:dgm="http://schemas.openxmlformats.org/drawingml/2006/diagram" xmlns:a="http://schemas.openxmlformats.org/drawingml/2006/main">
+  <dgm:ptLst>
+    <dgm:pt modelId="{DC6A8977-EC5E-4DEE-B1FA-4DB41BEAC8C6}" type="doc">
+      <dgm:prSet loTypeId="urn:microsoft.com/office/officeart/2005/8/layout/lProcess2" loCatId="list" qsTypeId="urn:microsoft.com/office/officeart/2005/8/quickstyle/simple1" qsCatId="simple" csTypeId="urn:microsoft.com/office/officeart/2005/8/colors/colorful5" csCatId="colorful" phldr="1"/>
+      <dgm:spPr/>
+      <dgm:t>
+        <a:bodyPr/>
+        <a:lstStyle/>
+        <a:p>
+          <a:endParaRPr lang="en-US"/>
+        </a:p>
+      </dgm:t>
+    </dgm:pt>
+    <dgm:pt modelId="{232C7383-C8BF-44A6-A139-A5F108E44D5D}">
+      <dgm:prSet phldrT="[Text]"/>
+      <dgm:spPr/>
+      <dgm:t>
+        <a:bodyPr/>
+        <a:lstStyle/>
+        <a:p>
+          <a:r>
+            <a:rPr lang="EN-US" sz="1400" dirty="0"/>
+            <a:t>Missing IIS Link</a:t>
+          </a:r>
+          <a:endParaRPr lang="en-US" sz="1400"/>
+        </a:p>
+      </dgm:t>
+    </dgm:pt>
+    <dgm:pt modelId="{BF7192DA-197A-4734-B9DF-BCE4D0F77EFD}" type="parTrans" cxnId="{F06A41F9-19C7-43BE-98F8-7BCAC8E7F2C6}">
+      <dgm:prSet/>
+      <dgm:spPr/>
+      <dgm:t>
+        <a:bodyPr/>
+        <a:lstStyle/>
+        <a:p>
+          <a:endParaRPr lang="en-US"/>
+        </a:p>
+      </dgm:t>
+    </dgm:pt>
+    <dgm:pt modelId="{03E3B508-DD3E-4472-BE59-A8E87A62B7A7}" type="sibTrans" cxnId="{F06A41F9-19C7-43BE-98F8-7BCAC8E7F2C6}">
+      <dgm:prSet/>
+      <dgm:spPr/>
+      <dgm:t>
+        <a:bodyPr/>
+        <a:lstStyle/>
+        <a:p>
+          <a:endParaRPr lang="en-US"/>
+        </a:p>
+      </dgm:t>
+    </dgm:pt>
+    <dgm:pt modelId="{731D2CD7-2B2F-4848-8A52-CC59D59FA76B}">
+      <dgm:prSet phldrT="[Text]"/>
+      <dgm:spPr/>
+      <dgm:t>
+        <a:bodyPr/>
+        <a:lstStyle/>
+        <a:p>
+          <a:r>
+            <a:rPr lang="EN-US" dirty="0"/>
+            <a:t>Start</a:t>
+          </a:r>
+          <a:endParaRPr lang="en-US" dirty="0"/>
+        </a:p>
+      </dgm:t>
+    </dgm:pt>
+    <dgm:pt modelId="{3E4F99F0-6ACA-4F41-A785-0E58939D553C}" type="parTrans" cxnId="{24C064D0-0C0B-41F4-A090-4D9EB3A92B95}">
+      <dgm:prSet/>
+      <dgm:spPr/>
+      <dgm:t>
+        <a:bodyPr/>
+        <a:lstStyle/>
+        <a:p>
+          <a:endParaRPr lang="en-US"/>
+        </a:p>
+      </dgm:t>
+    </dgm:pt>
+    <dgm:pt modelId="{A17F3791-42F7-40C4-B7AA-953D0252C93D}" type="sibTrans" cxnId="{24C064D0-0C0B-41F4-A090-4D9EB3A92B95}">
+      <dgm:prSet/>
+      <dgm:spPr/>
+      <dgm:t>
+        <a:bodyPr/>
+        <a:lstStyle/>
+        <a:p>
+          <a:endParaRPr lang="en-US"/>
+        </a:p>
+      </dgm:t>
+    </dgm:pt>
+    <dgm:pt modelId="{B8F18B98-BFB4-453E-9D45-669258C6A9DE}">
+      <dgm:prSet phldrT="[Text]"/>
+      <dgm:spPr/>
+      <dgm:t>
+        <a:bodyPr/>
+        <a:lstStyle/>
+        <a:p>
+          <a:r>
+            <a:rPr lang="EN-US" dirty="0"/>
+            <a:t>Done</a:t>
+          </a:r>
+          <a:endParaRPr lang="en-US" dirty="0"/>
+        </a:p>
+      </dgm:t>
+    </dgm:pt>
+    <dgm:pt modelId="{DEA64AE3-3534-4B87-9250-311511928301}" type="parTrans" cxnId="{2B3EF633-D66B-4F74-B9CC-35999FAED0A3}">
+      <dgm:prSet/>
+      <dgm:spPr/>
+      <dgm:t>
+        <a:bodyPr/>
+        <a:lstStyle/>
+        <a:p>
+          <a:endParaRPr lang="en-US"/>
+        </a:p>
+      </dgm:t>
+    </dgm:pt>
+    <dgm:pt modelId="{B2250397-0911-4B8D-811F-B78B5E988754}" type="sibTrans" cxnId="{2B3EF633-D66B-4F74-B9CC-35999FAED0A3}">
+      <dgm:prSet/>
+      <dgm:spPr/>
+      <dgm:t>
+        <a:bodyPr/>
+        <a:lstStyle/>
+        <a:p>
+          <a:endParaRPr lang="en-US"/>
+        </a:p>
+      </dgm:t>
+    </dgm:pt>
+    <dgm:pt modelId="{BFE859A5-647C-4F91-A605-8AC8507E90AA}">
+      <dgm:prSet phldrT="[Text]"/>
+      <dgm:spPr/>
+      <dgm:t>
+        <a:bodyPr/>
+        <a:lstStyle/>
+        <a:p>
+          <a:r>
+            <a:rPr lang="EN-US" b="1" dirty="0"/>
+            <a:t>If Root is Closed</a:t>
+          </a:r>
+          <a:endParaRPr lang="EN-US" b="1" dirty="0"/>
         </a:p>
       </dgm:t>
     </dgm:pt>
@@ -10591,9 +10680,6 @@
             <a:t>Close Account</a:t>
           </a:r>
           <a:endParaRPr lang="EN-US" sz="3200" b="1" dirty="0">
-            <a:solidFill>
-              <a:srgbClr val="010000"/>
-            </a:solidFill>
             <a:latin typeface="Arial Black"/>
           </a:endParaRPr>
         </a:p>
@@ -10615,18 +10701,10 @@
         <a:lstStyle/>
         <a:p>
           <a:r>
-            <a:rPr lang="EN-US" sz="3400" b="1" dirty="0">
-              <a:solidFill>
-                <a:srgbClr val="FFFFFF"/>
-              </a:solidFill>
-            </a:rPr>
+            <a:rPr lang="EN-US" sz="3400" b="1" dirty="0"/>
             <a:t>Else</a:t>
           </a:r>
-          <a:endParaRPr lang="en-US" sz="3400" b="1" dirty="0">
-            <a:solidFill>
-              <a:srgbClr val="FFFFFF"/>
-            </a:solidFill>
-          </a:endParaRPr>
+          <a:endParaRPr lang="en-US" sz="3400" b="1" dirty="0"/>
         </a:p>
       </dgm:t>
     </dgm:pt>
@@ -10647,17 +10725,11 @@
         <a:p>
           <a:r>
             <a:rPr lang="EN-US" sz="2600" b="1" dirty="0">
-              <a:solidFill>
-                <a:srgbClr val="FFFFFF"/>
-              </a:solidFill>
               <a:latin typeface="Arial Black"/>
             </a:rPr>
             <a:t>Update Olympic</a:t>
           </a:r>
           <a:endParaRPr lang="en-US" sz="2600" b="1" dirty="0">
-            <a:solidFill>
-              <a:srgbClr val="FFFFFF"/>
-            </a:solidFill>
             <a:latin typeface="Arial Black"/>
           </a:endParaRPr>
         </a:p>
@@ -12028,7 +12100,7 @@
           </a:avLst>
         </a:prstGeom>
         <a:solidFill>
-          <a:schemeClr val="accent1">
+          <a:schemeClr val="accent5">
             <a:tint val="40000"/>
             <a:hueOff val="0"/>
             <a:satOff val="0"/>
@@ -12099,7 +12171,7 @@
           </a:avLst>
         </a:prstGeom>
         <a:solidFill>
-          <a:schemeClr val="accent1">
+          <a:schemeClr val="accent5">
             <a:hueOff val="0"/>
             <a:satOff val="0"/>
             <a:lumOff val="0"/>
@@ -12180,10 +12252,10 @@
           </a:avLst>
         </a:prstGeom>
         <a:solidFill>
-          <a:schemeClr val="accent1">
-            <a:hueOff val="0"/>
-            <a:satOff val="0"/>
-            <a:lumOff val="0"/>
+          <a:schemeClr val="accent5">
+            <a:hueOff val="-2451115"/>
+            <a:satOff val="-3409"/>
+            <a:lumOff val="-1307"/>
             <a:alphaOff val="0"/>
           </a:schemeClr>
         </a:solidFill>
@@ -12237,11 +12309,7 @@
             <a:rPr lang="EN-US" sz="1500" b="1" kern="1200" dirty="0"/>
             <a:t>If Root is Closed</a:t>
           </a:r>
-          <a:endParaRPr lang="EN-US" sz="1500" b="1" kern="1200" dirty="0">
-            <a:solidFill>
-              <a:srgbClr val="010000"/>
-            </a:solidFill>
-          </a:endParaRPr>
+          <a:endParaRPr lang="EN-US" sz="1500" b="1" kern="1200" dirty="0"/>
         </a:p>
         <a:p>
           <a:pPr marL="114300" lvl="1" indent="-114300" algn="l" defTabSz="533400">
@@ -12263,9 +12331,6 @@
             <a:t>Close Account</a:t>
           </a:r>
           <a:endParaRPr lang="EN-US" sz="1200" b="1" kern="1200" dirty="0">
-            <a:solidFill>
-              <a:srgbClr val="010000"/>
-            </a:solidFill>
             <a:latin typeface="Arial Black"/>
           </a:endParaRPr>
         </a:p>
@@ -12291,10 +12356,10 @@
           </a:avLst>
         </a:prstGeom>
         <a:solidFill>
-          <a:schemeClr val="accent1">
-            <a:hueOff val="0"/>
-            <a:satOff val="0"/>
-            <a:lumOff val="0"/>
+          <a:schemeClr val="accent5">
+            <a:hueOff val="-4902230"/>
+            <a:satOff val="-6819"/>
+            <a:lumOff val="-2615"/>
             <a:alphaOff val="0"/>
           </a:schemeClr>
         </a:solidFill>
@@ -12345,18 +12410,10 @@
             <a:buNone/>
           </a:pPr>
           <a:r>
-            <a:rPr lang="EN-US" sz="1500" b="1" kern="1200" dirty="0">
-              <a:solidFill>
-                <a:srgbClr val="FFFFFF"/>
-              </a:solidFill>
-            </a:rPr>
+            <a:rPr lang="EN-US" sz="1500" b="1" kern="1200" dirty="0"/>
             <a:t>Else</a:t>
           </a:r>
-          <a:endParaRPr lang="en-US" sz="1500" b="1" kern="1200" dirty="0">
-            <a:solidFill>
-              <a:srgbClr val="FFFFFF"/>
-            </a:solidFill>
-          </a:endParaRPr>
+          <a:endParaRPr lang="en-US" sz="1500" b="1" kern="1200" dirty="0"/>
         </a:p>
         <a:p>
           <a:pPr marL="114300" lvl="1" indent="-114300" algn="l" defTabSz="533400">
@@ -12373,17 +12430,11 @@
           </a:pPr>
           <a:r>
             <a:rPr lang="EN-US" sz="1200" b="1" kern="1200" dirty="0">
-              <a:solidFill>
-                <a:srgbClr val="FFFFFF"/>
-              </a:solidFill>
               <a:latin typeface="Arial Black"/>
             </a:rPr>
             <a:t>Update Olympic</a:t>
           </a:r>
           <a:endParaRPr lang="en-US" sz="1200" b="1" kern="1200" dirty="0">
-            <a:solidFill>
-              <a:srgbClr val="FFFFFF"/>
-            </a:solidFill>
             <a:latin typeface="Arial Black"/>
           </a:endParaRPr>
         </a:p>
@@ -12409,10 +12460,10 @@
           </a:avLst>
         </a:prstGeom>
         <a:solidFill>
-          <a:schemeClr val="accent1">
-            <a:hueOff val="0"/>
-            <a:satOff val="0"/>
-            <a:lumOff val="0"/>
+          <a:schemeClr val="accent5">
+            <a:hueOff val="-7353344"/>
+            <a:satOff val="-10228"/>
+            <a:lumOff val="-3922"/>
             <a:alphaOff val="0"/>
           </a:schemeClr>
         </a:solidFill>
@@ -12502,7 +12553,7 @@
           </a:avLst>
         </a:prstGeom>
         <a:solidFill>
-          <a:schemeClr val="accent1">
+          <a:schemeClr val="accent4">
             <a:tint val="40000"/>
             <a:hueOff val="0"/>
             <a:satOff val="0"/>
@@ -12573,7 +12624,7 @@
           </a:avLst>
         </a:prstGeom>
         <a:solidFill>
-          <a:schemeClr val="accent1">
+          <a:schemeClr val="accent4">
             <a:hueOff val="0"/>
             <a:satOff val="0"/>
             <a:lumOff val="0"/>
@@ -12627,10 +12678,14 @@
             <a:buNone/>
           </a:pPr>
           <a:r>
-            <a:rPr lang="EN-US" sz="1000" kern="1200" dirty="0"/>
+            <a:rPr lang="EN-US" sz="1000" kern="1200" dirty="0">
+              <a:latin typeface="Arial Black"/>
+            </a:rPr>
             <a:t>Start</a:t>
           </a:r>
-          <a:endParaRPr lang="en-US" sz="1000" kern="1200" dirty="0"/>
+          <a:endParaRPr lang="en-US" sz="1000" kern="1200" dirty="0">
+            <a:latin typeface="Arial Black"/>
+          </a:endParaRPr>
         </a:p>
       </dsp:txBody>
       <dsp:txXfrm>
@@ -12654,10 +12709,10 @@
           </a:avLst>
         </a:prstGeom>
         <a:solidFill>
-          <a:schemeClr val="accent1">
-            <a:hueOff val="0"/>
-            <a:satOff val="0"/>
-            <a:lumOff val="0"/>
+          <a:schemeClr val="accent4">
+            <a:hueOff val="5197846"/>
+            <a:satOff val="-23984"/>
+            <a:lumOff val="883"/>
             <a:alphaOff val="0"/>
           </a:schemeClr>
         </a:solidFill>
@@ -12718,17 +12773,11 @@
           </a:br>
           <a:r>
             <a:rPr lang="EN-US" sz="1000" kern="1200" dirty="0">
-              <a:solidFill>
-                <a:srgbClr val="FFFFFF"/>
-              </a:solidFill>
               <a:latin typeface="Arial Black"/>
             </a:rPr>
             <a:t>balance</a:t>
           </a:r>
           <a:endParaRPr lang="EN-US" sz="1000" kern="1200" dirty="0">
-            <a:solidFill>
-              <a:srgbClr val="FFFFFF"/>
-            </a:solidFill>
             <a:latin typeface="Arial Black"/>
           </a:endParaRPr>
         </a:p>
@@ -12754,10 +12803,10 @@
           </a:avLst>
         </a:prstGeom>
         <a:solidFill>
-          <a:schemeClr val="accent1">
-            <a:hueOff val="0"/>
-            <a:satOff val="0"/>
-            <a:lumOff val="0"/>
+          <a:schemeClr val="accent4">
+            <a:hueOff val="10395692"/>
+            <a:satOff val="-47968"/>
+            <a:lumOff val="1765"/>
             <a:alphaOff val="0"/>
           </a:schemeClr>
         </a:solidFill>
@@ -12847,7 +12896,7 @@
           </a:avLst>
         </a:prstGeom>
         <a:solidFill>
-          <a:schemeClr val="accent1">
+          <a:schemeClr val="accent3">
             <a:hueOff val="0"/>
             <a:satOff val="0"/>
             <a:lumOff val="0"/>
@@ -12929,7 +12978,7 @@
           </a:avLst>
         </a:prstGeom>
         <a:solidFill>
-          <a:schemeClr val="accent1">
+          <a:schemeClr val="accent3">
             <a:tint val="60000"/>
             <a:hueOff val="0"/>
             <a:satOff val="0"/>
@@ -12998,7 +13047,7 @@
           </a:avLst>
         </a:prstGeom>
         <a:solidFill>
-          <a:schemeClr val="accent1">
+          <a:schemeClr val="accent3">
             <a:hueOff val="0"/>
             <a:satOff val="0"/>
             <a:lumOff val="0"/>
@@ -13091,7 +13140,7 @@
           </a:avLst>
         </a:prstGeom>
         <a:solidFill>
-          <a:schemeClr val="accent1">
+          <a:schemeClr val="accent3">
             <a:tint val="40000"/>
             <a:hueOff val="0"/>
             <a:satOff val="0"/>
@@ -13162,7 +13211,7 @@
           </a:avLst>
         </a:prstGeom>
         <a:solidFill>
-          <a:schemeClr val="accent1">
+          <a:schemeClr val="accent3">
             <a:hueOff val="0"/>
             <a:satOff val="0"/>
             <a:lumOff val="0"/>
@@ -13243,7 +13292,7 @@
           </a:avLst>
         </a:prstGeom>
         <a:solidFill>
-          <a:schemeClr val="accent1">
+          <a:schemeClr val="accent3">
             <a:hueOff val="0"/>
             <a:satOff val="0"/>
             <a:lumOff val="0"/>
@@ -13336,7 +13385,7 @@
           </a:avLst>
         </a:prstGeom>
         <a:solidFill>
-          <a:schemeClr val="accent1">
+          <a:schemeClr val="accent3">
             <a:tint val="40000"/>
             <a:hueOff val="0"/>
             <a:satOff val="0"/>
@@ -13407,7 +13456,7 @@
           </a:avLst>
         </a:prstGeom>
         <a:solidFill>
-          <a:schemeClr val="accent1">
+          <a:schemeClr val="accent3">
             <a:hueOff val="0"/>
             <a:satOff val="0"/>
             <a:lumOff val="0"/>
@@ -13488,7 +13537,7 @@
           </a:avLst>
         </a:prstGeom>
         <a:solidFill>
-          <a:schemeClr val="accent1">
+          <a:schemeClr val="accent3">
             <a:hueOff val="0"/>
             <a:satOff val="0"/>
             <a:lumOff val="0"/>
@@ -13966,7 +14015,7 @@
           </a:avLst>
         </a:prstGeom>
         <a:solidFill>
-          <a:schemeClr val="accent1">
+          <a:schemeClr val="accent5">
             <a:tint val="40000"/>
             <a:hueOff val="0"/>
             <a:satOff val="0"/>
@@ -14037,7 +14086,7 @@
           </a:avLst>
         </a:prstGeom>
         <a:solidFill>
-          <a:schemeClr val="accent1">
+          <a:schemeClr val="accent5">
             <a:hueOff val="0"/>
             <a:satOff val="0"/>
             <a:lumOff val="0"/>
@@ -14092,7 +14141,7 @@
           </a:pPr>
           <a:r>
             <a:rPr lang="EN-US" sz="1700" kern="1200" dirty="0"/>
-            <a:t>Open</a:t>
+            <a:t>Start</a:t>
           </a:r>
           <a:endParaRPr lang="en-US" sz="1700" kern="1200" dirty="0"/>
         </a:p>
@@ -14118,10 +14167,10 @@
           </a:avLst>
         </a:prstGeom>
         <a:solidFill>
-          <a:schemeClr val="accent1">
-            <a:hueOff val="0"/>
-            <a:satOff val="0"/>
-            <a:lumOff val="0"/>
+          <a:schemeClr val="accent5">
+            <a:hueOff val="-2451115"/>
+            <a:satOff val="-3409"/>
+            <a:lumOff val="-1307"/>
             <a:alphaOff val="0"/>
           </a:schemeClr>
         </a:solidFill>
@@ -14175,11 +14224,7 @@
             <a:rPr lang="EN-US" sz="1700" b="1" kern="1200" dirty="0"/>
             <a:t>If Root is Closed</a:t>
           </a:r>
-          <a:endParaRPr lang="EN-US" sz="1700" b="1" kern="1200" dirty="0">
-            <a:solidFill>
-              <a:srgbClr val="010000"/>
-            </a:solidFill>
-          </a:endParaRPr>
+          <a:endParaRPr lang="EN-US" sz="1700" b="1" kern="1200" dirty="0"/>
         </a:p>
         <a:p>
           <a:pPr marL="114300" lvl="1" indent="-114300" algn="l" defTabSz="577850">
@@ -14198,11 +14243,7 @@
             <a:rPr lang="EN-US" sz="1300" b="1" kern="1200" dirty="0"/>
             <a:t>Close Account</a:t>
           </a:r>
-          <a:endParaRPr lang="EN-US" sz="1300" b="1" kern="1200" dirty="0">
-            <a:solidFill>
-              <a:srgbClr val="010000"/>
-            </a:solidFill>
-          </a:endParaRPr>
+          <a:endParaRPr lang="EN-US" sz="1300" b="1" kern="1200" dirty="0"/>
         </a:p>
       </dsp:txBody>
       <dsp:txXfrm>
@@ -14226,10 +14267,10 @@
           </a:avLst>
         </a:prstGeom>
         <a:solidFill>
-          <a:schemeClr val="accent1">
-            <a:hueOff val="0"/>
-            <a:satOff val="0"/>
-            <a:lumOff val="0"/>
+          <a:schemeClr val="accent5">
+            <a:hueOff val="-4902230"/>
+            <a:satOff val="-6819"/>
+            <a:lumOff val="-2615"/>
             <a:alphaOff val="0"/>
           </a:schemeClr>
         </a:solidFill>
@@ -14280,18 +14321,10 @@
             <a:buNone/>
           </a:pPr>
           <a:r>
-            <a:rPr lang="EN-US" sz="1700" b="1" kern="1200" dirty="0">
-              <a:solidFill>
-                <a:srgbClr val="FFFFFF"/>
-              </a:solidFill>
-            </a:rPr>
+            <a:rPr lang="EN-US" sz="1700" b="1" kern="1200" dirty="0"/>
             <a:t>Else</a:t>
           </a:r>
-          <a:endParaRPr lang="en-US" sz="1700" b="1" kern="1200" dirty="0">
-            <a:solidFill>
-              <a:srgbClr val="FFFFFF"/>
-            </a:solidFill>
-          </a:endParaRPr>
+          <a:endParaRPr lang="en-US" sz="1700" b="1" kern="1200" dirty="0"/>
         </a:p>
         <a:p>
           <a:pPr marL="114300" lvl="1" indent="-114300" algn="l" defTabSz="577850">
@@ -14307,18 +14340,10 @@
             <a:buChar char="•"/>
           </a:pPr>
           <a:r>
-            <a:rPr lang="EN-US" sz="1300" b="1" kern="1200" dirty="0">
-              <a:solidFill>
-                <a:srgbClr val="FFFFFF"/>
-              </a:solidFill>
-            </a:rPr>
+            <a:rPr lang="EN-US" sz="1300" b="1" kern="1200" dirty="0"/>
             <a:t>Update Olympic</a:t>
           </a:r>
-          <a:endParaRPr lang="en-US" sz="1300" b="1" kern="1200" dirty="0">
-            <a:solidFill>
-              <a:srgbClr val="FFFFFF"/>
-            </a:solidFill>
-          </a:endParaRPr>
+          <a:endParaRPr lang="en-US" sz="1300" b="1" kern="1200" dirty="0"/>
         </a:p>
       </dsp:txBody>
       <dsp:txXfrm>
@@ -14342,10 +14367,10 @@
           </a:avLst>
         </a:prstGeom>
         <a:solidFill>
-          <a:schemeClr val="accent1">
-            <a:hueOff val="0"/>
-            <a:satOff val="0"/>
-            <a:lumOff val="0"/>
+          <a:schemeClr val="accent5">
+            <a:hueOff val="-7353344"/>
+            <a:satOff val="-10228"/>
+            <a:lumOff val="-3922"/>
             <a:alphaOff val="0"/>
           </a:schemeClr>
         </a:solidFill>
@@ -14435,7 +14460,7 @@
           </a:avLst>
         </a:prstGeom>
         <a:solidFill>
-          <a:schemeClr val="accent1">
+          <a:schemeClr val="accent5">
             <a:tint val="40000"/>
             <a:hueOff val="0"/>
             <a:satOff val="0"/>
@@ -14506,7 +14531,7 @@
           </a:avLst>
         </a:prstGeom>
         <a:solidFill>
-          <a:schemeClr val="accent1">
+          <a:schemeClr val="accent5">
             <a:hueOff val="0"/>
             <a:satOff val="0"/>
             <a:lumOff val="0"/>
@@ -14587,10 +14612,10 @@
           </a:avLst>
         </a:prstGeom>
         <a:solidFill>
-          <a:schemeClr val="accent1">
-            <a:hueOff val="0"/>
-            <a:satOff val="0"/>
-            <a:lumOff val="0"/>
+          <a:schemeClr val="accent5">
+            <a:hueOff val="-2451115"/>
+            <a:satOff val="-3409"/>
+            <a:lumOff val="-1307"/>
             <a:alphaOff val="0"/>
           </a:schemeClr>
         </a:solidFill>
@@ -14644,11 +14669,7 @@
             <a:rPr lang="EN-US" sz="1600" b="1" kern="1200" dirty="0"/>
             <a:t>If Root is Closed</a:t>
           </a:r>
-          <a:endParaRPr lang="EN-US" sz="1600" b="1" kern="1200" dirty="0">
-            <a:solidFill>
-              <a:srgbClr val="010000"/>
-            </a:solidFill>
-          </a:endParaRPr>
+          <a:endParaRPr lang="EN-US" sz="1600" b="1" kern="1200" dirty="0"/>
         </a:p>
         <a:p>
           <a:pPr marL="114300" lvl="1" indent="-114300" algn="l" defTabSz="533400">
@@ -14670,9 +14691,6 @@
             <a:t>Close Account</a:t>
           </a:r>
           <a:endParaRPr lang="EN-US" sz="1200" b="1" kern="1200" dirty="0">
-            <a:solidFill>
-              <a:srgbClr val="010000"/>
-            </a:solidFill>
             <a:latin typeface="Arial Black"/>
           </a:endParaRPr>
         </a:p>
@@ -14698,10 +14716,10 @@
           </a:avLst>
         </a:prstGeom>
         <a:solidFill>
-          <a:schemeClr val="accent1">
-            <a:hueOff val="0"/>
-            <a:satOff val="0"/>
-            <a:lumOff val="0"/>
+          <a:schemeClr val="accent5">
+            <a:hueOff val="-4902230"/>
+            <a:satOff val="-6819"/>
+            <a:lumOff val="-2615"/>
             <a:alphaOff val="0"/>
           </a:schemeClr>
         </a:solidFill>
@@ -14752,18 +14770,10 @@
             <a:buNone/>
           </a:pPr>
           <a:r>
-            <a:rPr lang="EN-US" sz="1600" b="1" kern="1200" dirty="0">
-              <a:solidFill>
-                <a:srgbClr val="FFFFFF"/>
-              </a:solidFill>
-            </a:rPr>
+            <a:rPr lang="EN-US" sz="1600" b="1" kern="1200" dirty="0"/>
             <a:t>Else</a:t>
           </a:r>
-          <a:endParaRPr lang="en-US" sz="1600" b="1" kern="1200" dirty="0">
-            <a:solidFill>
-              <a:srgbClr val="FFFFFF"/>
-            </a:solidFill>
-          </a:endParaRPr>
+          <a:endParaRPr lang="en-US" sz="1600" b="1" kern="1200" dirty="0"/>
         </a:p>
         <a:p>
           <a:pPr marL="114300" lvl="1" indent="-114300" algn="l" defTabSz="533400">
@@ -14780,17 +14790,11 @@
           </a:pPr>
           <a:r>
             <a:rPr lang="EN-US" sz="1200" b="1" kern="1200" dirty="0">
-              <a:solidFill>
-                <a:srgbClr val="FFFFFF"/>
-              </a:solidFill>
               <a:latin typeface="Arial Black"/>
             </a:rPr>
             <a:t>Update Olympic</a:t>
           </a:r>
           <a:endParaRPr lang="en-US" sz="1200" b="1" kern="1200" dirty="0">
-            <a:solidFill>
-              <a:srgbClr val="FFFFFF"/>
-            </a:solidFill>
             <a:latin typeface="Arial Black"/>
           </a:endParaRPr>
         </a:p>
@@ -14816,10 +14820,10 @@
           </a:avLst>
         </a:prstGeom>
         <a:solidFill>
-          <a:schemeClr val="accent1">
-            <a:hueOff val="0"/>
-            <a:satOff val="0"/>
-            <a:lumOff val="0"/>
+          <a:schemeClr val="accent5">
+            <a:hueOff val="-7353344"/>
+            <a:satOff val="-10228"/>
+            <a:lumOff val="-3922"/>
             <a:alphaOff val="0"/>
           </a:schemeClr>
         </a:solidFill>
@@ -29692,7 +29696,7 @@
           <a:p>
             <a:fld id="{BE5EE828-4A3B-46D9-BCB6-B0F3A777AF9C}" type="slidenum">
               <a:rPr lang="en-US"/>
-              <a:t>10</a:t>
+              <a:t>4</a:t>
             </a:fld>
             <a:endParaRPr lang="en-US"/>
           </a:p>
@@ -29701,7 +29705,7 @@
     </p:spTree>
     <p:extLst>
       <p:ext uri="{BB962C8B-B14F-4D97-AF65-F5344CB8AC3E}">
-        <p14:creationId xmlns:p14="http://schemas.microsoft.com/office/powerpoint/2010/main" val="3752192688"/>
+        <p14:creationId xmlns:p14="http://schemas.microsoft.com/office/powerpoint/2010/main" val="1807038557"/>
       </p:ext>
     </p:extLst>
   </p:cSld>
@@ -33380,8 +33384,8 @@
         </p:nvSpPr>
         <p:spPr>
           <a:xfrm>
-            <a:off x="-23813" y="0"/>
-            <a:ext cx="12201210" cy="1350963"/>
+            <a:off x="-4763" y="0"/>
+            <a:ext cx="12182160" cy="1350963"/>
           </a:xfrm>
         </p:spPr>
         <p:style>
@@ -33408,7 +33412,7 @@
           <a:p>
             <a:r>
               <a:rPr lang="EN-US" dirty="0"/>
-              <a:t>Six Degrees Of Separation</a:t>
+              <a:t>ITAU Universe</a:t>
             </a:r>
             <a:endParaRPr lang="en-US" dirty="0"/>
           </a:p>
@@ -33426,8 +33430,8 @@
         </p:nvSpPr>
         <p:spPr>
           <a:xfrm>
-            <a:off x="20638" y="1449388"/>
-            <a:ext cx="12026463" cy="5444169"/>
+            <a:off x="4763" y="1378636"/>
+            <a:ext cx="12166600" cy="5469839"/>
           </a:xfrm>
         </p:spPr>
         <p:txBody>
@@ -33436,6 +33440,106 @@
           </a:bodyPr>
           <a:lstStyle/>
           <a:p>
+            <a:r>
+              <a:rPr lang="EN-US" sz="2800" dirty="0">
+                <a:latin typeface="Arial"/>
+              </a:rPr>
+              <a:t>While taking care of big problems is vital, those solutions need to be based on solid infrastructure </a:t>
+            </a:r>
+            <a:endParaRPr lang="en-US" sz="2800">
+              <a:latin typeface="Arial"/>
+            </a:endParaRPr>
+          </a:p>
+          <a:p>
+            <a:pPr algn="l"/>
+            <a:endParaRPr lang="EN-US">
+              <a:latin typeface="Arial"/>
+            </a:endParaRPr>
+          </a:p>
+        </p:txBody>
+      </p:sp>
+      <p:pic>
+        <p:nvPicPr>
+          <p:cNvPr id="6" name="Picture 5"/>
+          <p:cNvPicPr>
+            <a:picLocks noChangeAspect="1"/>
+          </p:cNvPicPr>
+          <p:nvPr/>
+        </p:nvPicPr>
+        <p:blipFill>
+          <a:blip r:embed="rId3"/>
+          <a:stretch>
+            <a:fillRect/>
+          </a:stretch>
+        </p:blipFill>
+        <p:spPr>
+          <a:xfrm>
+            <a:off x="724944" y="3028950"/>
+            <a:ext cx="3741588" cy="3637392"/>
+          </a:xfrm>
+          <a:prstGeom prst="rect">
+            <a:avLst/>
+          </a:prstGeom>
+        </p:spPr>
+      </p:pic>
+      <p:pic>
+        <p:nvPicPr>
+          <p:cNvPr id="9" name="Picture 8"/>
+          <p:cNvPicPr>
+            <a:picLocks noChangeAspect="1"/>
+          </p:cNvPicPr>
+          <p:nvPr/>
+        </p:nvPicPr>
+        <p:blipFill>
+          <a:blip r:embed="rId4"/>
+          <a:stretch>
+            <a:fillRect/>
+          </a:stretch>
+        </p:blipFill>
+        <p:spPr>
+          <a:xfrm>
+            <a:off x="7083138" y="2985875"/>
+            <a:ext cx="4770725" cy="3576850"/>
+          </a:xfrm>
+          <a:prstGeom prst="rect">
+            <a:avLst/>
+          </a:prstGeom>
+        </p:spPr>
+      </p:pic>
+      <p:sp>
+        <p:nvSpPr>
+          <p:cNvPr id="10" name="Arrow: Right 9"/>
+          <p:cNvSpPr/>
+          <p:nvPr/>
+        </p:nvSpPr>
+        <p:spPr>
+          <a:xfrm>
+            <a:off x="5010157" y="4924425"/>
+            <a:ext cx="978408" cy="484632"/>
+          </a:xfrm>
+          <a:prstGeom prst="rightArrow">
+            <a:avLst/>
+          </a:prstGeom>
+        </p:spPr>
+        <p:style>
+          <a:lnRef idx="1">
+            <a:schemeClr val="accent3"/>
+          </a:lnRef>
+          <a:fillRef idx="2">
+            <a:schemeClr val="accent3"/>
+          </a:fillRef>
+          <a:effectRef idx="1">
+            <a:schemeClr val="accent3"/>
+          </a:effectRef>
+          <a:fontRef idx="minor">
+            <a:schemeClr val="dk1"/>
+          </a:fontRef>
+        </p:style>
+        <p:txBody>
+          <a:bodyPr rtlCol="0" anchor="ctr"/>
+          <a:lstStyle/>
+          <a:p>
+            <a:pPr algn="ctr"/>
             <a:endParaRPr lang="en-US"/>
           </a:p>
         </p:txBody>
@@ -33443,7 +33547,7 @@
     </p:spTree>
     <p:extLst>
       <p:ext uri="{BB962C8B-B14F-4D97-AF65-F5344CB8AC3E}">
-        <p14:creationId xmlns:p14="http://schemas.microsoft.com/office/powerpoint/2010/main" val="837038074"/>
+        <p14:creationId xmlns:p14="http://schemas.microsoft.com/office/powerpoint/2010/main" val="1067535443"/>
       </p:ext>
     </p:extLst>
   </p:cSld>
@@ -33510,7 +33614,7 @@
           <a:p>
             <a:r>
               <a:rPr lang="EN-US" dirty="0"/>
-              <a:t>ICE Final Goal</a:t>
+              <a:t>ICE Ultimate Goal</a:t>
             </a:r>
             <a:endParaRPr lang="en-US" dirty="0"/>
           </a:p>
@@ -33550,8 +33654,8 @@
           </a:p>
           <a:p>
             <a:pPr marL="914400" lvl="1" indent="-457200" algn="l">
-              <a:buFont typeface="+mj-lt"/>
-              <a:buAutoNum type="arabicPeriod"/>
+              <a:buFont typeface="Arial" panose="020B0604020202020204" pitchFamily="34" charset="0"/>
+              <a:buChar char="•"/>
             </a:pPr>
             <a:r>
               <a:rPr lang="EN-US" sz="3200" dirty="0"/>
@@ -33561,8 +33665,8 @@
           </a:p>
           <a:p>
             <a:pPr marL="914400" lvl="1" indent="-457200" algn="l">
-              <a:buFont typeface="+mj-lt"/>
-              <a:buAutoNum type="arabicPeriod"/>
+              <a:buFont typeface="Arial" panose="020B0604020202020204" pitchFamily="34" charset="0"/>
+              <a:buChar char="•"/>
             </a:pPr>
             <a:r>
               <a:rPr lang="EN-US" sz="3200" dirty="0"/>
@@ -33791,7 +33895,7 @@
           <p:nvPr>
             <p:extLst>
               <p:ext uri="{D42A27DB-BD31-4B8C-83A1-F6EECF244321}">
-                <p14:modId xmlns:p14="http://schemas.microsoft.com/office/powerpoint/2010/main" val="1820242536"/>
+                <p14:modId xmlns:p14="http://schemas.microsoft.com/office/powerpoint/2010/main" val="3069932523"/>
               </p:ext>
             </p:extLst>
           </p:nvPr>
@@ -33915,17 +34019,13 @@
             <a:endParaRPr lang="en-US" sz="4400"/>
           </a:p>
           <a:p>
-            <a:pPr algn="l"/>
-            <a:endParaRPr lang="en-US"/>
-          </a:p>
-          <a:p>
             <a:pPr marL="457200" indent="-457200" algn="l">
               <a:buFont typeface="+mj-lt"/>
               <a:buAutoNum type="arabicPeriod"/>
             </a:pPr>
             <a:r>
               <a:rPr lang="EN-US" dirty="0"/>
-              <a:t>Identify the simplest task that are not handled by current process</a:t>
+              <a:t>Identify the simplest activity that are not handled by current process</a:t>
             </a:r>
             <a:endParaRPr lang="en-US" dirty="0"/>
           </a:p>
@@ -33936,7 +34036,7 @@
             </a:pPr>
             <a:r>
               <a:rPr lang="EN-US" dirty="0"/>
-              <a:t>It should have zero or few dependencies on others</a:t>
+              <a:t>Activity should have zero or few dependencies on others</a:t>
             </a:r>
             <a:endParaRPr lang="en-US" dirty="0"/>
           </a:p>
@@ -33947,7 +34047,7 @@
             </a:pPr>
             <a:r>
               <a:rPr lang="EN-US" dirty="0"/>
-              <a:t>Assign it to queue in JIRA as a </a:t>
+              <a:t>Assign activity to queue in JIRA as a </a:t>
             </a:r>
             <a:r>
               <a:rPr lang="EN-US" b="1" dirty="0"/>
@@ -33978,13 +34078,13 @@
           <p:nvPr>
             <p:extLst>
               <p:ext uri="{D42A27DB-BD31-4B8C-83A1-F6EECF244321}">
-                <p14:modId xmlns:p14="http://schemas.microsoft.com/office/powerpoint/2010/main" val="3385253784"/>
+                <p14:modId xmlns:p14="http://schemas.microsoft.com/office/powerpoint/2010/main" val="1726995674"/>
               </p:ext>
             </p:extLst>
           </p:nvPr>
         </p:nvGraphicFramePr>
         <p:xfrm>
-          <a:off x="476250" y="4276725"/>
+          <a:off x="638535" y="4103739"/>
           <a:ext cx="4818281" cy="1808163"/>
         </p:xfrm>
         <a:graphic>
@@ -34000,13 +34100,13 @@
           <p:nvPr>
             <p:extLst>
               <p:ext uri="{D42A27DB-BD31-4B8C-83A1-F6EECF244321}">
-                <p14:modId xmlns:p14="http://schemas.microsoft.com/office/powerpoint/2010/main" val="3322089237"/>
+                <p14:modId xmlns:p14="http://schemas.microsoft.com/office/powerpoint/2010/main" val="968107007"/>
               </p:ext>
             </p:extLst>
           </p:nvPr>
         </p:nvGraphicFramePr>
         <p:xfrm>
-          <a:off x="5643521" y="4276725"/>
+          <a:off x="6460327" y="4067175"/>
           <a:ext cx="4572000" cy="1808694"/>
         </p:xfrm>
         <a:graphic>
@@ -34250,7 +34350,7 @@
           <a:p>
             <a:r>
               <a:rPr lang="EN-US" dirty="0"/>
-              <a:t>Tune Up </a:t>
+              <a:t>Expand </a:t>
             </a:r>
             <a:r>
               <a:rPr lang="EN-US" dirty="0" err="1"/>
@@ -34297,7 +34397,7 @@
           <p:nvPr>
             <p:extLst>
               <p:ext uri="{D42A27DB-BD31-4B8C-83A1-F6EECF244321}">
-                <p14:modId xmlns:p14="http://schemas.microsoft.com/office/powerpoint/2010/main" val="2608259824"/>
+                <p14:modId xmlns:p14="http://schemas.microsoft.com/office/powerpoint/2010/main" val="3034969940"/>
               </p:ext>
             </p:extLst>
           </p:nvPr>
@@ -34448,7 +34548,7 @@
           <p:nvPr>
             <p:extLst>
               <p:ext uri="{D42A27DB-BD31-4B8C-83A1-F6EECF244321}">
-                <p14:modId xmlns:p14="http://schemas.microsoft.com/office/powerpoint/2010/main" val="3633494917"/>
+                <p14:modId xmlns:p14="http://schemas.microsoft.com/office/powerpoint/2010/main" val="2507788917"/>
               </p:ext>
             </p:extLst>
           </p:nvPr>
@@ -34707,7 +34807,7 @@
           <p:nvPr>
             <p:extLst>
               <p:ext uri="{D42A27DB-BD31-4B8C-83A1-F6EECF244321}">
-                <p14:modId xmlns:p14="http://schemas.microsoft.com/office/powerpoint/2010/main" val="1407429177"/>
+                <p14:modId xmlns:p14="http://schemas.microsoft.com/office/powerpoint/2010/main" val="2571262079"/>
               </p:ext>
             </p:extLst>
           </p:nvPr>
@@ -34729,7 +34829,7 @@
           <p:nvPr>
             <p:extLst>
               <p:ext uri="{D42A27DB-BD31-4B8C-83A1-F6EECF244321}">
-                <p14:modId xmlns:p14="http://schemas.microsoft.com/office/powerpoint/2010/main" val="3190710908"/>
+                <p14:modId xmlns:p14="http://schemas.microsoft.com/office/powerpoint/2010/main" val="538483652"/>
               </p:ext>
             </p:extLst>
           </p:nvPr>
@@ -35142,7 +35242,7 @@
           <a:p>
             <a:r>
               <a:rPr lang="EN-US" dirty="0"/>
-              <a:t>Metaphorically Speaking</a:t>
+              <a:t>The Continuing Mission</a:t>
             </a:r>
             <a:endParaRPr lang="en-US" dirty="0"/>
           </a:p>
@@ -35170,10 +35270,6 @@
           </a:bodyPr>
           <a:lstStyle/>
           <a:p>
-            <a:r>
-              <a:rPr lang="EN-US" sz="3200" dirty="0"/>
-              <a:t>The Continuing Mission To:</a:t>
-            </a:r>
             <a:endParaRPr lang="en-US" sz="3200" dirty="0"/>
           </a:p>
           <a:p>
@@ -35256,16 +35352,12 @@
               <a:buAutoNum type="arabicPeriod"/>
             </a:pPr>
             <a:r>
-              <a:rPr lang="EN-US" dirty="0"/>
-              <a:t>Freeze </a:t>
-            </a:r>
-            <a:r>
               <a:rPr lang="EN-US" b="1" dirty="0"/>
-              <a:t>liquid flows</a:t>
+              <a:t>Freeze</a:t>
             </a:r>
             <a:r>
               <a:rPr lang="EN-US" dirty="0"/>
-              <a:t> into solid metadata-based infrastructure, infused with business rules. </a:t>
+              <a:t> liquid flows into solid metadata-based infrastructure, infused with business rules. </a:t>
             </a:r>
             <a:endParaRPr lang="en-US"/>
           </a:p>
